--- a/work.pptx
+++ b/work.pptx
@@ -5,10 +5,10 @@
     <p:sldMasterId id="2147483648" r:id="rId4"/>
   </p:sldMasterIdLst>
   <p:notesMasterIdLst>
-    <p:notesMasterId r:id="rId40"/>
+    <p:notesMasterId r:id="rId41"/>
   </p:notesMasterIdLst>
   <p:handoutMasterIdLst>
-    <p:handoutMasterId r:id="rId41"/>
+    <p:handoutMasterId r:id="rId42"/>
   </p:handoutMasterIdLst>
   <p:sldIdLst>
     <p:sldId id="256" r:id="rId5"/>
@@ -44,8 +44,9 @@
     <p:sldId id="288" r:id="rId35"/>
     <p:sldId id="291" r:id="rId36"/>
     <p:sldId id="289" r:id="rId37"/>
-    <p:sldId id="290" r:id="rId38"/>
-    <p:sldId id="292" r:id="rId39"/>
+    <p:sldId id="293" r:id="rId38"/>
+    <p:sldId id="290" r:id="rId39"/>
+    <p:sldId id="292" r:id="rId40"/>
   </p:sldIdLst>
   <p:sldSz cx="12192000" cy="6858000"/>
   <p:notesSz cx="6858000" cy="9144000"/>
@@ -158,7 +159,7 @@
 <file path=ppt/revisionInfo.xml><?xml version="1.0" encoding="utf-8"?>
 <p1510:revInfo xmlns:a="http://schemas.openxmlformats.org/drawingml/2006/main" xmlns:r="http://schemas.openxmlformats.org/officeDocument/2006/relationships" xmlns:p1510="http://schemas.microsoft.com/office/powerpoint/2015/10/main">
   <p1510:revLst>
-    <p1510:client id="{7B29A387-81C3-4DC3-8DD1-E7E42D5484F3}" v="99" dt="2022-05-08T08:50:23.811"/>
+    <p1510:client id="{7B29A387-81C3-4DC3-8DD1-E7E42D5484F3}" v="105" dt="2022-05-08T10:00:15.509"/>
   </p1510:revLst>
 </p1510:revInfo>
 </file>
@@ -168,7 +169,7 @@
   <pc:docChgLst>
     <pc:chgData name="Dominique RIGHETTO" userId="512fe077-82ad-424c-88a3-15e852b5861d" providerId="ADAL" clId="{7B29A387-81C3-4DC3-8DD1-E7E42D5484F3}"/>
     <pc:docChg chg="undo custSel addSld delSld modSld sldOrd">
-      <pc:chgData name="Dominique RIGHETTO" userId="512fe077-82ad-424c-88a3-15e852b5861d" providerId="ADAL" clId="{7B29A387-81C3-4DC3-8DD1-E7E42D5484F3}" dt="2022-05-08T08:51:16.389" v="12174" actId="1076"/>
+      <pc:chgData name="Dominique RIGHETTO" userId="512fe077-82ad-424c-88a3-15e852b5861d" providerId="ADAL" clId="{7B29A387-81C3-4DC3-8DD1-E7E42D5484F3}" dt="2022-05-08T10:00:34.357" v="12330" actId="1076"/>
       <pc:docMkLst>
         <pc:docMk/>
       </pc:docMkLst>
@@ -212,37 +213,37 @@
         </pc:picChg>
       </pc:sldChg>
       <pc:sldChg chg="addSp delSp modSp add mod">
-        <pc:chgData name="Dominique RIGHETTO" userId="512fe077-82ad-424c-88a3-15e852b5861d" providerId="ADAL" clId="{7B29A387-81C3-4DC3-8DD1-E7E42D5484F3}" dt="2022-05-08T08:37:55.154" v="12129" actId="20577"/>
+        <pc:chgData name="Dominique RIGHETTO" userId="512fe077-82ad-424c-88a3-15e852b5861d" providerId="ADAL" clId="{7B29A387-81C3-4DC3-8DD1-E7E42D5484F3}" dt="2022-05-08T10:00:34.357" v="12330" actId="1076"/>
         <pc:sldMkLst>
           <pc:docMk/>
           <pc:sldMk cId="2940208079" sldId="259"/>
         </pc:sldMkLst>
         <pc:spChg chg="mod">
-          <ac:chgData name="Dominique RIGHETTO" userId="512fe077-82ad-424c-88a3-15e852b5861d" providerId="ADAL" clId="{7B29A387-81C3-4DC3-8DD1-E7E42D5484F3}" dt="2022-05-08T08:37:55.154" v="12129" actId="20577"/>
+          <ac:chgData name="Dominique RIGHETTO" userId="512fe077-82ad-424c-88a3-15e852b5861d" providerId="ADAL" clId="{7B29A387-81C3-4DC3-8DD1-E7E42D5484F3}" dt="2022-05-08T10:00:25.066" v="12327" actId="27636"/>
           <ac:spMkLst>
             <pc:docMk/>
             <pc:sldMk cId="2940208079" sldId="259"/>
             <ac:spMk id="3" creationId="{9D5232F9-FD00-464A-9F17-619C91AEF8F3}"/>
           </ac:spMkLst>
         </pc:spChg>
-        <pc:spChg chg="add mod">
-          <ac:chgData name="Dominique RIGHETTO" userId="512fe077-82ad-424c-88a3-15e852b5861d" providerId="ADAL" clId="{7B29A387-81C3-4DC3-8DD1-E7E42D5484F3}" dt="2022-05-07T12:12:59.256" v="8143" actId="1076"/>
+        <pc:spChg chg="add del mod">
+          <ac:chgData name="Dominique RIGHETTO" userId="512fe077-82ad-424c-88a3-15e852b5861d" providerId="ADAL" clId="{7B29A387-81C3-4DC3-8DD1-E7E42D5484F3}" dt="2022-05-08T09:56:43.067" v="12311" actId="478"/>
           <ac:spMkLst>
             <pc:docMk/>
             <pc:sldMk cId="2940208079" sldId="259"/>
             <ac:spMk id="7" creationId="{CB72B43D-19AD-3215-0B08-B3ECCB829276}"/>
           </ac:spMkLst>
         </pc:spChg>
-        <pc:spChg chg="add mod">
-          <ac:chgData name="Dominique RIGHETTO" userId="512fe077-82ad-424c-88a3-15e852b5861d" providerId="ADAL" clId="{7B29A387-81C3-4DC3-8DD1-E7E42D5484F3}" dt="2022-05-07T12:12:59.256" v="8143" actId="1076"/>
+        <pc:spChg chg="add del mod">
+          <ac:chgData name="Dominique RIGHETTO" userId="512fe077-82ad-424c-88a3-15e852b5861d" providerId="ADAL" clId="{7B29A387-81C3-4DC3-8DD1-E7E42D5484F3}" dt="2022-05-08T09:56:43.067" v="12311" actId="478"/>
           <ac:spMkLst>
             <pc:docMk/>
             <pc:sldMk cId="2940208079" sldId="259"/>
             <ac:spMk id="8" creationId="{E4678E2F-F130-B495-5F30-B5CAB697536C}"/>
           </ac:spMkLst>
         </pc:spChg>
-        <pc:spChg chg="add mod">
-          <ac:chgData name="Dominique RIGHETTO" userId="512fe077-82ad-424c-88a3-15e852b5861d" providerId="ADAL" clId="{7B29A387-81C3-4DC3-8DD1-E7E42D5484F3}" dt="2022-05-07T12:12:59.256" v="8143" actId="1076"/>
+        <pc:spChg chg="add del mod">
+          <ac:chgData name="Dominique RIGHETTO" userId="512fe077-82ad-424c-88a3-15e852b5861d" providerId="ADAL" clId="{7B29A387-81C3-4DC3-8DD1-E7E42D5484F3}" dt="2022-05-08T09:56:43.067" v="12311" actId="478"/>
           <ac:spMkLst>
             <pc:docMk/>
             <pc:sldMk cId="2940208079" sldId="259"/>
@@ -281,16 +282,16 @@
             <ac:spMk id="13" creationId="{62331BB0-DE6F-FAEC-6040-1036C203C1CD}"/>
           </ac:spMkLst>
         </pc:spChg>
-        <pc:spChg chg="add mod">
-          <ac:chgData name="Dominique RIGHETTO" userId="512fe077-82ad-424c-88a3-15e852b5861d" providerId="ADAL" clId="{7B29A387-81C3-4DC3-8DD1-E7E42D5484F3}" dt="2022-05-07T12:12:59.256" v="8143" actId="1076"/>
+        <pc:spChg chg="add del mod">
+          <ac:chgData name="Dominique RIGHETTO" userId="512fe077-82ad-424c-88a3-15e852b5861d" providerId="ADAL" clId="{7B29A387-81C3-4DC3-8DD1-E7E42D5484F3}" dt="2022-05-08T09:56:43.067" v="12311" actId="478"/>
           <ac:spMkLst>
             <pc:docMk/>
             <pc:sldMk cId="2940208079" sldId="259"/>
             <ac:spMk id="14" creationId="{8B4BF195-546E-E357-A6AD-E08B37D11137}"/>
           </ac:spMkLst>
         </pc:spChg>
-        <pc:spChg chg="add mod">
-          <ac:chgData name="Dominique RIGHETTO" userId="512fe077-82ad-424c-88a3-15e852b5861d" providerId="ADAL" clId="{7B29A387-81C3-4DC3-8DD1-E7E42D5484F3}" dt="2022-05-07T12:12:59.256" v="8143" actId="1076"/>
+        <pc:spChg chg="add del mod">
+          <ac:chgData name="Dominique RIGHETTO" userId="512fe077-82ad-424c-88a3-15e852b5861d" providerId="ADAL" clId="{7B29A387-81C3-4DC3-8DD1-E7E42D5484F3}" dt="2022-05-08T09:56:43.067" v="12311" actId="478"/>
           <ac:spMkLst>
             <pc:docMk/>
             <pc:sldMk cId="2940208079" sldId="259"/>
@@ -305,8 +306,24 @@
             <ac:spMk id="18" creationId="{363E90F1-1BA0-7D77-F051-FF51B7F1A167}"/>
           </ac:spMkLst>
         </pc:spChg>
-        <pc:picChg chg="add mod">
-          <ac:chgData name="Dominique RIGHETTO" userId="512fe077-82ad-424c-88a3-15e852b5861d" providerId="ADAL" clId="{7B29A387-81C3-4DC3-8DD1-E7E42D5484F3}" dt="2022-05-07T12:12:59.256" v="8143" actId="1076"/>
+        <pc:picChg chg="add del mod">
+          <ac:chgData name="Dominique RIGHETTO" userId="512fe077-82ad-424c-88a3-15e852b5861d" providerId="ADAL" clId="{7B29A387-81C3-4DC3-8DD1-E7E42D5484F3}" dt="2022-05-08T09:55:00.268" v="12306" actId="478"/>
+          <ac:picMkLst>
+            <pc:docMk/>
+            <pc:sldMk cId="2940208079" sldId="259"/>
+            <ac:picMk id="11" creationId="{46874C11-EAD1-2C52-EB64-FB813E693BB6}"/>
+          </ac:picMkLst>
+        </pc:picChg>
+        <pc:picChg chg="add del mod">
+          <ac:chgData name="Dominique RIGHETTO" userId="512fe077-82ad-424c-88a3-15e852b5861d" providerId="ADAL" clId="{7B29A387-81C3-4DC3-8DD1-E7E42D5484F3}" dt="2022-05-08T10:00:08.594" v="12318" actId="478"/>
+          <ac:picMkLst>
+            <pc:docMk/>
+            <pc:sldMk cId="2940208079" sldId="259"/>
+            <ac:picMk id="13" creationId="{AF883515-6F71-8FDD-8D4A-E278A0BC55D6}"/>
+          </ac:picMkLst>
+        </pc:picChg>
+        <pc:picChg chg="add del mod">
+          <ac:chgData name="Dominique RIGHETTO" userId="512fe077-82ad-424c-88a3-15e852b5861d" providerId="ADAL" clId="{7B29A387-81C3-4DC3-8DD1-E7E42D5484F3}" dt="2022-05-08T09:56:47.829" v="12312" actId="478"/>
           <ac:picMkLst>
             <pc:docMk/>
             <pc:sldMk cId="2940208079" sldId="259"/>
@@ -314,15 +331,23 @@
           </ac:picMkLst>
         </pc:picChg>
         <pc:picChg chg="add mod">
-          <ac:chgData name="Dominique RIGHETTO" userId="512fe077-82ad-424c-88a3-15e852b5861d" providerId="ADAL" clId="{7B29A387-81C3-4DC3-8DD1-E7E42D5484F3}" dt="2022-05-07T12:12:59.256" v="8143" actId="1076"/>
+          <ac:chgData name="Dominique RIGHETTO" userId="512fe077-82ad-424c-88a3-15e852b5861d" providerId="ADAL" clId="{7B29A387-81C3-4DC3-8DD1-E7E42D5484F3}" dt="2022-05-08T10:00:34.357" v="12330" actId="1076"/>
+          <ac:picMkLst>
+            <pc:docMk/>
+            <pc:sldMk cId="2940208079" sldId="259"/>
+            <ac:picMk id="18" creationId="{4B7F2F6B-711E-7686-4E43-892DD74A607A}"/>
+          </ac:picMkLst>
+        </pc:picChg>
+        <pc:picChg chg="add del mod">
+          <ac:chgData name="Dominique RIGHETTO" userId="512fe077-82ad-424c-88a3-15e852b5861d" providerId="ADAL" clId="{7B29A387-81C3-4DC3-8DD1-E7E42D5484F3}" dt="2022-05-08T09:56:47.829" v="12312" actId="478"/>
           <ac:picMkLst>
             <pc:docMk/>
             <pc:sldMk cId="2940208079" sldId="259"/>
             <ac:picMk id="19" creationId="{940C5218-11EB-5B8E-27E2-39B208D10EF3}"/>
           </ac:picMkLst>
         </pc:picChg>
-        <pc:picChg chg="add mod">
-          <ac:chgData name="Dominique RIGHETTO" userId="512fe077-82ad-424c-88a3-15e852b5861d" providerId="ADAL" clId="{7B29A387-81C3-4DC3-8DD1-E7E42D5484F3}" dt="2022-05-07T12:12:59.256" v="8143" actId="1076"/>
+        <pc:picChg chg="add del mod">
+          <ac:chgData name="Dominique RIGHETTO" userId="512fe077-82ad-424c-88a3-15e852b5861d" providerId="ADAL" clId="{7B29A387-81C3-4DC3-8DD1-E7E42D5484F3}" dt="2022-05-08T09:56:47.829" v="12312" actId="478"/>
           <ac:picMkLst>
             <pc:docMk/>
             <pc:sldMk cId="2940208079" sldId="259"/>
@@ -1733,13 +1758,13 @@
         </pc:sldMkLst>
       </pc:sldChg>
       <pc:sldChg chg="addSp delSp modSp add mod">
-        <pc:chgData name="Dominique RIGHETTO" userId="512fe077-82ad-424c-88a3-15e852b5861d" providerId="ADAL" clId="{7B29A387-81C3-4DC3-8DD1-E7E42D5484F3}" dt="2022-05-08T08:33:47.619" v="12043" actId="1076"/>
+        <pc:chgData name="Dominique RIGHETTO" userId="512fe077-82ad-424c-88a3-15e852b5861d" providerId="ADAL" clId="{7B29A387-81C3-4DC3-8DD1-E7E42D5484F3}" dt="2022-05-08T09:30:39.906" v="12302" actId="15"/>
         <pc:sldMkLst>
           <pc:docMk/>
           <pc:sldMk cId="2365769606" sldId="289"/>
         </pc:sldMkLst>
         <pc:spChg chg="mod">
-          <ac:chgData name="Dominique RIGHETTO" userId="512fe077-82ad-424c-88a3-15e852b5861d" providerId="ADAL" clId="{7B29A387-81C3-4DC3-8DD1-E7E42D5484F3}" dt="2022-05-08T08:18:00.760" v="11190" actId="20577"/>
+          <ac:chgData name="Dominique RIGHETTO" userId="512fe077-82ad-424c-88a3-15e852b5861d" providerId="ADAL" clId="{7B29A387-81C3-4DC3-8DD1-E7E42D5484F3}" dt="2022-05-08T09:30:20.433" v="12301" actId="20577"/>
           <ac:spMkLst>
             <pc:docMk/>
             <pc:sldMk cId="2365769606" sldId="289"/>
@@ -1755,7 +1780,7 @@
           </ac:spMkLst>
         </pc:spChg>
         <pc:spChg chg="mod">
-          <ac:chgData name="Dominique RIGHETTO" userId="512fe077-82ad-424c-88a3-15e852b5861d" providerId="ADAL" clId="{7B29A387-81C3-4DC3-8DD1-E7E42D5484F3}" dt="2022-05-08T08:33:14.306" v="12041" actId="20577"/>
+          <ac:chgData name="Dominique RIGHETTO" userId="512fe077-82ad-424c-88a3-15e852b5861d" providerId="ADAL" clId="{7B29A387-81C3-4DC3-8DD1-E7E42D5484F3}" dt="2022-05-08T09:30:39.906" v="12302" actId="15"/>
           <ac:spMkLst>
             <pc:docMk/>
             <pc:sldMk cId="2365769606" sldId="289"/>
@@ -1770,16 +1795,16 @@
             <ac:picMk id="7" creationId="{ACDF07EA-A6FB-EF79-352E-A25AEABE76F2}"/>
           </ac:picMkLst>
         </pc:picChg>
-        <pc:picChg chg="add mod">
-          <ac:chgData name="Dominique RIGHETTO" userId="512fe077-82ad-424c-88a3-15e852b5861d" providerId="ADAL" clId="{7B29A387-81C3-4DC3-8DD1-E7E42D5484F3}" dt="2022-05-08T08:31:15.854" v="12014" actId="1076"/>
+        <pc:picChg chg="add del mod">
+          <ac:chgData name="Dominique RIGHETTO" userId="512fe077-82ad-424c-88a3-15e852b5861d" providerId="ADAL" clId="{7B29A387-81C3-4DC3-8DD1-E7E42D5484F3}" dt="2022-05-08T09:28:15.464" v="12197" actId="478"/>
           <ac:picMkLst>
             <pc:docMk/>
             <pc:sldMk cId="2365769606" sldId="289"/>
             <ac:picMk id="8" creationId="{C2152464-0641-2FB6-560B-A57C164A5822}"/>
           </ac:picMkLst>
         </pc:picChg>
-        <pc:picChg chg="add mod">
-          <ac:chgData name="Dominique RIGHETTO" userId="512fe077-82ad-424c-88a3-15e852b5861d" providerId="ADAL" clId="{7B29A387-81C3-4DC3-8DD1-E7E42D5484F3}" dt="2022-05-08T08:33:47.619" v="12043" actId="1076"/>
+        <pc:picChg chg="add del mod">
+          <ac:chgData name="Dominique RIGHETTO" userId="512fe077-82ad-424c-88a3-15e852b5861d" providerId="ADAL" clId="{7B29A387-81C3-4DC3-8DD1-E7E42D5484F3}" dt="2022-05-08T09:28:16.912" v="12198" actId="478"/>
           <ac:picMkLst>
             <pc:docMk/>
             <pc:sldMk cId="2365769606" sldId="289"/>
@@ -1895,6 +1920,13 @@
             <ac:picMk id="7" creationId="{53A0DAD0-51B2-CF47-317F-C41F0AE5173C}"/>
           </ac:picMkLst>
         </pc:picChg>
+      </pc:sldChg>
+      <pc:sldChg chg="add">
+        <pc:chgData name="Dominique RIGHETTO" userId="512fe077-82ad-424c-88a3-15e852b5861d" providerId="ADAL" clId="{7B29A387-81C3-4DC3-8DD1-E7E42D5484F3}" dt="2022-05-08T09:28:00.572" v="12175" actId="2890"/>
+        <pc:sldMkLst>
+          <pc:docMk/>
+          <pc:sldMk cId="1969356322" sldId="293"/>
+        </pc:sldMkLst>
       </pc:sldChg>
     </pc:docChg>
   </pc:docChgLst>
@@ -3170,7 +3202,7 @@
     </p:spTree>
     <p:extLst>
       <p:ext uri="{BB962C8B-B14F-4D97-AF65-F5344CB8AC3E}">
-        <p14:creationId xmlns:p14="http://schemas.microsoft.com/office/powerpoint/2010/main" val="2365072628"/>
+        <p14:creationId xmlns:p14="http://schemas.microsoft.com/office/powerpoint/2010/main" val="813192960"/>
       </p:ext>
     </p:extLst>
   </p:cSld>
@@ -3246,6 +3278,90 @@
             <a:fld id="{22289C57-55D7-40A4-A101-E74FAC7A092B}" type="slidenum">
               <a:rPr lang="en-US" smtClean="0"/>
               <a:t>35</a:t>
+            </a:fld>
+            <a:endParaRPr lang="en-US" dirty="0"/>
+          </a:p>
+        </p:txBody>
+      </p:sp>
+    </p:spTree>
+    <p:extLst>
+      <p:ext uri="{BB962C8B-B14F-4D97-AF65-F5344CB8AC3E}">
+        <p14:creationId xmlns:p14="http://schemas.microsoft.com/office/powerpoint/2010/main" val="2365072628"/>
+      </p:ext>
+    </p:extLst>
+  </p:cSld>
+  <p:clrMapOvr>
+    <a:masterClrMapping/>
+  </p:clrMapOvr>
+</p:notes>
+</file>
+
+<file path=ppt/notesSlides/notesSlide18.xml><?xml version="1.0" encoding="utf-8"?>
+<p:notes xmlns:a="http://schemas.openxmlformats.org/drawingml/2006/main" xmlns:r="http://schemas.openxmlformats.org/officeDocument/2006/relationships" xmlns:p="http://schemas.openxmlformats.org/presentationml/2006/main">
+  <p:cSld>
+    <p:spTree>
+      <p:nvGrpSpPr>
+        <p:cNvPr id="1" name=""/>
+        <p:cNvGrpSpPr/>
+        <p:nvPr/>
+      </p:nvGrpSpPr>
+      <p:grpSpPr>
+        <a:xfrm>
+          <a:off x="0" y="0"/>
+          <a:ext cx="0" cy="0"/>
+          <a:chOff x="0" y="0"/>
+          <a:chExt cx="0" cy="0"/>
+        </a:xfrm>
+      </p:grpSpPr>
+      <p:sp>
+        <p:nvSpPr>
+          <p:cNvPr id="2" name="Slide Image Placeholder 1"/>
+          <p:cNvSpPr>
+            <a:spLocks noGrp="1" noRot="1" noChangeAspect="1"/>
+          </p:cNvSpPr>
+          <p:nvPr>
+            <p:ph type="sldImg"/>
+          </p:nvPr>
+        </p:nvSpPr>
+        <p:spPr/>
+      </p:sp>
+      <p:sp>
+        <p:nvSpPr>
+          <p:cNvPr id="3" name="Notes Placeholder 2"/>
+          <p:cNvSpPr>
+            <a:spLocks noGrp="1"/>
+          </p:cNvSpPr>
+          <p:nvPr>
+            <p:ph type="body" idx="1"/>
+          </p:nvPr>
+        </p:nvSpPr>
+        <p:spPr/>
+        <p:txBody>
+          <a:bodyPr/>
+          <a:lstStyle/>
+          <a:p>
+            <a:endParaRPr lang="en-US" dirty="0"/>
+          </a:p>
+        </p:txBody>
+      </p:sp>
+      <p:sp>
+        <p:nvSpPr>
+          <p:cNvPr id="4" name="Slide Number Placeholder 3"/>
+          <p:cNvSpPr>
+            <a:spLocks noGrp="1"/>
+          </p:cNvSpPr>
+          <p:nvPr>
+            <p:ph type="sldNum" sz="quarter" idx="5"/>
+          </p:nvPr>
+        </p:nvSpPr>
+        <p:spPr/>
+        <p:txBody>
+          <a:bodyPr/>
+          <a:lstStyle/>
+          <a:p>
+            <a:fld id="{22289C57-55D7-40A4-A101-E74FAC7A092B}" type="slidenum">
+              <a:rPr lang="en-US" smtClean="0"/>
+              <a:t>36</a:t>
             </a:fld>
             <a:endParaRPr lang="en-US" dirty="0"/>
           </a:p>
@@ -20467,12 +20583,14 @@
         </p:nvSpPr>
         <p:spPr>
           <a:xfrm>
-            <a:off x="134636" y="1494221"/>
-            <a:ext cx="10409795" cy="4544113"/>
-          </a:xfrm>
-        </p:spPr>
-        <p:txBody>
-          <a:bodyPr/>
+            <a:off x="134636" y="1494222"/>
+            <a:ext cx="4610359" cy="4923054"/>
+          </a:xfrm>
+        </p:spPr>
+        <p:txBody>
+          <a:bodyPr>
+            <a:normAutofit/>
+          </a:bodyPr>
           <a:lstStyle/>
           <a:p>
             <a:r>
@@ -20662,277 +20780,12 @@
           </a:p>
         </p:txBody>
       </p:sp>
-      <p:sp>
-        <p:nvSpPr>
-          <p:cNvPr id="7" name="Rectangle 6">
-            <a:extLst>
-              <a:ext uri="{FF2B5EF4-FFF2-40B4-BE49-F238E27FC236}">
-                <a16:creationId xmlns:a16="http://schemas.microsoft.com/office/drawing/2014/main" id="{CB72B43D-19AD-3215-0B08-B3ECCB829276}"/>
-              </a:ext>
-            </a:extLst>
-          </p:cNvPr>
-          <p:cNvSpPr/>
-          <p:nvPr/>
-        </p:nvSpPr>
-        <p:spPr>
-          <a:xfrm>
-            <a:off x="1954428" y="4039693"/>
-            <a:ext cx="2306594" cy="1929585"/>
-          </a:xfrm>
-          <a:prstGeom prst="rect">
-            <a:avLst/>
-          </a:prstGeom>
-        </p:spPr>
-        <p:style>
-          <a:lnRef idx="2">
-            <a:schemeClr val="accent5">
-              <a:shade val="50000"/>
-            </a:schemeClr>
-          </a:lnRef>
-          <a:fillRef idx="1">
-            <a:schemeClr val="accent5"/>
-          </a:fillRef>
-          <a:effectRef idx="0">
-            <a:schemeClr val="accent5"/>
-          </a:effectRef>
-          <a:fontRef idx="minor">
-            <a:schemeClr val="lt1"/>
-          </a:fontRef>
-        </p:style>
-        <p:txBody>
-          <a:bodyPr rtlCol="0" anchor="ctr"/>
-          <a:lstStyle/>
-          <a:p>
-            <a:pPr algn="ctr"/>
-            <a:r>
-              <a:rPr lang="en-US" dirty="0"/>
-              <a:t>Operating System</a:t>
-            </a:r>
-          </a:p>
-          <a:p>
-            <a:pPr algn="ctr"/>
-            <a:endParaRPr lang="en-US" dirty="0"/>
-          </a:p>
-          <a:p>
-            <a:pPr algn="ctr"/>
-            <a:endParaRPr lang="en-US" dirty="0"/>
-          </a:p>
-          <a:p>
-            <a:pPr algn="ctr"/>
-            <a:endParaRPr lang="en-US" dirty="0"/>
-          </a:p>
-          <a:p>
-            <a:pPr algn="ctr"/>
-            <a:endParaRPr lang="en-US" dirty="0"/>
-          </a:p>
-          <a:p>
-            <a:pPr algn="ctr"/>
-            <a:endParaRPr lang="en-US" dirty="0"/>
-          </a:p>
-        </p:txBody>
-      </p:sp>
-      <p:sp>
-        <p:nvSpPr>
-          <p:cNvPr id="8" name="Rectangle 7">
-            <a:extLst>
-              <a:ext uri="{FF2B5EF4-FFF2-40B4-BE49-F238E27FC236}">
-                <a16:creationId xmlns:a16="http://schemas.microsoft.com/office/drawing/2014/main" id="{E4678E2F-F130-B495-5F30-B5CAB697536C}"/>
-              </a:ext>
-            </a:extLst>
-          </p:cNvPr>
-          <p:cNvSpPr/>
-          <p:nvPr/>
-        </p:nvSpPr>
-        <p:spPr>
-          <a:xfrm>
-            <a:off x="2143898" y="4652809"/>
-            <a:ext cx="1927654" cy="823784"/>
-          </a:xfrm>
-          <a:prstGeom prst="rect">
-            <a:avLst/>
-          </a:prstGeom>
-        </p:spPr>
-        <p:style>
-          <a:lnRef idx="2">
-            <a:schemeClr val="accent6">
-              <a:shade val="50000"/>
-            </a:schemeClr>
-          </a:lnRef>
-          <a:fillRef idx="1">
-            <a:schemeClr val="accent6"/>
-          </a:fillRef>
-          <a:effectRef idx="0">
-            <a:schemeClr val="accent6"/>
-          </a:effectRef>
-          <a:fontRef idx="minor">
-            <a:schemeClr val="lt1"/>
-          </a:fontRef>
-        </p:style>
-        <p:txBody>
-          <a:bodyPr rtlCol="0" anchor="ctr"/>
-          <a:lstStyle/>
-          <a:p>
-            <a:pPr algn="ctr"/>
-            <a:r>
-              <a:rPr lang="en-US" dirty="0"/>
-              <a:t>Browser</a:t>
-            </a:r>
-          </a:p>
-        </p:txBody>
-      </p:sp>
-      <p:sp>
-        <p:nvSpPr>
-          <p:cNvPr id="9" name="Rectangle 8">
-            <a:extLst>
-              <a:ext uri="{FF2B5EF4-FFF2-40B4-BE49-F238E27FC236}">
-                <a16:creationId xmlns:a16="http://schemas.microsoft.com/office/drawing/2014/main" id="{C2D0A94D-56E4-7CDA-DE40-4C18262B068D}"/>
-              </a:ext>
-            </a:extLst>
-          </p:cNvPr>
-          <p:cNvSpPr/>
-          <p:nvPr/>
-        </p:nvSpPr>
-        <p:spPr>
-          <a:xfrm>
-            <a:off x="2143898" y="5502892"/>
-            <a:ext cx="1927654" cy="291717"/>
-          </a:xfrm>
-          <a:prstGeom prst="rect">
-            <a:avLst/>
-          </a:prstGeom>
-        </p:spPr>
-        <p:style>
-          <a:lnRef idx="2">
-            <a:schemeClr val="accent3">
-              <a:shade val="50000"/>
-            </a:schemeClr>
-          </a:lnRef>
-          <a:fillRef idx="1">
-            <a:schemeClr val="accent3"/>
-          </a:fillRef>
-          <a:effectRef idx="0">
-            <a:schemeClr val="accent3"/>
-          </a:effectRef>
-          <a:fontRef idx="minor">
-            <a:schemeClr val="lt1"/>
-          </a:fontRef>
-        </p:style>
-        <p:txBody>
-          <a:bodyPr rtlCol="0" anchor="ctr"/>
-          <a:lstStyle/>
-          <a:p>
-            <a:pPr algn="ctr"/>
-            <a:r>
-              <a:rPr lang="en-US" dirty="0"/>
-              <a:t>Storage</a:t>
-            </a:r>
-          </a:p>
-        </p:txBody>
-      </p:sp>
-      <p:sp>
-        <p:nvSpPr>
-          <p:cNvPr id="14" name="Cloud 13">
-            <a:extLst>
-              <a:ext uri="{FF2B5EF4-FFF2-40B4-BE49-F238E27FC236}">
-                <a16:creationId xmlns:a16="http://schemas.microsoft.com/office/drawing/2014/main" id="{8B4BF195-546E-E357-A6AD-E08B37D11137}"/>
-              </a:ext>
-            </a:extLst>
-          </p:cNvPr>
-          <p:cNvSpPr/>
-          <p:nvPr/>
-        </p:nvSpPr>
-        <p:spPr>
-          <a:xfrm>
-            <a:off x="6559379" y="4327414"/>
-            <a:ext cx="2051221" cy="1474573"/>
-          </a:xfrm>
-          <a:prstGeom prst="cloud">
-            <a:avLst/>
-          </a:prstGeom>
-        </p:spPr>
-        <p:style>
-          <a:lnRef idx="2">
-            <a:schemeClr val="dk1">
-              <a:shade val="50000"/>
-            </a:schemeClr>
-          </a:lnRef>
-          <a:fillRef idx="1">
-            <a:schemeClr val="dk1"/>
-          </a:fillRef>
-          <a:effectRef idx="0">
-            <a:schemeClr val="dk1"/>
-          </a:effectRef>
-          <a:fontRef idx="minor">
-            <a:schemeClr val="lt1"/>
-          </a:fontRef>
-        </p:style>
-        <p:txBody>
-          <a:bodyPr rtlCol="0" anchor="ctr"/>
-          <a:lstStyle/>
-          <a:p>
-            <a:pPr algn="ctr"/>
-            <a:r>
-              <a:rPr lang="en-US" dirty="0"/>
-              <a:t>Internet</a:t>
-            </a:r>
-          </a:p>
-        </p:txBody>
-      </p:sp>
-      <p:sp>
-        <p:nvSpPr>
-          <p:cNvPr id="15" name="Arrow: Left-Right 14">
-            <a:extLst>
-              <a:ext uri="{FF2B5EF4-FFF2-40B4-BE49-F238E27FC236}">
-                <a16:creationId xmlns:a16="http://schemas.microsoft.com/office/drawing/2014/main" id="{8A599673-0A80-E636-1132-876D3260CB47}"/>
-              </a:ext>
-            </a:extLst>
-          </p:cNvPr>
-          <p:cNvSpPr/>
-          <p:nvPr/>
-        </p:nvSpPr>
-        <p:spPr>
-          <a:xfrm>
-            <a:off x="4270249" y="4879468"/>
-            <a:ext cx="2306593" cy="579683"/>
-          </a:xfrm>
-          <a:prstGeom prst="leftRightArrow">
-            <a:avLst/>
-          </a:prstGeom>
-        </p:spPr>
-        <p:style>
-          <a:lnRef idx="2">
-            <a:schemeClr val="accent2">
-              <a:shade val="50000"/>
-            </a:schemeClr>
-          </a:lnRef>
-          <a:fillRef idx="1">
-            <a:schemeClr val="accent2"/>
-          </a:fillRef>
-          <a:effectRef idx="0">
-            <a:schemeClr val="accent2"/>
-          </a:effectRef>
-          <a:fontRef idx="minor">
-            <a:schemeClr val="lt1"/>
-          </a:fontRef>
-        </p:style>
-        <p:txBody>
-          <a:bodyPr rtlCol="0" anchor="ctr"/>
-          <a:lstStyle/>
-          <a:p>
-            <a:pPr algn="ctr"/>
-            <a:r>
-              <a:rPr lang="en-US" dirty="0"/>
-              <a:t>Network</a:t>
-            </a:r>
-          </a:p>
-        </p:txBody>
-      </p:sp>
       <p:pic>
         <p:nvPicPr>
-          <p:cNvPr id="17" name="Graphic 16" descr="Detective male outline">
-            <a:extLst>
-              <a:ext uri="{FF2B5EF4-FFF2-40B4-BE49-F238E27FC236}">
-                <a16:creationId xmlns:a16="http://schemas.microsoft.com/office/drawing/2014/main" id="{A697FFC4-FCB3-DD1F-BE45-51B962969870}"/>
+          <p:cNvPr id="18" name="Picture 17" descr="Diagram&#10;&#10;Description automatically generated">
+            <a:extLst>
+              <a:ext uri="{FF2B5EF4-FFF2-40B4-BE49-F238E27FC236}">
+                <a16:creationId xmlns:a16="http://schemas.microsoft.com/office/drawing/2014/main" id="{4B7F2F6B-711E-7686-4E43-892DD74A607A}"/>
               </a:ext>
             </a:extLst>
           </p:cNvPr>
@@ -20942,93 +20795,15 @@
           <p:nvPr/>
         </p:nvPicPr>
         <p:blipFill>
-          <a:blip r:embed="rId2">
-            <a:extLst>
-              <a:ext uri="{96DAC541-7B7A-43D3-8B79-37D633B846F1}">
-                <asvg:svgBlip xmlns:asvg="http://schemas.microsoft.com/office/drawing/2016/SVG/main" r:embed="rId3"/>
-              </a:ext>
-            </a:extLst>
-          </a:blip>
+          <a:blip r:embed="rId2"/>
           <a:stretch>
             <a:fillRect/>
           </a:stretch>
         </p:blipFill>
         <p:spPr>
           <a:xfrm>
-            <a:off x="3683646" y="4698116"/>
-            <a:ext cx="366584" cy="366584"/>
-          </a:xfrm>
-          <a:prstGeom prst="rect">
-            <a:avLst/>
-          </a:prstGeom>
-        </p:spPr>
-      </p:pic>
-      <p:pic>
-        <p:nvPicPr>
-          <p:cNvPr id="19" name="Graphic 18" descr="Detective male outline">
-            <a:extLst>
-              <a:ext uri="{FF2B5EF4-FFF2-40B4-BE49-F238E27FC236}">
-                <a16:creationId xmlns:a16="http://schemas.microsoft.com/office/drawing/2014/main" id="{940C5218-11EB-5B8E-27E2-39B208D10EF3}"/>
-              </a:ext>
-            </a:extLst>
-          </p:cNvPr>
-          <p:cNvPicPr>
-            <a:picLocks noChangeAspect="1"/>
-          </p:cNvPicPr>
-          <p:nvPr/>
-        </p:nvPicPr>
-        <p:blipFill>
-          <a:blip r:embed="rId2">
-            <a:extLst>
-              <a:ext uri="{96DAC541-7B7A-43D3-8B79-37D633B846F1}">
-                <asvg:svgBlip xmlns:asvg="http://schemas.microsoft.com/office/drawing/2016/SVG/main" r:embed="rId3"/>
-              </a:ext>
-            </a:extLst>
-          </a:blip>
-          <a:stretch>
-            <a:fillRect/>
-          </a:stretch>
-        </p:blipFill>
-        <p:spPr>
-          <a:xfrm>
-            <a:off x="3675490" y="5459151"/>
-            <a:ext cx="366584" cy="366584"/>
-          </a:xfrm>
-          <a:prstGeom prst="rect">
-            <a:avLst/>
-          </a:prstGeom>
-        </p:spPr>
-      </p:pic>
-      <p:pic>
-        <p:nvPicPr>
-          <p:cNvPr id="20" name="Graphic 19" descr="Detective male outline">
-            <a:extLst>
-              <a:ext uri="{FF2B5EF4-FFF2-40B4-BE49-F238E27FC236}">
-                <a16:creationId xmlns:a16="http://schemas.microsoft.com/office/drawing/2014/main" id="{2EBD7374-9FA3-1E58-307C-A539CC3C8A47}"/>
-              </a:ext>
-            </a:extLst>
-          </p:cNvPr>
-          <p:cNvPicPr>
-            <a:picLocks noChangeAspect="1"/>
-          </p:cNvPicPr>
-          <p:nvPr/>
-        </p:nvPicPr>
-        <p:blipFill>
-          <a:blip r:embed="rId2">
-            <a:extLst>
-              <a:ext uri="{96DAC541-7B7A-43D3-8B79-37D633B846F1}">
-                <asvg:svgBlip xmlns:asvg="http://schemas.microsoft.com/office/drawing/2016/SVG/main" r:embed="rId3"/>
-              </a:ext>
-            </a:extLst>
-          </a:blip>
-          <a:stretch>
-            <a:fillRect/>
-          </a:stretch>
-        </p:blipFill>
-        <p:spPr>
-          <a:xfrm>
-            <a:off x="5800770" y="4986017"/>
-            <a:ext cx="366584" cy="366584"/>
+            <a:off x="4855824" y="1715530"/>
+            <a:ext cx="6938895" cy="4372232"/>
           </a:xfrm>
           <a:prstGeom prst="rect">
             <a:avLst/>
@@ -22039,7 +21814,7 @@
           <a:p>
             <a:r>
               <a:rPr lang="en-US" dirty="0"/>
-              <a:t>FINAL PART - Key points</a:t>
+              <a:t>demonstration</a:t>
             </a:r>
           </a:p>
         </p:txBody>
@@ -22160,7 +21935,7 @@
         <p:spPr>
           <a:xfrm>
             <a:off x="134636" y="1341437"/>
-            <a:ext cx="10236802" cy="2862322"/>
+            <a:ext cx="10236802" cy="3693319"/>
           </a:xfrm>
           <a:prstGeom prst="rect">
             <a:avLst/>
@@ -22173,20 +21948,78 @@
           </a:bodyPr>
           <a:lstStyle/>
           <a:p>
+            <a:r>
+              <a:rPr lang="en-US" dirty="0"/>
+              <a:t>For each header presented, a demonstration video, is available bellow:</a:t>
+            </a:r>
+          </a:p>
+          <a:p>
+            <a:endParaRPr lang="en-US" dirty="0"/>
+          </a:p>
+          <a:p>
             <a:pPr marL="285750" indent="-285750">
               <a:buFontTx/>
               <a:buChar char="-"/>
             </a:pPr>
             <a:r>
-              <a:rPr lang="en-US" dirty="0"/>
-              <a:t>Modern browser provide a large panel of built-in protection that we can leverage.</a:t>
-            </a:r>
+              <a:rPr lang="en-US" b="1" dirty="0"/>
+              <a:t>Strict-Transport-Security</a:t>
+            </a:r>
+          </a:p>
+          <a:p>
+            <a:pPr marL="742950" lvl="1" indent="-285750">
+              <a:buFontTx/>
+              <a:buChar char="-"/>
+            </a:pPr>
+            <a:r>
+              <a:rPr lang="en-US" dirty="0">
+                <a:hlinkClick r:id="rId3"/>
+              </a:rPr>
+              <a:t>https://github.com/righettod/voxxeddays-lux-2022/blob/main/DemoSTS.mp4</a:t>
+            </a:r>
+            <a:r>
+              <a:rPr lang="en-US" dirty="0"/>
+              <a:t> </a:t>
+            </a:r>
+          </a:p>
+          <a:p>
+            <a:pPr marL="742950" lvl="1" indent="-285750">
+              <a:buFontTx/>
+              <a:buChar char="-"/>
+            </a:pPr>
+            <a:endParaRPr lang="en-US" dirty="0"/>
           </a:p>
           <a:p>
             <a:pPr marL="285750" indent="-285750">
               <a:buFontTx/>
               <a:buChar char="-"/>
             </a:pPr>
+            <a:r>
+              <a:rPr lang="en-US" b="1" dirty="0"/>
+              <a:t>Cross-Origin-Resource-Policy</a:t>
+            </a:r>
+          </a:p>
+          <a:p>
+            <a:pPr marL="742950" lvl="1" indent="-285750">
+              <a:buFontTx/>
+              <a:buChar char="-"/>
+            </a:pPr>
+            <a:r>
+              <a:rPr lang="en-US" dirty="0">
+                <a:hlinkClick r:id="rId4"/>
+              </a:rPr>
+              <a:t>https://github.com/righettod/voxxeddays-lux-2022/blob/main/DemoCORP.mp4</a:t>
+            </a:r>
+            <a:r>
+              <a:rPr lang="en-US" dirty="0"/>
+              <a:t> </a:t>
+            </a:r>
+          </a:p>
+          <a:p>
+            <a:pPr marL="742950" lvl="1" indent="-285750">
+              <a:buFontTx/>
+              <a:buChar char="-"/>
+            </a:pPr>
             <a:endParaRPr lang="en-US" dirty="0"/>
           </a:p>
           <a:p>
@@ -22195,125 +22028,61 @@
               <a:buChar char="-"/>
             </a:pPr>
             <a:r>
-              <a:rPr lang="en-US" dirty="0"/>
-              <a:t>HTTP security headers are not a “silver bullet” to make an application any attack proof BUT they significantly help reducing the exploitability of a client-side vulnerability.</a:t>
-            </a:r>
+              <a:rPr lang="en-US" b="1" dirty="0"/>
+              <a:t>Clear-Site-Data</a:t>
+            </a:r>
+          </a:p>
+          <a:p>
+            <a:pPr marL="742950" lvl="1" indent="-285750">
+              <a:buFontTx/>
+              <a:buChar char="-"/>
+            </a:pPr>
+            <a:r>
+              <a:rPr lang="en-US" dirty="0">
+                <a:hlinkClick r:id="rId5"/>
+              </a:rPr>
+              <a:t>https://github.com/righettod/voxxeddays-lux-2022/blob/main/DemoCSD.mp4</a:t>
+            </a:r>
+            <a:r>
+              <a:rPr lang="en-US" dirty="0"/>
+              <a:t> </a:t>
+            </a:r>
+          </a:p>
+          <a:p>
+            <a:pPr marL="742950" lvl="1" indent="-285750">
+              <a:buFontTx/>
+              <a:buChar char="-"/>
+            </a:pPr>
+            <a:endParaRPr lang="en-US" dirty="0"/>
           </a:p>
           <a:p>
             <a:pPr marL="285750" indent="-285750">
               <a:buFontTx/>
               <a:buChar char="-"/>
             </a:pPr>
-            <a:endParaRPr lang="en-US" dirty="0"/>
-          </a:p>
-          <a:p>
-            <a:pPr marL="285750" indent="-285750">
+            <a:r>
+              <a:rPr lang="en-US" b="1" dirty="0"/>
+              <a:t>Content-Security-Policy</a:t>
+            </a:r>
+          </a:p>
+          <a:p>
+            <a:pPr marL="742950" lvl="1" indent="-285750">
               <a:buFontTx/>
               <a:buChar char="-"/>
             </a:pPr>
             <a:r>
-              <a:rPr lang="en-US" dirty="0"/>
-              <a:t>HTTP security headers can help us to “buy time” when facing a client-side vulnerability in a context in which app code base cannot be updated during a timeframe.</a:t>
-            </a:r>
-          </a:p>
-          <a:p>
-            <a:pPr marL="285750" indent="-285750">
-              <a:buFontTx/>
-              <a:buChar char="-"/>
-            </a:pPr>
-            <a:endParaRPr lang="en-US" dirty="0"/>
-          </a:p>
-          <a:p>
-            <a:r>
-              <a:rPr lang="en-US" dirty="0"/>
-              <a:t>Other HTTP security headers can be added, look at the </a:t>
-            </a:r>
-            <a:r>
               <a:rPr lang="en-US" dirty="0">
-                <a:hlinkClick r:id="rId3"/>
+                <a:hlinkClick r:id="rId6"/>
               </a:rPr>
-              <a:t>OWASP Secure Headers Project</a:t>
-            </a:r>
-            <a:r>
-              <a:rPr lang="en-US" dirty="0"/>
-              <a:t> to get insights about them. C</a:t>
-            </a:r>
-            <a:r>
-              <a:rPr lang="en-US" dirty="0">
-                <a:sym typeface="Wingdings" panose="05000000000000000000" pitchFamily="2" charset="2"/>
-              </a:rPr>
-              <a:t>omment, feedback, suggestion as well as pull request are warmly welcome </a:t>
-            </a:r>
-            <a:endParaRPr lang="en-US" dirty="0"/>
-          </a:p>
-        </p:txBody>
-      </p:sp>
-      <p:pic>
-        <p:nvPicPr>
-          <p:cNvPr id="8" name="Picture 7" descr="Shape&#10;&#10;Description automatically generated with medium confidence">
-            <a:extLst>
-              <a:ext uri="{FF2B5EF4-FFF2-40B4-BE49-F238E27FC236}">
-                <a16:creationId xmlns:a16="http://schemas.microsoft.com/office/drawing/2014/main" id="{C2152464-0641-2FB6-560B-A57C164A5822}"/>
-              </a:ext>
-            </a:extLst>
-          </p:cNvPr>
-          <p:cNvPicPr>
-            <a:picLocks noChangeAspect="1"/>
-          </p:cNvPicPr>
-          <p:nvPr/>
-        </p:nvPicPr>
-        <p:blipFill>
-          <a:blip r:embed="rId4"/>
-          <a:stretch>
-            <a:fillRect/>
-          </a:stretch>
-        </p:blipFill>
-        <p:spPr>
-          <a:xfrm>
-            <a:off x="3358330" y="4203759"/>
-            <a:ext cx="3946141" cy="1373257"/>
-          </a:xfrm>
-          <a:prstGeom prst="rect">
-            <a:avLst/>
-          </a:prstGeom>
-        </p:spPr>
-      </p:pic>
-      <p:pic>
-        <p:nvPicPr>
-          <p:cNvPr id="10" name="Graphic 9" descr="Smiling with hearts face with solid fill with solid fill">
-            <a:extLst>
-              <a:ext uri="{FF2B5EF4-FFF2-40B4-BE49-F238E27FC236}">
-                <a16:creationId xmlns:a16="http://schemas.microsoft.com/office/drawing/2014/main" id="{8AE3D71D-62FB-363B-207B-C8D5B9F35498}"/>
-              </a:ext>
-            </a:extLst>
-          </p:cNvPr>
-          <p:cNvPicPr>
-            <a:picLocks noChangeAspect="1"/>
-          </p:cNvPicPr>
-          <p:nvPr/>
-        </p:nvPicPr>
-        <p:blipFill>
-          <a:blip r:embed="rId5">
-            <a:extLst>
-              <a:ext uri="{96DAC541-7B7A-43D3-8B79-37D633B846F1}">
-                <asvg:svgBlip xmlns:asvg="http://schemas.microsoft.com/office/drawing/2016/SVG/main" r:embed="rId6"/>
-              </a:ext>
-            </a:extLst>
-          </a:blip>
-          <a:stretch>
-            <a:fillRect/>
-          </a:stretch>
-        </p:blipFill>
-        <p:spPr>
-          <a:xfrm>
-            <a:off x="10194324" y="3426704"/>
-            <a:ext cx="914400" cy="914400"/>
-          </a:xfrm>
-          <a:prstGeom prst="rect">
-            <a:avLst/>
-          </a:prstGeom>
-        </p:spPr>
-      </p:pic>
+              <a:t>https://github.com/righettod/voxxeddays-lux-2022/blob/main/DemoCSP.mp4</a:t>
+            </a:r>
+            <a:r>
+              <a:rPr lang="en-US" dirty="0"/>
+              <a:t> </a:t>
+            </a:r>
+          </a:p>
+        </p:txBody>
+      </p:sp>
     </p:spTree>
     <p:extLst>
       <p:ext uri="{BB962C8B-B14F-4D97-AF65-F5344CB8AC3E}">
@@ -22372,7 +22141,7 @@
           <a:p>
             <a:r>
               <a:rPr lang="en-US" dirty="0"/>
-              <a:t>References</a:t>
+              <a:t>FINAL PART - Key points</a:t>
             </a:r>
           </a:p>
         </p:txBody>
@@ -22493,7 +22262,7 @@
         <p:spPr>
           <a:xfrm>
             <a:off x="134636" y="1341437"/>
-            <a:ext cx="11645472" cy="5078313"/>
+            <a:ext cx="10236802" cy="2862322"/>
           </a:xfrm>
           <a:prstGeom prst="rect">
             <a:avLst/>
@@ -22511,25 +22280,12 @@
               <a:buChar char="-"/>
             </a:pPr>
             <a:r>
-              <a:rPr lang="en-US" b="1" dirty="0"/>
-              <a:t>Strict-Transport-Security</a:t>
-            </a:r>
-          </a:p>
-          <a:p>
-            <a:pPr marL="742950" lvl="1" indent="-285750">
-              <a:buFontTx/>
-              <a:buChar char="-"/>
-            </a:pPr>
-            <a:r>
-              <a:rPr lang="en-US" dirty="0">
-                <a:hlinkClick r:id="rId3"/>
-              </a:rPr>
-              <a:t>https://owasp.org/www-project-secure-headers/#http-strict-transport-security</a:t>
-            </a:r>
-            <a:endParaRPr lang="en-US" dirty="0"/>
-          </a:p>
-          <a:p>
-            <a:pPr marL="742950" lvl="1" indent="-285750">
+              <a:rPr lang="en-US" dirty="0"/>
+              <a:t>Modern browser provide a large panel of built-in protection that we can leverage.</a:t>
+            </a:r>
+          </a:p>
+          <a:p>
+            <a:pPr marL="285750" indent="-285750">
               <a:buFontTx/>
               <a:buChar char="-"/>
             </a:pPr>
@@ -22541,25 +22297,12 @@
               <a:buChar char="-"/>
             </a:pPr>
             <a:r>
-              <a:rPr lang="en-US" b="1" dirty="0"/>
-              <a:t>Cross-Origin-Resource-Policy</a:t>
-            </a:r>
-          </a:p>
-          <a:p>
-            <a:pPr marL="742950" lvl="1" indent="-285750">
-              <a:buFontTx/>
-              <a:buChar char="-"/>
-            </a:pPr>
-            <a:r>
-              <a:rPr lang="en-US" dirty="0">
-                <a:hlinkClick r:id="rId4"/>
-              </a:rPr>
-              <a:t>https://owasp.org/www-project-secure-headers/#cross-origin-resource-policy</a:t>
-            </a:r>
-            <a:endParaRPr lang="en-US" dirty="0"/>
-          </a:p>
-          <a:p>
-            <a:pPr marL="742950" lvl="1" indent="-285750">
+              <a:rPr lang="en-US" dirty="0"/>
+              <a:t>HTTP security headers are not a “silver bullet” to make an application any attack proof BUT they significantly help reducing the exploitability of a client-side vulnerability.</a:t>
+            </a:r>
+          </a:p>
+          <a:p>
+            <a:pPr marL="285750" indent="-285750">
               <a:buFontTx/>
               <a:buChar char="-"/>
             </a:pPr>
@@ -22571,150 +22314,112 @@
               <a:buChar char="-"/>
             </a:pPr>
             <a:r>
-              <a:rPr lang="en-US" b="1" dirty="0"/>
-              <a:t>Clear-Site-Data</a:t>
-            </a:r>
-          </a:p>
-          <a:p>
-            <a:pPr marL="742950" lvl="1" indent="-285750">
-              <a:buFontTx/>
-              <a:buChar char="-"/>
-            </a:pPr>
-            <a:r>
-              <a:rPr lang="en-US" dirty="0">
-                <a:hlinkClick r:id="rId5"/>
-              </a:rPr>
-              <a:t>https://owasp.org/www-project-secure-headers/#clear-site-data</a:t>
-            </a:r>
-            <a:endParaRPr lang="en-US" dirty="0"/>
-          </a:p>
-          <a:p>
-            <a:pPr marL="742950" lvl="1" indent="-285750">
+              <a:rPr lang="en-US" dirty="0"/>
+              <a:t>HTTP security headers can help us to “buy time” when facing a client-side vulnerability in a context in which app code base cannot be updated during a timeframe.</a:t>
+            </a:r>
+          </a:p>
+          <a:p>
+            <a:pPr marL="285750" indent="-285750">
               <a:buFontTx/>
               <a:buChar char="-"/>
             </a:pPr>
             <a:endParaRPr lang="en-US" dirty="0"/>
           </a:p>
           <a:p>
-            <a:pPr marL="285750" indent="-285750">
-              <a:buFontTx/>
-              <a:buChar char="-"/>
-            </a:pPr>
-            <a:r>
-              <a:rPr lang="en-US" b="1" dirty="0"/>
-              <a:t>Content-Security-Policy</a:t>
-            </a:r>
-          </a:p>
-          <a:p>
-            <a:pPr marL="742950" lvl="1" indent="-285750">
-              <a:buFontTx/>
-              <a:buChar char="-"/>
-            </a:pPr>
+            <a:r>
+              <a:rPr lang="en-US" dirty="0"/>
+              <a:t>Other HTTP security headers can be added, look at the </a:t>
+            </a:r>
             <a:r>
               <a:rPr lang="en-US" dirty="0">
-                <a:hlinkClick r:id="rId6"/>
+                <a:hlinkClick r:id="rId3"/>
               </a:rPr>
-              <a:t>https://owasp.org/www-project-secure-headers/#content-security-policy</a:t>
+              <a:t>OWASP Secure Headers Project</a:t>
+            </a:r>
+            <a:r>
+              <a:rPr lang="en-US" dirty="0"/>
+              <a:t> to get insights about them. C</a:t>
+            </a:r>
+            <a:r>
+              <a:rPr lang="en-US" dirty="0">
+                <a:sym typeface="Wingdings" panose="05000000000000000000" pitchFamily="2" charset="2"/>
+              </a:rPr>
+              <a:t>omment, feedback, suggestion as well as pull request are warmly welcome </a:t>
             </a:r>
             <a:endParaRPr lang="en-US" dirty="0"/>
           </a:p>
-          <a:p>
-            <a:pPr marL="742950" lvl="1" indent="-285750">
-              <a:buFontTx/>
-              <a:buChar char="-"/>
-            </a:pPr>
-            <a:r>
-              <a:rPr lang="en-US" dirty="0">
-                <a:hlinkClick r:id="rId7"/>
-              </a:rPr>
-              <a:t>https://content-security-policy.com/</a:t>
-            </a:r>
-            <a:endParaRPr lang="en-US" dirty="0"/>
-          </a:p>
-          <a:p>
-            <a:pPr marL="742950" lvl="1" indent="-285750">
-              <a:buFontTx/>
-              <a:buChar char="-"/>
-            </a:pPr>
-            <a:r>
-              <a:rPr lang="en-US" dirty="0">
-                <a:hlinkClick r:id="rId8"/>
-              </a:rPr>
-              <a:t>https://cheatsheetseries.owasp.org/cheatsheets/Content_Security_Policy_Cheat_Sheet.html</a:t>
-            </a:r>
-            <a:r>
-              <a:rPr lang="en-US" dirty="0"/>
-              <a:t> </a:t>
-            </a:r>
-          </a:p>
-          <a:p>
-            <a:pPr marL="742950" lvl="1" indent="-285750">
-              <a:buFontTx/>
-              <a:buChar char="-"/>
-            </a:pPr>
-            <a:r>
-              <a:rPr lang="en-US" dirty="0">
-                <a:hlinkClick r:id="rId9"/>
-              </a:rPr>
-              <a:t>https://report-uri.com/home/generate</a:t>
-            </a:r>
-            <a:endParaRPr lang="en-US" dirty="0"/>
-          </a:p>
-          <a:p>
-            <a:pPr marL="742950" lvl="1" indent="-285750">
-              <a:buFontTx/>
-              <a:buChar char="-"/>
-            </a:pPr>
-            <a:r>
-              <a:rPr lang="en-US" dirty="0">
-                <a:hlinkClick r:id="rId10"/>
-              </a:rPr>
-              <a:t>https://csp-evaluator.withgoogle.com/</a:t>
-            </a:r>
-            <a:r>
-              <a:rPr lang="en-US" dirty="0"/>
-              <a:t> </a:t>
-            </a:r>
-          </a:p>
-          <a:p>
-            <a:pPr marL="742950" lvl="1" indent="-285750">
-              <a:buFontTx/>
-              <a:buChar char="-"/>
-            </a:pPr>
-            <a:endParaRPr lang="en-US" dirty="0"/>
-          </a:p>
-          <a:p>
-            <a:pPr marL="285750" indent="-285750">
-              <a:buFontTx/>
-              <a:buChar char="-"/>
-            </a:pPr>
-            <a:r>
-              <a:rPr lang="en-US" b="1" dirty="0"/>
-              <a:t>OWASP Luxemburg Chapter</a:t>
-            </a:r>
-          </a:p>
-          <a:p>
-            <a:pPr marL="742950" lvl="1" indent="-285750">
-              <a:buFontTx/>
-              <a:buChar char="-"/>
-            </a:pPr>
-            <a:r>
-              <a:rPr lang="en-US" dirty="0">
-                <a:hlinkClick r:id="rId11"/>
-              </a:rPr>
-              <a:t>https://owasp.org/www-chapter-luxembourg/</a:t>
-            </a:r>
-            <a:r>
-              <a:rPr lang="en-US" dirty="0"/>
-              <a:t> </a:t>
-            </a:r>
-          </a:p>
-        </p:txBody>
-      </p:sp>
+        </p:txBody>
+      </p:sp>
+      <p:pic>
+        <p:nvPicPr>
+          <p:cNvPr id="8" name="Picture 7" descr="Shape&#10;&#10;Description automatically generated with medium confidence">
+            <a:extLst>
+              <a:ext uri="{FF2B5EF4-FFF2-40B4-BE49-F238E27FC236}">
+                <a16:creationId xmlns:a16="http://schemas.microsoft.com/office/drawing/2014/main" id="{C2152464-0641-2FB6-560B-A57C164A5822}"/>
+              </a:ext>
+            </a:extLst>
+          </p:cNvPr>
+          <p:cNvPicPr>
+            <a:picLocks noChangeAspect="1"/>
+          </p:cNvPicPr>
+          <p:nvPr/>
+        </p:nvPicPr>
+        <p:blipFill>
+          <a:blip r:embed="rId4"/>
+          <a:stretch>
+            <a:fillRect/>
+          </a:stretch>
+        </p:blipFill>
+        <p:spPr>
+          <a:xfrm>
+            <a:off x="3358330" y="4203759"/>
+            <a:ext cx="3946141" cy="1373257"/>
+          </a:xfrm>
+          <a:prstGeom prst="rect">
+            <a:avLst/>
+          </a:prstGeom>
+        </p:spPr>
+      </p:pic>
+      <p:pic>
+        <p:nvPicPr>
+          <p:cNvPr id="10" name="Graphic 9" descr="Smiling with hearts face with solid fill with solid fill">
+            <a:extLst>
+              <a:ext uri="{FF2B5EF4-FFF2-40B4-BE49-F238E27FC236}">
+                <a16:creationId xmlns:a16="http://schemas.microsoft.com/office/drawing/2014/main" id="{8AE3D71D-62FB-363B-207B-C8D5B9F35498}"/>
+              </a:ext>
+            </a:extLst>
+          </p:cNvPr>
+          <p:cNvPicPr>
+            <a:picLocks noChangeAspect="1"/>
+          </p:cNvPicPr>
+          <p:nvPr/>
+        </p:nvPicPr>
+        <p:blipFill>
+          <a:blip r:embed="rId5">
+            <a:extLst>
+              <a:ext uri="{96DAC541-7B7A-43D3-8B79-37D633B846F1}">
+                <asvg:svgBlip xmlns:asvg="http://schemas.microsoft.com/office/drawing/2016/SVG/main" r:embed="rId6"/>
+              </a:ext>
+            </a:extLst>
+          </a:blip>
+          <a:stretch>
+            <a:fillRect/>
+          </a:stretch>
+        </p:blipFill>
+        <p:spPr>
+          <a:xfrm>
+            <a:off x="10194324" y="3426704"/>
+            <a:ext cx="914400" cy="914400"/>
+          </a:xfrm>
+          <a:prstGeom prst="rect">
+            <a:avLst/>
+          </a:prstGeom>
+        </p:spPr>
+      </p:pic>
     </p:spTree>
     <p:extLst>
       <p:ext uri="{BB962C8B-B14F-4D97-AF65-F5344CB8AC3E}">
-        <p14:creationId xmlns:p14="http://schemas.microsoft.com/office/powerpoint/2010/main" val="1219825491"/>
+        <p14:creationId xmlns:p14="http://schemas.microsoft.com/office/powerpoint/2010/main" val="1969356322"/>
       </p:ext>
     </p:extLst>
   </p:cSld>
@@ -22769,7 +22474,7 @@
           <a:p>
             <a:r>
               <a:rPr lang="en-US" dirty="0"/>
-              <a:t>Thank you !!!!</a:t>
+              <a:t>References</a:t>
             </a:r>
           </a:p>
         </p:txBody>
@@ -22870,6 +22575,403 @@
               <a:rPr lang="en-US" smtClean="0"/>
               <a:pPr/>
               <a:t>35</a:t>
+            </a:fld>
+            <a:endParaRPr lang="en-US" dirty="0"/>
+          </a:p>
+        </p:txBody>
+      </p:sp>
+      <p:sp>
+        <p:nvSpPr>
+          <p:cNvPr id="17" name="TextBox 16">
+            <a:extLst>
+              <a:ext uri="{FF2B5EF4-FFF2-40B4-BE49-F238E27FC236}">
+                <a16:creationId xmlns:a16="http://schemas.microsoft.com/office/drawing/2014/main" id="{A91CE4A8-464A-688F-4552-7720ED35763B}"/>
+              </a:ext>
+            </a:extLst>
+          </p:cNvPr>
+          <p:cNvSpPr txBox="1"/>
+          <p:nvPr/>
+        </p:nvSpPr>
+        <p:spPr>
+          <a:xfrm>
+            <a:off x="134636" y="1341437"/>
+            <a:ext cx="11645472" cy="5078313"/>
+          </a:xfrm>
+          <a:prstGeom prst="rect">
+            <a:avLst/>
+          </a:prstGeom>
+          <a:noFill/>
+        </p:spPr>
+        <p:txBody>
+          <a:bodyPr wrap="square" rtlCol="0">
+            <a:spAutoFit/>
+          </a:bodyPr>
+          <a:lstStyle/>
+          <a:p>
+            <a:pPr marL="285750" indent="-285750">
+              <a:buFontTx/>
+              <a:buChar char="-"/>
+            </a:pPr>
+            <a:r>
+              <a:rPr lang="en-US" b="1" dirty="0"/>
+              <a:t>Strict-Transport-Security</a:t>
+            </a:r>
+          </a:p>
+          <a:p>
+            <a:pPr marL="742950" lvl="1" indent="-285750">
+              <a:buFontTx/>
+              <a:buChar char="-"/>
+            </a:pPr>
+            <a:r>
+              <a:rPr lang="en-US" dirty="0">
+                <a:hlinkClick r:id="rId3"/>
+              </a:rPr>
+              <a:t>https://owasp.org/www-project-secure-headers/#http-strict-transport-security</a:t>
+            </a:r>
+            <a:endParaRPr lang="en-US" dirty="0"/>
+          </a:p>
+          <a:p>
+            <a:pPr marL="742950" lvl="1" indent="-285750">
+              <a:buFontTx/>
+              <a:buChar char="-"/>
+            </a:pPr>
+            <a:endParaRPr lang="en-US" dirty="0"/>
+          </a:p>
+          <a:p>
+            <a:pPr marL="285750" indent="-285750">
+              <a:buFontTx/>
+              <a:buChar char="-"/>
+            </a:pPr>
+            <a:r>
+              <a:rPr lang="en-US" b="1" dirty="0"/>
+              <a:t>Cross-Origin-Resource-Policy</a:t>
+            </a:r>
+          </a:p>
+          <a:p>
+            <a:pPr marL="742950" lvl="1" indent="-285750">
+              <a:buFontTx/>
+              <a:buChar char="-"/>
+            </a:pPr>
+            <a:r>
+              <a:rPr lang="en-US" dirty="0">
+                <a:hlinkClick r:id="rId4"/>
+              </a:rPr>
+              <a:t>https://owasp.org/www-project-secure-headers/#cross-origin-resource-policy</a:t>
+            </a:r>
+            <a:endParaRPr lang="en-US" dirty="0"/>
+          </a:p>
+          <a:p>
+            <a:pPr marL="742950" lvl="1" indent="-285750">
+              <a:buFontTx/>
+              <a:buChar char="-"/>
+            </a:pPr>
+            <a:endParaRPr lang="en-US" dirty="0"/>
+          </a:p>
+          <a:p>
+            <a:pPr marL="285750" indent="-285750">
+              <a:buFontTx/>
+              <a:buChar char="-"/>
+            </a:pPr>
+            <a:r>
+              <a:rPr lang="en-US" b="1" dirty="0"/>
+              <a:t>Clear-Site-Data</a:t>
+            </a:r>
+          </a:p>
+          <a:p>
+            <a:pPr marL="742950" lvl="1" indent="-285750">
+              <a:buFontTx/>
+              <a:buChar char="-"/>
+            </a:pPr>
+            <a:r>
+              <a:rPr lang="en-US" dirty="0">
+                <a:hlinkClick r:id="rId5"/>
+              </a:rPr>
+              <a:t>https://owasp.org/www-project-secure-headers/#clear-site-data</a:t>
+            </a:r>
+            <a:endParaRPr lang="en-US" dirty="0"/>
+          </a:p>
+          <a:p>
+            <a:pPr marL="742950" lvl="1" indent="-285750">
+              <a:buFontTx/>
+              <a:buChar char="-"/>
+            </a:pPr>
+            <a:endParaRPr lang="en-US" dirty="0"/>
+          </a:p>
+          <a:p>
+            <a:pPr marL="285750" indent="-285750">
+              <a:buFontTx/>
+              <a:buChar char="-"/>
+            </a:pPr>
+            <a:r>
+              <a:rPr lang="en-US" b="1" dirty="0"/>
+              <a:t>Content-Security-Policy</a:t>
+            </a:r>
+          </a:p>
+          <a:p>
+            <a:pPr marL="742950" lvl="1" indent="-285750">
+              <a:buFontTx/>
+              <a:buChar char="-"/>
+            </a:pPr>
+            <a:r>
+              <a:rPr lang="en-US" dirty="0">
+                <a:hlinkClick r:id="rId6"/>
+              </a:rPr>
+              <a:t>https://owasp.org/www-project-secure-headers/#content-security-policy</a:t>
+            </a:r>
+            <a:endParaRPr lang="en-US" dirty="0"/>
+          </a:p>
+          <a:p>
+            <a:pPr marL="742950" lvl="1" indent="-285750">
+              <a:buFontTx/>
+              <a:buChar char="-"/>
+            </a:pPr>
+            <a:r>
+              <a:rPr lang="en-US" dirty="0">
+                <a:hlinkClick r:id="rId7"/>
+              </a:rPr>
+              <a:t>https://content-security-policy.com/</a:t>
+            </a:r>
+            <a:endParaRPr lang="en-US" dirty="0"/>
+          </a:p>
+          <a:p>
+            <a:pPr marL="742950" lvl="1" indent="-285750">
+              <a:buFontTx/>
+              <a:buChar char="-"/>
+            </a:pPr>
+            <a:r>
+              <a:rPr lang="en-US" dirty="0">
+                <a:hlinkClick r:id="rId8"/>
+              </a:rPr>
+              <a:t>https://cheatsheetseries.owasp.org/cheatsheets/Content_Security_Policy_Cheat_Sheet.html</a:t>
+            </a:r>
+            <a:r>
+              <a:rPr lang="en-US" dirty="0"/>
+              <a:t> </a:t>
+            </a:r>
+          </a:p>
+          <a:p>
+            <a:pPr marL="742950" lvl="1" indent="-285750">
+              <a:buFontTx/>
+              <a:buChar char="-"/>
+            </a:pPr>
+            <a:r>
+              <a:rPr lang="en-US" dirty="0">
+                <a:hlinkClick r:id="rId9"/>
+              </a:rPr>
+              <a:t>https://report-uri.com/home/generate</a:t>
+            </a:r>
+            <a:endParaRPr lang="en-US" dirty="0"/>
+          </a:p>
+          <a:p>
+            <a:pPr marL="742950" lvl="1" indent="-285750">
+              <a:buFontTx/>
+              <a:buChar char="-"/>
+            </a:pPr>
+            <a:r>
+              <a:rPr lang="en-US" dirty="0">
+                <a:hlinkClick r:id="rId10"/>
+              </a:rPr>
+              <a:t>https://csp-evaluator.withgoogle.com/</a:t>
+            </a:r>
+            <a:r>
+              <a:rPr lang="en-US" dirty="0"/>
+              <a:t> </a:t>
+            </a:r>
+          </a:p>
+          <a:p>
+            <a:pPr marL="742950" lvl="1" indent="-285750">
+              <a:buFontTx/>
+              <a:buChar char="-"/>
+            </a:pPr>
+            <a:endParaRPr lang="en-US" dirty="0"/>
+          </a:p>
+          <a:p>
+            <a:pPr marL="285750" indent="-285750">
+              <a:buFontTx/>
+              <a:buChar char="-"/>
+            </a:pPr>
+            <a:r>
+              <a:rPr lang="en-US" b="1" dirty="0"/>
+              <a:t>OWASP Luxemburg Chapter</a:t>
+            </a:r>
+          </a:p>
+          <a:p>
+            <a:pPr marL="742950" lvl="1" indent="-285750">
+              <a:buFontTx/>
+              <a:buChar char="-"/>
+            </a:pPr>
+            <a:r>
+              <a:rPr lang="en-US" dirty="0">
+                <a:hlinkClick r:id="rId11"/>
+              </a:rPr>
+              <a:t>https://owasp.org/www-chapter-luxembourg/</a:t>
+            </a:r>
+            <a:r>
+              <a:rPr lang="en-US" dirty="0"/>
+              <a:t> </a:t>
+            </a:r>
+          </a:p>
+        </p:txBody>
+      </p:sp>
+    </p:spTree>
+    <p:extLst>
+      <p:ext uri="{BB962C8B-B14F-4D97-AF65-F5344CB8AC3E}">
+        <p14:creationId xmlns:p14="http://schemas.microsoft.com/office/powerpoint/2010/main" val="1219825491"/>
+      </p:ext>
+    </p:extLst>
+  </p:cSld>
+  <p:clrMapOvr>
+    <a:masterClrMapping/>
+  </p:clrMapOvr>
+</p:sld>
+</file>
+
+<file path=ppt/slides/slide36.xml><?xml version="1.0" encoding="utf-8"?>
+<p:sld xmlns:a="http://schemas.openxmlformats.org/drawingml/2006/main" xmlns:r="http://schemas.openxmlformats.org/officeDocument/2006/relationships" xmlns:p="http://schemas.openxmlformats.org/presentationml/2006/main">
+  <p:cSld>
+    <p:spTree>
+      <p:nvGrpSpPr>
+        <p:cNvPr id="1" name=""/>
+        <p:cNvGrpSpPr/>
+        <p:nvPr/>
+      </p:nvGrpSpPr>
+      <p:grpSpPr>
+        <a:xfrm>
+          <a:off x="0" y="0"/>
+          <a:ext cx="0" cy="0"/>
+          <a:chOff x="0" y="0"/>
+          <a:chExt cx="0" cy="0"/>
+        </a:xfrm>
+      </p:grpSpPr>
+      <p:sp>
+        <p:nvSpPr>
+          <p:cNvPr id="2" name="Title 1">
+            <a:extLst>
+              <a:ext uri="{FF2B5EF4-FFF2-40B4-BE49-F238E27FC236}">
+                <a16:creationId xmlns:a16="http://schemas.microsoft.com/office/drawing/2014/main" id="{0A32731C-311B-46F7-A865-6C3AF6B09A47}"/>
+              </a:ext>
+            </a:extLst>
+          </p:cNvPr>
+          <p:cNvSpPr>
+            <a:spLocks noGrp="1"/>
+          </p:cNvSpPr>
+          <p:nvPr>
+            <p:ph type="title"/>
+          </p:nvPr>
+        </p:nvSpPr>
+        <p:spPr>
+          <a:xfrm>
+            <a:off x="134636" y="136525"/>
+            <a:ext cx="11711375" cy="1204912"/>
+          </a:xfrm>
+        </p:spPr>
+        <p:txBody>
+          <a:bodyPr/>
+          <a:lstStyle/>
+          <a:p>
+            <a:r>
+              <a:rPr lang="en-US" dirty="0"/>
+              <a:t>Thank you !!!!</a:t>
+            </a:r>
+          </a:p>
+        </p:txBody>
+      </p:sp>
+      <p:sp>
+        <p:nvSpPr>
+          <p:cNvPr id="4" name="Date Placeholder 3">
+            <a:extLst>
+              <a:ext uri="{FF2B5EF4-FFF2-40B4-BE49-F238E27FC236}">
+                <a16:creationId xmlns:a16="http://schemas.microsoft.com/office/drawing/2014/main" id="{70E12647-CCB2-45E2-A9CB-A868F490497E}"/>
+              </a:ext>
+            </a:extLst>
+          </p:cNvPr>
+          <p:cNvSpPr>
+            <a:spLocks noGrp="1"/>
+          </p:cNvSpPr>
+          <p:nvPr>
+            <p:ph type="dt" sz="half" idx="10"/>
+          </p:nvPr>
+        </p:nvSpPr>
+        <p:spPr>
+          <a:xfrm>
+            <a:off x="838200" y="6356350"/>
+            <a:ext cx="1219200" cy="365125"/>
+          </a:xfrm>
+        </p:spPr>
+        <p:txBody>
+          <a:bodyPr/>
+          <a:lstStyle/>
+          <a:p>
+            <a:r>
+              <a:rPr lang="en-US" dirty="0"/>
+              <a:t>20XX</a:t>
+            </a:r>
+          </a:p>
+        </p:txBody>
+      </p:sp>
+      <p:sp>
+        <p:nvSpPr>
+          <p:cNvPr id="5" name="Footer Placeholder 4">
+            <a:extLst>
+              <a:ext uri="{FF2B5EF4-FFF2-40B4-BE49-F238E27FC236}">
+                <a16:creationId xmlns:a16="http://schemas.microsoft.com/office/drawing/2014/main" id="{8D51ED20-04D4-4894-B0C2-9C541A61A734}"/>
+              </a:ext>
+            </a:extLst>
+          </p:cNvPr>
+          <p:cNvSpPr>
+            <a:spLocks noGrp="1"/>
+          </p:cNvSpPr>
+          <p:nvPr>
+            <p:ph type="ftr" sz="quarter" idx="11"/>
+          </p:nvPr>
+        </p:nvSpPr>
+        <p:spPr>
+          <a:xfrm>
+            <a:off x="2463800" y="6356350"/>
+            <a:ext cx="3479800" cy="365125"/>
+          </a:xfrm>
+        </p:spPr>
+        <p:txBody>
+          <a:bodyPr/>
+          <a:lstStyle/>
+          <a:p>
+            <a:r>
+              <a:rPr lang="en-US" dirty="0"/>
+              <a:t>PRESENTATION TITLE</a:t>
+            </a:r>
+          </a:p>
+        </p:txBody>
+      </p:sp>
+      <p:sp>
+        <p:nvSpPr>
+          <p:cNvPr id="6" name="Slide Number Placeholder 5">
+            <a:extLst>
+              <a:ext uri="{FF2B5EF4-FFF2-40B4-BE49-F238E27FC236}">
+                <a16:creationId xmlns:a16="http://schemas.microsoft.com/office/drawing/2014/main" id="{7BC1787E-7110-4989-B0B8-DD4E0ACC09DF}"/>
+              </a:ext>
+            </a:extLst>
+          </p:cNvPr>
+          <p:cNvSpPr>
+            <a:spLocks noGrp="1"/>
+          </p:cNvSpPr>
+          <p:nvPr>
+            <p:ph type="sldNum" sz="quarter" idx="12"/>
+          </p:nvPr>
+        </p:nvSpPr>
+        <p:spPr>
+          <a:xfrm>
+            <a:off x="8610600" y="6356350"/>
+            <a:ext cx="2743200" cy="365125"/>
+          </a:xfrm>
+        </p:spPr>
+        <p:txBody>
+          <a:bodyPr/>
+          <a:lstStyle/>
+          <a:p>
+            <a:fld id="{A49DFD55-3C28-40EF-9E31-A92D2E4017FF}" type="slidenum">
+              <a:rPr lang="en-US" smtClean="0"/>
+              <a:pPr/>
+              <a:t>36</a:t>
             </a:fld>
             <a:endParaRPr lang="en-US" dirty="0"/>
           </a:p>
@@ -25373,15 +25475,6 @@
 </file>
 
 <file path=customXml/item1.xml><?xml version="1.0" encoding="utf-8"?>
-<?mso-contentType ?>
-<FormTemplates xmlns="http://schemas.microsoft.com/sharepoint/v3/contenttype/forms">
-  <Display>DocumentLibraryForm</Display>
-  <Edit>DocumentLibraryForm</Edit>
-  <New>DocumentLibraryForm</New>
-</FormTemplates>
-</file>
-
-<file path=customXml/item2.xml><?xml version="1.0" encoding="utf-8"?>
 <p:properties xmlns:p="http://schemas.microsoft.com/office/2006/metadata/properties" xmlns:xsi="http://www.w3.org/2001/XMLSchema-instance" xmlns:pc="http://schemas.microsoft.com/office/infopath/2007/PartnerControls">
   <documentManagement>
     <_ip_UnifiedCompliancePolicyUIAction xmlns="http://schemas.microsoft.com/sharepoint/v3" xsi:nil="true"/>
@@ -25398,6 +25491,15 @@
     <MediaServiceKeyPoints xmlns="71af3243-3dd4-4a8d-8c0d-dd76da1f02a5" xsi:nil="true"/>
   </documentManagement>
 </p:properties>
+</file>
+
+<file path=customXml/item2.xml><?xml version="1.0" encoding="utf-8"?>
+<?mso-contentType ?>
+<FormTemplates xmlns="http://schemas.microsoft.com/sharepoint/v3/contenttype/forms">
+  <Display>DocumentLibraryForm</Display>
+  <Edit>DocumentLibraryForm</Edit>
+  <New>DocumentLibraryForm</New>
+</FormTemplates>
 </file>
 
 <file path=customXml/item3.xml><?xml version="1.0" encoding="utf-8"?>
@@ -25677,14 +25779,6 @@
 </file>
 
 <file path=customXml/itemProps1.xml><?xml version="1.0" encoding="utf-8"?>
-<ds:datastoreItem xmlns:ds="http://schemas.openxmlformats.org/officeDocument/2006/customXml" ds:itemID="{0FD6FE22-81A0-4500-AFD0-342D21BB9A2C}">
-  <ds:schemaRefs>
-    <ds:schemaRef ds:uri="http://schemas.microsoft.com/sharepoint/v3/contenttype/forms"/>
-  </ds:schemaRefs>
-</ds:datastoreItem>
-</file>
-
-<file path=customXml/itemProps2.xml><?xml version="1.0" encoding="utf-8"?>
 <ds:datastoreItem xmlns:ds="http://schemas.openxmlformats.org/officeDocument/2006/customXml" ds:itemID="{29C43685-694E-4579-B109-3C418D49DA65}">
   <ds:schemaRefs>
     <ds:schemaRef ds:uri="http://schemas.microsoft.com/office/2006/metadata/properties"/>
@@ -25692,6 +25786,14 @@
     <ds:schemaRef ds:uri="http://schemas.microsoft.com/sharepoint/v3"/>
     <ds:schemaRef ds:uri="71af3243-3dd4-4a8d-8c0d-dd76da1f02a5"/>
     <ds:schemaRef ds:uri="230e9df3-be65-4c73-a93b-d1236ebd677e"/>
+  </ds:schemaRefs>
+</ds:datastoreItem>
+</file>
+
+<file path=customXml/itemProps2.xml><?xml version="1.0" encoding="utf-8"?>
+<ds:datastoreItem xmlns:ds="http://schemas.openxmlformats.org/officeDocument/2006/customXml" ds:itemID="{0FD6FE22-81A0-4500-AFD0-342D21BB9A2C}">
+  <ds:schemaRefs>
+    <ds:schemaRef ds:uri="http://schemas.microsoft.com/sharepoint/v3/contenttype/forms"/>
   </ds:schemaRefs>
 </ds:datastoreItem>
 </file>

--- a/work.pptx
+++ b/work.pptx
@@ -169,7 +169,7 @@
   <pc:docChgLst>
     <pc:chgData name="Dominique RIGHETTO" userId="512fe077-82ad-424c-88a3-15e852b5861d" providerId="ADAL" clId="{7B29A387-81C3-4DC3-8DD1-E7E42D5484F3}"/>
     <pc:docChg chg="undo custSel addSld delSld modSld sldOrd">
-      <pc:chgData name="Dominique RIGHETTO" userId="512fe077-82ad-424c-88a3-15e852b5861d" providerId="ADAL" clId="{7B29A387-81C3-4DC3-8DD1-E7E42D5484F3}" dt="2022-05-08T10:00:34.357" v="12330" actId="1076"/>
+      <pc:chgData name="Dominique RIGHETTO" userId="512fe077-82ad-424c-88a3-15e852b5861d" providerId="ADAL" clId="{7B29A387-81C3-4DC3-8DD1-E7E42D5484F3}" dt="2022-05-13T16:04:09.915" v="12365" actId="6549"/>
       <pc:docMkLst>
         <pc:docMk/>
       </pc:docMkLst>
@@ -424,13 +424,13 @@
         </pc:spChg>
       </pc:sldChg>
       <pc:sldChg chg="addSp modSp add mod">
-        <pc:chgData name="Dominique RIGHETTO" userId="512fe077-82ad-424c-88a3-15e852b5861d" providerId="ADAL" clId="{7B29A387-81C3-4DC3-8DD1-E7E42D5484F3}" dt="2022-05-07T07:07:31.181" v="3449" actId="113"/>
+        <pc:chgData name="Dominique RIGHETTO" userId="512fe077-82ad-424c-88a3-15e852b5861d" providerId="ADAL" clId="{7B29A387-81C3-4DC3-8DD1-E7E42D5484F3}" dt="2022-05-13T16:03:45.503" v="12341" actId="20577"/>
         <pc:sldMkLst>
           <pc:docMk/>
           <pc:sldMk cId="1802634430" sldId="264"/>
         </pc:sldMkLst>
         <pc:spChg chg="mod">
-          <ac:chgData name="Dominique RIGHETTO" userId="512fe077-82ad-424c-88a3-15e852b5861d" providerId="ADAL" clId="{7B29A387-81C3-4DC3-8DD1-E7E42D5484F3}" dt="2022-05-06T19:51:38.057" v="2625" actId="20577"/>
+          <ac:chgData name="Dominique RIGHETTO" userId="512fe077-82ad-424c-88a3-15e852b5861d" providerId="ADAL" clId="{7B29A387-81C3-4DC3-8DD1-E7E42D5484F3}" dt="2022-05-13T16:03:13.518" v="12340" actId="20577"/>
           <ac:spMkLst>
             <pc:docMk/>
             <pc:sldMk cId="1802634430" sldId="264"/>
@@ -438,7 +438,7 @@
           </ac:spMkLst>
         </pc:spChg>
         <pc:spChg chg="mod">
-          <ac:chgData name="Dominique RIGHETTO" userId="512fe077-82ad-424c-88a3-15e852b5861d" providerId="ADAL" clId="{7B29A387-81C3-4DC3-8DD1-E7E42D5484F3}" dt="2022-05-07T07:07:31.181" v="3449" actId="113"/>
+          <ac:chgData name="Dominique RIGHETTO" userId="512fe077-82ad-424c-88a3-15e852b5861d" providerId="ADAL" clId="{7B29A387-81C3-4DC3-8DD1-E7E42D5484F3}" dt="2022-05-13T16:03:45.503" v="12341" actId="20577"/>
           <ac:spMkLst>
             <pc:docMk/>
             <pc:sldMk cId="1802634430" sldId="264"/>
@@ -455,11 +455,19 @@
         </pc:picChg>
       </pc:sldChg>
       <pc:sldChg chg="addSp delSp modSp add mod">
-        <pc:chgData name="Dominique RIGHETTO" userId="512fe077-82ad-424c-88a3-15e852b5861d" providerId="ADAL" clId="{7B29A387-81C3-4DC3-8DD1-E7E42D5484F3}" dt="2022-05-06T20:10:03.619" v="3404" actId="20577"/>
+        <pc:chgData name="Dominique RIGHETTO" userId="512fe077-82ad-424c-88a3-15e852b5861d" providerId="ADAL" clId="{7B29A387-81C3-4DC3-8DD1-E7E42D5484F3}" dt="2022-05-13T16:03:54.983" v="12349" actId="6549"/>
         <pc:sldMkLst>
           <pc:docMk/>
           <pc:sldMk cId="811712510" sldId="265"/>
         </pc:sldMkLst>
+        <pc:spChg chg="mod">
+          <ac:chgData name="Dominique RIGHETTO" userId="512fe077-82ad-424c-88a3-15e852b5861d" providerId="ADAL" clId="{7B29A387-81C3-4DC3-8DD1-E7E42D5484F3}" dt="2022-05-13T16:03:54.983" v="12349" actId="6549"/>
+          <ac:spMkLst>
+            <pc:docMk/>
+            <pc:sldMk cId="811712510" sldId="265"/>
+            <ac:spMk id="2" creationId="{0A32731C-311B-46F7-A865-6C3AF6B09A47}"/>
+          </ac:spMkLst>
+        </pc:spChg>
         <pc:spChg chg="mod">
           <ac:chgData name="Dominique RIGHETTO" userId="512fe077-82ad-424c-88a3-15e852b5861d" providerId="ADAL" clId="{7B29A387-81C3-4DC3-8DD1-E7E42D5484F3}" dt="2022-05-06T20:10:03.619" v="3404" actId="20577"/>
           <ac:spMkLst>
@@ -494,11 +502,19 @@
         </pc:picChg>
       </pc:sldChg>
       <pc:sldChg chg="addSp delSp modSp add mod">
-        <pc:chgData name="Dominique RIGHETTO" userId="512fe077-82ad-424c-88a3-15e852b5861d" providerId="ADAL" clId="{7B29A387-81C3-4DC3-8DD1-E7E42D5484F3}" dt="2022-05-07T16:48:21.954" v="9614" actId="5793"/>
+        <pc:chgData name="Dominique RIGHETTO" userId="512fe077-82ad-424c-88a3-15e852b5861d" providerId="ADAL" clId="{7B29A387-81C3-4DC3-8DD1-E7E42D5484F3}" dt="2022-05-13T16:04:09.915" v="12365" actId="6549"/>
         <pc:sldMkLst>
           <pc:docMk/>
           <pc:sldMk cId="2598325767" sldId="266"/>
         </pc:sldMkLst>
+        <pc:spChg chg="mod">
+          <ac:chgData name="Dominique RIGHETTO" userId="512fe077-82ad-424c-88a3-15e852b5861d" providerId="ADAL" clId="{7B29A387-81C3-4DC3-8DD1-E7E42D5484F3}" dt="2022-05-13T16:04:09.915" v="12365" actId="6549"/>
+          <ac:spMkLst>
+            <pc:docMk/>
+            <pc:sldMk cId="2598325767" sldId="266"/>
+            <ac:spMk id="2" creationId="{0A32731C-311B-46F7-A865-6C3AF6B09A47}"/>
+          </ac:spMkLst>
+        </pc:spChg>
         <pc:spChg chg="mod">
           <ac:chgData name="Dominique RIGHETTO" userId="512fe077-82ad-424c-88a3-15e852b5861d" providerId="ADAL" clId="{7B29A387-81C3-4DC3-8DD1-E7E42D5484F3}" dt="2022-05-07T16:48:21.954" v="9614" actId="5793"/>
           <ac:spMkLst>
@@ -533,11 +549,19 @@
         </pc:picChg>
       </pc:sldChg>
       <pc:sldChg chg="addSp delSp modSp add mod modAnim">
-        <pc:chgData name="Dominique RIGHETTO" userId="512fe077-82ad-424c-88a3-15e852b5861d" providerId="ADAL" clId="{7B29A387-81C3-4DC3-8DD1-E7E42D5484F3}" dt="2022-05-07T12:27:40.386" v="8374"/>
+        <pc:chgData name="Dominique RIGHETTO" userId="512fe077-82ad-424c-88a3-15e852b5861d" providerId="ADAL" clId="{7B29A387-81C3-4DC3-8DD1-E7E42D5484F3}" dt="2022-05-13T16:04:01.805" v="12357" actId="6549"/>
         <pc:sldMkLst>
           <pc:docMk/>
           <pc:sldMk cId="2074569496" sldId="267"/>
         </pc:sldMkLst>
+        <pc:spChg chg="mod">
+          <ac:chgData name="Dominique RIGHETTO" userId="512fe077-82ad-424c-88a3-15e852b5861d" providerId="ADAL" clId="{7B29A387-81C3-4DC3-8DD1-E7E42D5484F3}" dt="2022-05-13T16:04:01.805" v="12357" actId="6549"/>
+          <ac:spMkLst>
+            <pc:docMk/>
+            <pc:sldMk cId="2074569496" sldId="267"/>
+            <ac:spMk id="2" creationId="{0A32731C-311B-46F7-A865-6C3AF6B09A47}"/>
+          </ac:spMkLst>
+        </pc:spChg>
         <pc:spChg chg="mod">
           <ac:chgData name="Dominique RIGHETTO" userId="512fe077-82ad-424c-88a3-15e852b5861d" providerId="ADAL" clId="{7B29A387-81C3-4DC3-8DD1-E7E42D5484F3}" dt="2022-05-07T11:44:05.362" v="7223" actId="20577"/>
           <ac:spMkLst>
@@ -2027,7 +2051,7 @@
           <a:p>
             <a:fld id="{B56F32FC-4BD9-442A-A8C6-51598C909FE3}" type="datetimeFigureOut">
               <a:rPr lang="en-US" smtClean="0"/>
-              <a:t>5/8/2022</a:t>
+              <a:t>5/13/2022</a:t>
             </a:fld>
             <a:endParaRPr lang="en-US" dirty="0"/>
           </a:p>
@@ -2204,7 +2228,7 @@
           <a:p>
             <a:fld id="{056371FA-A98D-41E8-93F4-09945841298A}" type="datetimeFigureOut">
               <a:rPr lang="en-US" smtClean="0"/>
-              <a:t>5/8/2022</a:t>
+              <a:t>5/13/2022</a:t>
             </a:fld>
             <a:endParaRPr lang="en-US" dirty="0"/>
           </a:p>
@@ -13087,7 +13111,7 @@
           <a:p>
             <a:r>
               <a:rPr lang="en-US" dirty="0"/>
-              <a:t>Part 3 - The browser, this ally in 202x from a security perspective</a:t>
+              <a:t>Part 3 - The browser, this ally from a security perspective</a:t>
             </a:r>
           </a:p>
         </p:txBody>
@@ -13503,7 +13527,15 @@
           <a:p>
             <a:r>
               <a:rPr lang="en-US" dirty="0"/>
-              <a:t>Part 3 - The browser, this ally in 202x from a security perspective</a:t>
+              <a:t>Part 3 - The browser, this </a:t>
+            </a:r>
+            <a:r>
+              <a:rPr lang="en-US"/>
+              <a:t>ally from </a:t>
+            </a:r>
+            <a:r>
+              <a:rPr lang="en-US" dirty="0"/>
+              <a:t>a security perspective</a:t>
             </a:r>
           </a:p>
         </p:txBody>
@@ -24107,7 +24139,7 @@
           <a:p>
             <a:r>
               <a:rPr lang="en-US" dirty="0"/>
-              <a:t>Part 3 - The browser, this ally in 202x from a security perspective</a:t>
+              <a:t>Part 3 - The browser, this ally From a security perspective</a:t>
             </a:r>
           </a:p>
         </p:txBody>
@@ -24260,7 +24292,7 @@
             </a:pPr>
             <a:r>
               <a:rPr lang="en-US" b="1" dirty="0"/>
-              <a:t>HTTP headers</a:t>
+              <a:t>HTTP headers.</a:t>
             </a:r>
           </a:p>
           <a:p>
@@ -24460,7 +24492,7 @@
           <a:p>
             <a:r>
               <a:rPr lang="en-US" dirty="0"/>
-              <a:t>Part 3 - The browser, this ally in 202x from a security perspective</a:t>
+              <a:t>Part 3 - The browser, this ally from a security perspective</a:t>
             </a:r>
           </a:p>
         </p:txBody>
@@ -25475,6 +25507,15 @@
 </file>
 
 <file path=customXml/item1.xml><?xml version="1.0" encoding="utf-8"?>
+<?mso-contentType ?>
+<FormTemplates xmlns="http://schemas.microsoft.com/sharepoint/v3/contenttype/forms">
+  <Display>DocumentLibraryForm</Display>
+  <Edit>DocumentLibraryForm</Edit>
+  <New>DocumentLibraryForm</New>
+</FormTemplates>
+</file>
+
+<file path=customXml/item2.xml><?xml version="1.0" encoding="utf-8"?>
 <p:properties xmlns:p="http://schemas.microsoft.com/office/2006/metadata/properties" xmlns:xsi="http://www.w3.org/2001/XMLSchema-instance" xmlns:pc="http://schemas.microsoft.com/office/infopath/2007/PartnerControls">
   <documentManagement>
     <_ip_UnifiedCompliancePolicyUIAction xmlns="http://schemas.microsoft.com/sharepoint/v3" xsi:nil="true"/>
@@ -25491,15 +25532,6 @@
     <MediaServiceKeyPoints xmlns="71af3243-3dd4-4a8d-8c0d-dd76da1f02a5" xsi:nil="true"/>
   </documentManagement>
 </p:properties>
-</file>
-
-<file path=customXml/item2.xml><?xml version="1.0" encoding="utf-8"?>
-<?mso-contentType ?>
-<FormTemplates xmlns="http://schemas.microsoft.com/sharepoint/v3/contenttype/forms">
-  <Display>DocumentLibraryForm</Display>
-  <Edit>DocumentLibraryForm</Edit>
-  <New>DocumentLibraryForm</New>
-</FormTemplates>
 </file>
 
 <file path=customXml/item3.xml><?xml version="1.0" encoding="utf-8"?>
@@ -25779,6 +25811,14 @@
 </file>
 
 <file path=customXml/itemProps1.xml><?xml version="1.0" encoding="utf-8"?>
+<ds:datastoreItem xmlns:ds="http://schemas.openxmlformats.org/officeDocument/2006/customXml" ds:itemID="{0FD6FE22-81A0-4500-AFD0-342D21BB9A2C}">
+  <ds:schemaRefs>
+    <ds:schemaRef ds:uri="http://schemas.microsoft.com/sharepoint/v3/contenttype/forms"/>
+  </ds:schemaRefs>
+</ds:datastoreItem>
+</file>
+
+<file path=customXml/itemProps2.xml><?xml version="1.0" encoding="utf-8"?>
 <ds:datastoreItem xmlns:ds="http://schemas.openxmlformats.org/officeDocument/2006/customXml" ds:itemID="{29C43685-694E-4579-B109-3C418D49DA65}">
   <ds:schemaRefs>
     <ds:schemaRef ds:uri="http://schemas.microsoft.com/office/2006/metadata/properties"/>
@@ -25786,14 +25826,6 @@
     <ds:schemaRef ds:uri="http://schemas.microsoft.com/sharepoint/v3"/>
     <ds:schemaRef ds:uri="71af3243-3dd4-4a8d-8c0d-dd76da1f02a5"/>
     <ds:schemaRef ds:uri="230e9df3-be65-4c73-a93b-d1236ebd677e"/>
-  </ds:schemaRefs>
-</ds:datastoreItem>
-</file>
-
-<file path=customXml/itemProps2.xml><?xml version="1.0" encoding="utf-8"?>
-<ds:datastoreItem xmlns:ds="http://schemas.openxmlformats.org/officeDocument/2006/customXml" ds:itemID="{0FD6FE22-81A0-4500-AFD0-342D21BB9A2C}">
-  <ds:schemaRefs>
-    <ds:schemaRef ds:uri="http://schemas.microsoft.com/sharepoint/v3/contenttype/forms"/>
   </ds:schemaRefs>
 </ds:datastoreItem>
 </file>

--- a/work.pptx
+++ b/work.pptx
@@ -5,10 +5,10 @@
     <p:sldMasterId id="2147483648" r:id="rId4"/>
   </p:sldMasterIdLst>
   <p:notesMasterIdLst>
-    <p:notesMasterId r:id="rId41"/>
+    <p:notesMasterId r:id="rId42"/>
   </p:notesMasterIdLst>
   <p:handoutMasterIdLst>
-    <p:handoutMasterId r:id="rId42"/>
+    <p:handoutMasterId r:id="rId43"/>
   </p:handoutMasterIdLst>
   <p:sldIdLst>
     <p:sldId id="256" r:id="rId5"/>
@@ -17,36 +17,37 @@
     <p:sldId id="277" r:id="rId8"/>
     <p:sldId id="260" r:id="rId9"/>
     <p:sldId id="262" r:id="rId10"/>
-    <p:sldId id="263" r:id="rId11"/>
-    <p:sldId id="264" r:id="rId12"/>
-    <p:sldId id="265" r:id="rId13"/>
-    <p:sldId id="267" r:id="rId14"/>
-    <p:sldId id="266" r:id="rId15"/>
-    <p:sldId id="268" r:id="rId16"/>
-    <p:sldId id="269" r:id="rId17"/>
-    <p:sldId id="270" r:id="rId18"/>
-    <p:sldId id="274" r:id="rId19"/>
-    <p:sldId id="271" r:id="rId20"/>
-    <p:sldId id="272" r:id="rId21"/>
-    <p:sldId id="273" r:id="rId22"/>
-    <p:sldId id="275" r:id="rId23"/>
-    <p:sldId id="276" r:id="rId24"/>
-    <p:sldId id="278" r:id="rId25"/>
-    <p:sldId id="279" r:id="rId26"/>
-    <p:sldId id="280" r:id="rId27"/>
-    <p:sldId id="281" r:id="rId28"/>
-    <p:sldId id="282" r:id="rId29"/>
-    <p:sldId id="283" r:id="rId30"/>
-    <p:sldId id="284" r:id="rId31"/>
-    <p:sldId id="285" r:id="rId32"/>
-    <p:sldId id="286" r:id="rId33"/>
-    <p:sldId id="287" r:id="rId34"/>
-    <p:sldId id="288" r:id="rId35"/>
-    <p:sldId id="291" r:id="rId36"/>
-    <p:sldId id="289" r:id="rId37"/>
-    <p:sldId id="293" r:id="rId38"/>
-    <p:sldId id="290" r:id="rId39"/>
-    <p:sldId id="292" r:id="rId40"/>
+    <p:sldId id="294" r:id="rId11"/>
+    <p:sldId id="263" r:id="rId12"/>
+    <p:sldId id="264" r:id="rId13"/>
+    <p:sldId id="265" r:id="rId14"/>
+    <p:sldId id="267" r:id="rId15"/>
+    <p:sldId id="266" r:id="rId16"/>
+    <p:sldId id="268" r:id="rId17"/>
+    <p:sldId id="269" r:id="rId18"/>
+    <p:sldId id="270" r:id="rId19"/>
+    <p:sldId id="274" r:id="rId20"/>
+    <p:sldId id="271" r:id="rId21"/>
+    <p:sldId id="272" r:id="rId22"/>
+    <p:sldId id="273" r:id="rId23"/>
+    <p:sldId id="275" r:id="rId24"/>
+    <p:sldId id="276" r:id="rId25"/>
+    <p:sldId id="278" r:id="rId26"/>
+    <p:sldId id="279" r:id="rId27"/>
+    <p:sldId id="280" r:id="rId28"/>
+    <p:sldId id="281" r:id="rId29"/>
+    <p:sldId id="282" r:id="rId30"/>
+    <p:sldId id="283" r:id="rId31"/>
+    <p:sldId id="284" r:id="rId32"/>
+    <p:sldId id="285" r:id="rId33"/>
+    <p:sldId id="286" r:id="rId34"/>
+    <p:sldId id="287" r:id="rId35"/>
+    <p:sldId id="288" r:id="rId36"/>
+    <p:sldId id="291" r:id="rId37"/>
+    <p:sldId id="289" r:id="rId38"/>
+    <p:sldId id="293" r:id="rId39"/>
+    <p:sldId id="290" r:id="rId40"/>
+    <p:sldId id="292" r:id="rId41"/>
   </p:sldIdLst>
   <p:sldSz cx="12192000" cy="6858000"/>
   <p:notesSz cx="6858000" cy="9144000"/>
@@ -159,7 +160,7 @@
 <file path=ppt/revisionInfo.xml><?xml version="1.0" encoding="utf-8"?>
 <p1510:revInfo xmlns:a="http://schemas.openxmlformats.org/drawingml/2006/main" xmlns:r="http://schemas.openxmlformats.org/officeDocument/2006/relationships" xmlns:p1510="http://schemas.microsoft.com/office/powerpoint/2015/10/main">
   <p1510:revLst>
-    <p1510:client id="{7B29A387-81C3-4DC3-8DD1-E7E42D5484F3}" v="105" dt="2022-05-08T10:00:15.509"/>
+    <p1510:client id="{7B29A387-81C3-4DC3-8DD1-E7E42D5484F3}" v="132" dt="2022-05-15T15:10:53.014"/>
   </p1510:revLst>
 </p1510:revInfo>
 </file>
@@ -169,7 +170,7 @@
   <pc:docChgLst>
     <pc:chgData name="Dominique RIGHETTO" userId="512fe077-82ad-424c-88a3-15e852b5861d" providerId="ADAL" clId="{7B29A387-81C3-4DC3-8DD1-E7E42D5484F3}"/>
     <pc:docChg chg="undo custSel addSld delSld modSld sldOrd">
-      <pc:chgData name="Dominique RIGHETTO" userId="512fe077-82ad-424c-88a3-15e852b5861d" providerId="ADAL" clId="{7B29A387-81C3-4DC3-8DD1-E7E42D5484F3}" dt="2022-05-13T16:04:09.915" v="12365" actId="6549"/>
+      <pc:chgData name="Dominique RIGHETTO" userId="512fe077-82ad-424c-88a3-15e852b5861d" providerId="ADAL" clId="{7B29A387-81C3-4DC3-8DD1-E7E42D5484F3}" dt="2022-05-15T15:10:53.014" v="12620"/>
       <pc:docMkLst>
         <pc:docMk/>
       </pc:docMkLst>
@@ -385,8 +386,8 @@
           </ac:spMkLst>
         </pc:spChg>
       </pc:sldChg>
-      <pc:sldChg chg="modSp add mod">
-        <pc:chgData name="Dominique RIGHETTO" userId="512fe077-82ad-424c-88a3-15e852b5861d" providerId="ADAL" clId="{7B29A387-81C3-4DC3-8DD1-E7E42D5484F3}" dt="2022-05-07T16:45:11.068" v="9553" actId="20577"/>
+      <pc:sldChg chg="addSp delSp modSp add mod">
+        <pc:chgData name="Dominique RIGHETTO" userId="512fe077-82ad-424c-88a3-15e852b5861d" providerId="ADAL" clId="{7B29A387-81C3-4DC3-8DD1-E7E42D5484F3}" dt="2022-05-15T15:08:03.128" v="12598" actId="1076"/>
         <pc:sldMkLst>
           <pc:docMk/>
           <pc:sldMk cId="124560355" sldId="262"/>
@@ -400,13 +401,101 @@
           </ac:spMkLst>
         </pc:spChg>
         <pc:spChg chg="mod">
-          <ac:chgData name="Dominique RIGHETTO" userId="512fe077-82ad-424c-88a3-15e852b5861d" providerId="ADAL" clId="{7B29A387-81C3-4DC3-8DD1-E7E42D5484F3}" dt="2022-05-07T16:45:11.068" v="9553" actId="20577"/>
+          <ac:chgData name="Dominique RIGHETTO" userId="512fe077-82ad-424c-88a3-15e852b5861d" providerId="ADAL" clId="{7B29A387-81C3-4DC3-8DD1-E7E42D5484F3}" dt="2022-05-15T14:46:44.840" v="12496" actId="5793"/>
           <ac:spMkLst>
             <pc:docMk/>
             <pc:sldMk cId="124560355" sldId="262"/>
             <ac:spMk id="3" creationId="{9D5232F9-FD00-464A-9F17-619C91AEF8F3}"/>
           </ac:spMkLst>
         </pc:spChg>
+        <pc:spChg chg="add mod">
+          <ac:chgData name="Dominique RIGHETTO" userId="512fe077-82ad-424c-88a3-15e852b5861d" providerId="ADAL" clId="{7B29A387-81C3-4DC3-8DD1-E7E42D5484F3}" dt="2022-05-15T15:01:14.263" v="12567" actId="113"/>
+          <ac:spMkLst>
+            <pc:docMk/>
+            <pc:sldMk cId="124560355" sldId="262"/>
+            <ac:spMk id="7" creationId="{AB249DC2-9601-FAF4-FCE6-44BA1384BF7B}"/>
+          </ac:spMkLst>
+        </pc:spChg>
+        <pc:spChg chg="add mod">
+          <ac:chgData name="Dominique RIGHETTO" userId="512fe077-82ad-424c-88a3-15e852b5861d" providerId="ADAL" clId="{7B29A387-81C3-4DC3-8DD1-E7E42D5484F3}" dt="2022-05-15T15:04:34.787" v="12570" actId="6549"/>
+          <ac:spMkLst>
+            <pc:docMk/>
+            <pc:sldMk cId="124560355" sldId="262"/>
+            <ac:spMk id="8" creationId="{62A8EF81-0F94-2FED-E9B2-C969C9820BB7}"/>
+          </ac:spMkLst>
+        </pc:spChg>
+        <pc:spChg chg="add mod">
+          <ac:chgData name="Dominique RIGHETTO" userId="512fe077-82ad-424c-88a3-15e852b5861d" providerId="ADAL" clId="{7B29A387-81C3-4DC3-8DD1-E7E42D5484F3}" dt="2022-05-15T14:47:18.499" v="12518" actId="1076"/>
+          <ac:spMkLst>
+            <pc:docMk/>
+            <pc:sldMk cId="124560355" sldId="262"/>
+            <ac:spMk id="9" creationId="{358F5417-5287-A164-8330-9B3C5DCA6AA8}"/>
+          </ac:spMkLst>
+        </pc:spChg>
+        <pc:grpChg chg="add mod">
+          <ac:chgData name="Dominique RIGHETTO" userId="512fe077-82ad-424c-88a3-15e852b5861d" providerId="ADAL" clId="{7B29A387-81C3-4DC3-8DD1-E7E42D5484F3}" dt="2022-05-15T15:04:55.989" v="12572" actId="164"/>
+          <ac:grpSpMkLst>
+            <pc:docMk/>
+            <pc:sldMk cId="124560355" sldId="262"/>
+            <ac:grpSpMk id="16" creationId="{2F6909BE-8EB8-1B85-DFFD-0B04AF960587}"/>
+          </ac:grpSpMkLst>
+        </pc:grpChg>
+        <pc:grpChg chg="add mod">
+          <ac:chgData name="Dominique RIGHETTO" userId="512fe077-82ad-424c-88a3-15e852b5861d" providerId="ADAL" clId="{7B29A387-81C3-4DC3-8DD1-E7E42D5484F3}" dt="2022-05-15T15:08:03.128" v="12598" actId="1076"/>
+          <ac:grpSpMkLst>
+            <pc:docMk/>
+            <pc:sldMk cId="124560355" sldId="262"/>
+            <ac:grpSpMk id="21" creationId="{64CC0F80-A987-7965-BA4A-0AF82D84A19E}"/>
+          </ac:grpSpMkLst>
+        </pc:grpChg>
+        <pc:picChg chg="add mod">
+          <ac:chgData name="Dominique RIGHETTO" userId="512fe077-82ad-424c-88a3-15e852b5861d" providerId="ADAL" clId="{7B29A387-81C3-4DC3-8DD1-E7E42D5484F3}" dt="2022-05-15T14:53:06.065" v="12524" actId="1076"/>
+          <ac:picMkLst>
+            <pc:docMk/>
+            <pc:sldMk cId="124560355" sldId="262"/>
+            <ac:picMk id="11" creationId="{D3B9EB34-DFD5-F945-4C03-72A9EEC7C764}"/>
+          </ac:picMkLst>
+        </pc:picChg>
+        <pc:picChg chg="add mod">
+          <ac:chgData name="Dominique RIGHETTO" userId="512fe077-82ad-424c-88a3-15e852b5861d" providerId="ADAL" clId="{7B29A387-81C3-4DC3-8DD1-E7E42D5484F3}" dt="2022-05-15T15:07:52.753" v="12596" actId="164"/>
+          <ac:picMkLst>
+            <pc:docMk/>
+            <pc:sldMk cId="124560355" sldId="262"/>
+            <ac:picMk id="12" creationId="{23BB4819-94D3-DFB4-0C53-82C2093F04E9}"/>
+          </ac:picMkLst>
+        </pc:picChg>
+        <pc:picChg chg="add del mod">
+          <ac:chgData name="Dominique RIGHETTO" userId="512fe077-82ad-424c-88a3-15e852b5861d" providerId="ADAL" clId="{7B29A387-81C3-4DC3-8DD1-E7E42D5484F3}" dt="2022-05-15T15:07:41.488" v="12594" actId="478"/>
+          <ac:picMkLst>
+            <pc:docMk/>
+            <pc:sldMk cId="124560355" sldId="262"/>
+            <ac:picMk id="14" creationId="{9538B983-54DE-D14B-E024-DD0A2629D3B7}"/>
+          </ac:picMkLst>
+        </pc:picChg>
+        <pc:picChg chg="add del mod">
+          <ac:chgData name="Dominique RIGHETTO" userId="512fe077-82ad-424c-88a3-15e852b5861d" providerId="ADAL" clId="{7B29A387-81C3-4DC3-8DD1-E7E42D5484F3}" dt="2022-05-15T15:07:40.087" v="12593" actId="478"/>
+          <ac:picMkLst>
+            <pc:docMk/>
+            <pc:sldMk cId="124560355" sldId="262"/>
+            <ac:picMk id="15" creationId="{73444C3D-57D2-8D1B-1D50-181C6A031CCD}"/>
+          </ac:picMkLst>
+        </pc:picChg>
+        <pc:picChg chg="add del mod">
+          <ac:chgData name="Dominique RIGHETTO" userId="512fe077-82ad-424c-88a3-15e852b5861d" providerId="ADAL" clId="{7B29A387-81C3-4DC3-8DD1-E7E42D5484F3}" dt="2022-05-15T15:06:09.399" v="12583" actId="931"/>
+          <ac:picMkLst>
+            <pc:docMk/>
+            <pc:sldMk cId="124560355" sldId="262"/>
+            <ac:picMk id="18" creationId="{EB9E4EAA-1831-76CE-B31D-4C728EFAB01E}"/>
+          </ac:picMkLst>
+        </pc:picChg>
+        <pc:picChg chg="add mod">
+          <ac:chgData name="Dominique RIGHETTO" userId="512fe077-82ad-424c-88a3-15e852b5861d" providerId="ADAL" clId="{7B29A387-81C3-4DC3-8DD1-E7E42D5484F3}" dt="2022-05-15T15:07:52.753" v="12596" actId="164"/>
+          <ac:picMkLst>
+            <pc:docMk/>
+            <pc:sldMk cId="124560355" sldId="262"/>
+            <ac:picMk id="20" creationId="{447ADBF5-1A2A-45F1-82F8-9CA045BE470C}"/>
+          </ac:picMkLst>
+        </pc:picChg>
       </pc:sldChg>
       <pc:sldChg chg="modSp add mod">
         <pc:chgData name="Dominique RIGHETTO" userId="512fe077-82ad-424c-88a3-15e852b5861d" providerId="ADAL" clId="{7B29A387-81C3-4DC3-8DD1-E7E42D5484F3}" dt="2022-05-07T16:46:52.825" v="9600" actId="20577"/>
@@ -549,7 +638,7 @@
         </pc:picChg>
       </pc:sldChg>
       <pc:sldChg chg="addSp delSp modSp add mod modAnim">
-        <pc:chgData name="Dominique RIGHETTO" userId="512fe077-82ad-424c-88a3-15e852b5861d" providerId="ADAL" clId="{7B29A387-81C3-4DC3-8DD1-E7E42D5484F3}" dt="2022-05-13T16:04:01.805" v="12357" actId="6549"/>
+        <pc:chgData name="Dominique RIGHETTO" userId="512fe077-82ad-424c-88a3-15e852b5861d" providerId="ADAL" clId="{7B29A387-81C3-4DC3-8DD1-E7E42D5484F3}" dt="2022-05-15T15:10:53.014" v="12620"/>
         <pc:sldMkLst>
           <pc:docMk/>
           <pc:sldMk cId="2074569496" sldId="267"/>
@@ -587,7 +676,7 @@
           </ac:spMkLst>
         </pc:spChg>
         <pc:spChg chg="add mod">
-          <ac:chgData name="Dominique RIGHETTO" userId="512fe077-82ad-424c-88a3-15e852b5861d" providerId="ADAL" clId="{7B29A387-81C3-4DC3-8DD1-E7E42D5484F3}" dt="2022-05-07T12:27:36.642" v="8373" actId="1076"/>
+          <ac:chgData name="Dominique RIGHETTO" userId="512fe077-82ad-424c-88a3-15e852b5861d" providerId="ADAL" clId="{7B29A387-81C3-4DC3-8DD1-E7E42D5484F3}" dt="2022-05-15T15:10:34.432" v="12616" actId="1076"/>
           <ac:spMkLst>
             <pc:docMk/>
             <pc:sldMk cId="2074569496" sldId="267"/>
@@ -600,6 +689,14 @@
             <pc:docMk/>
             <pc:sldMk cId="2074569496" sldId="267"/>
             <ac:picMk id="8" creationId="{CF3C7CD3-7911-62F4-1F3D-0EB84E498911}"/>
+          </ac:picMkLst>
+        </pc:picChg>
+        <pc:picChg chg="add mod">
+          <ac:chgData name="Dominique RIGHETTO" userId="512fe077-82ad-424c-88a3-15e852b5861d" providerId="ADAL" clId="{7B29A387-81C3-4DC3-8DD1-E7E42D5484F3}" dt="2022-05-15T15:10:38.725" v="12618" actId="1076"/>
+          <ac:picMkLst>
+            <pc:docMk/>
+            <pc:sldMk cId="2074569496" sldId="267"/>
+            <ac:picMk id="11" creationId="{1BFFFA1E-6EFD-C44F-C093-FE893C970D9D}"/>
           </ac:picMkLst>
         </pc:picChg>
         <pc:picChg chg="del">
@@ -1952,6 +2049,13 @@
           <pc:sldMk cId="1969356322" sldId="293"/>
         </pc:sldMkLst>
       </pc:sldChg>
+      <pc:sldChg chg="add mod modShow">
+        <pc:chgData name="Dominique RIGHETTO" userId="512fe077-82ad-424c-88a3-15e852b5861d" providerId="ADAL" clId="{7B29A387-81C3-4DC3-8DD1-E7E42D5484F3}" dt="2022-05-15T14:50:52.722" v="12519" actId="729"/>
+        <pc:sldMkLst>
+          <pc:docMk/>
+          <pc:sldMk cId="927322962" sldId="294"/>
+        </pc:sldMkLst>
+      </pc:sldChg>
     </pc:docChg>
   </pc:docChgLst>
 </pc:chgInfo>
@@ -2051,7 +2155,7 @@
           <a:p>
             <a:fld id="{B56F32FC-4BD9-442A-A8C6-51598C909FE3}" type="datetimeFigureOut">
               <a:rPr lang="en-US" smtClean="0"/>
-              <a:t>5/13/2022</a:t>
+              <a:t>5/15/2022</a:t>
             </a:fld>
             <a:endParaRPr lang="en-US" dirty="0"/>
           </a:p>
@@ -2228,7 +2332,7 @@
           <a:p>
             <a:fld id="{056371FA-A98D-41E8-93F4-09945841298A}" type="datetimeFigureOut">
               <a:rPr lang="en-US" smtClean="0"/>
-              <a:t>5/13/2022</a:t>
+              <a:t>5/15/2022</a:t>
             </a:fld>
             <a:endParaRPr lang="en-US" dirty="0"/>
           </a:p>
@@ -2629,7 +2733,7 @@
           <a:p>
             <a:fld id="{22289C57-55D7-40A4-A101-E74FAC7A092B}" type="slidenum">
               <a:rPr lang="en-US" smtClean="0"/>
-              <a:t>17</a:t>
+              <a:t>18</a:t>
             </a:fld>
             <a:endParaRPr lang="en-US" dirty="0"/>
           </a:p>
@@ -2713,7 +2817,7 @@
           <a:p>
             <a:fld id="{22289C57-55D7-40A4-A101-E74FAC7A092B}" type="slidenum">
               <a:rPr lang="en-US" smtClean="0"/>
-              <a:t>28</a:t>
+              <a:t>29</a:t>
             </a:fld>
             <a:endParaRPr lang="en-US" dirty="0"/>
           </a:p>
@@ -2797,7 +2901,7 @@
           <a:p>
             <a:fld id="{22289C57-55D7-40A4-A101-E74FAC7A092B}" type="slidenum">
               <a:rPr lang="en-US" smtClean="0"/>
-              <a:t>29</a:t>
+              <a:t>30</a:t>
             </a:fld>
             <a:endParaRPr lang="en-US" dirty="0"/>
           </a:p>
@@ -2881,7 +2985,7 @@
           <a:p>
             <a:fld id="{22289C57-55D7-40A4-A101-E74FAC7A092B}" type="slidenum">
               <a:rPr lang="en-US" smtClean="0"/>
-              <a:t>30</a:t>
+              <a:t>31</a:t>
             </a:fld>
             <a:endParaRPr lang="en-US" dirty="0"/>
           </a:p>
@@ -2965,7 +3069,7 @@
           <a:p>
             <a:fld id="{22289C57-55D7-40A4-A101-E74FAC7A092B}" type="slidenum">
               <a:rPr lang="en-US" smtClean="0"/>
-              <a:t>31</a:t>
+              <a:t>32</a:t>
             </a:fld>
             <a:endParaRPr lang="en-US" dirty="0"/>
           </a:p>
@@ -3049,7 +3153,7 @@
           <a:p>
             <a:fld id="{22289C57-55D7-40A4-A101-E74FAC7A092B}" type="slidenum">
               <a:rPr lang="en-US" smtClean="0"/>
-              <a:t>32</a:t>
+              <a:t>33</a:t>
             </a:fld>
             <a:endParaRPr lang="en-US" dirty="0"/>
           </a:p>
@@ -3133,7 +3237,7 @@
           <a:p>
             <a:fld id="{22289C57-55D7-40A4-A101-E74FAC7A092B}" type="slidenum">
               <a:rPr lang="en-US" smtClean="0"/>
-              <a:t>33</a:t>
+              <a:t>34</a:t>
             </a:fld>
             <a:endParaRPr lang="en-US" dirty="0"/>
           </a:p>
@@ -3217,7 +3321,7 @@
           <a:p>
             <a:fld id="{22289C57-55D7-40A4-A101-E74FAC7A092B}" type="slidenum">
               <a:rPr lang="en-US" smtClean="0"/>
-              <a:t>34</a:t>
+              <a:t>35</a:t>
             </a:fld>
             <a:endParaRPr lang="en-US" dirty="0"/>
           </a:p>
@@ -3301,7 +3405,7 @@
           <a:p>
             <a:fld id="{22289C57-55D7-40A4-A101-E74FAC7A092B}" type="slidenum">
               <a:rPr lang="en-US" smtClean="0"/>
-              <a:t>35</a:t>
+              <a:t>36</a:t>
             </a:fld>
             <a:endParaRPr lang="en-US" dirty="0"/>
           </a:p>
@@ -3385,7 +3489,7 @@
           <a:p>
             <a:fld id="{22289C57-55D7-40A4-A101-E74FAC7A092B}" type="slidenum">
               <a:rPr lang="en-US" smtClean="0"/>
-              <a:t>36</a:t>
+              <a:t>37</a:t>
             </a:fld>
             <a:endParaRPr lang="en-US" dirty="0"/>
           </a:p>
@@ -3469,7 +3573,7 @@
           <a:p>
             <a:fld id="{22289C57-55D7-40A4-A101-E74FAC7A092B}" type="slidenum">
               <a:rPr lang="en-US" smtClean="0"/>
-              <a:t>18</a:t>
+              <a:t>19</a:t>
             </a:fld>
             <a:endParaRPr lang="en-US" dirty="0"/>
           </a:p>
@@ -3622,7 +3726,7 @@
           <a:p>
             <a:fld id="{22289C57-55D7-40A4-A101-E74FAC7A092B}" type="slidenum">
               <a:rPr lang="en-US" smtClean="0"/>
-              <a:t>19</a:t>
+              <a:t>20</a:t>
             </a:fld>
             <a:endParaRPr lang="en-US" dirty="0"/>
           </a:p>
@@ -3706,7 +3810,7 @@
           <a:p>
             <a:fld id="{22289C57-55D7-40A4-A101-E74FAC7A092B}" type="slidenum">
               <a:rPr lang="en-US" smtClean="0"/>
-              <a:t>21</a:t>
+              <a:t>22</a:t>
             </a:fld>
             <a:endParaRPr lang="en-US" dirty="0"/>
           </a:p>
@@ -3790,7 +3894,7 @@
           <a:p>
             <a:fld id="{22289C57-55D7-40A4-A101-E74FAC7A092B}" type="slidenum">
               <a:rPr lang="en-US" smtClean="0"/>
-              <a:t>22</a:t>
+              <a:t>23</a:t>
             </a:fld>
             <a:endParaRPr lang="en-US" dirty="0"/>
           </a:p>
@@ -3874,7 +3978,7 @@
           <a:p>
             <a:fld id="{22289C57-55D7-40A4-A101-E74FAC7A092B}" type="slidenum">
               <a:rPr lang="en-US" smtClean="0"/>
-              <a:t>23</a:t>
+              <a:t>24</a:t>
             </a:fld>
             <a:endParaRPr lang="en-US" dirty="0"/>
           </a:p>
@@ -3958,7 +4062,7 @@
           <a:p>
             <a:fld id="{22289C57-55D7-40A4-A101-E74FAC7A092B}" type="slidenum">
               <a:rPr lang="en-US" smtClean="0"/>
-              <a:t>24</a:t>
+              <a:t>25</a:t>
             </a:fld>
             <a:endParaRPr lang="en-US" dirty="0"/>
           </a:p>
@@ -4042,7 +4146,7 @@
           <a:p>
             <a:fld id="{22289C57-55D7-40A4-A101-E74FAC7A092B}" type="slidenum">
               <a:rPr lang="en-US" smtClean="0"/>
-              <a:t>25</a:t>
+              <a:t>26</a:t>
             </a:fld>
             <a:endParaRPr lang="en-US" dirty="0"/>
           </a:p>
@@ -4126,7 +4230,7 @@
           <a:p>
             <a:fld id="{22289C57-55D7-40A4-A101-E74FAC7A092B}" type="slidenum">
               <a:rPr lang="en-US" smtClean="0"/>
-              <a:t>26</a:t>
+              <a:t>27</a:t>
             </a:fld>
             <a:endParaRPr lang="en-US" dirty="0"/>
           </a:p>
@@ -13144,14 +13248,8 @@
           <a:p>
             <a:r>
               <a:rPr lang="en-US" dirty="0"/>
-              <a:t>So, how to obtain a summary of available/supported HTTP security headers? </a:t>
-            </a:r>
-          </a:p>
-          <a:p>
-            <a:endParaRPr lang="en-US" dirty="0"/>
-          </a:p>
-          <a:p>
-            <a:endParaRPr lang="en-US" dirty="0"/>
+              <a:t>However, browsers and their web features are moving fast…</a:t>
+            </a:r>
           </a:p>
         </p:txBody>
       </p:sp>
@@ -13270,8 +13368,8 @@
         </p:nvSpPr>
         <p:spPr>
           <a:xfrm>
-            <a:off x="2553730" y="6199355"/>
-            <a:ext cx="9704173" cy="369332"/>
+            <a:off x="7323438" y="6199355"/>
+            <a:ext cx="4934465" cy="369332"/>
           </a:xfrm>
           <a:prstGeom prst="rect">
             <a:avLst/>
@@ -13288,21 +13386,21 @@
               <a:rPr lang="en-US" dirty="0">
                 <a:hlinkClick r:id="rId2"/>
               </a:rPr>
-              <a:t>http://www.picturequotes.com/who-are-you-gonna-call-ghostbusters-quote-346897</a:t>
-            </a:r>
-            <a:r>
-              <a:rPr lang="en-US" dirty="0"/>
-              <a:t>  </a:t>
+              <a:t>https://chromiumdash.appspot.com/schedule</a:t>
+            </a:r>
+            <a:r>
+              <a:rPr lang="en-US" dirty="0"/>
+              <a:t> </a:t>
             </a:r>
           </a:p>
         </p:txBody>
       </p:sp>
       <p:pic>
         <p:nvPicPr>
-          <p:cNvPr id="8" name="Picture 7" descr="A picture containing qr code&#10;&#10;Description automatically generated">
-            <a:extLst>
-              <a:ext uri="{FF2B5EF4-FFF2-40B4-BE49-F238E27FC236}">
-                <a16:creationId xmlns:a16="http://schemas.microsoft.com/office/drawing/2014/main" id="{CF3C7CD3-7911-62F4-1F3D-0EB84E498911}"/>
+          <p:cNvPr id="11" name="Picture 10">
+            <a:extLst>
+              <a:ext uri="{FF2B5EF4-FFF2-40B4-BE49-F238E27FC236}">
+                <a16:creationId xmlns:a16="http://schemas.microsoft.com/office/drawing/2014/main" id="{FD43BC2D-7F6E-D859-2C3A-A3EDBD3315F6}"/>
               </a:ext>
             </a:extLst>
           </p:cNvPr>
@@ -13319,14 +13417,288 @@
         </p:blipFill>
         <p:spPr>
           <a:xfrm>
-            <a:off x="632906" y="1977081"/>
-            <a:ext cx="8286750" cy="3810000"/>
+            <a:off x="280086" y="1870147"/>
+            <a:ext cx="6565557" cy="4848410"/>
           </a:xfrm>
           <a:prstGeom prst="rect">
             <a:avLst/>
           </a:prstGeom>
         </p:spPr>
       </p:pic>
+    </p:spTree>
+    <p:extLst>
+      <p:ext uri="{BB962C8B-B14F-4D97-AF65-F5344CB8AC3E}">
+        <p14:creationId xmlns:p14="http://schemas.microsoft.com/office/powerpoint/2010/main" val="811712510"/>
+      </p:ext>
+    </p:extLst>
+  </p:cSld>
+  <p:clrMapOvr>
+    <a:masterClrMapping/>
+  </p:clrMapOvr>
+</p:sld>
+</file>
+
+<file path=ppt/slides/slide11.xml><?xml version="1.0" encoding="utf-8"?>
+<p:sld xmlns:a="http://schemas.openxmlformats.org/drawingml/2006/main" xmlns:r="http://schemas.openxmlformats.org/officeDocument/2006/relationships" xmlns:p="http://schemas.openxmlformats.org/presentationml/2006/main">
+  <p:cSld>
+    <p:spTree>
+      <p:nvGrpSpPr>
+        <p:cNvPr id="1" name=""/>
+        <p:cNvGrpSpPr/>
+        <p:nvPr/>
+      </p:nvGrpSpPr>
+      <p:grpSpPr>
+        <a:xfrm>
+          <a:off x="0" y="0"/>
+          <a:ext cx="0" cy="0"/>
+          <a:chOff x="0" y="0"/>
+          <a:chExt cx="0" cy="0"/>
+        </a:xfrm>
+      </p:grpSpPr>
+      <p:sp>
+        <p:nvSpPr>
+          <p:cNvPr id="2" name="Title 1">
+            <a:extLst>
+              <a:ext uri="{FF2B5EF4-FFF2-40B4-BE49-F238E27FC236}">
+                <a16:creationId xmlns:a16="http://schemas.microsoft.com/office/drawing/2014/main" id="{0A32731C-311B-46F7-A865-6C3AF6B09A47}"/>
+              </a:ext>
+            </a:extLst>
+          </p:cNvPr>
+          <p:cNvSpPr>
+            <a:spLocks noGrp="1"/>
+          </p:cNvSpPr>
+          <p:nvPr>
+            <p:ph type="title"/>
+          </p:nvPr>
+        </p:nvSpPr>
+        <p:spPr>
+          <a:xfrm>
+            <a:off x="134636" y="136525"/>
+            <a:ext cx="11711375" cy="1204912"/>
+          </a:xfrm>
+        </p:spPr>
+        <p:txBody>
+          <a:bodyPr/>
+          <a:lstStyle/>
+          <a:p>
+            <a:r>
+              <a:rPr lang="en-US" dirty="0"/>
+              <a:t>Part 3 - The browser, this ally from a security perspective</a:t>
+            </a:r>
+          </a:p>
+        </p:txBody>
+      </p:sp>
+      <p:sp>
+        <p:nvSpPr>
+          <p:cNvPr id="3" name="Text Placeholder 2">
+            <a:extLst>
+              <a:ext uri="{FF2B5EF4-FFF2-40B4-BE49-F238E27FC236}">
+                <a16:creationId xmlns:a16="http://schemas.microsoft.com/office/drawing/2014/main" id="{9D5232F9-FD00-464A-9F17-619C91AEF8F3}"/>
+              </a:ext>
+            </a:extLst>
+          </p:cNvPr>
+          <p:cNvSpPr>
+            <a:spLocks noGrp="1"/>
+          </p:cNvSpPr>
+          <p:nvPr>
+            <p:ph type="body" idx="1"/>
+          </p:nvPr>
+        </p:nvSpPr>
+        <p:spPr>
+          <a:xfrm>
+            <a:off x="134636" y="1494221"/>
+            <a:ext cx="11777278" cy="4544113"/>
+          </a:xfrm>
+        </p:spPr>
+        <p:txBody>
+          <a:bodyPr/>
+          <a:lstStyle/>
+          <a:p>
+            <a:r>
+              <a:rPr lang="en-US" dirty="0"/>
+              <a:t>So, how to obtain a summary of available/supported HTTP security headers? </a:t>
+            </a:r>
+          </a:p>
+          <a:p>
+            <a:endParaRPr lang="en-US" dirty="0"/>
+          </a:p>
+          <a:p>
+            <a:endParaRPr lang="en-US" dirty="0"/>
+          </a:p>
+        </p:txBody>
+      </p:sp>
+      <p:sp>
+        <p:nvSpPr>
+          <p:cNvPr id="4" name="Date Placeholder 3">
+            <a:extLst>
+              <a:ext uri="{FF2B5EF4-FFF2-40B4-BE49-F238E27FC236}">
+                <a16:creationId xmlns:a16="http://schemas.microsoft.com/office/drawing/2014/main" id="{70E12647-CCB2-45E2-A9CB-A868F490497E}"/>
+              </a:ext>
+            </a:extLst>
+          </p:cNvPr>
+          <p:cNvSpPr>
+            <a:spLocks noGrp="1"/>
+          </p:cNvSpPr>
+          <p:nvPr>
+            <p:ph type="dt" sz="half" idx="10"/>
+          </p:nvPr>
+        </p:nvSpPr>
+        <p:spPr>
+          <a:xfrm>
+            <a:off x="838200" y="6356350"/>
+            <a:ext cx="1219200" cy="365125"/>
+          </a:xfrm>
+        </p:spPr>
+        <p:txBody>
+          <a:bodyPr/>
+          <a:lstStyle/>
+          <a:p>
+            <a:r>
+              <a:rPr lang="en-US" dirty="0"/>
+              <a:t>20XX</a:t>
+            </a:r>
+          </a:p>
+        </p:txBody>
+      </p:sp>
+      <p:sp>
+        <p:nvSpPr>
+          <p:cNvPr id="5" name="Footer Placeholder 4">
+            <a:extLst>
+              <a:ext uri="{FF2B5EF4-FFF2-40B4-BE49-F238E27FC236}">
+                <a16:creationId xmlns:a16="http://schemas.microsoft.com/office/drawing/2014/main" id="{8D51ED20-04D4-4894-B0C2-9C541A61A734}"/>
+              </a:ext>
+            </a:extLst>
+          </p:cNvPr>
+          <p:cNvSpPr>
+            <a:spLocks noGrp="1"/>
+          </p:cNvSpPr>
+          <p:nvPr>
+            <p:ph type="ftr" sz="quarter" idx="11"/>
+          </p:nvPr>
+        </p:nvSpPr>
+        <p:spPr>
+          <a:xfrm>
+            <a:off x="2463800" y="6356350"/>
+            <a:ext cx="3479800" cy="365125"/>
+          </a:xfrm>
+        </p:spPr>
+        <p:txBody>
+          <a:bodyPr/>
+          <a:lstStyle/>
+          <a:p>
+            <a:r>
+              <a:rPr lang="en-US" dirty="0"/>
+              <a:t>PRESENTATION TITLE</a:t>
+            </a:r>
+          </a:p>
+        </p:txBody>
+      </p:sp>
+      <p:sp>
+        <p:nvSpPr>
+          <p:cNvPr id="6" name="Slide Number Placeholder 5">
+            <a:extLst>
+              <a:ext uri="{FF2B5EF4-FFF2-40B4-BE49-F238E27FC236}">
+                <a16:creationId xmlns:a16="http://schemas.microsoft.com/office/drawing/2014/main" id="{7BC1787E-7110-4989-B0B8-DD4E0ACC09DF}"/>
+              </a:ext>
+            </a:extLst>
+          </p:cNvPr>
+          <p:cNvSpPr>
+            <a:spLocks noGrp="1"/>
+          </p:cNvSpPr>
+          <p:nvPr>
+            <p:ph type="sldNum" sz="quarter" idx="12"/>
+          </p:nvPr>
+        </p:nvSpPr>
+        <p:spPr>
+          <a:xfrm>
+            <a:off x="8610600" y="6356350"/>
+            <a:ext cx="2743200" cy="365125"/>
+          </a:xfrm>
+        </p:spPr>
+        <p:txBody>
+          <a:bodyPr/>
+          <a:lstStyle/>
+          <a:p>
+            <a:fld id="{A49DFD55-3C28-40EF-9E31-A92D2E4017FF}" type="slidenum">
+              <a:rPr lang="en-US" smtClean="0"/>
+              <a:pPr/>
+              <a:t>11</a:t>
+            </a:fld>
+            <a:endParaRPr lang="en-US" dirty="0"/>
+          </a:p>
+        </p:txBody>
+      </p:sp>
+      <p:sp>
+        <p:nvSpPr>
+          <p:cNvPr id="9" name="TextBox 8">
+            <a:extLst>
+              <a:ext uri="{FF2B5EF4-FFF2-40B4-BE49-F238E27FC236}">
+                <a16:creationId xmlns:a16="http://schemas.microsoft.com/office/drawing/2014/main" id="{0A3065DB-3237-1C15-9AAD-C6E28BC2B531}"/>
+              </a:ext>
+            </a:extLst>
+          </p:cNvPr>
+          <p:cNvSpPr txBox="1"/>
+          <p:nvPr/>
+        </p:nvSpPr>
+        <p:spPr>
+          <a:xfrm>
+            <a:off x="2553730" y="6199355"/>
+            <a:ext cx="9704173" cy="369332"/>
+          </a:xfrm>
+          <a:prstGeom prst="rect">
+            <a:avLst/>
+          </a:prstGeom>
+          <a:noFill/>
+        </p:spPr>
+        <p:txBody>
+          <a:bodyPr wrap="square" rtlCol="0">
+            <a:spAutoFit/>
+          </a:bodyPr>
+          <a:lstStyle/>
+          <a:p>
+            <a:r>
+              <a:rPr lang="en-US" dirty="0">
+                <a:hlinkClick r:id="rId2"/>
+              </a:rPr>
+              <a:t>http://www.picturequotes.com/who-are-you-gonna-call-ghostbusters-quote-346897</a:t>
+            </a:r>
+            <a:r>
+              <a:rPr lang="en-US" dirty="0"/>
+              <a:t>  </a:t>
+            </a:r>
+          </a:p>
+        </p:txBody>
+      </p:sp>
+      <p:pic>
+        <p:nvPicPr>
+          <p:cNvPr id="8" name="Picture 7" descr="A picture containing qr code&#10;&#10;Description automatically generated">
+            <a:extLst>
+              <a:ext uri="{FF2B5EF4-FFF2-40B4-BE49-F238E27FC236}">
+                <a16:creationId xmlns:a16="http://schemas.microsoft.com/office/drawing/2014/main" id="{CF3C7CD3-7911-62F4-1F3D-0EB84E498911}"/>
+              </a:ext>
+            </a:extLst>
+          </p:cNvPr>
+          <p:cNvPicPr>
+            <a:picLocks noChangeAspect="1"/>
+          </p:cNvPicPr>
+          <p:nvPr/>
+        </p:nvPicPr>
+        <p:blipFill>
+          <a:blip r:embed="rId3"/>
+          <a:stretch>
+            <a:fillRect/>
+          </a:stretch>
+        </p:blipFill>
+        <p:spPr>
+          <a:xfrm>
+            <a:off x="632906" y="1977081"/>
+            <a:ext cx="8286750" cy="3810000"/>
+          </a:xfrm>
+          <a:prstGeom prst="rect">
+            <a:avLst/>
+          </a:prstGeom>
+        </p:spPr>
+      </p:pic>
       <p:sp>
         <p:nvSpPr>
           <p:cNvPr id="10" name="Rectangle: Rounded Corners 9">
@@ -13341,7 +13713,7 @@
         </p:nvSpPr>
         <p:spPr>
           <a:xfrm>
-            <a:off x="9140686" y="3429000"/>
+            <a:off x="9120090" y="4236308"/>
             <a:ext cx="2550198" cy="787940"/>
           </a:xfrm>
           <a:prstGeom prst="roundRect">
@@ -13371,26 +13743,41 @@
             <a:pPr algn="ctr"/>
             <a:r>
               <a:rPr lang="en-US" dirty="0"/>
-              <a:t>No it is not </a:t>
-            </a:r>
-            <a:r>
-              <a:rPr lang="en-US" dirty="0" err="1"/>
-              <a:t>Musclor</a:t>
-            </a:r>
-            <a:r>
-              <a:rPr lang="en-US" dirty="0"/>
-              <a:t> </a:t>
-            </a:r>
-            <a:r>
-              <a:rPr lang="en-US" dirty="0">
-                <a:sym typeface="Wingdings" panose="05000000000000000000" pitchFamily="2" charset="2"/>
-              </a:rPr>
-              <a:t></a:t>
-            </a:r>
-            <a:endParaRPr lang="en-US" dirty="0"/>
-          </a:p>
-        </p:txBody>
-      </p:sp>
+              <a:t>No, not him !</a:t>
+            </a:r>
+          </a:p>
+        </p:txBody>
+      </p:sp>
+      <p:pic>
+        <p:nvPicPr>
+          <p:cNvPr id="11" name="Picture 10" descr="A person in a garment holding a sword&#10;&#10;Description automatically generated with medium confidence">
+            <a:extLst>
+              <a:ext uri="{FF2B5EF4-FFF2-40B4-BE49-F238E27FC236}">
+                <a16:creationId xmlns:a16="http://schemas.microsoft.com/office/drawing/2014/main" id="{1BFFFA1E-6EFD-C44F-C093-FE893C970D9D}"/>
+              </a:ext>
+            </a:extLst>
+          </p:cNvPr>
+          <p:cNvPicPr>
+            <a:picLocks noChangeAspect="1"/>
+          </p:cNvPicPr>
+          <p:nvPr/>
+        </p:nvPicPr>
+        <p:blipFill>
+          <a:blip r:embed="rId4"/>
+          <a:stretch>
+            <a:fillRect/>
+          </a:stretch>
+        </p:blipFill>
+        <p:spPr>
+          <a:xfrm>
+            <a:off x="9796507" y="2051976"/>
+            <a:ext cx="1349288" cy="2121731"/>
+          </a:xfrm>
+          <a:prstGeom prst="rect">
+            <a:avLst/>
+          </a:prstGeom>
+        </p:spPr>
+      </p:pic>
     </p:spTree>
     <p:extLst>
       <p:ext uri="{BB962C8B-B14F-4D97-AF65-F5344CB8AC3E}">
@@ -13422,7 +13809,7 @@
                             </p:stCondLst>
                             <p:childTnLst>
                               <p:par>
-                                <p:cTn id="5" presetID="1" presetClass="entr" presetSubtype="0" fill="hold" grpId="0" nodeType="clickEffect">
+                                <p:cTn id="5" presetID="1" presetClass="entr" presetSubtype="0" fill="hold" nodeType="clickEffect">
                                   <p:stCondLst>
                                     <p:cond delay="0"/>
                                   </p:stCondLst>
@@ -13430,6 +13817,33 @@
                                     <p:set>
                                       <p:cBhvr>
                                         <p:cTn id="6" dur="1" fill="hold">
+                                          <p:stCondLst>
+                                            <p:cond delay="0"/>
+                                          </p:stCondLst>
+                                        </p:cTn>
+                                        <p:tgtEl>
+                                          <p:spTgt spid="11"/>
+                                        </p:tgtEl>
+                                        <p:attrNameLst>
+                                          <p:attrName>style.visibility</p:attrName>
+                                        </p:attrNameLst>
+                                      </p:cBhvr>
+                                      <p:to>
+                                        <p:strVal val="visible"/>
+                                      </p:to>
+                                    </p:set>
+                                  </p:childTnLst>
+                                </p:cTn>
+                              </p:par>
+                              <p:par>
+                                <p:cTn id="7" presetID="1" presetClass="entr" presetSubtype="0" fill="hold" grpId="0" nodeType="withEffect">
+                                  <p:stCondLst>
+                                    <p:cond delay="0"/>
+                                  </p:stCondLst>
+                                  <p:childTnLst>
+                                    <p:set>
+                                      <p:cBhvr>
+                                        <p:cTn id="8" dur="1" fill="hold">
                                           <p:stCondLst>
                                             <p:cond delay="0"/>
                                           </p:stCondLst>
@@ -13482,296 +13896,6 @@
 </p:sld>
 </file>
 
-<file path=ppt/slides/slide11.xml><?xml version="1.0" encoding="utf-8"?>
-<p:sld xmlns:a="http://schemas.openxmlformats.org/drawingml/2006/main" xmlns:r="http://schemas.openxmlformats.org/officeDocument/2006/relationships" xmlns:p="http://schemas.openxmlformats.org/presentationml/2006/main">
-  <p:cSld>
-    <p:spTree>
-      <p:nvGrpSpPr>
-        <p:cNvPr id="1" name=""/>
-        <p:cNvGrpSpPr/>
-        <p:nvPr/>
-      </p:nvGrpSpPr>
-      <p:grpSpPr>
-        <a:xfrm>
-          <a:off x="0" y="0"/>
-          <a:ext cx="0" cy="0"/>
-          <a:chOff x="0" y="0"/>
-          <a:chExt cx="0" cy="0"/>
-        </a:xfrm>
-      </p:grpSpPr>
-      <p:sp>
-        <p:nvSpPr>
-          <p:cNvPr id="2" name="Title 1">
-            <a:extLst>
-              <a:ext uri="{FF2B5EF4-FFF2-40B4-BE49-F238E27FC236}">
-                <a16:creationId xmlns:a16="http://schemas.microsoft.com/office/drawing/2014/main" id="{0A32731C-311B-46F7-A865-6C3AF6B09A47}"/>
-              </a:ext>
-            </a:extLst>
-          </p:cNvPr>
-          <p:cNvSpPr>
-            <a:spLocks noGrp="1"/>
-          </p:cNvSpPr>
-          <p:nvPr>
-            <p:ph type="title"/>
-          </p:nvPr>
-        </p:nvSpPr>
-        <p:spPr>
-          <a:xfrm>
-            <a:off x="134636" y="136525"/>
-            <a:ext cx="11711375" cy="1204912"/>
-          </a:xfrm>
-        </p:spPr>
-        <p:txBody>
-          <a:bodyPr/>
-          <a:lstStyle/>
-          <a:p>
-            <a:r>
-              <a:rPr lang="en-US" dirty="0"/>
-              <a:t>Part 3 - The browser, this </a:t>
-            </a:r>
-            <a:r>
-              <a:rPr lang="en-US"/>
-              <a:t>ally from </a:t>
-            </a:r>
-            <a:r>
-              <a:rPr lang="en-US" dirty="0"/>
-              <a:t>a security perspective</a:t>
-            </a:r>
-          </a:p>
-        </p:txBody>
-      </p:sp>
-      <p:sp>
-        <p:nvSpPr>
-          <p:cNvPr id="3" name="Text Placeholder 2">
-            <a:extLst>
-              <a:ext uri="{FF2B5EF4-FFF2-40B4-BE49-F238E27FC236}">
-                <a16:creationId xmlns:a16="http://schemas.microsoft.com/office/drawing/2014/main" id="{9D5232F9-FD00-464A-9F17-619C91AEF8F3}"/>
-              </a:ext>
-            </a:extLst>
-          </p:cNvPr>
-          <p:cNvSpPr>
-            <a:spLocks noGrp="1"/>
-          </p:cNvSpPr>
-          <p:nvPr>
-            <p:ph type="body" idx="1"/>
-          </p:nvPr>
-        </p:nvSpPr>
-        <p:spPr>
-          <a:xfrm>
-            <a:off x="134636" y="1494221"/>
-            <a:ext cx="11777278" cy="4544113"/>
-          </a:xfrm>
-        </p:spPr>
-        <p:txBody>
-          <a:bodyPr/>
-          <a:lstStyle/>
-          <a:p>
-            <a:r>
-              <a:rPr lang="en-US" dirty="0"/>
-              <a:t>It’s the goal of the OWASP Secure Headers Project </a:t>
-            </a:r>
-            <a:r>
-              <a:rPr lang="en-US" b="1" dirty="0"/>
-              <a:t>to centralize, gather and continuously search such information </a:t>
-            </a:r>
-            <a:r>
-              <a:rPr lang="en-US" dirty="0"/>
-              <a:t>to always provide the more accurate information…</a:t>
-            </a:r>
-          </a:p>
-          <a:p>
-            <a:endParaRPr lang="en-US" dirty="0"/>
-          </a:p>
-          <a:p>
-            <a:endParaRPr lang="en-US" dirty="0"/>
-          </a:p>
-        </p:txBody>
-      </p:sp>
-      <p:sp>
-        <p:nvSpPr>
-          <p:cNvPr id="4" name="Date Placeholder 3">
-            <a:extLst>
-              <a:ext uri="{FF2B5EF4-FFF2-40B4-BE49-F238E27FC236}">
-                <a16:creationId xmlns:a16="http://schemas.microsoft.com/office/drawing/2014/main" id="{70E12647-CCB2-45E2-A9CB-A868F490497E}"/>
-              </a:ext>
-            </a:extLst>
-          </p:cNvPr>
-          <p:cNvSpPr>
-            <a:spLocks noGrp="1"/>
-          </p:cNvSpPr>
-          <p:nvPr>
-            <p:ph type="dt" sz="half" idx="10"/>
-          </p:nvPr>
-        </p:nvSpPr>
-        <p:spPr>
-          <a:xfrm>
-            <a:off x="838200" y="6356350"/>
-            <a:ext cx="1219200" cy="365125"/>
-          </a:xfrm>
-        </p:spPr>
-        <p:txBody>
-          <a:bodyPr/>
-          <a:lstStyle/>
-          <a:p>
-            <a:r>
-              <a:rPr lang="en-US" dirty="0"/>
-              <a:t>20XX</a:t>
-            </a:r>
-          </a:p>
-        </p:txBody>
-      </p:sp>
-      <p:sp>
-        <p:nvSpPr>
-          <p:cNvPr id="5" name="Footer Placeholder 4">
-            <a:extLst>
-              <a:ext uri="{FF2B5EF4-FFF2-40B4-BE49-F238E27FC236}">
-                <a16:creationId xmlns:a16="http://schemas.microsoft.com/office/drawing/2014/main" id="{8D51ED20-04D4-4894-B0C2-9C541A61A734}"/>
-              </a:ext>
-            </a:extLst>
-          </p:cNvPr>
-          <p:cNvSpPr>
-            <a:spLocks noGrp="1"/>
-          </p:cNvSpPr>
-          <p:nvPr>
-            <p:ph type="ftr" sz="quarter" idx="11"/>
-          </p:nvPr>
-        </p:nvSpPr>
-        <p:spPr>
-          <a:xfrm>
-            <a:off x="2463800" y="6356350"/>
-            <a:ext cx="3479800" cy="365125"/>
-          </a:xfrm>
-        </p:spPr>
-        <p:txBody>
-          <a:bodyPr/>
-          <a:lstStyle/>
-          <a:p>
-            <a:r>
-              <a:rPr lang="en-US" dirty="0"/>
-              <a:t>PRESENTATION TITLE</a:t>
-            </a:r>
-          </a:p>
-        </p:txBody>
-      </p:sp>
-      <p:sp>
-        <p:nvSpPr>
-          <p:cNvPr id="6" name="Slide Number Placeholder 5">
-            <a:extLst>
-              <a:ext uri="{FF2B5EF4-FFF2-40B4-BE49-F238E27FC236}">
-                <a16:creationId xmlns:a16="http://schemas.microsoft.com/office/drawing/2014/main" id="{7BC1787E-7110-4989-B0B8-DD4E0ACC09DF}"/>
-              </a:ext>
-            </a:extLst>
-          </p:cNvPr>
-          <p:cNvSpPr>
-            <a:spLocks noGrp="1"/>
-          </p:cNvSpPr>
-          <p:nvPr>
-            <p:ph type="sldNum" sz="quarter" idx="12"/>
-          </p:nvPr>
-        </p:nvSpPr>
-        <p:spPr>
-          <a:xfrm>
-            <a:off x="8610600" y="6356350"/>
-            <a:ext cx="2743200" cy="365125"/>
-          </a:xfrm>
-        </p:spPr>
-        <p:txBody>
-          <a:bodyPr/>
-          <a:lstStyle/>
-          <a:p>
-            <a:fld id="{A49DFD55-3C28-40EF-9E31-A92D2E4017FF}" type="slidenum">
-              <a:rPr lang="en-US" smtClean="0"/>
-              <a:pPr/>
-              <a:t>11</a:t>
-            </a:fld>
-            <a:endParaRPr lang="en-US" dirty="0"/>
-          </a:p>
-        </p:txBody>
-      </p:sp>
-      <p:sp>
-        <p:nvSpPr>
-          <p:cNvPr id="9" name="TextBox 8">
-            <a:extLst>
-              <a:ext uri="{FF2B5EF4-FFF2-40B4-BE49-F238E27FC236}">
-                <a16:creationId xmlns:a16="http://schemas.microsoft.com/office/drawing/2014/main" id="{0A3065DB-3237-1C15-9AAD-C6E28BC2B531}"/>
-              </a:ext>
-            </a:extLst>
-          </p:cNvPr>
-          <p:cNvSpPr txBox="1"/>
-          <p:nvPr/>
-        </p:nvSpPr>
-        <p:spPr>
-          <a:xfrm>
-            <a:off x="4028304" y="6199355"/>
-            <a:ext cx="8229600" cy="369332"/>
-          </a:xfrm>
-          <a:prstGeom prst="rect">
-            <a:avLst/>
-          </a:prstGeom>
-          <a:noFill/>
-        </p:spPr>
-        <p:txBody>
-          <a:bodyPr wrap="square" rtlCol="0">
-            <a:spAutoFit/>
-          </a:bodyPr>
-          <a:lstStyle/>
-          <a:p>
-            <a:r>
-              <a:rPr lang="en-US" dirty="0">
-                <a:hlinkClick r:id="rId2"/>
-              </a:rPr>
-              <a:t>https://owasp.org/www-project-secure-headers/</a:t>
-            </a:r>
-            <a:r>
-              <a:rPr lang="en-US" dirty="0"/>
-              <a:t> </a:t>
-            </a:r>
-          </a:p>
-        </p:txBody>
-      </p:sp>
-      <p:pic>
-        <p:nvPicPr>
-          <p:cNvPr id="8" name="Picture 7">
-            <a:extLst>
-              <a:ext uri="{FF2B5EF4-FFF2-40B4-BE49-F238E27FC236}">
-                <a16:creationId xmlns:a16="http://schemas.microsoft.com/office/drawing/2014/main" id="{60420249-602C-6EF2-CB04-E5A5AD99CF37}"/>
-              </a:ext>
-            </a:extLst>
-          </p:cNvPr>
-          <p:cNvPicPr>
-            <a:picLocks noChangeAspect="1"/>
-          </p:cNvPicPr>
-          <p:nvPr/>
-        </p:nvPicPr>
-        <p:blipFill>
-          <a:blip r:embed="rId3"/>
-          <a:stretch>
-            <a:fillRect/>
-          </a:stretch>
-        </p:blipFill>
-        <p:spPr>
-          <a:xfrm>
-            <a:off x="1251861" y="2291184"/>
-            <a:ext cx="9688277" cy="3181794"/>
-          </a:xfrm>
-          <a:prstGeom prst="rect">
-            <a:avLst/>
-          </a:prstGeom>
-        </p:spPr>
-      </p:pic>
-    </p:spTree>
-    <p:extLst>
-      <p:ext uri="{BB962C8B-B14F-4D97-AF65-F5344CB8AC3E}">
-        <p14:creationId xmlns:p14="http://schemas.microsoft.com/office/powerpoint/2010/main" val="2598325767"/>
-      </p:ext>
-    </p:extLst>
-  </p:cSld>
-  <p:clrMapOvr>
-    <a:masterClrMapping/>
-  </p:clrMapOvr>
-</p:sld>
-</file>
-
 <file path=ppt/slides/slide12.xml><?xml version="1.0" encoding="utf-8"?>
 <p:sld xmlns:a="http://schemas.openxmlformats.org/drawingml/2006/main" xmlns:r="http://schemas.openxmlformats.org/officeDocument/2006/relationships" xmlns:p="http://schemas.openxmlformats.org/presentationml/2006/main">
   <p:cSld>
@@ -13817,7 +13941,15 @@
           <a:p>
             <a:r>
               <a:rPr lang="en-US" dirty="0"/>
-              <a:t>Part 4 - Focus on some situation</a:t>
+              <a:t>Part 3 - The browser, this </a:t>
+            </a:r>
+            <a:r>
+              <a:rPr lang="en-US"/>
+              <a:t>ally from </a:t>
+            </a:r>
+            <a:r>
+              <a:rPr lang="en-US" dirty="0"/>
+              <a:t>a security perspective</a:t>
             </a:r>
           </a:p>
         </p:txBody>
@@ -13849,115 +13981,17 @@
           <a:lstStyle/>
           <a:p>
             <a:r>
+              <a:rPr lang="en-US" dirty="0"/>
+              <a:t>It’s the goal of the OWASP Secure Headers Project </a:t>
+            </a:r>
+            <a:r>
               <a:rPr lang="en-US" b="1" dirty="0"/>
-              <a:t>Context: </a:t>
-            </a:r>
-          </a:p>
-          <a:p>
-            <a:pPr marL="285750" indent="-285750">
-              <a:buFontTx/>
-              <a:buChar char="-"/>
-            </a:pPr>
-            <a:r>
-              <a:rPr lang="en-US" dirty="0"/>
-              <a:t>Our company website is exposed on the not secure HTTP port 80 on righettod.eu and www.righettod.eu</a:t>
-            </a:r>
-          </a:p>
-          <a:p>
-            <a:pPr marL="285750" indent="-285750">
-              <a:buFontTx/>
-              <a:buChar char="-"/>
-            </a:pPr>
-            <a:r>
-              <a:rPr lang="en-US" dirty="0"/>
-              <a:t>Our application is exposed on secure HTTP port 443 on </a:t>
-            </a:r>
-            <a:r>
-              <a:rPr lang="en-US" b="1" dirty="0"/>
-              <a:t>myapp</a:t>
-            </a:r>
-            <a:r>
-              <a:rPr lang="en-US" dirty="0"/>
-              <a:t>.righettod.eu</a:t>
-            </a:r>
-          </a:p>
-          <a:p>
-            <a:pPr marL="285750" indent="-285750">
-              <a:buFontTx/>
-              <a:buChar char="-"/>
-            </a:pPr>
-            <a:r>
-              <a:rPr lang="en-US" dirty="0"/>
-              <a:t>Both ports are open on web server to our application, so it accept not secure HTTP call too</a:t>
-            </a:r>
-          </a:p>
-          <a:p>
-            <a:pPr marL="285750" indent="-285750">
-              <a:buFontTx/>
-              <a:buChar char="-"/>
-            </a:pPr>
-            <a:endParaRPr lang="en-US" dirty="0"/>
-          </a:p>
-          <a:p>
-            <a:pPr marL="285750" indent="-285750">
-              <a:buFontTx/>
-              <a:buChar char="-"/>
-            </a:pPr>
-            <a:endParaRPr lang="en-US" dirty="0"/>
-          </a:p>
-          <a:p>
-            <a:pPr marL="285750" indent="-285750">
-              <a:buFontTx/>
-              <a:buChar char="-"/>
-            </a:pPr>
-            <a:endParaRPr lang="en-US" dirty="0"/>
-          </a:p>
-          <a:p>
-            <a:pPr marL="285750" indent="-285750">
-              <a:buFontTx/>
-              <a:buChar char="-"/>
-            </a:pPr>
-            <a:endParaRPr lang="en-US" dirty="0"/>
-          </a:p>
-          <a:p>
-            <a:pPr marL="285750" indent="-285750">
-              <a:buFontTx/>
-              <a:buChar char="-"/>
-            </a:pPr>
-            <a:endParaRPr lang="en-US" dirty="0"/>
-          </a:p>
-          <a:p>
-            <a:pPr marL="285750" indent="-285750">
-              <a:buFontTx/>
-              <a:buChar char="-"/>
-            </a:pPr>
-            <a:endParaRPr lang="en-US" dirty="0"/>
-          </a:p>
-          <a:p>
-            <a:r>
-              <a:rPr lang="en-US" b="1" dirty="0"/>
-              <a:t>Challenge: </a:t>
-            </a:r>
-          </a:p>
-          <a:p>
-            <a:pPr marL="285750" indent="-285750">
-              <a:buFontTx/>
-              <a:buChar char="-"/>
-            </a:pPr>
-            <a:r>
-              <a:rPr lang="en-US" dirty="0"/>
-              <a:t>How do we ensure that a secure channel is always used to access to our application to prevent an attacker to intercept and see the data exchanged?</a:t>
-            </a:r>
-          </a:p>
-          <a:p>
-            <a:endParaRPr lang="en-US" dirty="0"/>
-          </a:p>
-          <a:p>
-            <a:pPr marL="285750" indent="-285750">
-              <a:buFontTx/>
-              <a:buChar char="-"/>
-            </a:pPr>
-            <a:endParaRPr lang="en-US" dirty="0"/>
+              <a:t>to centralize, gather and continuously search such information </a:t>
+            </a:r>
+            <a:r>
+              <a:rPr lang="en-US" dirty="0"/>
+              <a:t>to always provide the more accurate information…</a:t>
+            </a:r>
           </a:p>
           <a:p>
             <a:endParaRPr lang="en-US" dirty="0"/>
@@ -14068,12 +14102,53 @@
           </a:p>
         </p:txBody>
       </p:sp>
+      <p:sp>
+        <p:nvSpPr>
+          <p:cNvPr id="9" name="TextBox 8">
+            <a:extLst>
+              <a:ext uri="{FF2B5EF4-FFF2-40B4-BE49-F238E27FC236}">
+                <a16:creationId xmlns:a16="http://schemas.microsoft.com/office/drawing/2014/main" id="{0A3065DB-3237-1C15-9AAD-C6E28BC2B531}"/>
+              </a:ext>
+            </a:extLst>
+          </p:cNvPr>
+          <p:cNvSpPr txBox="1"/>
+          <p:nvPr/>
+        </p:nvSpPr>
+        <p:spPr>
+          <a:xfrm>
+            <a:off x="4028304" y="6199355"/>
+            <a:ext cx="8229600" cy="369332"/>
+          </a:xfrm>
+          <a:prstGeom prst="rect">
+            <a:avLst/>
+          </a:prstGeom>
+          <a:noFill/>
+        </p:spPr>
+        <p:txBody>
+          <a:bodyPr wrap="square" rtlCol="0">
+            <a:spAutoFit/>
+          </a:bodyPr>
+          <a:lstStyle/>
+          <a:p>
+            <a:r>
+              <a:rPr lang="en-US" dirty="0">
+                <a:hlinkClick r:id="rId2"/>
+              </a:rPr>
+              <a:t>https://owasp.org/www-project-secure-headers/</a:t>
+            </a:r>
+            <a:r>
+              <a:rPr lang="en-US" dirty="0"/>
+              <a:t> </a:t>
+            </a:r>
+          </a:p>
+        </p:txBody>
+      </p:sp>
       <p:pic>
         <p:nvPicPr>
-          <p:cNvPr id="10" name="Picture 9">
-            <a:extLst>
-              <a:ext uri="{FF2B5EF4-FFF2-40B4-BE49-F238E27FC236}">
-                <a16:creationId xmlns:a16="http://schemas.microsoft.com/office/drawing/2014/main" id="{C2BCFA98-3609-F8E4-F00B-56EFF2B52373}"/>
+          <p:cNvPr id="8" name="Picture 7">
+            <a:extLst>
+              <a:ext uri="{FF2B5EF4-FFF2-40B4-BE49-F238E27FC236}">
+                <a16:creationId xmlns:a16="http://schemas.microsoft.com/office/drawing/2014/main" id="{60420249-602C-6EF2-CB04-E5A5AD99CF37}"/>
               </a:ext>
             </a:extLst>
           </p:cNvPr>
@@ -14083,15 +14158,15 @@
           <p:nvPr/>
         </p:nvPicPr>
         <p:blipFill>
-          <a:blip r:embed="rId2"/>
+          <a:blip r:embed="rId3"/>
           <a:stretch>
             <a:fillRect/>
           </a:stretch>
         </p:blipFill>
         <p:spPr>
           <a:xfrm>
-            <a:off x="134636" y="2866039"/>
-            <a:ext cx="7211431" cy="1800476"/>
+            <a:off x="1251861" y="2291184"/>
+            <a:ext cx="9688277" cy="3181794"/>
           </a:xfrm>
           <a:prstGeom prst="rect">
             <a:avLst/>
@@ -14101,7 +14176,7 @@
     </p:spTree>
     <p:extLst>
       <p:ext uri="{BB962C8B-B14F-4D97-AF65-F5344CB8AC3E}">
-        <p14:creationId xmlns:p14="http://schemas.microsoft.com/office/powerpoint/2010/main" val="3581108743"/>
+        <p14:creationId xmlns:p14="http://schemas.microsoft.com/office/powerpoint/2010/main" val="2598325767"/>
       </p:ext>
     </p:extLst>
   </p:cSld>
@@ -14189,7 +14264,7 @@
           <a:p>
             <a:r>
               <a:rPr lang="en-US" b="1" dirty="0"/>
-              <a:t>HTTP response security header buddy is “Strict-Transport-Security”:</a:t>
+              <a:t>Context: </a:t>
             </a:r>
           </a:p>
           <a:p>
@@ -14199,7 +14274,7 @@
             </a:pPr>
             <a:r>
               <a:rPr lang="en-US" dirty="0"/>
-              <a:t>Indicate to the browser to always use a secure channel (HTTPS) to access to the domain on which it was delivered.</a:t>
+              <a:t>Our company website is exposed on the not secure HTTP port 80 on righettod.eu and www.righettod.eu</a:t>
             </a:r>
           </a:p>
           <a:p>
@@ -14209,89 +14284,26 @@
             </a:pPr>
             <a:r>
               <a:rPr lang="en-US" dirty="0"/>
-              <a:t>Once seen a first time, the browser will remember (until cache is cleared or </a:t>
+              <a:t>Our application is exposed on secure HTTP port 443 on </a:t>
             </a:r>
             <a:r>
               <a:rPr lang="en-US" b="1" dirty="0"/>
-              <a:t>max-age</a:t>
-            </a:r>
-            <a:r>
-              <a:rPr lang="en-US" dirty="0"/>
-              <a:t> expire) it and update the protocol to HTTPS before to send any HTTP call even if the user (or script) use HTTP:// protocol explicitly in the URL.</a:t>
-            </a:r>
-          </a:p>
-          <a:p>
-            <a:endParaRPr lang="en-US" dirty="0"/>
-          </a:p>
-          <a:p>
-            <a:r>
-              <a:rPr lang="en-US" b="1" dirty="0"/>
-              <a:t>Format:</a:t>
-            </a:r>
-          </a:p>
-          <a:p>
-            <a:r>
-              <a:rPr lang="en-US" dirty="0">
-                <a:latin typeface="Consolas" panose="020B0609020204030204" pitchFamily="49" charset="0"/>
-              </a:rPr>
-              <a:t>Strict-Transport-Security: max-age=</a:t>
-            </a:r>
-            <a:r>
-              <a:rPr lang="en-US" b="1" dirty="0">
-                <a:latin typeface="Consolas" panose="020B0609020204030204" pitchFamily="49" charset="0"/>
-              </a:rPr>
-              <a:t>(time in second to apply the instruction)</a:t>
-            </a:r>
-            <a:r>
-              <a:rPr lang="en-US" dirty="0">
-                <a:latin typeface="Consolas" panose="020B0609020204030204" pitchFamily="49" charset="0"/>
-              </a:rPr>
-              <a:t> ; </a:t>
-            </a:r>
-            <a:r>
-              <a:rPr lang="en-US" b="1" dirty="0">
-                <a:latin typeface="Consolas" panose="020B0609020204030204" pitchFamily="49" charset="0"/>
-              </a:rPr>
-              <a:t>[</a:t>
-            </a:r>
-            <a:r>
-              <a:rPr lang="en-US" b="1" dirty="0" err="1">
-                <a:latin typeface="Consolas" panose="020B0609020204030204" pitchFamily="49" charset="0"/>
-              </a:rPr>
-              <a:t>includeSubDomains</a:t>
-            </a:r>
-            <a:r>
-              <a:rPr lang="en-US" b="1" dirty="0">
-                <a:latin typeface="Consolas" panose="020B0609020204030204" pitchFamily="49" charset="0"/>
-              </a:rPr>
-              <a:t>]</a:t>
-            </a:r>
-          </a:p>
-          <a:p>
-            <a:endParaRPr lang="en-US" dirty="0"/>
-          </a:p>
-          <a:p>
-            <a:r>
-              <a:rPr lang="en-US" b="1" dirty="0"/>
-              <a:t>Example:</a:t>
-            </a:r>
-          </a:p>
-          <a:p>
-            <a:r>
-              <a:rPr lang="en-US" dirty="0">
-                <a:latin typeface="Consolas" panose="020B0609020204030204" pitchFamily="49" charset="0"/>
-              </a:rPr>
-              <a:t>Strict-Transport-Security: max-age=31536000 ; </a:t>
-            </a:r>
-            <a:r>
-              <a:rPr lang="en-US" dirty="0" err="1">
-                <a:latin typeface="Consolas" panose="020B0609020204030204" pitchFamily="49" charset="0"/>
-              </a:rPr>
-              <a:t>includeSubDomains</a:t>
-            </a:r>
-            <a:endParaRPr lang="en-US" dirty="0">
-              <a:latin typeface="Consolas" panose="020B0609020204030204" pitchFamily="49" charset="0"/>
-            </a:endParaRPr>
+              <a:t>myapp</a:t>
+            </a:r>
+            <a:r>
+              <a:rPr lang="en-US" dirty="0"/>
+              <a:t>.righettod.eu</a:t>
+            </a:r>
+          </a:p>
+          <a:p>
+            <a:pPr marL="285750" indent="-285750">
+              <a:buFontTx/>
+              <a:buChar char="-"/>
+            </a:pPr>
+            <a:r>
+              <a:rPr lang="en-US" dirty="0"/>
+              <a:t>Both ports are open on web server to our application, so it accept not secure HTTP call too</a:t>
+            </a:r>
           </a:p>
           <a:p>
             <a:pPr marL="285750" indent="-285750">
@@ -14319,6 +14331,39 @@
               <a:buFontTx/>
               <a:buChar char="-"/>
             </a:pPr>
+            <a:endParaRPr lang="en-US" dirty="0"/>
+          </a:p>
+          <a:p>
+            <a:pPr marL="285750" indent="-285750">
+              <a:buFontTx/>
+              <a:buChar char="-"/>
+            </a:pPr>
+            <a:endParaRPr lang="en-US" dirty="0"/>
+          </a:p>
+          <a:p>
+            <a:pPr marL="285750" indent="-285750">
+              <a:buFontTx/>
+              <a:buChar char="-"/>
+            </a:pPr>
+            <a:endParaRPr lang="en-US" dirty="0"/>
+          </a:p>
+          <a:p>
+            <a:r>
+              <a:rPr lang="en-US" b="1" dirty="0"/>
+              <a:t>Challenge: </a:t>
+            </a:r>
+          </a:p>
+          <a:p>
+            <a:pPr marL="285750" indent="-285750">
+              <a:buFontTx/>
+              <a:buChar char="-"/>
+            </a:pPr>
+            <a:r>
+              <a:rPr lang="en-US" dirty="0"/>
+              <a:t>How do we ensure that a secure channel is always used to access to our application to prevent an attacker to intercept and see the data exchanged?</a:t>
+            </a:r>
+          </a:p>
+          <a:p>
             <a:endParaRPr lang="en-US" dirty="0"/>
           </a:p>
           <a:p>
@@ -14437,51 +14482,40 @@
           </a:p>
         </p:txBody>
       </p:sp>
-      <p:sp>
-        <p:nvSpPr>
-          <p:cNvPr id="9" name="TextBox 8">
-            <a:extLst>
-              <a:ext uri="{FF2B5EF4-FFF2-40B4-BE49-F238E27FC236}">
-                <a16:creationId xmlns:a16="http://schemas.microsoft.com/office/drawing/2014/main" id="{190EE589-918B-D0E2-5B74-11DD1A8B364B}"/>
-              </a:ext>
-            </a:extLst>
-          </p:cNvPr>
-          <p:cNvSpPr txBox="1"/>
+      <p:pic>
+        <p:nvPicPr>
+          <p:cNvPr id="10" name="Picture 9">
+            <a:extLst>
+              <a:ext uri="{FF2B5EF4-FFF2-40B4-BE49-F238E27FC236}">
+                <a16:creationId xmlns:a16="http://schemas.microsoft.com/office/drawing/2014/main" id="{C2BCFA98-3609-F8E4-F00B-56EFF2B52373}"/>
+              </a:ext>
+            </a:extLst>
+          </p:cNvPr>
+          <p:cNvPicPr>
+            <a:picLocks noChangeAspect="1"/>
+          </p:cNvPicPr>
           <p:nvPr/>
-        </p:nvSpPr>
-        <p:spPr>
-          <a:xfrm>
-            <a:off x="4028304" y="6199355"/>
-            <a:ext cx="8229600" cy="369332"/>
+        </p:nvPicPr>
+        <p:blipFill>
+          <a:blip r:embed="rId2"/>
+          <a:stretch>
+            <a:fillRect/>
+          </a:stretch>
+        </p:blipFill>
+        <p:spPr>
+          <a:xfrm>
+            <a:off x="134636" y="2866039"/>
+            <a:ext cx="7211431" cy="1800476"/>
           </a:xfrm>
           <a:prstGeom prst="rect">
             <a:avLst/>
           </a:prstGeom>
-          <a:noFill/>
-        </p:spPr>
-        <p:txBody>
-          <a:bodyPr wrap="square" rtlCol="0">
-            <a:spAutoFit/>
-          </a:bodyPr>
-          <a:lstStyle/>
-          <a:p>
-            <a:r>
-              <a:rPr lang="en-US" dirty="0">
-                <a:hlinkClick r:id="rId2"/>
-              </a:rPr>
-              <a:t>https://owasp.org/www-project-secure-headers/#http-strict-transport-security</a:t>
-            </a:r>
-            <a:r>
-              <a:rPr lang="en-US" dirty="0"/>
-              <a:t> </a:t>
-            </a:r>
-          </a:p>
-        </p:txBody>
-      </p:sp>
+        </p:spPr>
+      </p:pic>
     </p:spTree>
     <p:extLst>
       <p:ext uri="{BB962C8B-B14F-4D97-AF65-F5344CB8AC3E}">
-        <p14:creationId xmlns:p14="http://schemas.microsoft.com/office/powerpoint/2010/main" val="750586328"/>
+        <p14:creationId xmlns:p14="http://schemas.microsoft.com/office/powerpoint/2010/main" val="3581108743"/>
       </p:ext>
     </p:extLst>
   </p:cSld>
@@ -14543,6 +14577,181 @@
       </p:sp>
       <p:sp>
         <p:nvSpPr>
+          <p:cNvPr id="3" name="Text Placeholder 2">
+            <a:extLst>
+              <a:ext uri="{FF2B5EF4-FFF2-40B4-BE49-F238E27FC236}">
+                <a16:creationId xmlns:a16="http://schemas.microsoft.com/office/drawing/2014/main" id="{9D5232F9-FD00-464A-9F17-619C91AEF8F3}"/>
+              </a:ext>
+            </a:extLst>
+          </p:cNvPr>
+          <p:cNvSpPr>
+            <a:spLocks noGrp="1"/>
+          </p:cNvSpPr>
+          <p:nvPr>
+            <p:ph type="body" idx="1"/>
+          </p:nvPr>
+        </p:nvSpPr>
+        <p:spPr>
+          <a:xfrm>
+            <a:off x="134636" y="1494221"/>
+            <a:ext cx="11777278" cy="4544113"/>
+          </a:xfrm>
+        </p:spPr>
+        <p:txBody>
+          <a:bodyPr/>
+          <a:lstStyle/>
+          <a:p>
+            <a:r>
+              <a:rPr lang="en-US" b="1" dirty="0"/>
+              <a:t>HTTP response security header buddy is “Strict-Transport-Security”:</a:t>
+            </a:r>
+          </a:p>
+          <a:p>
+            <a:pPr marL="285750" indent="-285750">
+              <a:buFontTx/>
+              <a:buChar char="-"/>
+            </a:pPr>
+            <a:r>
+              <a:rPr lang="en-US" dirty="0"/>
+              <a:t>Indicate to the browser to always use a secure channel (HTTPS) to access to the domain on which it was delivered.</a:t>
+            </a:r>
+          </a:p>
+          <a:p>
+            <a:pPr marL="285750" indent="-285750">
+              <a:buFontTx/>
+              <a:buChar char="-"/>
+            </a:pPr>
+            <a:r>
+              <a:rPr lang="en-US" dirty="0"/>
+              <a:t>Once seen a first time, the browser will remember (until cache is cleared or </a:t>
+            </a:r>
+            <a:r>
+              <a:rPr lang="en-US" b="1" dirty="0"/>
+              <a:t>max-age</a:t>
+            </a:r>
+            <a:r>
+              <a:rPr lang="en-US" dirty="0"/>
+              <a:t> expire) it and update the protocol to HTTPS before to send any HTTP call even if the user (or script) use HTTP:// protocol explicitly in the URL.</a:t>
+            </a:r>
+          </a:p>
+          <a:p>
+            <a:endParaRPr lang="en-US" dirty="0"/>
+          </a:p>
+          <a:p>
+            <a:r>
+              <a:rPr lang="en-US" b="1" dirty="0"/>
+              <a:t>Format:</a:t>
+            </a:r>
+          </a:p>
+          <a:p>
+            <a:r>
+              <a:rPr lang="en-US" dirty="0">
+                <a:latin typeface="Consolas" panose="020B0609020204030204" pitchFamily="49" charset="0"/>
+              </a:rPr>
+              <a:t>Strict-Transport-Security: max-age=</a:t>
+            </a:r>
+            <a:r>
+              <a:rPr lang="en-US" b="1" dirty="0">
+                <a:latin typeface="Consolas" panose="020B0609020204030204" pitchFamily="49" charset="0"/>
+              </a:rPr>
+              <a:t>(time in second to apply the instruction)</a:t>
+            </a:r>
+            <a:r>
+              <a:rPr lang="en-US" dirty="0">
+                <a:latin typeface="Consolas" panose="020B0609020204030204" pitchFamily="49" charset="0"/>
+              </a:rPr>
+              <a:t> ; </a:t>
+            </a:r>
+            <a:r>
+              <a:rPr lang="en-US" b="1" dirty="0">
+                <a:latin typeface="Consolas" panose="020B0609020204030204" pitchFamily="49" charset="0"/>
+              </a:rPr>
+              <a:t>[</a:t>
+            </a:r>
+            <a:r>
+              <a:rPr lang="en-US" b="1" dirty="0" err="1">
+                <a:latin typeface="Consolas" panose="020B0609020204030204" pitchFamily="49" charset="0"/>
+              </a:rPr>
+              <a:t>includeSubDomains</a:t>
+            </a:r>
+            <a:r>
+              <a:rPr lang="en-US" b="1" dirty="0">
+                <a:latin typeface="Consolas" panose="020B0609020204030204" pitchFamily="49" charset="0"/>
+              </a:rPr>
+              <a:t>]</a:t>
+            </a:r>
+          </a:p>
+          <a:p>
+            <a:endParaRPr lang="en-US" dirty="0"/>
+          </a:p>
+          <a:p>
+            <a:r>
+              <a:rPr lang="en-US" b="1" dirty="0"/>
+              <a:t>Example:</a:t>
+            </a:r>
+          </a:p>
+          <a:p>
+            <a:r>
+              <a:rPr lang="en-US" dirty="0">
+                <a:latin typeface="Consolas" panose="020B0609020204030204" pitchFamily="49" charset="0"/>
+              </a:rPr>
+              <a:t>Strict-Transport-Security: max-age=31536000 ; </a:t>
+            </a:r>
+            <a:r>
+              <a:rPr lang="en-US" dirty="0" err="1">
+                <a:latin typeface="Consolas" panose="020B0609020204030204" pitchFamily="49" charset="0"/>
+              </a:rPr>
+              <a:t>includeSubDomains</a:t>
+            </a:r>
+            <a:endParaRPr lang="en-US" dirty="0">
+              <a:latin typeface="Consolas" panose="020B0609020204030204" pitchFamily="49" charset="0"/>
+            </a:endParaRPr>
+          </a:p>
+          <a:p>
+            <a:pPr marL="285750" indent="-285750">
+              <a:buFontTx/>
+              <a:buChar char="-"/>
+            </a:pPr>
+            <a:endParaRPr lang="en-US" dirty="0"/>
+          </a:p>
+          <a:p>
+            <a:pPr marL="285750" indent="-285750">
+              <a:buFontTx/>
+              <a:buChar char="-"/>
+            </a:pPr>
+            <a:endParaRPr lang="en-US" dirty="0"/>
+          </a:p>
+          <a:p>
+            <a:pPr marL="285750" indent="-285750">
+              <a:buFontTx/>
+              <a:buChar char="-"/>
+            </a:pPr>
+            <a:endParaRPr lang="en-US" dirty="0"/>
+          </a:p>
+          <a:p>
+            <a:pPr marL="285750" indent="-285750">
+              <a:buFontTx/>
+              <a:buChar char="-"/>
+            </a:pPr>
+            <a:endParaRPr lang="en-US" dirty="0"/>
+          </a:p>
+          <a:p>
+            <a:pPr marL="285750" indent="-285750">
+              <a:buFontTx/>
+              <a:buChar char="-"/>
+            </a:pPr>
+            <a:endParaRPr lang="en-US" dirty="0"/>
+          </a:p>
+          <a:p>
+            <a:endParaRPr lang="en-US" dirty="0"/>
+          </a:p>
+          <a:p>
+            <a:endParaRPr lang="en-US" dirty="0"/>
+          </a:p>
+        </p:txBody>
+      </p:sp>
+      <p:sp>
+        <p:nvSpPr>
           <p:cNvPr id="4" name="Date Placeholder 3">
             <a:extLst>
               <a:ext uri="{FF2B5EF4-FFF2-40B4-BE49-F238E27FC236}">
@@ -14637,6 +14846,211 @@
               <a:rPr lang="en-US" smtClean="0"/>
               <a:pPr/>
               <a:t>14</a:t>
+            </a:fld>
+            <a:endParaRPr lang="en-US" dirty="0"/>
+          </a:p>
+        </p:txBody>
+      </p:sp>
+      <p:sp>
+        <p:nvSpPr>
+          <p:cNvPr id="9" name="TextBox 8">
+            <a:extLst>
+              <a:ext uri="{FF2B5EF4-FFF2-40B4-BE49-F238E27FC236}">
+                <a16:creationId xmlns:a16="http://schemas.microsoft.com/office/drawing/2014/main" id="{190EE589-918B-D0E2-5B74-11DD1A8B364B}"/>
+              </a:ext>
+            </a:extLst>
+          </p:cNvPr>
+          <p:cNvSpPr txBox="1"/>
+          <p:nvPr/>
+        </p:nvSpPr>
+        <p:spPr>
+          <a:xfrm>
+            <a:off x="4028304" y="6199355"/>
+            <a:ext cx="8229600" cy="369332"/>
+          </a:xfrm>
+          <a:prstGeom prst="rect">
+            <a:avLst/>
+          </a:prstGeom>
+          <a:noFill/>
+        </p:spPr>
+        <p:txBody>
+          <a:bodyPr wrap="square" rtlCol="0">
+            <a:spAutoFit/>
+          </a:bodyPr>
+          <a:lstStyle/>
+          <a:p>
+            <a:r>
+              <a:rPr lang="en-US" dirty="0">
+                <a:hlinkClick r:id="rId2"/>
+              </a:rPr>
+              <a:t>https://owasp.org/www-project-secure-headers/#http-strict-transport-security</a:t>
+            </a:r>
+            <a:r>
+              <a:rPr lang="en-US" dirty="0"/>
+              <a:t> </a:t>
+            </a:r>
+          </a:p>
+        </p:txBody>
+      </p:sp>
+    </p:spTree>
+    <p:extLst>
+      <p:ext uri="{BB962C8B-B14F-4D97-AF65-F5344CB8AC3E}">
+        <p14:creationId xmlns:p14="http://schemas.microsoft.com/office/powerpoint/2010/main" val="750586328"/>
+      </p:ext>
+    </p:extLst>
+  </p:cSld>
+  <p:clrMapOvr>
+    <a:masterClrMapping/>
+  </p:clrMapOvr>
+</p:sld>
+</file>
+
+<file path=ppt/slides/slide15.xml><?xml version="1.0" encoding="utf-8"?>
+<p:sld xmlns:a="http://schemas.openxmlformats.org/drawingml/2006/main" xmlns:r="http://schemas.openxmlformats.org/officeDocument/2006/relationships" xmlns:p="http://schemas.openxmlformats.org/presentationml/2006/main">
+  <p:cSld>
+    <p:spTree>
+      <p:nvGrpSpPr>
+        <p:cNvPr id="1" name=""/>
+        <p:cNvGrpSpPr/>
+        <p:nvPr/>
+      </p:nvGrpSpPr>
+      <p:grpSpPr>
+        <a:xfrm>
+          <a:off x="0" y="0"/>
+          <a:ext cx="0" cy="0"/>
+          <a:chOff x="0" y="0"/>
+          <a:chExt cx="0" cy="0"/>
+        </a:xfrm>
+      </p:grpSpPr>
+      <p:sp>
+        <p:nvSpPr>
+          <p:cNvPr id="2" name="Title 1">
+            <a:extLst>
+              <a:ext uri="{FF2B5EF4-FFF2-40B4-BE49-F238E27FC236}">
+                <a16:creationId xmlns:a16="http://schemas.microsoft.com/office/drawing/2014/main" id="{0A32731C-311B-46F7-A865-6C3AF6B09A47}"/>
+              </a:ext>
+            </a:extLst>
+          </p:cNvPr>
+          <p:cNvSpPr>
+            <a:spLocks noGrp="1"/>
+          </p:cNvSpPr>
+          <p:nvPr>
+            <p:ph type="title"/>
+          </p:nvPr>
+        </p:nvSpPr>
+        <p:spPr>
+          <a:xfrm>
+            <a:off x="134636" y="136525"/>
+            <a:ext cx="11711375" cy="1204912"/>
+          </a:xfrm>
+        </p:spPr>
+        <p:txBody>
+          <a:bodyPr/>
+          <a:lstStyle/>
+          <a:p>
+            <a:r>
+              <a:rPr lang="en-US" dirty="0"/>
+              <a:t>Part 4 - Focus on some situation</a:t>
+            </a:r>
+          </a:p>
+        </p:txBody>
+      </p:sp>
+      <p:sp>
+        <p:nvSpPr>
+          <p:cNvPr id="4" name="Date Placeholder 3">
+            <a:extLst>
+              <a:ext uri="{FF2B5EF4-FFF2-40B4-BE49-F238E27FC236}">
+                <a16:creationId xmlns:a16="http://schemas.microsoft.com/office/drawing/2014/main" id="{70E12647-CCB2-45E2-A9CB-A868F490497E}"/>
+              </a:ext>
+            </a:extLst>
+          </p:cNvPr>
+          <p:cNvSpPr>
+            <a:spLocks noGrp="1"/>
+          </p:cNvSpPr>
+          <p:nvPr>
+            <p:ph type="dt" sz="half" idx="10"/>
+          </p:nvPr>
+        </p:nvSpPr>
+        <p:spPr>
+          <a:xfrm>
+            <a:off x="838200" y="6356350"/>
+            <a:ext cx="1219200" cy="365125"/>
+          </a:xfrm>
+        </p:spPr>
+        <p:txBody>
+          <a:bodyPr/>
+          <a:lstStyle/>
+          <a:p>
+            <a:r>
+              <a:rPr lang="en-US" dirty="0"/>
+              <a:t>20XX</a:t>
+            </a:r>
+          </a:p>
+        </p:txBody>
+      </p:sp>
+      <p:sp>
+        <p:nvSpPr>
+          <p:cNvPr id="5" name="Footer Placeholder 4">
+            <a:extLst>
+              <a:ext uri="{FF2B5EF4-FFF2-40B4-BE49-F238E27FC236}">
+                <a16:creationId xmlns:a16="http://schemas.microsoft.com/office/drawing/2014/main" id="{8D51ED20-04D4-4894-B0C2-9C541A61A734}"/>
+              </a:ext>
+            </a:extLst>
+          </p:cNvPr>
+          <p:cNvSpPr>
+            <a:spLocks noGrp="1"/>
+          </p:cNvSpPr>
+          <p:nvPr>
+            <p:ph type="ftr" sz="quarter" idx="11"/>
+          </p:nvPr>
+        </p:nvSpPr>
+        <p:spPr>
+          <a:xfrm>
+            <a:off x="2463800" y="6356350"/>
+            <a:ext cx="3479800" cy="365125"/>
+          </a:xfrm>
+        </p:spPr>
+        <p:txBody>
+          <a:bodyPr/>
+          <a:lstStyle/>
+          <a:p>
+            <a:r>
+              <a:rPr lang="en-US" dirty="0"/>
+              <a:t>PRESENTATION TITLE</a:t>
+            </a:r>
+          </a:p>
+        </p:txBody>
+      </p:sp>
+      <p:sp>
+        <p:nvSpPr>
+          <p:cNvPr id="6" name="Slide Number Placeholder 5">
+            <a:extLst>
+              <a:ext uri="{FF2B5EF4-FFF2-40B4-BE49-F238E27FC236}">
+                <a16:creationId xmlns:a16="http://schemas.microsoft.com/office/drawing/2014/main" id="{7BC1787E-7110-4989-B0B8-DD4E0ACC09DF}"/>
+              </a:ext>
+            </a:extLst>
+          </p:cNvPr>
+          <p:cNvSpPr>
+            <a:spLocks noGrp="1"/>
+          </p:cNvSpPr>
+          <p:nvPr>
+            <p:ph type="sldNum" sz="quarter" idx="12"/>
+          </p:nvPr>
+        </p:nvSpPr>
+        <p:spPr>
+          <a:xfrm>
+            <a:off x="8610600" y="6356350"/>
+            <a:ext cx="2743200" cy="365125"/>
+          </a:xfrm>
+        </p:spPr>
+        <p:txBody>
+          <a:bodyPr/>
+          <a:lstStyle/>
+          <a:p>
+            <a:fld id="{A49DFD55-3C28-40EF-9E31-A92D2E4017FF}" type="slidenum">
+              <a:rPr lang="en-US" smtClean="0"/>
+              <a:pPr/>
+              <a:t>15</a:t>
             </a:fld>
             <a:endParaRPr lang="en-US" dirty="0"/>
           </a:p>
@@ -14888,241 +15302,6 @@
 </p:sld>
 </file>
 
-<file path=ppt/slides/slide15.xml><?xml version="1.0" encoding="utf-8"?>
-<p:sld xmlns:a="http://schemas.openxmlformats.org/drawingml/2006/main" xmlns:r="http://schemas.openxmlformats.org/officeDocument/2006/relationships" xmlns:p="http://schemas.openxmlformats.org/presentationml/2006/main">
-  <p:cSld>
-    <p:spTree>
-      <p:nvGrpSpPr>
-        <p:cNvPr id="1" name=""/>
-        <p:cNvGrpSpPr/>
-        <p:nvPr/>
-      </p:nvGrpSpPr>
-      <p:grpSpPr>
-        <a:xfrm>
-          <a:off x="0" y="0"/>
-          <a:ext cx="0" cy="0"/>
-          <a:chOff x="0" y="0"/>
-          <a:chExt cx="0" cy="0"/>
-        </a:xfrm>
-      </p:grpSpPr>
-      <p:sp>
-        <p:nvSpPr>
-          <p:cNvPr id="2" name="Title 1">
-            <a:extLst>
-              <a:ext uri="{FF2B5EF4-FFF2-40B4-BE49-F238E27FC236}">
-                <a16:creationId xmlns:a16="http://schemas.microsoft.com/office/drawing/2014/main" id="{0A32731C-311B-46F7-A865-6C3AF6B09A47}"/>
-              </a:ext>
-            </a:extLst>
-          </p:cNvPr>
-          <p:cNvSpPr>
-            <a:spLocks noGrp="1"/>
-          </p:cNvSpPr>
-          <p:nvPr>
-            <p:ph type="title"/>
-          </p:nvPr>
-        </p:nvSpPr>
-        <p:spPr>
-          <a:xfrm>
-            <a:off x="134636" y="136525"/>
-            <a:ext cx="11711375" cy="1204912"/>
-          </a:xfrm>
-        </p:spPr>
-        <p:txBody>
-          <a:bodyPr/>
-          <a:lstStyle/>
-          <a:p>
-            <a:r>
-              <a:rPr lang="en-US" dirty="0"/>
-              <a:t>Part 4 - Focus on some situation</a:t>
-            </a:r>
-          </a:p>
-        </p:txBody>
-      </p:sp>
-      <p:sp>
-        <p:nvSpPr>
-          <p:cNvPr id="4" name="Date Placeholder 3">
-            <a:extLst>
-              <a:ext uri="{FF2B5EF4-FFF2-40B4-BE49-F238E27FC236}">
-                <a16:creationId xmlns:a16="http://schemas.microsoft.com/office/drawing/2014/main" id="{70E12647-CCB2-45E2-A9CB-A868F490497E}"/>
-              </a:ext>
-            </a:extLst>
-          </p:cNvPr>
-          <p:cNvSpPr>
-            <a:spLocks noGrp="1"/>
-          </p:cNvSpPr>
-          <p:nvPr>
-            <p:ph type="dt" sz="half" idx="10"/>
-          </p:nvPr>
-        </p:nvSpPr>
-        <p:spPr>
-          <a:xfrm>
-            <a:off x="838200" y="6356350"/>
-            <a:ext cx="1219200" cy="365125"/>
-          </a:xfrm>
-        </p:spPr>
-        <p:txBody>
-          <a:bodyPr/>
-          <a:lstStyle/>
-          <a:p>
-            <a:r>
-              <a:rPr lang="en-US" dirty="0"/>
-              <a:t>20XX</a:t>
-            </a:r>
-          </a:p>
-        </p:txBody>
-      </p:sp>
-      <p:sp>
-        <p:nvSpPr>
-          <p:cNvPr id="5" name="Footer Placeholder 4">
-            <a:extLst>
-              <a:ext uri="{FF2B5EF4-FFF2-40B4-BE49-F238E27FC236}">
-                <a16:creationId xmlns:a16="http://schemas.microsoft.com/office/drawing/2014/main" id="{8D51ED20-04D4-4894-B0C2-9C541A61A734}"/>
-              </a:ext>
-            </a:extLst>
-          </p:cNvPr>
-          <p:cNvSpPr>
-            <a:spLocks noGrp="1"/>
-          </p:cNvSpPr>
-          <p:nvPr>
-            <p:ph type="ftr" sz="quarter" idx="11"/>
-          </p:nvPr>
-        </p:nvSpPr>
-        <p:spPr>
-          <a:xfrm>
-            <a:off x="2463800" y="6356350"/>
-            <a:ext cx="3479800" cy="365125"/>
-          </a:xfrm>
-        </p:spPr>
-        <p:txBody>
-          <a:bodyPr/>
-          <a:lstStyle/>
-          <a:p>
-            <a:r>
-              <a:rPr lang="en-US" dirty="0"/>
-              <a:t>PRESENTATION TITLE</a:t>
-            </a:r>
-          </a:p>
-        </p:txBody>
-      </p:sp>
-      <p:sp>
-        <p:nvSpPr>
-          <p:cNvPr id="6" name="Slide Number Placeholder 5">
-            <a:extLst>
-              <a:ext uri="{FF2B5EF4-FFF2-40B4-BE49-F238E27FC236}">
-                <a16:creationId xmlns:a16="http://schemas.microsoft.com/office/drawing/2014/main" id="{7BC1787E-7110-4989-B0B8-DD4E0ACC09DF}"/>
-              </a:ext>
-            </a:extLst>
-          </p:cNvPr>
-          <p:cNvSpPr>
-            <a:spLocks noGrp="1"/>
-          </p:cNvSpPr>
-          <p:nvPr>
-            <p:ph type="sldNum" sz="quarter" idx="12"/>
-          </p:nvPr>
-        </p:nvSpPr>
-        <p:spPr>
-          <a:xfrm>
-            <a:off x="8610600" y="6356350"/>
-            <a:ext cx="2743200" cy="365125"/>
-          </a:xfrm>
-        </p:spPr>
-        <p:txBody>
-          <a:bodyPr/>
-          <a:lstStyle/>
-          <a:p>
-            <a:fld id="{A49DFD55-3C28-40EF-9E31-A92D2E4017FF}" type="slidenum">
-              <a:rPr lang="en-US" smtClean="0"/>
-              <a:pPr/>
-              <a:t>15</a:t>
-            </a:fld>
-            <a:endParaRPr lang="en-US" dirty="0"/>
-          </a:p>
-        </p:txBody>
-      </p:sp>
-      <p:sp>
-        <p:nvSpPr>
-          <p:cNvPr id="16" name="TextBox 15">
-            <a:extLst>
-              <a:ext uri="{FF2B5EF4-FFF2-40B4-BE49-F238E27FC236}">
-                <a16:creationId xmlns:a16="http://schemas.microsoft.com/office/drawing/2014/main" id="{89B62AA3-1C1B-CB38-17C4-4BD855B94694}"/>
-              </a:ext>
-            </a:extLst>
-          </p:cNvPr>
-          <p:cNvSpPr txBox="1"/>
-          <p:nvPr/>
-        </p:nvSpPr>
-        <p:spPr>
-          <a:xfrm>
-            <a:off x="4028304" y="6199355"/>
-            <a:ext cx="8229600" cy="369332"/>
-          </a:xfrm>
-          <a:prstGeom prst="rect">
-            <a:avLst/>
-          </a:prstGeom>
-          <a:noFill/>
-        </p:spPr>
-        <p:txBody>
-          <a:bodyPr wrap="square" rtlCol="0">
-            <a:spAutoFit/>
-          </a:bodyPr>
-          <a:lstStyle/>
-          <a:p>
-            <a:r>
-              <a:rPr lang="en-US" dirty="0">
-                <a:hlinkClick r:id="rId2"/>
-              </a:rPr>
-              <a:t>https://caniuse.com/stricttransportsecurity</a:t>
-            </a:r>
-            <a:r>
-              <a:rPr lang="en-US" dirty="0"/>
-              <a:t> </a:t>
-            </a:r>
-          </a:p>
-        </p:txBody>
-      </p:sp>
-      <p:pic>
-        <p:nvPicPr>
-          <p:cNvPr id="9" name="Picture 8">
-            <a:extLst>
-              <a:ext uri="{FF2B5EF4-FFF2-40B4-BE49-F238E27FC236}">
-                <a16:creationId xmlns:a16="http://schemas.microsoft.com/office/drawing/2014/main" id="{CC787B61-6586-47FE-C3FB-A119A2690351}"/>
-              </a:ext>
-            </a:extLst>
-          </p:cNvPr>
-          <p:cNvPicPr>
-            <a:picLocks noChangeAspect="1"/>
-          </p:cNvPicPr>
-          <p:nvPr/>
-        </p:nvPicPr>
-        <p:blipFill>
-          <a:blip r:embed="rId3"/>
-          <a:stretch>
-            <a:fillRect/>
-          </a:stretch>
-        </p:blipFill>
-        <p:spPr>
-          <a:xfrm>
-            <a:off x="1732164" y="1448476"/>
-            <a:ext cx="8727671" cy="4226113"/>
-          </a:xfrm>
-          <a:prstGeom prst="rect">
-            <a:avLst/>
-          </a:prstGeom>
-        </p:spPr>
-      </p:pic>
-    </p:spTree>
-    <p:extLst>
-      <p:ext uri="{BB962C8B-B14F-4D97-AF65-F5344CB8AC3E}">
-        <p14:creationId xmlns:p14="http://schemas.microsoft.com/office/powerpoint/2010/main" val="2746893799"/>
-      </p:ext>
-    </p:extLst>
-  </p:cSld>
-  <p:clrMapOvr>
-    <a:masterClrMapping/>
-  </p:clrMapOvr>
-</p:sld>
-</file>
-
 <file path=ppt/slides/slide16.xml><?xml version="1.0" encoding="utf-8"?>
 <p:sld xmlns:a="http://schemas.openxmlformats.org/drawingml/2006/main" xmlns:r="http://schemas.openxmlformats.org/officeDocument/2006/relationships" xmlns:p="http://schemas.openxmlformats.org/presentationml/2006/main">
   <p:cSld>
@@ -15175,153 +15354,6 @@
       </p:sp>
       <p:sp>
         <p:nvSpPr>
-          <p:cNvPr id="3" name="Text Placeholder 2">
-            <a:extLst>
-              <a:ext uri="{FF2B5EF4-FFF2-40B4-BE49-F238E27FC236}">
-                <a16:creationId xmlns:a16="http://schemas.microsoft.com/office/drawing/2014/main" id="{9D5232F9-FD00-464A-9F17-619C91AEF8F3}"/>
-              </a:ext>
-            </a:extLst>
-          </p:cNvPr>
-          <p:cNvSpPr>
-            <a:spLocks noGrp="1"/>
-          </p:cNvSpPr>
-          <p:nvPr>
-            <p:ph type="body" idx="1"/>
-          </p:nvPr>
-        </p:nvSpPr>
-        <p:spPr>
-          <a:xfrm>
-            <a:off x="134636" y="1494221"/>
-            <a:ext cx="11777278" cy="4544113"/>
-          </a:xfrm>
-        </p:spPr>
-        <p:txBody>
-          <a:bodyPr>
-            <a:normAutofit fontScale="92500" lnSpcReduction="10000"/>
-          </a:bodyPr>
-          <a:lstStyle/>
-          <a:p>
-            <a:r>
-              <a:rPr lang="en-US" b="1" dirty="0"/>
-              <a:t>Context: </a:t>
-            </a:r>
-          </a:p>
-          <a:p>
-            <a:pPr marL="285750" indent="-285750">
-              <a:buFontTx/>
-              <a:buChar char="-"/>
-            </a:pPr>
-            <a:r>
-              <a:rPr lang="en-US" dirty="0"/>
-              <a:t>A </a:t>
-            </a:r>
-            <a:r>
-              <a:rPr lang="en-US" dirty="0">
-                <a:hlinkClick r:id="rId2"/>
-              </a:rPr>
-              <a:t>phishing</a:t>
-            </a:r>
-            <a:r>
-              <a:rPr lang="en-US" dirty="0"/>
-              <a:t> site (malicious clone of our official site) load resources (scripts, styles, images) from our domain to mimic our user interface:</a:t>
-            </a:r>
-          </a:p>
-          <a:p>
-            <a:pPr marL="285750" indent="-285750">
-              <a:buFontTx/>
-              <a:buChar char="-"/>
-            </a:pPr>
-            <a:endParaRPr lang="en-US" dirty="0"/>
-          </a:p>
-          <a:p>
-            <a:pPr marL="285750" indent="-285750">
-              <a:buFontTx/>
-              <a:buChar char="-"/>
-            </a:pPr>
-            <a:endParaRPr lang="en-US" dirty="0"/>
-          </a:p>
-          <a:p>
-            <a:pPr marL="285750" indent="-285750">
-              <a:buFontTx/>
-              <a:buChar char="-"/>
-            </a:pPr>
-            <a:endParaRPr lang="en-US" dirty="0"/>
-          </a:p>
-          <a:p>
-            <a:pPr marL="285750" indent="-285750">
-              <a:buFontTx/>
-              <a:buChar char="-"/>
-            </a:pPr>
-            <a:endParaRPr lang="en-US" dirty="0"/>
-          </a:p>
-          <a:p>
-            <a:pPr marL="285750" indent="-285750">
-              <a:buFontTx/>
-              <a:buChar char="-"/>
-            </a:pPr>
-            <a:endParaRPr lang="en-US" dirty="0"/>
-          </a:p>
-          <a:p>
-            <a:pPr marL="285750" indent="-285750">
-              <a:buFontTx/>
-              <a:buChar char="-"/>
-            </a:pPr>
-            <a:endParaRPr lang="en-US" dirty="0"/>
-          </a:p>
-          <a:p>
-            <a:r>
-              <a:rPr lang="en-US" b="1" dirty="0"/>
-              <a:t>Challenge: </a:t>
-            </a:r>
-          </a:p>
-          <a:p>
-            <a:endParaRPr lang="en-US" b="1" dirty="0"/>
-          </a:p>
-          <a:p>
-            <a:endParaRPr lang="en-US" b="1" dirty="0"/>
-          </a:p>
-          <a:p>
-            <a:endParaRPr lang="en-US" b="1" dirty="0"/>
-          </a:p>
-          <a:p>
-            <a:endParaRPr lang="en-US" b="1" dirty="0"/>
-          </a:p>
-          <a:p>
-            <a:r>
-              <a:rPr lang="en-US" b="1" dirty="0"/>
-              <a:t>Challenge:</a:t>
-            </a:r>
-          </a:p>
-          <a:p>
-            <a:pPr marL="285750" indent="-285750">
-              <a:buFontTx/>
-              <a:buChar char="-"/>
-            </a:pPr>
-            <a:r>
-              <a:rPr lang="en-US" dirty="0"/>
-              <a:t>How do we prevent any site outside our domain / sub domain to load our resources?</a:t>
-            </a:r>
-          </a:p>
-          <a:p>
-            <a:endParaRPr lang="en-US" dirty="0"/>
-          </a:p>
-          <a:p>
-            <a:pPr marL="285750" indent="-285750">
-              <a:buFontTx/>
-              <a:buChar char="-"/>
-            </a:pPr>
-            <a:endParaRPr lang="en-US" dirty="0"/>
-          </a:p>
-          <a:p>
-            <a:endParaRPr lang="en-US" dirty="0"/>
-          </a:p>
-          <a:p>
-            <a:endParaRPr lang="en-US" dirty="0"/>
-          </a:p>
-        </p:txBody>
-      </p:sp>
-      <p:sp>
-        <p:nvSpPr>
           <p:cNvPr id="4" name="Date Placeholder 3">
             <a:extLst>
               <a:ext uri="{FF2B5EF4-FFF2-40B4-BE49-F238E27FC236}">
@@ -15421,12 +15453,53 @@
           </a:p>
         </p:txBody>
       </p:sp>
+      <p:sp>
+        <p:nvSpPr>
+          <p:cNvPr id="16" name="TextBox 15">
+            <a:extLst>
+              <a:ext uri="{FF2B5EF4-FFF2-40B4-BE49-F238E27FC236}">
+                <a16:creationId xmlns:a16="http://schemas.microsoft.com/office/drawing/2014/main" id="{89B62AA3-1C1B-CB38-17C4-4BD855B94694}"/>
+              </a:ext>
+            </a:extLst>
+          </p:cNvPr>
+          <p:cNvSpPr txBox="1"/>
+          <p:nvPr/>
+        </p:nvSpPr>
+        <p:spPr>
+          <a:xfrm>
+            <a:off x="4028304" y="6199355"/>
+            <a:ext cx="8229600" cy="369332"/>
+          </a:xfrm>
+          <a:prstGeom prst="rect">
+            <a:avLst/>
+          </a:prstGeom>
+          <a:noFill/>
+        </p:spPr>
+        <p:txBody>
+          <a:bodyPr wrap="square" rtlCol="0">
+            <a:spAutoFit/>
+          </a:bodyPr>
+          <a:lstStyle/>
+          <a:p>
+            <a:r>
+              <a:rPr lang="en-US" dirty="0">
+                <a:hlinkClick r:id="rId2"/>
+              </a:rPr>
+              <a:t>https://caniuse.com/stricttransportsecurity</a:t>
+            </a:r>
+            <a:r>
+              <a:rPr lang="en-US" dirty="0"/>
+              <a:t> </a:t>
+            </a:r>
+          </a:p>
+        </p:txBody>
+      </p:sp>
       <p:pic>
         <p:nvPicPr>
-          <p:cNvPr id="8" name="Picture 7">
-            <a:extLst>
-              <a:ext uri="{FF2B5EF4-FFF2-40B4-BE49-F238E27FC236}">
-                <a16:creationId xmlns:a16="http://schemas.microsoft.com/office/drawing/2014/main" id="{77BDDF93-46DD-CB89-0C1D-06522359DE5C}"/>
+          <p:cNvPr id="9" name="Picture 8">
+            <a:extLst>
+              <a:ext uri="{FF2B5EF4-FFF2-40B4-BE49-F238E27FC236}">
+                <a16:creationId xmlns:a16="http://schemas.microsoft.com/office/drawing/2014/main" id="{CC787B61-6586-47FE-C3FB-A119A2690351}"/>
               </a:ext>
             </a:extLst>
           </p:cNvPr>
@@ -15443,146 +15516,18 @@
         </p:blipFill>
         <p:spPr>
           <a:xfrm>
-            <a:off x="280086" y="2215979"/>
-            <a:ext cx="5789268" cy="3226244"/>
+            <a:off x="1732164" y="1448476"/>
+            <a:ext cx="8727671" cy="4226113"/>
           </a:xfrm>
           <a:prstGeom prst="rect">
             <a:avLst/>
           </a:prstGeom>
         </p:spPr>
       </p:pic>
-      <p:pic>
-        <p:nvPicPr>
-          <p:cNvPr id="11" name="Picture 10">
-            <a:extLst>
-              <a:ext uri="{FF2B5EF4-FFF2-40B4-BE49-F238E27FC236}">
-                <a16:creationId xmlns:a16="http://schemas.microsoft.com/office/drawing/2014/main" id="{1AFD8076-72B1-739D-11AF-C4E946CA84DA}"/>
-              </a:ext>
-            </a:extLst>
-          </p:cNvPr>
-          <p:cNvPicPr>
-            <a:picLocks noChangeAspect="1"/>
-          </p:cNvPicPr>
-          <p:nvPr/>
-        </p:nvPicPr>
-        <p:blipFill>
-          <a:blip r:embed="rId4"/>
-          <a:stretch>
-            <a:fillRect/>
-          </a:stretch>
-        </p:blipFill>
-        <p:spPr>
-          <a:xfrm>
-            <a:off x="6326659" y="2215980"/>
-            <a:ext cx="5713306" cy="3455936"/>
-          </a:xfrm>
-          <a:prstGeom prst="rect">
-            <a:avLst/>
-          </a:prstGeom>
-        </p:spPr>
-      </p:pic>
-      <p:sp>
-        <p:nvSpPr>
-          <p:cNvPr id="12" name="Ribbon: Tilted Up 11">
-            <a:extLst>
-              <a:ext uri="{FF2B5EF4-FFF2-40B4-BE49-F238E27FC236}">
-                <a16:creationId xmlns:a16="http://schemas.microsoft.com/office/drawing/2014/main" id="{E784F3D9-8C78-4A92-B93E-ECBA6E30B24D}"/>
-              </a:ext>
-            </a:extLst>
-          </p:cNvPr>
-          <p:cNvSpPr/>
-          <p:nvPr/>
-        </p:nvSpPr>
-        <p:spPr>
-          <a:xfrm>
-            <a:off x="356048" y="2619632"/>
-            <a:ext cx="2107752" cy="724930"/>
-          </a:xfrm>
-          <a:prstGeom prst="ribbon2">
-            <a:avLst/>
-          </a:prstGeom>
-        </p:spPr>
-        <p:style>
-          <a:lnRef idx="2">
-            <a:schemeClr val="accent6">
-              <a:shade val="50000"/>
-            </a:schemeClr>
-          </a:lnRef>
-          <a:fillRef idx="1">
-            <a:schemeClr val="accent6"/>
-          </a:fillRef>
-          <a:effectRef idx="0">
-            <a:schemeClr val="accent6"/>
-          </a:effectRef>
-          <a:fontRef idx="minor">
-            <a:schemeClr val="lt1"/>
-          </a:fontRef>
-        </p:style>
-        <p:txBody>
-          <a:bodyPr rtlCol="0" anchor="ctr"/>
-          <a:lstStyle/>
-          <a:p>
-            <a:pPr algn="ctr"/>
-            <a:r>
-              <a:rPr lang="en-US" dirty="0"/>
-              <a:t>Official</a:t>
-            </a:r>
-          </a:p>
-        </p:txBody>
-      </p:sp>
-      <p:sp>
-        <p:nvSpPr>
-          <p:cNvPr id="13" name="Ribbon: Tilted Up 12">
-            <a:extLst>
-              <a:ext uri="{FF2B5EF4-FFF2-40B4-BE49-F238E27FC236}">
-                <a16:creationId xmlns:a16="http://schemas.microsoft.com/office/drawing/2014/main" id="{9102A638-137E-5050-3561-75B581AB93C2}"/>
-              </a:ext>
-            </a:extLst>
-          </p:cNvPr>
-          <p:cNvSpPr/>
-          <p:nvPr/>
-        </p:nvSpPr>
-        <p:spPr>
-          <a:xfrm>
-            <a:off x="6502847" y="2619632"/>
-            <a:ext cx="2262211" cy="724930"/>
-          </a:xfrm>
-          <a:prstGeom prst="ribbon2">
-            <a:avLst/>
-          </a:prstGeom>
-        </p:spPr>
-        <p:style>
-          <a:lnRef idx="2">
-            <a:schemeClr val="accent2">
-              <a:shade val="50000"/>
-            </a:schemeClr>
-          </a:lnRef>
-          <a:fillRef idx="1">
-            <a:schemeClr val="accent2"/>
-          </a:fillRef>
-          <a:effectRef idx="0">
-            <a:schemeClr val="accent2"/>
-          </a:effectRef>
-          <a:fontRef idx="minor">
-            <a:schemeClr val="lt1"/>
-          </a:fontRef>
-        </p:style>
-        <p:txBody>
-          <a:bodyPr rtlCol="0" anchor="ctr"/>
-          <a:lstStyle/>
-          <a:p>
-            <a:pPr algn="ctr"/>
-            <a:r>
-              <a:rPr lang="en-US" dirty="0"/>
-              <a:t>Malicious</a:t>
-            </a:r>
-          </a:p>
-        </p:txBody>
-      </p:sp>
     </p:spTree>
     <p:extLst>
       <p:ext uri="{BB962C8B-B14F-4D97-AF65-F5344CB8AC3E}">
-        <p14:creationId xmlns:p14="http://schemas.microsoft.com/office/powerpoint/2010/main" val="3463343363"/>
+        <p14:creationId xmlns:p14="http://schemas.microsoft.com/office/powerpoint/2010/main" val="2746893799"/>
       </p:ext>
     </p:extLst>
   </p:cSld>
@@ -15666,13 +15611,13 @@
         </p:spPr>
         <p:txBody>
           <a:bodyPr>
-            <a:normAutofit lnSpcReduction="10000"/>
+            <a:normAutofit fontScale="92500" lnSpcReduction="10000"/>
           </a:bodyPr>
           <a:lstStyle/>
           <a:p>
             <a:r>
               <a:rPr lang="en-US" b="1" dirty="0"/>
-              <a:t>HTTP response security header buddy is “Cross-Origin-Resource-Policy” (also called CORP):</a:t>
+              <a:t>Context: </a:t>
             </a:r>
           </a:p>
           <a:p>
@@ -15682,23 +15627,17 @@
             </a:pPr>
             <a:r>
               <a:rPr lang="en-US" dirty="0"/>
-              <a:t>Allows to define a policy that lets web sites and applications opt-in to protection against certain requests from other origins (such as those issued with elements like </a:t>
-            </a:r>
-            <a:r>
-              <a:rPr lang="en-US" i="1" dirty="0"/>
-              <a:t>script</a:t>
-            </a:r>
-            <a:r>
-              <a:rPr lang="en-US" dirty="0"/>
-              <a:t> and </a:t>
-            </a:r>
-            <a:r>
-              <a:rPr lang="en-US" i="1" dirty="0" err="1"/>
-              <a:t>img</a:t>
-            </a:r>
-            <a:r>
-              <a:rPr lang="en-US" dirty="0"/>
-              <a:t> tags)</a:t>
+              <a:t>A </a:t>
+            </a:r>
+            <a:r>
+              <a:rPr lang="en-US" dirty="0">
+                <a:hlinkClick r:id="rId2"/>
+              </a:rPr>
+              <a:t>phishing</a:t>
+            </a:r>
+            <a:r>
+              <a:rPr lang="en-US" dirty="0"/>
+              <a:t> site (malicious clone of our official site) load resources (scripts, styles, images) from our domain to mimic our user interface:</a:t>
             </a:r>
           </a:p>
           <a:p>
@@ -15709,23 +15648,6 @@
             <a:endParaRPr lang="en-US" dirty="0"/>
           </a:p>
           <a:p>
-            <a:r>
-              <a:rPr lang="en-US" b="1" dirty="0"/>
-              <a:t>Format:</a:t>
-            </a:r>
-          </a:p>
-          <a:p>
-            <a:r>
-              <a:rPr lang="en-US" dirty="0">
-                <a:latin typeface="Consolas" panose="020B0609020204030204" pitchFamily="49" charset="0"/>
-              </a:rPr>
-              <a:t>Cross-Origin-Resource-Policy: [policy-value]</a:t>
-            </a:r>
-          </a:p>
-          <a:p>
-            <a:endParaRPr lang="en-US" dirty="0"/>
-          </a:p>
-          <a:p>
             <a:pPr marL="285750" indent="-285750">
               <a:buFontTx/>
               <a:buChar char="-"/>
@@ -15754,6 +15676,498 @@
             <a:endParaRPr lang="en-US" dirty="0"/>
           </a:p>
           <a:p>
+            <a:pPr marL="285750" indent="-285750">
+              <a:buFontTx/>
+              <a:buChar char="-"/>
+            </a:pPr>
+            <a:endParaRPr lang="en-US" dirty="0"/>
+          </a:p>
+          <a:p>
+            <a:r>
+              <a:rPr lang="en-US" b="1" dirty="0"/>
+              <a:t>Challenge: </a:t>
+            </a:r>
+          </a:p>
+          <a:p>
+            <a:endParaRPr lang="en-US" b="1" dirty="0"/>
+          </a:p>
+          <a:p>
+            <a:endParaRPr lang="en-US" b="1" dirty="0"/>
+          </a:p>
+          <a:p>
+            <a:endParaRPr lang="en-US" b="1" dirty="0"/>
+          </a:p>
+          <a:p>
+            <a:endParaRPr lang="en-US" b="1" dirty="0"/>
+          </a:p>
+          <a:p>
+            <a:r>
+              <a:rPr lang="en-US" b="1" dirty="0"/>
+              <a:t>Challenge:</a:t>
+            </a:r>
+          </a:p>
+          <a:p>
+            <a:pPr marL="285750" indent="-285750">
+              <a:buFontTx/>
+              <a:buChar char="-"/>
+            </a:pPr>
+            <a:r>
+              <a:rPr lang="en-US" dirty="0"/>
+              <a:t>How do we prevent any site outside our domain / sub domain to load our resources?</a:t>
+            </a:r>
+          </a:p>
+          <a:p>
+            <a:endParaRPr lang="en-US" dirty="0"/>
+          </a:p>
+          <a:p>
+            <a:pPr marL="285750" indent="-285750">
+              <a:buFontTx/>
+              <a:buChar char="-"/>
+            </a:pPr>
+            <a:endParaRPr lang="en-US" dirty="0"/>
+          </a:p>
+          <a:p>
+            <a:endParaRPr lang="en-US" dirty="0"/>
+          </a:p>
+          <a:p>
+            <a:endParaRPr lang="en-US" dirty="0"/>
+          </a:p>
+        </p:txBody>
+      </p:sp>
+      <p:sp>
+        <p:nvSpPr>
+          <p:cNvPr id="4" name="Date Placeholder 3">
+            <a:extLst>
+              <a:ext uri="{FF2B5EF4-FFF2-40B4-BE49-F238E27FC236}">
+                <a16:creationId xmlns:a16="http://schemas.microsoft.com/office/drawing/2014/main" id="{70E12647-CCB2-45E2-A9CB-A868F490497E}"/>
+              </a:ext>
+            </a:extLst>
+          </p:cNvPr>
+          <p:cNvSpPr>
+            <a:spLocks noGrp="1"/>
+          </p:cNvSpPr>
+          <p:nvPr>
+            <p:ph type="dt" sz="half" idx="10"/>
+          </p:nvPr>
+        </p:nvSpPr>
+        <p:spPr>
+          <a:xfrm>
+            <a:off x="838200" y="6356350"/>
+            <a:ext cx="1219200" cy="365125"/>
+          </a:xfrm>
+        </p:spPr>
+        <p:txBody>
+          <a:bodyPr/>
+          <a:lstStyle/>
+          <a:p>
+            <a:r>
+              <a:rPr lang="en-US" dirty="0"/>
+              <a:t>20XX</a:t>
+            </a:r>
+          </a:p>
+        </p:txBody>
+      </p:sp>
+      <p:sp>
+        <p:nvSpPr>
+          <p:cNvPr id="5" name="Footer Placeholder 4">
+            <a:extLst>
+              <a:ext uri="{FF2B5EF4-FFF2-40B4-BE49-F238E27FC236}">
+                <a16:creationId xmlns:a16="http://schemas.microsoft.com/office/drawing/2014/main" id="{8D51ED20-04D4-4894-B0C2-9C541A61A734}"/>
+              </a:ext>
+            </a:extLst>
+          </p:cNvPr>
+          <p:cNvSpPr>
+            <a:spLocks noGrp="1"/>
+          </p:cNvSpPr>
+          <p:nvPr>
+            <p:ph type="ftr" sz="quarter" idx="11"/>
+          </p:nvPr>
+        </p:nvSpPr>
+        <p:spPr>
+          <a:xfrm>
+            <a:off x="2463800" y="6356350"/>
+            <a:ext cx="3479800" cy="365125"/>
+          </a:xfrm>
+        </p:spPr>
+        <p:txBody>
+          <a:bodyPr/>
+          <a:lstStyle/>
+          <a:p>
+            <a:r>
+              <a:rPr lang="en-US" dirty="0"/>
+              <a:t>PRESENTATION TITLE</a:t>
+            </a:r>
+          </a:p>
+        </p:txBody>
+      </p:sp>
+      <p:sp>
+        <p:nvSpPr>
+          <p:cNvPr id="6" name="Slide Number Placeholder 5">
+            <a:extLst>
+              <a:ext uri="{FF2B5EF4-FFF2-40B4-BE49-F238E27FC236}">
+                <a16:creationId xmlns:a16="http://schemas.microsoft.com/office/drawing/2014/main" id="{7BC1787E-7110-4989-B0B8-DD4E0ACC09DF}"/>
+              </a:ext>
+            </a:extLst>
+          </p:cNvPr>
+          <p:cNvSpPr>
+            <a:spLocks noGrp="1"/>
+          </p:cNvSpPr>
+          <p:nvPr>
+            <p:ph type="sldNum" sz="quarter" idx="12"/>
+          </p:nvPr>
+        </p:nvSpPr>
+        <p:spPr>
+          <a:xfrm>
+            <a:off x="8610600" y="6356350"/>
+            <a:ext cx="2743200" cy="365125"/>
+          </a:xfrm>
+        </p:spPr>
+        <p:txBody>
+          <a:bodyPr/>
+          <a:lstStyle/>
+          <a:p>
+            <a:fld id="{A49DFD55-3C28-40EF-9E31-A92D2E4017FF}" type="slidenum">
+              <a:rPr lang="en-US" smtClean="0"/>
+              <a:pPr/>
+              <a:t>17</a:t>
+            </a:fld>
+            <a:endParaRPr lang="en-US" dirty="0"/>
+          </a:p>
+        </p:txBody>
+      </p:sp>
+      <p:pic>
+        <p:nvPicPr>
+          <p:cNvPr id="8" name="Picture 7">
+            <a:extLst>
+              <a:ext uri="{FF2B5EF4-FFF2-40B4-BE49-F238E27FC236}">
+                <a16:creationId xmlns:a16="http://schemas.microsoft.com/office/drawing/2014/main" id="{77BDDF93-46DD-CB89-0C1D-06522359DE5C}"/>
+              </a:ext>
+            </a:extLst>
+          </p:cNvPr>
+          <p:cNvPicPr>
+            <a:picLocks noChangeAspect="1"/>
+          </p:cNvPicPr>
+          <p:nvPr/>
+        </p:nvPicPr>
+        <p:blipFill>
+          <a:blip r:embed="rId3"/>
+          <a:stretch>
+            <a:fillRect/>
+          </a:stretch>
+        </p:blipFill>
+        <p:spPr>
+          <a:xfrm>
+            <a:off x="280086" y="2215979"/>
+            <a:ext cx="5789268" cy="3226244"/>
+          </a:xfrm>
+          <a:prstGeom prst="rect">
+            <a:avLst/>
+          </a:prstGeom>
+        </p:spPr>
+      </p:pic>
+      <p:pic>
+        <p:nvPicPr>
+          <p:cNvPr id="11" name="Picture 10">
+            <a:extLst>
+              <a:ext uri="{FF2B5EF4-FFF2-40B4-BE49-F238E27FC236}">
+                <a16:creationId xmlns:a16="http://schemas.microsoft.com/office/drawing/2014/main" id="{1AFD8076-72B1-739D-11AF-C4E946CA84DA}"/>
+              </a:ext>
+            </a:extLst>
+          </p:cNvPr>
+          <p:cNvPicPr>
+            <a:picLocks noChangeAspect="1"/>
+          </p:cNvPicPr>
+          <p:nvPr/>
+        </p:nvPicPr>
+        <p:blipFill>
+          <a:blip r:embed="rId4"/>
+          <a:stretch>
+            <a:fillRect/>
+          </a:stretch>
+        </p:blipFill>
+        <p:spPr>
+          <a:xfrm>
+            <a:off x="6326659" y="2215980"/>
+            <a:ext cx="5713306" cy="3455936"/>
+          </a:xfrm>
+          <a:prstGeom prst="rect">
+            <a:avLst/>
+          </a:prstGeom>
+        </p:spPr>
+      </p:pic>
+      <p:sp>
+        <p:nvSpPr>
+          <p:cNvPr id="12" name="Ribbon: Tilted Up 11">
+            <a:extLst>
+              <a:ext uri="{FF2B5EF4-FFF2-40B4-BE49-F238E27FC236}">
+                <a16:creationId xmlns:a16="http://schemas.microsoft.com/office/drawing/2014/main" id="{E784F3D9-8C78-4A92-B93E-ECBA6E30B24D}"/>
+              </a:ext>
+            </a:extLst>
+          </p:cNvPr>
+          <p:cNvSpPr/>
+          <p:nvPr/>
+        </p:nvSpPr>
+        <p:spPr>
+          <a:xfrm>
+            <a:off x="356048" y="2619632"/>
+            <a:ext cx="2107752" cy="724930"/>
+          </a:xfrm>
+          <a:prstGeom prst="ribbon2">
+            <a:avLst/>
+          </a:prstGeom>
+        </p:spPr>
+        <p:style>
+          <a:lnRef idx="2">
+            <a:schemeClr val="accent6">
+              <a:shade val="50000"/>
+            </a:schemeClr>
+          </a:lnRef>
+          <a:fillRef idx="1">
+            <a:schemeClr val="accent6"/>
+          </a:fillRef>
+          <a:effectRef idx="0">
+            <a:schemeClr val="accent6"/>
+          </a:effectRef>
+          <a:fontRef idx="minor">
+            <a:schemeClr val="lt1"/>
+          </a:fontRef>
+        </p:style>
+        <p:txBody>
+          <a:bodyPr rtlCol="0" anchor="ctr"/>
+          <a:lstStyle/>
+          <a:p>
+            <a:pPr algn="ctr"/>
+            <a:r>
+              <a:rPr lang="en-US" dirty="0"/>
+              <a:t>Official</a:t>
+            </a:r>
+          </a:p>
+        </p:txBody>
+      </p:sp>
+      <p:sp>
+        <p:nvSpPr>
+          <p:cNvPr id="13" name="Ribbon: Tilted Up 12">
+            <a:extLst>
+              <a:ext uri="{FF2B5EF4-FFF2-40B4-BE49-F238E27FC236}">
+                <a16:creationId xmlns:a16="http://schemas.microsoft.com/office/drawing/2014/main" id="{9102A638-137E-5050-3561-75B581AB93C2}"/>
+              </a:ext>
+            </a:extLst>
+          </p:cNvPr>
+          <p:cNvSpPr/>
+          <p:nvPr/>
+        </p:nvSpPr>
+        <p:spPr>
+          <a:xfrm>
+            <a:off x="6502847" y="2619632"/>
+            <a:ext cx="2262211" cy="724930"/>
+          </a:xfrm>
+          <a:prstGeom prst="ribbon2">
+            <a:avLst/>
+          </a:prstGeom>
+        </p:spPr>
+        <p:style>
+          <a:lnRef idx="2">
+            <a:schemeClr val="accent2">
+              <a:shade val="50000"/>
+            </a:schemeClr>
+          </a:lnRef>
+          <a:fillRef idx="1">
+            <a:schemeClr val="accent2"/>
+          </a:fillRef>
+          <a:effectRef idx="0">
+            <a:schemeClr val="accent2"/>
+          </a:effectRef>
+          <a:fontRef idx="minor">
+            <a:schemeClr val="lt1"/>
+          </a:fontRef>
+        </p:style>
+        <p:txBody>
+          <a:bodyPr rtlCol="0" anchor="ctr"/>
+          <a:lstStyle/>
+          <a:p>
+            <a:pPr algn="ctr"/>
+            <a:r>
+              <a:rPr lang="en-US" dirty="0"/>
+              <a:t>Malicious</a:t>
+            </a:r>
+          </a:p>
+        </p:txBody>
+      </p:sp>
+    </p:spTree>
+    <p:extLst>
+      <p:ext uri="{BB962C8B-B14F-4D97-AF65-F5344CB8AC3E}">
+        <p14:creationId xmlns:p14="http://schemas.microsoft.com/office/powerpoint/2010/main" val="3463343363"/>
+      </p:ext>
+    </p:extLst>
+  </p:cSld>
+  <p:clrMapOvr>
+    <a:masterClrMapping/>
+  </p:clrMapOvr>
+</p:sld>
+</file>
+
+<file path=ppt/slides/slide18.xml><?xml version="1.0" encoding="utf-8"?>
+<p:sld xmlns:a="http://schemas.openxmlformats.org/drawingml/2006/main" xmlns:r="http://schemas.openxmlformats.org/officeDocument/2006/relationships" xmlns:p="http://schemas.openxmlformats.org/presentationml/2006/main">
+  <p:cSld>
+    <p:spTree>
+      <p:nvGrpSpPr>
+        <p:cNvPr id="1" name=""/>
+        <p:cNvGrpSpPr/>
+        <p:nvPr/>
+      </p:nvGrpSpPr>
+      <p:grpSpPr>
+        <a:xfrm>
+          <a:off x="0" y="0"/>
+          <a:ext cx="0" cy="0"/>
+          <a:chOff x="0" y="0"/>
+          <a:chExt cx="0" cy="0"/>
+        </a:xfrm>
+      </p:grpSpPr>
+      <p:sp>
+        <p:nvSpPr>
+          <p:cNvPr id="2" name="Title 1">
+            <a:extLst>
+              <a:ext uri="{FF2B5EF4-FFF2-40B4-BE49-F238E27FC236}">
+                <a16:creationId xmlns:a16="http://schemas.microsoft.com/office/drawing/2014/main" id="{0A32731C-311B-46F7-A865-6C3AF6B09A47}"/>
+              </a:ext>
+            </a:extLst>
+          </p:cNvPr>
+          <p:cNvSpPr>
+            <a:spLocks noGrp="1"/>
+          </p:cNvSpPr>
+          <p:nvPr>
+            <p:ph type="title"/>
+          </p:nvPr>
+        </p:nvSpPr>
+        <p:spPr>
+          <a:xfrm>
+            <a:off x="134636" y="136525"/>
+            <a:ext cx="11711375" cy="1204912"/>
+          </a:xfrm>
+        </p:spPr>
+        <p:txBody>
+          <a:bodyPr/>
+          <a:lstStyle/>
+          <a:p>
+            <a:r>
+              <a:rPr lang="en-US" dirty="0"/>
+              <a:t>Part 4 - Focus on some situation</a:t>
+            </a:r>
+          </a:p>
+        </p:txBody>
+      </p:sp>
+      <p:sp>
+        <p:nvSpPr>
+          <p:cNvPr id="3" name="Text Placeholder 2">
+            <a:extLst>
+              <a:ext uri="{FF2B5EF4-FFF2-40B4-BE49-F238E27FC236}">
+                <a16:creationId xmlns:a16="http://schemas.microsoft.com/office/drawing/2014/main" id="{9D5232F9-FD00-464A-9F17-619C91AEF8F3}"/>
+              </a:ext>
+            </a:extLst>
+          </p:cNvPr>
+          <p:cNvSpPr>
+            <a:spLocks noGrp="1"/>
+          </p:cNvSpPr>
+          <p:nvPr>
+            <p:ph type="body" idx="1"/>
+          </p:nvPr>
+        </p:nvSpPr>
+        <p:spPr>
+          <a:xfrm>
+            <a:off x="134636" y="1494221"/>
+            <a:ext cx="11777278" cy="4544113"/>
+          </a:xfrm>
+        </p:spPr>
+        <p:txBody>
+          <a:bodyPr>
+            <a:normAutofit lnSpcReduction="10000"/>
+          </a:bodyPr>
+          <a:lstStyle/>
+          <a:p>
+            <a:r>
+              <a:rPr lang="en-US" b="1" dirty="0"/>
+              <a:t>HTTP response security header buddy is “Cross-Origin-Resource-Policy” (also called CORP):</a:t>
+            </a:r>
+          </a:p>
+          <a:p>
+            <a:pPr marL="285750" indent="-285750">
+              <a:buFontTx/>
+              <a:buChar char="-"/>
+            </a:pPr>
+            <a:r>
+              <a:rPr lang="en-US" dirty="0"/>
+              <a:t>Allows to define a policy that lets web sites and applications opt-in to protection against certain requests from other origins (such as those issued with elements like </a:t>
+            </a:r>
+            <a:r>
+              <a:rPr lang="en-US" i="1" dirty="0"/>
+              <a:t>script</a:t>
+            </a:r>
+            <a:r>
+              <a:rPr lang="en-US" dirty="0"/>
+              <a:t> and </a:t>
+            </a:r>
+            <a:r>
+              <a:rPr lang="en-US" i="1" dirty="0" err="1"/>
+              <a:t>img</a:t>
+            </a:r>
+            <a:r>
+              <a:rPr lang="en-US" dirty="0"/>
+              <a:t> tags)</a:t>
+            </a:r>
+          </a:p>
+          <a:p>
+            <a:pPr marL="285750" indent="-285750">
+              <a:buFontTx/>
+              <a:buChar char="-"/>
+            </a:pPr>
+            <a:endParaRPr lang="en-US" dirty="0"/>
+          </a:p>
+          <a:p>
+            <a:r>
+              <a:rPr lang="en-US" b="1" dirty="0"/>
+              <a:t>Format:</a:t>
+            </a:r>
+          </a:p>
+          <a:p>
+            <a:r>
+              <a:rPr lang="en-US" dirty="0">
+                <a:latin typeface="Consolas" panose="020B0609020204030204" pitchFamily="49" charset="0"/>
+              </a:rPr>
+              <a:t>Cross-Origin-Resource-Policy: [policy-value]</a:t>
+            </a:r>
+          </a:p>
+          <a:p>
+            <a:endParaRPr lang="en-US" dirty="0"/>
+          </a:p>
+          <a:p>
+            <a:pPr marL="285750" indent="-285750">
+              <a:buFontTx/>
+              <a:buChar char="-"/>
+            </a:pPr>
+            <a:endParaRPr lang="en-US" dirty="0"/>
+          </a:p>
+          <a:p>
+            <a:pPr marL="285750" indent="-285750">
+              <a:buFontTx/>
+              <a:buChar char="-"/>
+            </a:pPr>
+            <a:endParaRPr lang="en-US" dirty="0"/>
+          </a:p>
+          <a:p>
+            <a:pPr marL="285750" indent="-285750">
+              <a:buFontTx/>
+              <a:buChar char="-"/>
+            </a:pPr>
+            <a:endParaRPr lang="en-US" dirty="0"/>
+          </a:p>
+          <a:p>
+            <a:pPr marL="285750" indent="-285750">
+              <a:buFontTx/>
+              <a:buChar char="-"/>
+            </a:pPr>
+            <a:endParaRPr lang="en-US" dirty="0"/>
+          </a:p>
+          <a:p>
             <a:endParaRPr lang="en-US" dirty="0"/>
           </a:p>
           <a:p>
@@ -15867,7 +16281,7 @@
             <a:fld id="{A49DFD55-3C28-40EF-9E31-A92D2E4017FF}" type="slidenum">
               <a:rPr lang="en-US" smtClean="0"/>
               <a:pPr/>
-              <a:t>17</a:t>
+              <a:t>18</a:t>
             </a:fld>
             <a:endParaRPr lang="en-US" dirty="0"/>
           </a:p>
@@ -16119,7 +16533,7 @@
 </p:sld>
 </file>
 
-<file path=ppt/slides/slide18.xml><?xml version="1.0" encoding="utf-8"?>
+<file path=ppt/slides/slide19.xml><?xml version="1.0" encoding="utf-8"?>
 <p:sld xmlns:a="http://schemas.openxmlformats.org/drawingml/2006/main" xmlns:r="http://schemas.openxmlformats.org/officeDocument/2006/relationships" xmlns:p="http://schemas.openxmlformats.org/presentationml/2006/main">
   <p:cSld>
     <p:spTree>
@@ -16264,7 +16678,7 @@
             <a:fld id="{A49DFD55-3C28-40EF-9E31-A92D2E4017FF}" type="slidenum">
               <a:rPr lang="en-US" smtClean="0"/>
               <a:pPr/>
-              <a:t>18</a:t>
+              <a:t>19</a:t>
             </a:fld>
             <a:endParaRPr lang="en-US" dirty="0"/>
           </a:p>
@@ -16472,241 +16886,6 @@
     <p:extLst>
       <p:ext uri="{BB962C8B-B14F-4D97-AF65-F5344CB8AC3E}">
         <p14:creationId xmlns:p14="http://schemas.microsoft.com/office/powerpoint/2010/main" val="2559941584"/>
-      </p:ext>
-    </p:extLst>
-  </p:cSld>
-  <p:clrMapOvr>
-    <a:masterClrMapping/>
-  </p:clrMapOvr>
-</p:sld>
-</file>
-
-<file path=ppt/slides/slide19.xml><?xml version="1.0" encoding="utf-8"?>
-<p:sld xmlns:a="http://schemas.openxmlformats.org/drawingml/2006/main" xmlns:r="http://schemas.openxmlformats.org/officeDocument/2006/relationships" xmlns:p="http://schemas.openxmlformats.org/presentationml/2006/main">
-  <p:cSld>
-    <p:spTree>
-      <p:nvGrpSpPr>
-        <p:cNvPr id="1" name=""/>
-        <p:cNvGrpSpPr/>
-        <p:nvPr/>
-      </p:nvGrpSpPr>
-      <p:grpSpPr>
-        <a:xfrm>
-          <a:off x="0" y="0"/>
-          <a:ext cx="0" cy="0"/>
-          <a:chOff x="0" y="0"/>
-          <a:chExt cx="0" cy="0"/>
-        </a:xfrm>
-      </p:grpSpPr>
-      <p:sp>
-        <p:nvSpPr>
-          <p:cNvPr id="2" name="Title 1">
-            <a:extLst>
-              <a:ext uri="{FF2B5EF4-FFF2-40B4-BE49-F238E27FC236}">
-                <a16:creationId xmlns:a16="http://schemas.microsoft.com/office/drawing/2014/main" id="{0A32731C-311B-46F7-A865-6C3AF6B09A47}"/>
-              </a:ext>
-            </a:extLst>
-          </p:cNvPr>
-          <p:cNvSpPr>
-            <a:spLocks noGrp="1"/>
-          </p:cNvSpPr>
-          <p:nvPr>
-            <p:ph type="title"/>
-          </p:nvPr>
-        </p:nvSpPr>
-        <p:spPr>
-          <a:xfrm>
-            <a:off x="134636" y="136525"/>
-            <a:ext cx="11711375" cy="1204912"/>
-          </a:xfrm>
-        </p:spPr>
-        <p:txBody>
-          <a:bodyPr/>
-          <a:lstStyle/>
-          <a:p>
-            <a:r>
-              <a:rPr lang="en-US" dirty="0"/>
-              <a:t>Part 4 - Focus on some situation</a:t>
-            </a:r>
-          </a:p>
-        </p:txBody>
-      </p:sp>
-      <p:sp>
-        <p:nvSpPr>
-          <p:cNvPr id="4" name="Date Placeholder 3">
-            <a:extLst>
-              <a:ext uri="{FF2B5EF4-FFF2-40B4-BE49-F238E27FC236}">
-                <a16:creationId xmlns:a16="http://schemas.microsoft.com/office/drawing/2014/main" id="{70E12647-CCB2-45E2-A9CB-A868F490497E}"/>
-              </a:ext>
-            </a:extLst>
-          </p:cNvPr>
-          <p:cNvSpPr>
-            <a:spLocks noGrp="1"/>
-          </p:cNvSpPr>
-          <p:nvPr>
-            <p:ph type="dt" sz="half" idx="10"/>
-          </p:nvPr>
-        </p:nvSpPr>
-        <p:spPr>
-          <a:xfrm>
-            <a:off x="838200" y="6356350"/>
-            <a:ext cx="1219200" cy="365125"/>
-          </a:xfrm>
-        </p:spPr>
-        <p:txBody>
-          <a:bodyPr/>
-          <a:lstStyle/>
-          <a:p>
-            <a:r>
-              <a:rPr lang="en-US" dirty="0"/>
-              <a:t>20XX</a:t>
-            </a:r>
-          </a:p>
-        </p:txBody>
-      </p:sp>
-      <p:sp>
-        <p:nvSpPr>
-          <p:cNvPr id="5" name="Footer Placeholder 4">
-            <a:extLst>
-              <a:ext uri="{FF2B5EF4-FFF2-40B4-BE49-F238E27FC236}">
-                <a16:creationId xmlns:a16="http://schemas.microsoft.com/office/drawing/2014/main" id="{8D51ED20-04D4-4894-B0C2-9C541A61A734}"/>
-              </a:ext>
-            </a:extLst>
-          </p:cNvPr>
-          <p:cNvSpPr>
-            <a:spLocks noGrp="1"/>
-          </p:cNvSpPr>
-          <p:nvPr>
-            <p:ph type="ftr" sz="quarter" idx="11"/>
-          </p:nvPr>
-        </p:nvSpPr>
-        <p:spPr>
-          <a:xfrm>
-            <a:off x="2463800" y="6356350"/>
-            <a:ext cx="3479800" cy="365125"/>
-          </a:xfrm>
-        </p:spPr>
-        <p:txBody>
-          <a:bodyPr/>
-          <a:lstStyle/>
-          <a:p>
-            <a:r>
-              <a:rPr lang="en-US" dirty="0"/>
-              <a:t>PRESENTATION TITLE</a:t>
-            </a:r>
-          </a:p>
-        </p:txBody>
-      </p:sp>
-      <p:sp>
-        <p:nvSpPr>
-          <p:cNvPr id="6" name="Slide Number Placeholder 5">
-            <a:extLst>
-              <a:ext uri="{FF2B5EF4-FFF2-40B4-BE49-F238E27FC236}">
-                <a16:creationId xmlns:a16="http://schemas.microsoft.com/office/drawing/2014/main" id="{7BC1787E-7110-4989-B0B8-DD4E0ACC09DF}"/>
-              </a:ext>
-            </a:extLst>
-          </p:cNvPr>
-          <p:cNvSpPr>
-            <a:spLocks noGrp="1"/>
-          </p:cNvSpPr>
-          <p:nvPr>
-            <p:ph type="sldNum" sz="quarter" idx="12"/>
-          </p:nvPr>
-        </p:nvSpPr>
-        <p:spPr>
-          <a:xfrm>
-            <a:off x="8610600" y="6356350"/>
-            <a:ext cx="2743200" cy="365125"/>
-          </a:xfrm>
-        </p:spPr>
-        <p:txBody>
-          <a:bodyPr/>
-          <a:lstStyle/>
-          <a:p>
-            <a:fld id="{A49DFD55-3C28-40EF-9E31-A92D2E4017FF}" type="slidenum">
-              <a:rPr lang="en-US" smtClean="0"/>
-              <a:pPr/>
-              <a:t>19</a:t>
-            </a:fld>
-            <a:endParaRPr lang="en-US" dirty="0"/>
-          </a:p>
-        </p:txBody>
-      </p:sp>
-      <p:sp>
-        <p:nvSpPr>
-          <p:cNvPr id="15" name="TextBox 14">
-            <a:extLst>
-              <a:ext uri="{FF2B5EF4-FFF2-40B4-BE49-F238E27FC236}">
-                <a16:creationId xmlns:a16="http://schemas.microsoft.com/office/drawing/2014/main" id="{D3A7338F-1FF2-10AC-E393-1EE704D7A3D6}"/>
-              </a:ext>
-            </a:extLst>
-          </p:cNvPr>
-          <p:cNvSpPr txBox="1"/>
-          <p:nvPr/>
-        </p:nvSpPr>
-        <p:spPr>
-          <a:xfrm>
-            <a:off x="4028304" y="6199355"/>
-            <a:ext cx="8229600" cy="369332"/>
-          </a:xfrm>
-          <a:prstGeom prst="rect">
-            <a:avLst/>
-          </a:prstGeom>
-          <a:noFill/>
-        </p:spPr>
-        <p:txBody>
-          <a:bodyPr wrap="square" rtlCol="0">
-            <a:spAutoFit/>
-          </a:bodyPr>
-          <a:lstStyle/>
-          <a:p>
-            <a:r>
-              <a:rPr lang="en-US" dirty="0">
-                <a:hlinkClick r:id="rId3"/>
-              </a:rPr>
-              <a:t>https://caniuse.com/mdn-http_headers_cross-origin-resource-policy</a:t>
-            </a:r>
-            <a:r>
-              <a:rPr lang="en-US" dirty="0"/>
-              <a:t> </a:t>
-            </a:r>
-          </a:p>
-        </p:txBody>
-      </p:sp>
-      <p:pic>
-        <p:nvPicPr>
-          <p:cNvPr id="9" name="Picture 8">
-            <a:extLst>
-              <a:ext uri="{FF2B5EF4-FFF2-40B4-BE49-F238E27FC236}">
-                <a16:creationId xmlns:a16="http://schemas.microsoft.com/office/drawing/2014/main" id="{CFB041D5-CE75-ABC9-158D-FCB0ED7F8CFE}"/>
-              </a:ext>
-            </a:extLst>
-          </p:cNvPr>
-          <p:cNvPicPr>
-            <a:picLocks noChangeAspect="1"/>
-          </p:cNvPicPr>
-          <p:nvPr/>
-        </p:nvPicPr>
-        <p:blipFill>
-          <a:blip r:embed="rId4"/>
-          <a:stretch>
-            <a:fillRect/>
-          </a:stretch>
-        </p:blipFill>
-        <p:spPr>
-          <a:xfrm>
-            <a:off x="2325434" y="1280049"/>
-            <a:ext cx="8517385" cy="4997804"/>
-          </a:xfrm>
-          <a:prstGeom prst="rect">
-            <a:avLst/>
-          </a:prstGeom>
-        </p:spPr>
-      </p:pic>
-    </p:spTree>
-    <p:extLst>
-      <p:ext uri="{BB962C8B-B14F-4D97-AF65-F5344CB8AC3E}">
-        <p14:creationId xmlns:p14="http://schemas.microsoft.com/office/powerpoint/2010/main" val="1246319414"/>
       </p:ext>
     </p:extLst>
   </p:cSld>
@@ -17075,137 +17254,6 @@
       </p:sp>
       <p:sp>
         <p:nvSpPr>
-          <p:cNvPr id="3" name="Text Placeholder 2">
-            <a:extLst>
-              <a:ext uri="{FF2B5EF4-FFF2-40B4-BE49-F238E27FC236}">
-                <a16:creationId xmlns:a16="http://schemas.microsoft.com/office/drawing/2014/main" id="{9D5232F9-FD00-464A-9F17-619C91AEF8F3}"/>
-              </a:ext>
-            </a:extLst>
-          </p:cNvPr>
-          <p:cNvSpPr>
-            <a:spLocks noGrp="1"/>
-          </p:cNvSpPr>
-          <p:nvPr>
-            <p:ph type="body" idx="1"/>
-          </p:nvPr>
-        </p:nvSpPr>
-        <p:spPr>
-          <a:xfrm>
-            <a:off x="134636" y="1494221"/>
-            <a:ext cx="11777278" cy="4544113"/>
-          </a:xfrm>
-        </p:spPr>
-        <p:txBody>
-          <a:bodyPr>
-            <a:normAutofit fontScale="92500" lnSpcReduction="10000"/>
-          </a:bodyPr>
-          <a:lstStyle/>
-          <a:p>
-            <a:r>
-              <a:rPr lang="en-US" b="1" dirty="0"/>
-              <a:t>Context: </a:t>
-            </a:r>
-          </a:p>
-          <a:p>
-            <a:pPr marL="285750" indent="-285750">
-              <a:buFontTx/>
-              <a:buChar char="-"/>
-            </a:pPr>
-            <a:r>
-              <a:rPr lang="en-US" dirty="0"/>
-              <a:t>We logging out a user from an application / system:</a:t>
-            </a:r>
-          </a:p>
-          <a:p>
-            <a:pPr marL="285750" indent="-285750">
-              <a:buFontTx/>
-              <a:buChar char="-"/>
-            </a:pPr>
-            <a:endParaRPr lang="en-US" dirty="0"/>
-          </a:p>
-          <a:p>
-            <a:pPr marL="285750" indent="-285750">
-              <a:buFontTx/>
-              <a:buChar char="-"/>
-            </a:pPr>
-            <a:endParaRPr lang="en-US" dirty="0"/>
-          </a:p>
-          <a:p>
-            <a:pPr marL="285750" indent="-285750">
-              <a:buFontTx/>
-              <a:buChar char="-"/>
-            </a:pPr>
-            <a:endParaRPr lang="en-US" dirty="0"/>
-          </a:p>
-          <a:p>
-            <a:pPr marL="285750" indent="-285750">
-              <a:buFontTx/>
-              <a:buChar char="-"/>
-            </a:pPr>
-            <a:endParaRPr lang="en-US" dirty="0"/>
-          </a:p>
-          <a:p>
-            <a:pPr marL="285750" indent="-285750">
-              <a:buFontTx/>
-              <a:buChar char="-"/>
-            </a:pPr>
-            <a:endParaRPr lang="en-US" dirty="0"/>
-          </a:p>
-          <a:p>
-            <a:pPr marL="285750" indent="-285750">
-              <a:buFontTx/>
-              <a:buChar char="-"/>
-            </a:pPr>
-            <a:endParaRPr lang="en-US" dirty="0"/>
-          </a:p>
-          <a:p>
-            <a:endParaRPr lang="en-US" b="1" dirty="0"/>
-          </a:p>
-          <a:p>
-            <a:endParaRPr lang="en-US" b="1" dirty="0"/>
-          </a:p>
-          <a:p>
-            <a:endParaRPr lang="en-US" b="1" dirty="0"/>
-          </a:p>
-          <a:p>
-            <a:endParaRPr lang="en-US" b="1" dirty="0"/>
-          </a:p>
-          <a:p>
-            <a:r>
-              <a:rPr lang="en-US" b="1" dirty="0"/>
-              <a:t>Challenge:</a:t>
-            </a:r>
-          </a:p>
-          <a:p>
-            <a:pPr marL="285750" indent="-285750">
-              <a:buFontTx/>
-              <a:buChar char="-"/>
-            </a:pPr>
-            <a:r>
-              <a:rPr lang="en-US" dirty="0"/>
-              <a:t>How do we ensure that, once the logout is performed, we let the browser without any residual content (that can be access token/secrets) in storage, cookie or cache to prevent any local malicious program to access to this content?</a:t>
-            </a:r>
-          </a:p>
-          <a:p>
-            <a:endParaRPr lang="en-US" dirty="0"/>
-          </a:p>
-          <a:p>
-            <a:pPr marL="285750" indent="-285750">
-              <a:buFontTx/>
-              <a:buChar char="-"/>
-            </a:pPr>
-            <a:endParaRPr lang="en-US" dirty="0"/>
-          </a:p>
-          <a:p>
-            <a:endParaRPr lang="en-US" dirty="0"/>
-          </a:p>
-          <a:p>
-            <a:endParaRPr lang="en-US" dirty="0"/>
-          </a:p>
-        </p:txBody>
-      </p:sp>
-      <p:sp>
-        <p:nvSpPr>
           <p:cNvPr id="4" name="Date Placeholder 3">
             <a:extLst>
               <a:ext uri="{FF2B5EF4-FFF2-40B4-BE49-F238E27FC236}">
@@ -17305,12 +17353,53 @@
           </a:p>
         </p:txBody>
       </p:sp>
+      <p:sp>
+        <p:nvSpPr>
+          <p:cNvPr id="15" name="TextBox 14">
+            <a:extLst>
+              <a:ext uri="{FF2B5EF4-FFF2-40B4-BE49-F238E27FC236}">
+                <a16:creationId xmlns:a16="http://schemas.microsoft.com/office/drawing/2014/main" id="{D3A7338F-1FF2-10AC-E393-1EE704D7A3D6}"/>
+              </a:ext>
+            </a:extLst>
+          </p:cNvPr>
+          <p:cNvSpPr txBox="1"/>
+          <p:nvPr/>
+        </p:nvSpPr>
+        <p:spPr>
+          <a:xfrm>
+            <a:off x="4028304" y="6199355"/>
+            <a:ext cx="8229600" cy="369332"/>
+          </a:xfrm>
+          <a:prstGeom prst="rect">
+            <a:avLst/>
+          </a:prstGeom>
+          <a:noFill/>
+        </p:spPr>
+        <p:txBody>
+          <a:bodyPr wrap="square" rtlCol="0">
+            <a:spAutoFit/>
+          </a:bodyPr>
+          <a:lstStyle/>
+          <a:p>
+            <a:r>
+              <a:rPr lang="en-US" dirty="0">
+                <a:hlinkClick r:id="rId3"/>
+              </a:rPr>
+              <a:t>https://caniuse.com/mdn-http_headers_cross-origin-resource-policy</a:t>
+            </a:r>
+            <a:r>
+              <a:rPr lang="en-US" dirty="0"/>
+              <a:t> </a:t>
+            </a:r>
+          </a:p>
+        </p:txBody>
+      </p:sp>
       <p:pic>
         <p:nvPicPr>
           <p:cNvPr id="9" name="Picture 8">
             <a:extLst>
               <a:ext uri="{FF2B5EF4-FFF2-40B4-BE49-F238E27FC236}">
-                <a16:creationId xmlns:a16="http://schemas.microsoft.com/office/drawing/2014/main" id="{A71789D2-764C-49BF-72E6-775622EDF7BE}"/>
+                <a16:creationId xmlns:a16="http://schemas.microsoft.com/office/drawing/2014/main" id="{CFB041D5-CE75-ABC9-158D-FCB0ED7F8CFE}"/>
               </a:ext>
             </a:extLst>
           </p:cNvPr>
@@ -17320,45 +17409,15 @@
           <p:nvPr/>
         </p:nvPicPr>
         <p:blipFill>
-          <a:blip r:embed="rId2"/>
+          <a:blip r:embed="rId4"/>
           <a:stretch>
             <a:fillRect/>
           </a:stretch>
         </p:blipFill>
         <p:spPr>
           <a:xfrm>
-            <a:off x="280086" y="2149849"/>
-            <a:ext cx="6429944" cy="3003501"/>
-          </a:xfrm>
-          <a:prstGeom prst="rect">
-            <a:avLst/>
-          </a:prstGeom>
-        </p:spPr>
-      </p:pic>
-      <p:pic>
-        <p:nvPicPr>
-          <p:cNvPr id="14" name="Picture 13">
-            <a:extLst>
-              <a:ext uri="{FF2B5EF4-FFF2-40B4-BE49-F238E27FC236}">
-                <a16:creationId xmlns:a16="http://schemas.microsoft.com/office/drawing/2014/main" id="{94CB5735-C118-A36F-A294-FC1E356C0CDF}"/>
-              </a:ext>
-            </a:extLst>
-          </p:cNvPr>
-          <p:cNvPicPr>
-            <a:picLocks noChangeAspect="1"/>
-          </p:cNvPicPr>
-          <p:nvPr/>
-        </p:nvPicPr>
-        <p:blipFill>
-          <a:blip r:embed="rId3"/>
-          <a:stretch>
-            <a:fillRect/>
-          </a:stretch>
-        </p:blipFill>
-        <p:spPr>
-          <a:xfrm>
-            <a:off x="6973506" y="2388973"/>
-            <a:ext cx="4674932" cy="2379965"/>
+            <a:off x="2325434" y="1280049"/>
+            <a:ext cx="8517385" cy="4997804"/>
           </a:xfrm>
           <a:prstGeom prst="rect">
             <a:avLst/>
@@ -17368,7 +17427,7 @@
     </p:spTree>
     <p:extLst>
       <p:ext uri="{BB962C8B-B14F-4D97-AF65-F5344CB8AC3E}">
-        <p14:creationId xmlns:p14="http://schemas.microsoft.com/office/powerpoint/2010/main" val="3011984404"/>
+        <p14:creationId xmlns:p14="http://schemas.microsoft.com/office/powerpoint/2010/main" val="1246319414"/>
       </p:ext>
     </p:extLst>
   </p:cSld>
@@ -17452,13 +17511,13 @@
         </p:spPr>
         <p:txBody>
           <a:bodyPr>
-            <a:normAutofit/>
+            <a:normAutofit fontScale="92500" lnSpcReduction="10000"/>
           </a:bodyPr>
           <a:lstStyle/>
           <a:p>
             <a:r>
               <a:rPr lang="en-US" b="1" dirty="0"/>
-              <a:t>HTTP response security header buddy is “Clear-Site-Data”:</a:t>
+              <a:t>Context: </a:t>
             </a:r>
           </a:p>
           <a:p>
@@ -17468,30 +17527,8 @@
             </a:pPr>
             <a:r>
               <a:rPr lang="en-US" dirty="0"/>
-              <a:t>Allows to define which data must be removed for the domain issuing the header.</a:t>
-            </a:r>
-          </a:p>
-          <a:p>
-            <a:r>
-              <a:rPr lang="en-US" b="1" dirty="0"/>
-              <a:t>Format:</a:t>
-            </a:r>
-          </a:p>
-          <a:p>
-            <a:r>
-              <a:rPr lang="en-US" dirty="0">
-                <a:latin typeface="Consolas" panose="020B0609020204030204" pitchFamily="49" charset="0"/>
-              </a:rPr>
-              <a:t>Clear-Site-Data: “[data to remove]”</a:t>
-            </a:r>
-          </a:p>
-          <a:p>
-            <a:endParaRPr lang="en-US" dirty="0">
-              <a:latin typeface="Consolas" panose="020B0609020204030204" pitchFamily="49" charset="0"/>
-            </a:endParaRPr>
-          </a:p>
-          <a:p>
-            <a:endParaRPr lang="en-US" dirty="0"/>
+              <a:t>We logging out a user from an application / system:</a:t>
+            </a:r>
           </a:p>
           <a:p>
             <a:pPr marL="285750" indent="-285750">
@@ -17522,6 +17559,383 @@
             <a:endParaRPr lang="en-US" dirty="0"/>
           </a:p>
           <a:p>
+            <a:pPr marL="285750" indent="-285750">
+              <a:buFontTx/>
+              <a:buChar char="-"/>
+            </a:pPr>
+            <a:endParaRPr lang="en-US" dirty="0"/>
+          </a:p>
+          <a:p>
+            <a:pPr marL="285750" indent="-285750">
+              <a:buFontTx/>
+              <a:buChar char="-"/>
+            </a:pPr>
+            <a:endParaRPr lang="en-US" dirty="0"/>
+          </a:p>
+          <a:p>
+            <a:endParaRPr lang="en-US" b="1" dirty="0"/>
+          </a:p>
+          <a:p>
+            <a:endParaRPr lang="en-US" b="1" dirty="0"/>
+          </a:p>
+          <a:p>
+            <a:endParaRPr lang="en-US" b="1" dirty="0"/>
+          </a:p>
+          <a:p>
+            <a:endParaRPr lang="en-US" b="1" dirty="0"/>
+          </a:p>
+          <a:p>
+            <a:r>
+              <a:rPr lang="en-US" b="1" dirty="0"/>
+              <a:t>Challenge:</a:t>
+            </a:r>
+          </a:p>
+          <a:p>
+            <a:pPr marL="285750" indent="-285750">
+              <a:buFontTx/>
+              <a:buChar char="-"/>
+            </a:pPr>
+            <a:r>
+              <a:rPr lang="en-US" dirty="0"/>
+              <a:t>How do we ensure that, once the logout is performed, we let the browser without any residual content (that can be access token/secrets) in storage, cookie or cache to prevent any local malicious program to access to this content?</a:t>
+            </a:r>
+          </a:p>
+          <a:p>
+            <a:endParaRPr lang="en-US" dirty="0"/>
+          </a:p>
+          <a:p>
+            <a:pPr marL="285750" indent="-285750">
+              <a:buFontTx/>
+              <a:buChar char="-"/>
+            </a:pPr>
+            <a:endParaRPr lang="en-US" dirty="0"/>
+          </a:p>
+          <a:p>
+            <a:endParaRPr lang="en-US" dirty="0"/>
+          </a:p>
+          <a:p>
+            <a:endParaRPr lang="en-US" dirty="0"/>
+          </a:p>
+        </p:txBody>
+      </p:sp>
+      <p:sp>
+        <p:nvSpPr>
+          <p:cNvPr id="4" name="Date Placeholder 3">
+            <a:extLst>
+              <a:ext uri="{FF2B5EF4-FFF2-40B4-BE49-F238E27FC236}">
+                <a16:creationId xmlns:a16="http://schemas.microsoft.com/office/drawing/2014/main" id="{70E12647-CCB2-45E2-A9CB-A868F490497E}"/>
+              </a:ext>
+            </a:extLst>
+          </p:cNvPr>
+          <p:cNvSpPr>
+            <a:spLocks noGrp="1"/>
+          </p:cNvSpPr>
+          <p:nvPr>
+            <p:ph type="dt" sz="half" idx="10"/>
+          </p:nvPr>
+        </p:nvSpPr>
+        <p:spPr>
+          <a:xfrm>
+            <a:off x="838200" y="6356350"/>
+            <a:ext cx="1219200" cy="365125"/>
+          </a:xfrm>
+        </p:spPr>
+        <p:txBody>
+          <a:bodyPr/>
+          <a:lstStyle/>
+          <a:p>
+            <a:r>
+              <a:rPr lang="en-US" dirty="0"/>
+              <a:t>20XX</a:t>
+            </a:r>
+          </a:p>
+        </p:txBody>
+      </p:sp>
+      <p:sp>
+        <p:nvSpPr>
+          <p:cNvPr id="5" name="Footer Placeholder 4">
+            <a:extLst>
+              <a:ext uri="{FF2B5EF4-FFF2-40B4-BE49-F238E27FC236}">
+                <a16:creationId xmlns:a16="http://schemas.microsoft.com/office/drawing/2014/main" id="{8D51ED20-04D4-4894-B0C2-9C541A61A734}"/>
+              </a:ext>
+            </a:extLst>
+          </p:cNvPr>
+          <p:cNvSpPr>
+            <a:spLocks noGrp="1"/>
+          </p:cNvSpPr>
+          <p:nvPr>
+            <p:ph type="ftr" sz="quarter" idx="11"/>
+          </p:nvPr>
+        </p:nvSpPr>
+        <p:spPr>
+          <a:xfrm>
+            <a:off x="2463800" y="6356350"/>
+            <a:ext cx="3479800" cy="365125"/>
+          </a:xfrm>
+        </p:spPr>
+        <p:txBody>
+          <a:bodyPr/>
+          <a:lstStyle/>
+          <a:p>
+            <a:r>
+              <a:rPr lang="en-US" dirty="0"/>
+              <a:t>PRESENTATION TITLE</a:t>
+            </a:r>
+          </a:p>
+        </p:txBody>
+      </p:sp>
+      <p:sp>
+        <p:nvSpPr>
+          <p:cNvPr id="6" name="Slide Number Placeholder 5">
+            <a:extLst>
+              <a:ext uri="{FF2B5EF4-FFF2-40B4-BE49-F238E27FC236}">
+                <a16:creationId xmlns:a16="http://schemas.microsoft.com/office/drawing/2014/main" id="{7BC1787E-7110-4989-B0B8-DD4E0ACC09DF}"/>
+              </a:ext>
+            </a:extLst>
+          </p:cNvPr>
+          <p:cNvSpPr>
+            <a:spLocks noGrp="1"/>
+          </p:cNvSpPr>
+          <p:nvPr>
+            <p:ph type="sldNum" sz="quarter" idx="12"/>
+          </p:nvPr>
+        </p:nvSpPr>
+        <p:spPr>
+          <a:xfrm>
+            <a:off x="8610600" y="6356350"/>
+            <a:ext cx="2743200" cy="365125"/>
+          </a:xfrm>
+        </p:spPr>
+        <p:txBody>
+          <a:bodyPr/>
+          <a:lstStyle/>
+          <a:p>
+            <a:fld id="{A49DFD55-3C28-40EF-9E31-A92D2E4017FF}" type="slidenum">
+              <a:rPr lang="en-US" smtClean="0"/>
+              <a:pPr/>
+              <a:t>21</a:t>
+            </a:fld>
+            <a:endParaRPr lang="en-US" dirty="0"/>
+          </a:p>
+        </p:txBody>
+      </p:sp>
+      <p:pic>
+        <p:nvPicPr>
+          <p:cNvPr id="9" name="Picture 8">
+            <a:extLst>
+              <a:ext uri="{FF2B5EF4-FFF2-40B4-BE49-F238E27FC236}">
+                <a16:creationId xmlns:a16="http://schemas.microsoft.com/office/drawing/2014/main" id="{A71789D2-764C-49BF-72E6-775622EDF7BE}"/>
+              </a:ext>
+            </a:extLst>
+          </p:cNvPr>
+          <p:cNvPicPr>
+            <a:picLocks noChangeAspect="1"/>
+          </p:cNvPicPr>
+          <p:nvPr/>
+        </p:nvPicPr>
+        <p:blipFill>
+          <a:blip r:embed="rId2"/>
+          <a:stretch>
+            <a:fillRect/>
+          </a:stretch>
+        </p:blipFill>
+        <p:spPr>
+          <a:xfrm>
+            <a:off x="280086" y="2149849"/>
+            <a:ext cx="6429944" cy="3003501"/>
+          </a:xfrm>
+          <a:prstGeom prst="rect">
+            <a:avLst/>
+          </a:prstGeom>
+        </p:spPr>
+      </p:pic>
+      <p:pic>
+        <p:nvPicPr>
+          <p:cNvPr id="14" name="Picture 13">
+            <a:extLst>
+              <a:ext uri="{FF2B5EF4-FFF2-40B4-BE49-F238E27FC236}">
+                <a16:creationId xmlns:a16="http://schemas.microsoft.com/office/drawing/2014/main" id="{94CB5735-C118-A36F-A294-FC1E356C0CDF}"/>
+              </a:ext>
+            </a:extLst>
+          </p:cNvPr>
+          <p:cNvPicPr>
+            <a:picLocks noChangeAspect="1"/>
+          </p:cNvPicPr>
+          <p:nvPr/>
+        </p:nvPicPr>
+        <p:blipFill>
+          <a:blip r:embed="rId3"/>
+          <a:stretch>
+            <a:fillRect/>
+          </a:stretch>
+        </p:blipFill>
+        <p:spPr>
+          <a:xfrm>
+            <a:off x="6973506" y="2388973"/>
+            <a:ext cx="4674932" cy="2379965"/>
+          </a:xfrm>
+          <a:prstGeom prst="rect">
+            <a:avLst/>
+          </a:prstGeom>
+        </p:spPr>
+      </p:pic>
+    </p:spTree>
+    <p:extLst>
+      <p:ext uri="{BB962C8B-B14F-4D97-AF65-F5344CB8AC3E}">
+        <p14:creationId xmlns:p14="http://schemas.microsoft.com/office/powerpoint/2010/main" val="3011984404"/>
+      </p:ext>
+    </p:extLst>
+  </p:cSld>
+  <p:clrMapOvr>
+    <a:masterClrMapping/>
+  </p:clrMapOvr>
+</p:sld>
+</file>
+
+<file path=ppt/slides/slide22.xml><?xml version="1.0" encoding="utf-8"?>
+<p:sld xmlns:a="http://schemas.openxmlformats.org/drawingml/2006/main" xmlns:r="http://schemas.openxmlformats.org/officeDocument/2006/relationships" xmlns:p="http://schemas.openxmlformats.org/presentationml/2006/main">
+  <p:cSld>
+    <p:spTree>
+      <p:nvGrpSpPr>
+        <p:cNvPr id="1" name=""/>
+        <p:cNvGrpSpPr/>
+        <p:nvPr/>
+      </p:nvGrpSpPr>
+      <p:grpSpPr>
+        <a:xfrm>
+          <a:off x="0" y="0"/>
+          <a:ext cx="0" cy="0"/>
+          <a:chOff x="0" y="0"/>
+          <a:chExt cx="0" cy="0"/>
+        </a:xfrm>
+      </p:grpSpPr>
+      <p:sp>
+        <p:nvSpPr>
+          <p:cNvPr id="2" name="Title 1">
+            <a:extLst>
+              <a:ext uri="{FF2B5EF4-FFF2-40B4-BE49-F238E27FC236}">
+                <a16:creationId xmlns:a16="http://schemas.microsoft.com/office/drawing/2014/main" id="{0A32731C-311B-46F7-A865-6C3AF6B09A47}"/>
+              </a:ext>
+            </a:extLst>
+          </p:cNvPr>
+          <p:cNvSpPr>
+            <a:spLocks noGrp="1"/>
+          </p:cNvSpPr>
+          <p:nvPr>
+            <p:ph type="title"/>
+          </p:nvPr>
+        </p:nvSpPr>
+        <p:spPr>
+          <a:xfrm>
+            <a:off x="134636" y="136525"/>
+            <a:ext cx="11711375" cy="1204912"/>
+          </a:xfrm>
+        </p:spPr>
+        <p:txBody>
+          <a:bodyPr/>
+          <a:lstStyle/>
+          <a:p>
+            <a:r>
+              <a:rPr lang="en-US" dirty="0"/>
+              <a:t>Part 4 - Focus on some situation</a:t>
+            </a:r>
+          </a:p>
+        </p:txBody>
+      </p:sp>
+      <p:sp>
+        <p:nvSpPr>
+          <p:cNvPr id="3" name="Text Placeholder 2">
+            <a:extLst>
+              <a:ext uri="{FF2B5EF4-FFF2-40B4-BE49-F238E27FC236}">
+                <a16:creationId xmlns:a16="http://schemas.microsoft.com/office/drawing/2014/main" id="{9D5232F9-FD00-464A-9F17-619C91AEF8F3}"/>
+              </a:ext>
+            </a:extLst>
+          </p:cNvPr>
+          <p:cNvSpPr>
+            <a:spLocks noGrp="1"/>
+          </p:cNvSpPr>
+          <p:nvPr>
+            <p:ph type="body" idx="1"/>
+          </p:nvPr>
+        </p:nvSpPr>
+        <p:spPr>
+          <a:xfrm>
+            <a:off x="134636" y="1494221"/>
+            <a:ext cx="11777278" cy="4544113"/>
+          </a:xfrm>
+        </p:spPr>
+        <p:txBody>
+          <a:bodyPr>
+            <a:normAutofit/>
+          </a:bodyPr>
+          <a:lstStyle/>
+          <a:p>
+            <a:r>
+              <a:rPr lang="en-US" b="1" dirty="0"/>
+              <a:t>HTTP response security header buddy is “Clear-Site-Data”:</a:t>
+            </a:r>
+          </a:p>
+          <a:p>
+            <a:pPr marL="285750" indent="-285750">
+              <a:buFontTx/>
+              <a:buChar char="-"/>
+            </a:pPr>
+            <a:r>
+              <a:rPr lang="en-US" dirty="0"/>
+              <a:t>Allows to define which data must be removed for the domain issuing the header.</a:t>
+            </a:r>
+          </a:p>
+          <a:p>
+            <a:r>
+              <a:rPr lang="en-US" b="1" dirty="0"/>
+              <a:t>Format:</a:t>
+            </a:r>
+          </a:p>
+          <a:p>
+            <a:r>
+              <a:rPr lang="en-US" dirty="0">
+                <a:latin typeface="Consolas" panose="020B0609020204030204" pitchFamily="49" charset="0"/>
+              </a:rPr>
+              <a:t>Clear-Site-Data: “[data to remove]”</a:t>
+            </a:r>
+          </a:p>
+          <a:p>
+            <a:endParaRPr lang="en-US" dirty="0">
+              <a:latin typeface="Consolas" panose="020B0609020204030204" pitchFamily="49" charset="0"/>
+            </a:endParaRPr>
+          </a:p>
+          <a:p>
+            <a:endParaRPr lang="en-US" dirty="0"/>
+          </a:p>
+          <a:p>
+            <a:pPr marL="285750" indent="-285750">
+              <a:buFontTx/>
+              <a:buChar char="-"/>
+            </a:pPr>
+            <a:endParaRPr lang="en-US" dirty="0"/>
+          </a:p>
+          <a:p>
+            <a:pPr marL="285750" indent="-285750">
+              <a:buFontTx/>
+              <a:buChar char="-"/>
+            </a:pPr>
+            <a:endParaRPr lang="en-US" dirty="0"/>
+          </a:p>
+          <a:p>
+            <a:pPr marL="285750" indent="-285750">
+              <a:buFontTx/>
+              <a:buChar char="-"/>
+            </a:pPr>
+            <a:endParaRPr lang="en-US" dirty="0"/>
+          </a:p>
+          <a:p>
+            <a:pPr marL="285750" indent="-285750">
+              <a:buFontTx/>
+              <a:buChar char="-"/>
+            </a:pPr>
+            <a:endParaRPr lang="en-US" dirty="0"/>
+          </a:p>
+          <a:p>
             <a:endParaRPr lang="en-US" dirty="0"/>
           </a:p>
           <a:p>
@@ -17635,7 +18049,7 @@
             <a:fld id="{A49DFD55-3C28-40EF-9E31-A92D2E4017FF}" type="slidenum">
               <a:rPr lang="en-US" smtClean="0"/>
               <a:pPr/>
-              <a:t>21</a:t>
+              <a:t>22</a:t>
             </a:fld>
             <a:endParaRPr lang="en-US" dirty="0"/>
           </a:p>
@@ -17877,294 +18291,6 @@
 </p:sld>
 </file>
 
-<file path=ppt/slides/slide22.xml><?xml version="1.0" encoding="utf-8"?>
-<p:sld xmlns:a="http://schemas.openxmlformats.org/drawingml/2006/main" xmlns:r="http://schemas.openxmlformats.org/officeDocument/2006/relationships" xmlns:p="http://schemas.openxmlformats.org/presentationml/2006/main">
-  <p:cSld>
-    <p:spTree>
-      <p:nvGrpSpPr>
-        <p:cNvPr id="1" name=""/>
-        <p:cNvGrpSpPr/>
-        <p:nvPr/>
-      </p:nvGrpSpPr>
-      <p:grpSpPr>
-        <a:xfrm>
-          <a:off x="0" y="0"/>
-          <a:ext cx="0" cy="0"/>
-          <a:chOff x="0" y="0"/>
-          <a:chExt cx="0" cy="0"/>
-        </a:xfrm>
-      </p:grpSpPr>
-      <p:sp>
-        <p:nvSpPr>
-          <p:cNvPr id="2" name="Title 1">
-            <a:extLst>
-              <a:ext uri="{FF2B5EF4-FFF2-40B4-BE49-F238E27FC236}">
-                <a16:creationId xmlns:a16="http://schemas.microsoft.com/office/drawing/2014/main" id="{0A32731C-311B-46F7-A865-6C3AF6B09A47}"/>
-              </a:ext>
-            </a:extLst>
-          </p:cNvPr>
-          <p:cNvSpPr>
-            <a:spLocks noGrp="1"/>
-          </p:cNvSpPr>
-          <p:nvPr>
-            <p:ph type="title"/>
-          </p:nvPr>
-        </p:nvSpPr>
-        <p:spPr>
-          <a:xfrm>
-            <a:off x="134636" y="136525"/>
-            <a:ext cx="11711375" cy="1204912"/>
-          </a:xfrm>
-        </p:spPr>
-        <p:txBody>
-          <a:bodyPr/>
-          <a:lstStyle/>
-          <a:p>
-            <a:r>
-              <a:rPr lang="en-US" dirty="0"/>
-              <a:t>Part 4 - Focus on some situation</a:t>
-            </a:r>
-          </a:p>
-        </p:txBody>
-      </p:sp>
-      <p:sp>
-        <p:nvSpPr>
-          <p:cNvPr id="4" name="Date Placeholder 3">
-            <a:extLst>
-              <a:ext uri="{FF2B5EF4-FFF2-40B4-BE49-F238E27FC236}">
-                <a16:creationId xmlns:a16="http://schemas.microsoft.com/office/drawing/2014/main" id="{70E12647-CCB2-45E2-A9CB-A868F490497E}"/>
-              </a:ext>
-            </a:extLst>
-          </p:cNvPr>
-          <p:cNvSpPr>
-            <a:spLocks noGrp="1"/>
-          </p:cNvSpPr>
-          <p:nvPr>
-            <p:ph type="dt" sz="half" idx="10"/>
-          </p:nvPr>
-        </p:nvSpPr>
-        <p:spPr>
-          <a:xfrm>
-            <a:off x="838200" y="6356350"/>
-            <a:ext cx="1219200" cy="365125"/>
-          </a:xfrm>
-        </p:spPr>
-        <p:txBody>
-          <a:bodyPr/>
-          <a:lstStyle/>
-          <a:p>
-            <a:r>
-              <a:rPr lang="en-US" dirty="0"/>
-              <a:t>20XX</a:t>
-            </a:r>
-          </a:p>
-        </p:txBody>
-      </p:sp>
-      <p:sp>
-        <p:nvSpPr>
-          <p:cNvPr id="5" name="Footer Placeholder 4">
-            <a:extLst>
-              <a:ext uri="{FF2B5EF4-FFF2-40B4-BE49-F238E27FC236}">
-                <a16:creationId xmlns:a16="http://schemas.microsoft.com/office/drawing/2014/main" id="{8D51ED20-04D4-4894-B0C2-9C541A61A734}"/>
-              </a:ext>
-            </a:extLst>
-          </p:cNvPr>
-          <p:cNvSpPr>
-            <a:spLocks noGrp="1"/>
-          </p:cNvSpPr>
-          <p:nvPr>
-            <p:ph type="ftr" sz="quarter" idx="11"/>
-          </p:nvPr>
-        </p:nvSpPr>
-        <p:spPr>
-          <a:xfrm>
-            <a:off x="2463800" y="6356350"/>
-            <a:ext cx="3479800" cy="365125"/>
-          </a:xfrm>
-        </p:spPr>
-        <p:txBody>
-          <a:bodyPr/>
-          <a:lstStyle/>
-          <a:p>
-            <a:r>
-              <a:rPr lang="en-US" dirty="0"/>
-              <a:t>PRESENTATION TITLE</a:t>
-            </a:r>
-          </a:p>
-        </p:txBody>
-      </p:sp>
-      <p:sp>
-        <p:nvSpPr>
-          <p:cNvPr id="6" name="Slide Number Placeholder 5">
-            <a:extLst>
-              <a:ext uri="{FF2B5EF4-FFF2-40B4-BE49-F238E27FC236}">
-                <a16:creationId xmlns:a16="http://schemas.microsoft.com/office/drawing/2014/main" id="{7BC1787E-7110-4989-B0B8-DD4E0ACC09DF}"/>
-              </a:ext>
-            </a:extLst>
-          </p:cNvPr>
-          <p:cNvSpPr>
-            <a:spLocks noGrp="1"/>
-          </p:cNvSpPr>
-          <p:nvPr>
-            <p:ph type="sldNum" sz="quarter" idx="12"/>
-          </p:nvPr>
-        </p:nvSpPr>
-        <p:spPr>
-          <a:xfrm>
-            <a:off x="8610600" y="6356350"/>
-            <a:ext cx="2743200" cy="365125"/>
-          </a:xfrm>
-        </p:spPr>
-        <p:txBody>
-          <a:bodyPr/>
-          <a:lstStyle/>
-          <a:p>
-            <a:fld id="{A49DFD55-3C28-40EF-9E31-A92D2E4017FF}" type="slidenum">
-              <a:rPr lang="en-US" smtClean="0"/>
-              <a:pPr/>
-              <a:t>22</a:t>
-            </a:fld>
-            <a:endParaRPr lang="en-US" dirty="0"/>
-          </a:p>
-        </p:txBody>
-      </p:sp>
-      <p:pic>
-        <p:nvPicPr>
-          <p:cNvPr id="12" name="Picture 11" descr="A screenshot of a computer&#10;&#10;Description automatically generated">
-            <a:extLst>
-              <a:ext uri="{FF2B5EF4-FFF2-40B4-BE49-F238E27FC236}">
-                <a16:creationId xmlns:a16="http://schemas.microsoft.com/office/drawing/2014/main" id="{375D11D0-874F-E0AC-66DD-93BF75CDF52A}"/>
-              </a:ext>
-            </a:extLst>
-          </p:cNvPr>
-          <p:cNvPicPr>
-            <a:picLocks noChangeAspect="1"/>
-          </p:cNvPicPr>
-          <p:nvPr/>
-        </p:nvPicPr>
-        <p:blipFill rotWithShape="1">
-          <a:blip r:embed="rId3"/>
-          <a:srcRect l="34514"/>
-          <a:stretch/>
-        </p:blipFill>
-        <p:spPr>
-          <a:xfrm>
-            <a:off x="134636" y="1341437"/>
-            <a:ext cx="4354419" cy="3410426"/>
-          </a:xfrm>
-          <a:prstGeom prst="rect">
-            <a:avLst/>
-          </a:prstGeom>
-        </p:spPr>
-      </p:pic>
-      <p:pic>
-        <p:nvPicPr>
-          <p:cNvPr id="16" name="Picture 15" descr="Graphical user interface&#10;&#10;Description automatically generated">
-            <a:extLst>
-              <a:ext uri="{FF2B5EF4-FFF2-40B4-BE49-F238E27FC236}">
-                <a16:creationId xmlns:a16="http://schemas.microsoft.com/office/drawing/2014/main" id="{AA2B2742-49A4-48C3-E67E-2B0D9099A89D}"/>
-              </a:ext>
-            </a:extLst>
-          </p:cNvPr>
-          <p:cNvPicPr>
-            <a:picLocks noChangeAspect="1"/>
-          </p:cNvPicPr>
-          <p:nvPr/>
-        </p:nvPicPr>
-        <p:blipFill>
-          <a:blip r:embed="rId4"/>
-          <a:stretch>
-            <a:fillRect/>
-          </a:stretch>
-        </p:blipFill>
-        <p:spPr>
-          <a:xfrm>
-            <a:off x="4610904" y="1341437"/>
-            <a:ext cx="4329711" cy="4084633"/>
-          </a:xfrm>
-          <a:prstGeom prst="rect">
-            <a:avLst/>
-          </a:prstGeom>
-        </p:spPr>
-      </p:pic>
-      <p:pic>
-        <p:nvPicPr>
-          <p:cNvPr id="14" name="Picture 13" descr="A screenshot of a computer&#10;&#10;Description automatically generated with medium confidence">
-            <a:extLst>
-              <a:ext uri="{FF2B5EF4-FFF2-40B4-BE49-F238E27FC236}">
-                <a16:creationId xmlns:a16="http://schemas.microsoft.com/office/drawing/2014/main" id="{65AEA22F-E938-8CF1-6E24-730AB4BDBD74}"/>
-              </a:ext>
-            </a:extLst>
-          </p:cNvPr>
-          <p:cNvPicPr>
-            <a:picLocks noChangeAspect="1"/>
-          </p:cNvPicPr>
-          <p:nvPr/>
-        </p:nvPicPr>
-        <p:blipFill>
-          <a:blip r:embed="rId5"/>
-          <a:stretch>
-            <a:fillRect/>
-          </a:stretch>
-        </p:blipFill>
-        <p:spPr>
-          <a:xfrm>
-            <a:off x="8370675" y="3046650"/>
-            <a:ext cx="3686689" cy="3791479"/>
-          </a:xfrm>
-          <a:prstGeom prst="rect">
-            <a:avLst/>
-          </a:prstGeom>
-        </p:spPr>
-      </p:pic>
-      <p:sp>
-        <p:nvSpPr>
-          <p:cNvPr id="17" name="TextBox 16">
-            <a:extLst>
-              <a:ext uri="{FF2B5EF4-FFF2-40B4-BE49-F238E27FC236}">
-                <a16:creationId xmlns:a16="http://schemas.microsoft.com/office/drawing/2014/main" id="{A91CE4A8-464A-688F-4552-7720ED35763B}"/>
-              </a:ext>
-            </a:extLst>
-          </p:cNvPr>
-          <p:cNvSpPr txBox="1"/>
-          <p:nvPr/>
-        </p:nvSpPr>
-        <p:spPr>
-          <a:xfrm>
-            <a:off x="288323" y="5633609"/>
-            <a:ext cx="4827374" cy="923330"/>
-          </a:xfrm>
-          <a:prstGeom prst="rect">
-            <a:avLst/>
-          </a:prstGeom>
-          <a:noFill/>
-        </p:spPr>
-        <p:txBody>
-          <a:bodyPr wrap="square" rtlCol="0">
-            <a:spAutoFit/>
-          </a:bodyPr>
-          <a:lstStyle/>
-          <a:p>
-            <a:r>
-              <a:rPr lang="en-US" dirty="0"/>
-              <a:t>Cache, cookies, local storage and session storage were cleaned once the HTTP response was processed by the browser.</a:t>
-            </a:r>
-          </a:p>
-        </p:txBody>
-      </p:sp>
-    </p:spTree>
-    <p:extLst>
-      <p:ext uri="{BB962C8B-B14F-4D97-AF65-F5344CB8AC3E}">
-        <p14:creationId xmlns:p14="http://schemas.microsoft.com/office/powerpoint/2010/main" val="754364210"/>
-      </p:ext>
-    </p:extLst>
-  </p:cSld>
-  <p:clrMapOvr>
-    <a:masterClrMapping/>
-  </p:clrMapOvr>
-</p:sld>
-</file>
-
 <file path=ppt/slides/slide23.xml><?xml version="1.0" encoding="utf-8"?>
 <p:sld xmlns:a="http://schemas.openxmlformats.org/drawingml/2006/main" xmlns:r="http://schemas.openxmlformats.org/officeDocument/2006/relationships" xmlns:p="http://schemas.openxmlformats.org/presentationml/2006/main">
   <p:cSld>
@@ -18337,124 +18463,20 @@
         </p:blipFill>
         <p:spPr>
           <a:xfrm>
-            <a:off x="7079361" y="1256888"/>
-            <a:ext cx="4918414" cy="3852153"/>
+            <a:off x="134636" y="1341437"/>
+            <a:ext cx="4354419" cy="3410426"/>
           </a:xfrm>
           <a:prstGeom prst="rect">
             <a:avLst/>
           </a:prstGeom>
         </p:spPr>
       </p:pic>
-      <p:sp>
-        <p:nvSpPr>
-          <p:cNvPr id="17" name="TextBox 16">
-            <a:extLst>
-              <a:ext uri="{FF2B5EF4-FFF2-40B4-BE49-F238E27FC236}">
-                <a16:creationId xmlns:a16="http://schemas.microsoft.com/office/drawing/2014/main" id="{A91CE4A8-464A-688F-4552-7720ED35763B}"/>
-              </a:ext>
-            </a:extLst>
-          </p:cNvPr>
-          <p:cNvSpPr txBox="1"/>
-          <p:nvPr/>
-        </p:nvSpPr>
-        <p:spPr>
-          <a:xfrm>
-            <a:off x="263610" y="1868917"/>
-            <a:ext cx="5514620" cy="1477328"/>
-          </a:xfrm>
-          <a:prstGeom prst="rect">
-            <a:avLst/>
-          </a:prstGeom>
-          <a:noFill/>
-        </p:spPr>
-        <p:txBody>
-          <a:bodyPr wrap="square" rtlCol="0">
-            <a:spAutoFit/>
-          </a:bodyPr>
-          <a:lstStyle/>
-          <a:p>
-            <a:r>
-              <a:rPr lang="en-US" dirty="0"/>
-              <a:t>“</a:t>
-            </a:r>
-            <a:r>
-              <a:rPr lang="en-US" b="1" dirty="0" err="1"/>
-              <a:t>executionContexts</a:t>
-            </a:r>
-            <a:r>
-              <a:rPr lang="en-US" dirty="0"/>
-              <a:t>” option is not still supported by any popular browser (May 2022):</a:t>
-            </a:r>
-          </a:p>
-          <a:p>
-            <a:endParaRPr lang="en-US" dirty="0"/>
-          </a:p>
-          <a:p>
-            <a:r>
-              <a:rPr lang="en-US" i="1" dirty="0"/>
-              <a:t>Indicates that the server wishes to reload all browsing contexts for the origin of the response.</a:t>
-            </a:r>
-          </a:p>
-        </p:txBody>
-      </p:sp>
-      <p:sp>
-        <p:nvSpPr>
-          <p:cNvPr id="3" name="Rectangle 2">
-            <a:extLst>
-              <a:ext uri="{FF2B5EF4-FFF2-40B4-BE49-F238E27FC236}">
-                <a16:creationId xmlns:a16="http://schemas.microsoft.com/office/drawing/2014/main" id="{CD3E6DEF-6C89-0579-2882-237D829E23BE}"/>
-              </a:ext>
-            </a:extLst>
-          </p:cNvPr>
-          <p:cNvSpPr/>
-          <p:nvPr/>
-        </p:nvSpPr>
-        <p:spPr>
-          <a:xfrm>
-            <a:off x="10596863" y="3395466"/>
-            <a:ext cx="1400912" cy="286811"/>
-          </a:xfrm>
-          <a:prstGeom prst="rect">
-            <a:avLst/>
-          </a:prstGeom>
-          <a:noFill/>
-          <a:ln w="34925">
-            <a:solidFill>
-              <a:srgbClr val="FFFF00"/>
-            </a:solidFill>
-          </a:ln>
-        </p:spPr>
-        <p:style>
-          <a:lnRef idx="2">
-            <a:schemeClr val="accent1">
-              <a:shade val="50000"/>
-            </a:schemeClr>
-          </a:lnRef>
-          <a:fillRef idx="1">
-            <a:schemeClr val="accent1"/>
-          </a:fillRef>
-          <a:effectRef idx="0">
-            <a:schemeClr val="accent1"/>
-          </a:effectRef>
-          <a:fontRef idx="minor">
-            <a:schemeClr val="lt1"/>
-          </a:fontRef>
-        </p:style>
-        <p:txBody>
-          <a:bodyPr rtlCol="0" anchor="ctr"/>
-          <a:lstStyle/>
-          <a:p>
-            <a:pPr algn="ctr"/>
-            <a:endParaRPr lang="en-US"/>
-          </a:p>
-        </p:txBody>
-      </p:sp>
       <p:pic>
         <p:nvPicPr>
-          <p:cNvPr id="8" name="Picture 7">
-            <a:extLst>
-              <a:ext uri="{FF2B5EF4-FFF2-40B4-BE49-F238E27FC236}">
-                <a16:creationId xmlns:a16="http://schemas.microsoft.com/office/drawing/2014/main" id="{611A05BC-D7B7-0940-6020-4FF50CC0A67C}"/>
+          <p:cNvPr id="16" name="Picture 15" descr="Graphical user interface&#10;&#10;Description automatically generated">
+            <a:extLst>
+              <a:ext uri="{FF2B5EF4-FFF2-40B4-BE49-F238E27FC236}">
+                <a16:creationId xmlns:a16="http://schemas.microsoft.com/office/drawing/2014/main" id="{AA2B2742-49A4-48C3-E67E-2B0D9099A89D}"/>
               </a:ext>
             </a:extLst>
           </p:cNvPr>
@@ -18471,20 +18493,50 @@
         </p:blipFill>
         <p:spPr>
           <a:xfrm>
-            <a:off x="48638" y="3419631"/>
-            <a:ext cx="7000185" cy="3209719"/>
+            <a:off x="4610904" y="1341437"/>
+            <a:ext cx="4329711" cy="4084633"/>
           </a:xfrm>
           <a:prstGeom prst="rect">
             <a:avLst/>
           </a:prstGeom>
         </p:spPr>
       </p:pic>
-      <p:sp>
-        <p:nvSpPr>
-          <p:cNvPr id="13" name="TextBox 12">
-            <a:extLst>
-              <a:ext uri="{FF2B5EF4-FFF2-40B4-BE49-F238E27FC236}">
-                <a16:creationId xmlns:a16="http://schemas.microsoft.com/office/drawing/2014/main" id="{10E4C1D0-CD58-2EDD-F4E7-5FB173BBE55F}"/>
+      <p:pic>
+        <p:nvPicPr>
+          <p:cNvPr id="14" name="Picture 13" descr="A screenshot of a computer&#10;&#10;Description automatically generated with medium confidence">
+            <a:extLst>
+              <a:ext uri="{FF2B5EF4-FFF2-40B4-BE49-F238E27FC236}">
+                <a16:creationId xmlns:a16="http://schemas.microsoft.com/office/drawing/2014/main" id="{65AEA22F-E938-8CF1-6E24-730AB4BDBD74}"/>
+              </a:ext>
+            </a:extLst>
+          </p:cNvPr>
+          <p:cNvPicPr>
+            <a:picLocks noChangeAspect="1"/>
+          </p:cNvPicPr>
+          <p:nvPr/>
+        </p:nvPicPr>
+        <p:blipFill>
+          <a:blip r:embed="rId5"/>
+          <a:stretch>
+            <a:fillRect/>
+          </a:stretch>
+        </p:blipFill>
+        <p:spPr>
+          <a:xfrm>
+            <a:off x="8370675" y="3046650"/>
+            <a:ext cx="3686689" cy="3791479"/>
+          </a:xfrm>
+          <a:prstGeom prst="rect">
+            <a:avLst/>
+          </a:prstGeom>
+        </p:spPr>
+      </p:pic>
+      <p:sp>
+        <p:nvSpPr>
+          <p:cNvPr id="17" name="TextBox 16">
+            <a:extLst>
+              <a:ext uri="{FF2B5EF4-FFF2-40B4-BE49-F238E27FC236}">
+                <a16:creationId xmlns:a16="http://schemas.microsoft.com/office/drawing/2014/main" id="{A91CE4A8-464A-688F-4552-7720ED35763B}"/>
               </a:ext>
             </a:extLst>
           </p:cNvPr>
@@ -18493,8 +18545,8 @@
         </p:nvSpPr>
         <p:spPr>
           <a:xfrm>
-            <a:off x="8848203" y="5519298"/>
-            <a:ext cx="3149572" cy="923330"/>
+            <a:off x="288323" y="5633609"/>
+            <a:ext cx="4827374" cy="923330"/>
           </a:xfrm>
           <a:prstGeom prst="rect">
             <a:avLst/>
@@ -18508,14 +18560,8 @@
           <a:lstStyle/>
           <a:p>
             <a:r>
-              <a:rPr lang="en-US" dirty="0">
-                <a:hlinkClick r:id="rId5"/>
-              </a:rPr>
-              <a:t>https://caniuse.com/mdn-http_headers_clear-site-data_executioncontexts</a:t>
-            </a:r>
-            <a:r>
-              <a:rPr lang="en-US" dirty="0"/>
-              <a:t>  </a:t>
+              <a:rPr lang="en-US" dirty="0"/>
+              <a:t>Cache, cookies, local storage and session storage were cleaned once the HTTP response was processed by the browser.</a:t>
             </a:r>
           </a:p>
         </p:txBody>
@@ -18523,7 +18569,7 @@
     </p:spTree>
     <p:extLst>
       <p:ext uri="{BB962C8B-B14F-4D97-AF65-F5344CB8AC3E}">
-        <p14:creationId xmlns:p14="http://schemas.microsoft.com/office/powerpoint/2010/main" val="1202109400"/>
+        <p14:creationId xmlns:p14="http://schemas.microsoft.com/office/powerpoint/2010/main" val="754364210"/>
       </p:ext>
     </p:extLst>
   </p:cSld>
@@ -18686,10 +18732,143 @@
       </p:sp>
       <p:pic>
         <p:nvPicPr>
-          <p:cNvPr id="9" name="Picture 8">
-            <a:extLst>
-              <a:ext uri="{FF2B5EF4-FFF2-40B4-BE49-F238E27FC236}">
-                <a16:creationId xmlns:a16="http://schemas.microsoft.com/office/drawing/2014/main" id="{4AEFE767-9F61-1ACA-390B-AAFDCFAEC9A6}"/>
+          <p:cNvPr id="12" name="Picture 11" descr="A screenshot of a computer&#10;&#10;Description automatically generated">
+            <a:extLst>
+              <a:ext uri="{FF2B5EF4-FFF2-40B4-BE49-F238E27FC236}">
+                <a16:creationId xmlns:a16="http://schemas.microsoft.com/office/drawing/2014/main" id="{375D11D0-874F-E0AC-66DD-93BF75CDF52A}"/>
+              </a:ext>
+            </a:extLst>
+          </p:cNvPr>
+          <p:cNvPicPr>
+            <a:picLocks noChangeAspect="1"/>
+          </p:cNvPicPr>
+          <p:nvPr/>
+        </p:nvPicPr>
+        <p:blipFill rotWithShape="1">
+          <a:blip r:embed="rId3"/>
+          <a:srcRect l="34514"/>
+          <a:stretch/>
+        </p:blipFill>
+        <p:spPr>
+          <a:xfrm>
+            <a:off x="7079361" y="1256888"/>
+            <a:ext cx="4918414" cy="3852153"/>
+          </a:xfrm>
+          <a:prstGeom prst="rect">
+            <a:avLst/>
+          </a:prstGeom>
+        </p:spPr>
+      </p:pic>
+      <p:sp>
+        <p:nvSpPr>
+          <p:cNvPr id="17" name="TextBox 16">
+            <a:extLst>
+              <a:ext uri="{FF2B5EF4-FFF2-40B4-BE49-F238E27FC236}">
+                <a16:creationId xmlns:a16="http://schemas.microsoft.com/office/drawing/2014/main" id="{A91CE4A8-464A-688F-4552-7720ED35763B}"/>
+              </a:ext>
+            </a:extLst>
+          </p:cNvPr>
+          <p:cNvSpPr txBox="1"/>
+          <p:nvPr/>
+        </p:nvSpPr>
+        <p:spPr>
+          <a:xfrm>
+            <a:off x="263610" y="1868917"/>
+            <a:ext cx="5514620" cy="1477328"/>
+          </a:xfrm>
+          <a:prstGeom prst="rect">
+            <a:avLst/>
+          </a:prstGeom>
+          <a:noFill/>
+        </p:spPr>
+        <p:txBody>
+          <a:bodyPr wrap="square" rtlCol="0">
+            <a:spAutoFit/>
+          </a:bodyPr>
+          <a:lstStyle/>
+          <a:p>
+            <a:r>
+              <a:rPr lang="en-US" dirty="0"/>
+              <a:t>“</a:t>
+            </a:r>
+            <a:r>
+              <a:rPr lang="en-US" b="1" dirty="0" err="1"/>
+              <a:t>executionContexts</a:t>
+            </a:r>
+            <a:r>
+              <a:rPr lang="en-US" dirty="0"/>
+              <a:t>” option is not still supported by any popular browser (May 2022):</a:t>
+            </a:r>
+          </a:p>
+          <a:p>
+            <a:endParaRPr lang="en-US" dirty="0"/>
+          </a:p>
+          <a:p>
+            <a:r>
+              <a:rPr lang="en-US" i="1" dirty="0"/>
+              <a:t>Indicates that the server wishes to reload all browsing contexts for the origin of the response.</a:t>
+            </a:r>
+          </a:p>
+        </p:txBody>
+      </p:sp>
+      <p:sp>
+        <p:nvSpPr>
+          <p:cNvPr id="3" name="Rectangle 2">
+            <a:extLst>
+              <a:ext uri="{FF2B5EF4-FFF2-40B4-BE49-F238E27FC236}">
+                <a16:creationId xmlns:a16="http://schemas.microsoft.com/office/drawing/2014/main" id="{CD3E6DEF-6C89-0579-2882-237D829E23BE}"/>
+              </a:ext>
+            </a:extLst>
+          </p:cNvPr>
+          <p:cNvSpPr/>
+          <p:nvPr/>
+        </p:nvSpPr>
+        <p:spPr>
+          <a:xfrm>
+            <a:off x="10596863" y="3395466"/>
+            <a:ext cx="1400912" cy="286811"/>
+          </a:xfrm>
+          <a:prstGeom prst="rect">
+            <a:avLst/>
+          </a:prstGeom>
+          <a:noFill/>
+          <a:ln w="34925">
+            <a:solidFill>
+              <a:srgbClr val="FFFF00"/>
+            </a:solidFill>
+          </a:ln>
+        </p:spPr>
+        <p:style>
+          <a:lnRef idx="2">
+            <a:schemeClr val="accent1">
+              <a:shade val="50000"/>
+            </a:schemeClr>
+          </a:lnRef>
+          <a:fillRef idx="1">
+            <a:schemeClr val="accent1"/>
+          </a:fillRef>
+          <a:effectRef idx="0">
+            <a:schemeClr val="accent1"/>
+          </a:effectRef>
+          <a:fontRef idx="minor">
+            <a:schemeClr val="lt1"/>
+          </a:fontRef>
+        </p:style>
+        <p:txBody>
+          <a:bodyPr rtlCol="0" anchor="ctr"/>
+          <a:lstStyle/>
+          <a:p>
+            <a:pPr algn="ctr"/>
+            <a:endParaRPr lang="en-US"/>
+          </a:p>
+        </p:txBody>
+      </p:sp>
+      <p:pic>
+        <p:nvPicPr>
+          <p:cNvPr id="8" name="Picture 7">
+            <a:extLst>
+              <a:ext uri="{FF2B5EF4-FFF2-40B4-BE49-F238E27FC236}">
+                <a16:creationId xmlns:a16="http://schemas.microsoft.com/office/drawing/2014/main" id="{611A05BC-D7B7-0940-6020-4FF50CC0A67C}"/>
               </a:ext>
             </a:extLst>
           </p:cNvPr>
@@ -18699,15 +18878,15 @@
           <p:nvPr/>
         </p:nvPicPr>
         <p:blipFill>
-          <a:blip r:embed="rId3"/>
+          <a:blip r:embed="rId4"/>
           <a:stretch>
             <a:fillRect/>
           </a:stretch>
         </p:blipFill>
         <p:spPr>
           <a:xfrm>
-            <a:off x="2622921" y="1311441"/>
-            <a:ext cx="7722283" cy="4917911"/>
+            <a:off x="48638" y="3419631"/>
+            <a:ext cx="7000185" cy="3209719"/>
           </a:xfrm>
           <a:prstGeom prst="rect">
             <a:avLst/>
@@ -18719,7 +18898,7 @@
           <p:cNvPr id="13" name="TextBox 12">
             <a:extLst>
               <a:ext uri="{FF2B5EF4-FFF2-40B4-BE49-F238E27FC236}">
-                <a16:creationId xmlns:a16="http://schemas.microsoft.com/office/drawing/2014/main" id="{259AAF73-CE4B-7FDC-10A9-07B1D361951E}"/>
+                <a16:creationId xmlns:a16="http://schemas.microsoft.com/office/drawing/2014/main" id="{10E4C1D0-CD58-2EDD-F4E7-5FB173BBE55F}"/>
               </a:ext>
             </a:extLst>
           </p:cNvPr>
@@ -18728,8 +18907,8 @@
         </p:nvSpPr>
         <p:spPr>
           <a:xfrm>
-            <a:off x="4028304" y="6199355"/>
-            <a:ext cx="8229600" cy="369332"/>
+            <a:off x="8848203" y="5519298"/>
+            <a:ext cx="3149572" cy="923330"/>
           </a:xfrm>
           <a:prstGeom prst="rect">
             <a:avLst/>
@@ -18744,13 +18923,13 @@
           <a:p>
             <a:r>
               <a:rPr lang="en-US" dirty="0">
-                <a:hlinkClick r:id="rId4"/>
+                <a:hlinkClick r:id="rId5"/>
               </a:rPr>
-              <a:t>https://caniuse.com/mdn-http_headers_clear-site-data_cache</a:t>
-            </a:r>
-            <a:r>
-              <a:rPr lang="en-US" dirty="0"/>
-              <a:t> </a:t>
+              <a:t>https://caniuse.com/mdn-http_headers_clear-site-data_executioncontexts</a:t>
+            </a:r>
+            <a:r>
+              <a:rPr lang="en-US" dirty="0"/>
+              <a:t>  </a:t>
             </a:r>
           </a:p>
         </p:txBody>
@@ -18758,7 +18937,7 @@
     </p:spTree>
     <p:extLst>
       <p:ext uri="{BB962C8B-B14F-4D97-AF65-F5344CB8AC3E}">
-        <p14:creationId xmlns:p14="http://schemas.microsoft.com/office/powerpoint/2010/main" val="3248190943"/>
+        <p14:creationId xmlns:p14="http://schemas.microsoft.com/office/powerpoint/2010/main" val="1202109400"/>
       </p:ext>
     </p:extLst>
   </p:cSld>
@@ -18921,10 +19100,10 @@
       </p:sp>
       <p:pic>
         <p:nvPicPr>
-          <p:cNvPr id="7" name="Picture 6">
-            <a:extLst>
-              <a:ext uri="{FF2B5EF4-FFF2-40B4-BE49-F238E27FC236}">
-                <a16:creationId xmlns:a16="http://schemas.microsoft.com/office/drawing/2014/main" id="{8679EB79-D8B0-6E77-D6F0-F0DA02E08585}"/>
+          <p:cNvPr id="9" name="Picture 8">
+            <a:extLst>
+              <a:ext uri="{FF2B5EF4-FFF2-40B4-BE49-F238E27FC236}">
+                <a16:creationId xmlns:a16="http://schemas.microsoft.com/office/drawing/2014/main" id="{4AEFE767-9F61-1ACA-390B-AAFDCFAEC9A6}"/>
               </a:ext>
             </a:extLst>
           </p:cNvPr>
@@ -18941,8 +19120,8 @@
         </p:blipFill>
         <p:spPr>
           <a:xfrm>
-            <a:off x="838200" y="1533995"/>
-            <a:ext cx="10602805" cy="4629796"/>
+            <a:off x="2622921" y="1311441"/>
+            <a:ext cx="7722283" cy="4917911"/>
           </a:xfrm>
           <a:prstGeom prst="rect">
             <a:avLst/>
@@ -18951,10 +19130,10 @@
       </p:pic>
       <p:sp>
         <p:nvSpPr>
-          <p:cNvPr id="10" name="TextBox 9">
-            <a:extLst>
-              <a:ext uri="{FF2B5EF4-FFF2-40B4-BE49-F238E27FC236}">
-                <a16:creationId xmlns:a16="http://schemas.microsoft.com/office/drawing/2014/main" id="{A5F0D4F3-9D3B-0BD8-224F-776FAB0CCEEA}"/>
+          <p:cNvPr id="13" name="TextBox 12">
+            <a:extLst>
+              <a:ext uri="{FF2B5EF4-FFF2-40B4-BE49-F238E27FC236}">
+                <a16:creationId xmlns:a16="http://schemas.microsoft.com/office/drawing/2014/main" id="{259AAF73-CE4B-7FDC-10A9-07B1D361951E}"/>
               </a:ext>
             </a:extLst>
           </p:cNvPr>
@@ -18981,7 +19160,7 @@
               <a:rPr lang="en-US" dirty="0">
                 <a:hlinkClick r:id="rId4"/>
               </a:rPr>
-              <a:t>https://caniuse.com/mdn-http_headers_clear-site-data_cookies</a:t>
+              <a:t>https://caniuse.com/mdn-http_headers_clear-site-data_cache</a:t>
             </a:r>
             <a:r>
               <a:rPr lang="en-US" dirty="0"/>
@@ -18993,7 +19172,7 @@
     </p:spTree>
     <p:extLst>
       <p:ext uri="{BB962C8B-B14F-4D97-AF65-F5344CB8AC3E}">
-        <p14:creationId xmlns:p14="http://schemas.microsoft.com/office/powerpoint/2010/main" val="2975788951"/>
+        <p14:creationId xmlns:p14="http://schemas.microsoft.com/office/powerpoint/2010/main" val="3248190943"/>
       </p:ext>
     </p:extLst>
   </p:cSld>
@@ -19154,53 +19333,12 @@
           </a:p>
         </p:txBody>
       </p:sp>
-      <p:sp>
-        <p:nvSpPr>
-          <p:cNvPr id="10" name="TextBox 9">
-            <a:extLst>
-              <a:ext uri="{FF2B5EF4-FFF2-40B4-BE49-F238E27FC236}">
-                <a16:creationId xmlns:a16="http://schemas.microsoft.com/office/drawing/2014/main" id="{A5F0D4F3-9D3B-0BD8-224F-776FAB0CCEEA}"/>
-              </a:ext>
-            </a:extLst>
-          </p:cNvPr>
-          <p:cNvSpPr txBox="1"/>
-          <p:nvPr/>
-        </p:nvSpPr>
-        <p:spPr>
-          <a:xfrm>
-            <a:off x="4028304" y="6199355"/>
-            <a:ext cx="8229600" cy="369332"/>
-          </a:xfrm>
-          <a:prstGeom prst="rect">
-            <a:avLst/>
-          </a:prstGeom>
-          <a:noFill/>
-        </p:spPr>
-        <p:txBody>
-          <a:bodyPr wrap="square" rtlCol="0">
-            <a:spAutoFit/>
-          </a:bodyPr>
-          <a:lstStyle/>
-          <a:p>
-            <a:r>
-              <a:rPr lang="en-US" dirty="0">
-                <a:hlinkClick r:id="rId3"/>
-              </a:rPr>
-              <a:t>https://caniuse.com/mdn-http_headers_clear-site-data_storage</a:t>
-            </a:r>
-            <a:r>
-              <a:rPr lang="en-US" dirty="0"/>
-              <a:t> </a:t>
-            </a:r>
-          </a:p>
-        </p:txBody>
-      </p:sp>
       <p:pic>
         <p:nvPicPr>
-          <p:cNvPr id="8" name="Picture 7">
-            <a:extLst>
-              <a:ext uri="{FF2B5EF4-FFF2-40B4-BE49-F238E27FC236}">
-                <a16:creationId xmlns:a16="http://schemas.microsoft.com/office/drawing/2014/main" id="{AF06B585-048C-25FB-BD73-58DD65F0CADE}"/>
+          <p:cNvPr id="7" name="Picture 6">
+            <a:extLst>
+              <a:ext uri="{FF2B5EF4-FFF2-40B4-BE49-F238E27FC236}">
+                <a16:creationId xmlns:a16="http://schemas.microsoft.com/office/drawing/2014/main" id="{8679EB79-D8B0-6E77-D6F0-F0DA02E08585}"/>
               </a:ext>
             </a:extLst>
           </p:cNvPr>
@@ -19210,25 +19348,66 @@
           <p:nvPr/>
         </p:nvPicPr>
         <p:blipFill>
-          <a:blip r:embed="rId4"/>
+          <a:blip r:embed="rId3"/>
           <a:stretch>
             <a:fillRect/>
           </a:stretch>
         </p:blipFill>
         <p:spPr>
           <a:xfrm>
-            <a:off x="789834" y="1460261"/>
-            <a:ext cx="10612331" cy="4620270"/>
+            <a:off x="838200" y="1533995"/>
+            <a:ext cx="10602805" cy="4629796"/>
           </a:xfrm>
           <a:prstGeom prst="rect">
             <a:avLst/>
           </a:prstGeom>
         </p:spPr>
       </p:pic>
+      <p:sp>
+        <p:nvSpPr>
+          <p:cNvPr id="10" name="TextBox 9">
+            <a:extLst>
+              <a:ext uri="{FF2B5EF4-FFF2-40B4-BE49-F238E27FC236}">
+                <a16:creationId xmlns:a16="http://schemas.microsoft.com/office/drawing/2014/main" id="{A5F0D4F3-9D3B-0BD8-224F-776FAB0CCEEA}"/>
+              </a:ext>
+            </a:extLst>
+          </p:cNvPr>
+          <p:cNvSpPr txBox="1"/>
+          <p:nvPr/>
+        </p:nvSpPr>
+        <p:spPr>
+          <a:xfrm>
+            <a:off x="4028304" y="6199355"/>
+            <a:ext cx="8229600" cy="369332"/>
+          </a:xfrm>
+          <a:prstGeom prst="rect">
+            <a:avLst/>
+          </a:prstGeom>
+          <a:noFill/>
+        </p:spPr>
+        <p:txBody>
+          <a:bodyPr wrap="square" rtlCol="0">
+            <a:spAutoFit/>
+          </a:bodyPr>
+          <a:lstStyle/>
+          <a:p>
+            <a:r>
+              <a:rPr lang="en-US" dirty="0">
+                <a:hlinkClick r:id="rId4"/>
+              </a:rPr>
+              <a:t>https://caniuse.com/mdn-http_headers_clear-site-data_cookies</a:t>
+            </a:r>
+            <a:r>
+              <a:rPr lang="en-US" dirty="0"/>
+              <a:t> </a:t>
+            </a:r>
+          </a:p>
+        </p:txBody>
+      </p:sp>
     </p:spTree>
     <p:extLst>
       <p:ext uri="{BB962C8B-B14F-4D97-AF65-F5344CB8AC3E}">
-        <p14:creationId xmlns:p14="http://schemas.microsoft.com/office/powerpoint/2010/main" val="3603649283"/>
+        <p14:creationId xmlns:p14="http://schemas.microsoft.com/office/powerpoint/2010/main" val="2975788951"/>
       </p:ext>
     </p:extLst>
   </p:cSld>
@@ -19290,6 +19469,241 @@
       </p:sp>
       <p:sp>
         <p:nvSpPr>
+          <p:cNvPr id="4" name="Date Placeholder 3">
+            <a:extLst>
+              <a:ext uri="{FF2B5EF4-FFF2-40B4-BE49-F238E27FC236}">
+                <a16:creationId xmlns:a16="http://schemas.microsoft.com/office/drawing/2014/main" id="{70E12647-CCB2-45E2-A9CB-A868F490497E}"/>
+              </a:ext>
+            </a:extLst>
+          </p:cNvPr>
+          <p:cNvSpPr>
+            <a:spLocks noGrp="1"/>
+          </p:cNvSpPr>
+          <p:nvPr>
+            <p:ph type="dt" sz="half" idx="10"/>
+          </p:nvPr>
+        </p:nvSpPr>
+        <p:spPr>
+          <a:xfrm>
+            <a:off x="838200" y="6356350"/>
+            <a:ext cx="1219200" cy="365125"/>
+          </a:xfrm>
+        </p:spPr>
+        <p:txBody>
+          <a:bodyPr/>
+          <a:lstStyle/>
+          <a:p>
+            <a:r>
+              <a:rPr lang="en-US" dirty="0"/>
+              <a:t>20XX</a:t>
+            </a:r>
+          </a:p>
+        </p:txBody>
+      </p:sp>
+      <p:sp>
+        <p:nvSpPr>
+          <p:cNvPr id="5" name="Footer Placeholder 4">
+            <a:extLst>
+              <a:ext uri="{FF2B5EF4-FFF2-40B4-BE49-F238E27FC236}">
+                <a16:creationId xmlns:a16="http://schemas.microsoft.com/office/drawing/2014/main" id="{8D51ED20-04D4-4894-B0C2-9C541A61A734}"/>
+              </a:ext>
+            </a:extLst>
+          </p:cNvPr>
+          <p:cNvSpPr>
+            <a:spLocks noGrp="1"/>
+          </p:cNvSpPr>
+          <p:nvPr>
+            <p:ph type="ftr" sz="quarter" idx="11"/>
+          </p:nvPr>
+        </p:nvSpPr>
+        <p:spPr>
+          <a:xfrm>
+            <a:off x="2463800" y="6356350"/>
+            <a:ext cx="3479800" cy="365125"/>
+          </a:xfrm>
+        </p:spPr>
+        <p:txBody>
+          <a:bodyPr/>
+          <a:lstStyle/>
+          <a:p>
+            <a:r>
+              <a:rPr lang="en-US" dirty="0"/>
+              <a:t>PRESENTATION TITLE</a:t>
+            </a:r>
+          </a:p>
+        </p:txBody>
+      </p:sp>
+      <p:sp>
+        <p:nvSpPr>
+          <p:cNvPr id="6" name="Slide Number Placeholder 5">
+            <a:extLst>
+              <a:ext uri="{FF2B5EF4-FFF2-40B4-BE49-F238E27FC236}">
+                <a16:creationId xmlns:a16="http://schemas.microsoft.com/office/drawing/2014/main" id="{7BC1787E-7110-4989-B0B8-DD4E0ACC09DF}"/>
+              </a:ext>
+            </a:extLst>
+          </p:cNvPr>
+          <p:cNvSpPr>
+            <a:spLocks noGrp="1"/>
+          </p:cNvSpPr>
+          <p:nvPr>
+            <p:ph type="sldNum" sz="quarter" idx="12"/>
+          </p:nvPr>
+        </p:nvSpPr>
+        <p:spPr>
+          <a:xfrm>
+            <a:off x="8610600" y="6356350"/>
+            <a:ext cx="2743200" cy="365125"/>
+          </a:xfrm>
+        </p:spPr>
+        <p:txBody>
+          <a:bodyPr/>
+          <a:lstStyle/>
+          <a:p>
+            <a:fld id="{A49DFD55-3C28-40EF-9E31-A92D2E4017FF}" type="slidenum">
+              <a:rPr lang="en-US" smtClean="0"/>
+              <a:pPr/>
+              <a:t>27</a:t>
+            </a:fld>
+            <a:endParaRPr lang="en-US" dirty="0"/>
+          </a:p>
+        </p:txBody>
+      </p:sp>
+      <p:sp>
+        <p:nvSpPr>
+          <p:cNvPr id="10" name="TextBox 9">
+            <a:extLst>
+              <a:ext uri="{FF2B5EF4-FFF2-40B4-BE49-F238E27FC236}">
+                <a16:creationId xmlns:a16="http://schemas.microsoft.com/office/drawing/2014/main" id="{A5F0D4F3-9D3B-0BD8-224F-776FAB0CCEEA}"/>
+              </a:ext>
+            </a:extLst>
+          </p:cNvPr>
+          <p:cNvSpPr txBox="1"/>
+          <p:nvPr/>
+        </p:nvSpPr>
+        <p:spPr>
+          <a:xfrm>
+            <a:off x="4028304" y="6199355"/>
+            <a:ext cx="8229600" cy="369332"/>
+          </a:xfrm>
+          <a:prstGeom prst="rect">
+            <a:avLst/>
+          </a:prstGeom>
+          <a:noFill/>
+        </p:spPr>
+        <p:txBody>
+          <a:bodyPr wrap="square" rtlCol="0">
+            <a:spAutoFit/>
+          </a:bodyPr>
+          <a:lstStyle/>
+          <a:p>
+            <a:r>
+              <a:rPr lang="en-US" dirty="0">
+                <a:hlinkClick r:id="rId3"/>
+              </a:rPr>
+              <a:t>https://caniuse.com/mdn-http_headers_clear-site-data_storage</a:t>
+            </a:r>
+            <a:r>
+              <a:rPr lang="en-US" dirty="0"/>
+              <a:t> </a:t>
+            </a:r>
+          </a:p>
+        </p:txBody>
+      </p:sp>
+      <p:pic>
+        <p:nvPicPr>
+          <p:cNvPr id="8" name="Picture 7">
+            <a:extLst>
+              <a:ext uri="{FF2B5EF4-FFF2-40B4-BE49-F238E27FC236}">
+                <a16:creationId xmlns:a16="http://schemas.microsoft.com/office/drawing/2014/main" id="{AF06B585-048C-25FB-BD73-58DD65F0CADE}"/>
+              </a:ext>
+            </a:extLst>
+          </p:cNvPr>
+          <p:cNvPicPr>
+            <a:picLocks noChangeAspect="1"/>
+          </p:cNvPicPr>
+          <p:nvPr/>
+        </p:nvPicPr>
+        <p:blipFill>
+          <a:blip r:embed="rId4"/>
+          <a:stretch>
+            <a:fillRect/>
+          </a:stretch>
+        </p:blipFill>
+        <p:spPr>
+          <a:xfrm>
+            <a:off x="789834" y="1460261"/>
+            <a:ext cx="10612331" cy="4620270"/>
+          </a:xfrm>
+          <a:prstGeom prst="rect">
+            <a:avLst/>
+          </a:prstGeom>
+        </p:spPr>
+      </p:pic>
+    </p:spTree>
+    <p:extLst>
+      <p:ext uri="{BB962C8B-B14F-4D97-AF65-F5344CB8AC3E}">
+        <p14:creationId xmlns:p14="http://schemas.microsoft.com/office/powerpoint/2010/main" val="3603649283"/>
+      </p:ext>
+    </p:extLst>
+  </p:cSld>
+  <p:clrMapOvr>
+    <a:masterClrMapping/>
+  </p:clrMapOvr>
+</p:sld>
+</file>
+
+<file path=ppt/slides/slide28.xml><?xml version="1.0" encoding="utf-8"?>
+<p:sld xmlns:a="http://schemas.openxmlformats.org/drawingml/2006/main" xmlns:r="http://schemas.openxmlformats.org/officeDocument/2006/relationships" xmlns:p="http://schemas.openxmlformats.org/presentationml/2006/main">
+  <p:cSld>
+    <p:spTree>
+      <p:nvGrpSpPr>
+        <p:cNvPr id="1" name=""/>
+        <p:cNvGrpSpPr/>
+        <p:nvPr/>
+      </p:nvGrpSpPr>
+      <p:grpSpPr>
+        <a:xfrm>
+          <a:off x="0" y="0"/>
+          <a:ext cx="0" cy="0"/>
+          <a:chOff x="0" y="0"/>
+          <a:chExt cx="0" cy="0"/>
+        </a:xfrm>
+      </p:grpSpPr>
+      <p:sp>
+        <p:nvSpPr>
+          <p:cNvPr id="2" name="Title 1">
+            <a:extLst>
+              <a:ext uri="{FF2B5EF4-FFF2-40B4-BE49-F238E27FC236}">
+                <a16:creationId xmlns:a16="http://schemas.microsoft.com/office/drawing/2014/main" id="{0A32731C-311B-46F7-A865-6C3AF6B09A47}"/>
+              </a:ext>
+            </a:extLst>
+          </p:cNvPr>
+          <p:cNvSpPr>
+            <a:spLocks noGrp="1"/>
+          </p:cNvSpPr>
+          <p:nvPr>
+            <p:ph type="title"/>
+          </p:nvPr>
+        </p:nvSpPr>
+        <p:spPr>
+          <a:xfrm>
+            <a:off x="134636" y="136525"/>
+            <a:ext cx="11711375" cy="1204912"/>
+          </a:xfrm>
+        </p:spPr>
+        <p:txBody>
+          <a:bodyPr/>
+          <a:lstStyle/>
+          <a:p>
+            <a:r>
+              <a:rPr lang="en-US" dirty="0"/>
+              <a:t>Part 4 - Focus on some situation</a:t>
+            </a:r>
+          </a:p>
+        </p:txBody>
+      </p:sp>
+      <p:sp>
+        <p:nvSpPr>
           <p:cNvPr id="3" name="Text Placeholder 2">
             <a:extLst>
               <a:ext uri="{FF2B5EF4-FFF2-40B4-BE49-F238E27FC236}">
@@ -19527,7 +19941,7 @@
             <a:fld id="{A49DFD55-3C28-40EF-9E31-A92D2E4017FF}" type="slidenum">
               <a:rPr lang="en-US" smtClean="0"/>
               <a:pPr/>
-              <a:t>27</a:t>
+              <a:t>28</a:t>
             </a:fld>
             <a:endParaRPr lang="en-US" dirty="0"/>
           </a:p>
@@ -19647,7 +20061,7 @@
 </p:sld>
 </file>
 
-<file path=ppt/slides/slide28.xml><?xml version="1.0" encoding="utf-8"?>
+<file path=ppt/slides/slide29.xml><?xml version="1.0" encoding="utf-8"?>
 <p:sld xmlns:a="http://schemas.openxmlformats.org/drawingml/2006/main" xmlns:r="http://schemas.openxmlformats.org/officeDocument/2006/relationships" xmlns:p="http://schemas.openxmlformats.org/presentationml/2006/main">
   <p:cSld>
     <p:spTree>
@@ -19885,7 +20299,7 @@
             <a:fld id="{A49DFD55-3C28-40EF-9E31-A92D2E4017FF}" type="slidenum">
               <a:rPr lang="en-US" smtClean="0"/>
               <a:pPr/>
-              <a:t>28</a:t>
+              <a:t>29</a:t>
             </a:fld>
             <a:endParaRPr lang="en-US" dirty="0"/>
           </a:p>
@@ -20212,341 +20626,6 @@
 </p:sld>
 </file>
 
-<file path=ppt/slides/slide29.xml><?xml version="1.0" encoding="utf-8"?>
-<p:sld xmlns:a="http://schemas.openxmlformats.org/drawingml/2006/main" xmlns:r="http://schemas.openxmlformats.org/officeDocument/2006/relationships" xmlns:p="http://schemas.openxmlformats.org/presentationml/2006/main">
-  <p:cSld>
-    <p:spTree>
-      <p:nvGrpSpPr>
-        <p:cNvPr id="1" name=""/>
-        <p:cNvGrpSpPr/>
-        <p:nvPr/>
-      </p:nvGrpSpPr>
-      <p:grpSpPr>
-        <a:xfrm>
-          <a:off x="0" y="0"/>
-          <a:ext cx="0" cy="0"/>
-          <a:chOff x="0" y="0"/>
-          <a:chExt cx="0" cy="0"/>
-        </a:xfrm>
-      </p:grpSpPr>
-      <p:sp>
-        <p:nvSpPr>
-          <p:cNvPr id="2" name="Title 1">
-            <a:extLst>
-              <a:ext uri="{FF2B5EF4-FFF2-40B4-BE49-F238E27FC236}">
-                <a16:creationId xmlns:a16="http://schemas.microsoft.com/office/drawing/2014/main" id="{0A32731C-311B-46F7-A865-6C3AF6B09A47}"/>
-              </a:ext>
-            </a:extLst>
-          </p:cNvPr>
-          <p:cNvSpPr>
-            <a:spLocks noGrp="1"/>
-          </p:cNvSpPr>
-          <p:nvPr>
-            <p:ph type="title"/>
-          </p:nvPr>
-        </p:nvSpPr>
-        <p:spPr>
-          <a:xfrm>
-            <a:off x="134636" y="136525"/>
-            <a:ext cx="11711375" cy="1204912"/>
-          </a:xfrm>
-        </p:spPr>
-        <p:txBody>
-          <a:bodyPr/>
-          <a:lstStyle/>
-          <a:p>
-            <a:r>
-              <a:rPr lang="en-US" dirty="0"/>
-              <a:t>Part 4 - Focus on some situation</a:t>
-            </a:r>
-          </a:p>
-        </p:txBody>
-      </p:sp>
-      <p:sp>
-        <p:nvSpPr>
-          <p:cNvPr id="4" name="Date Placeholder 3">
-            <a:extLst>
-              <a:ext uri="{FF2B5EF4-FFF2-40B4-BE49-F238E27FC236}">
-                <a16:creationId xmlns:a16="http://schemas.microsoft.com/office/drawing/2014/main" id="{70E12647-CCB2-45E2-A9CB-A868F490497E}"/>
-              </a:ext>
-            </a:extLst>
-          </p:cNvPr>
-          <p:cNvSpPr>
-            <a:spLocks noGrp="1"/>
-          </p:cNvSpPr>
-          <p:nvPr>
-            <p:ph type="dt" sz="half" idx="10"/>
-          </p:nvPr>
-        </p:nvSpPr>
-        <p:spPr>
-          <a:xfrm>
-            <a:off x="838200" y="6356350"/>
-            <a:ext cx="1219200" cy="365125"/>
-          </a:xfrm>
-        </p:spPr>
-        <p:txBody>
-          <a:bodyPr/>
-          <a:lstStyle/>
-          <a:p>
-            <a:r>
-              <a:rPr lang="en-US" dirty="0"/>
-              <a:t>20XX</a:t>
-            </a:r>
-          </a:p>
-        </p:txBody>
-      </p:sp>
-      <p:sp>
-        <p:nvSpPr>
-          <p:cNvPr id="5" name="Footer Placeholder 4">
-            <a:extLst>
-              <a:ext uri="{FF2B5EF4-FFF2-40B4-BE49-F238E27FC236}">
-                <a16:creationId xmlns:a16="http://schemas.microsoft.com/office/drawing/2014/main" id="{8D51ED20-04D4-4894-B0C2-9C541A61A734}"/>
-              </a:ext>
-            </a:extLst>
-          </p:cNvPr>
-          <p:cNvSpPr>
-            <a:spLocks noGrp="1"/>
-          </p:cNvSpPr>
-          <p:nvPr>
-            <p:ph type="ftr" sz="quarter" idx="11"/>
-          </p:nvPr>
-        </p:nvSpPr>
-        <p:spPr>
-          <a:xfrm>
-            <a:off x="2463800" y="6356350"/>
-            <a:ext cx="3479800" cy="365125"/>
-          </a:xfrm>
-        </p:spPr>
-        <p:txBody>
-          <a:bodyPr/>
-          <a:lstStyle/>
-          <a:p>
-            <a:r>
-              <a:rPr lang="en-US" dirty="0"/>
-              <a:t>PRESENTATION TITLE</a:t>
-            </a:r>
-          </a:p>
-        </p:txBody>
-      </p:sp>
-      <p:sp>
-        <p:nvSpPr>
-          <p:cNvPr id="6" name="Slide Number Placeholder 5">
-            <a:extLst>
-              <a:ext uri="{FF2B5EF4-FFF2-40B4-BE49-F238E27FC236}">
-                <a16:creationId xmlns:a16="http://schemas.microsoft.com/office/drawing/2014/main" id="{7BC1787E-7110-4989-B0B8-DD4E0ACC09DF}"/>
-              </a:ext>
-            </a:extLst>
-          </p:cNvPr>
-          <p:cNvSpPr>
-            <a:spLocks noGrp="1"/>
-          </p:cNvSpPr>
-          <p:nvPr>
-            <p:ph type="sldNum" sz="quarter" idx="12"/>
-          </p:nvPr>
-        </p:nvSpPr>
-        <p:spPr>
-          <a:xfrm>
-            <a:off x="8610600" y="6356350"/>
-            <a:ext cx="2743200" cy="365125"/>
-          </a:xfrm>
-        </p:spPr>
-        <p:txBody>
-          <a:bodyPr/>
-          <a:lstStyle/>
-          <a:p>
-            <a:fld id="{A49DFD55-3C28-40EF-9E31-A92D2E4017FF}" type="slidenum">
-              <a:rPr lang="en-US" smtClean="0"/>
-              <a:pPr/>
-              <a:t>29</a:t>
-            </a:fld>
-            <a:endParaRPr lang="en-US" dirty="0"/>
-          </a:p>
-        </p:txBody>
-      </p:sp>
-      <p:sp>
-        <p:nvSpPr>
-          <p:cNvPr id="17" name="TextBox 16">
-            <a:extLst>
-              <a:ext uri="{FF2B5EF4-FFF2-40B4-BE49-F238E27FC236}">
-                <a16:creationId xmlns:a16="http://schemas.microsoft.com/office/drawing/2014/main" id="{A91CE4A8-464A-688F-4552-7720ED35763B}"/>
-              </a:ext>
-            </a:extLst>
-          </p:cNvPr>
-          <p:cNvSpPr txBox="1"/>
-          <p:nvPr/>
-        </p:nvSpPr>
-        <p:spPr>
-          <a:xfrm>
-            <a:off x="134636" y="1379122"/>
-            <a:ext cx="11922728" cy="369332"/>
-          </a:xfrm>
-          <a:prstGeom prst="rect">
-            <a:avLst/>
-          </a:prstGeom>
-          <a:noFill/>
-        </p:spPr>
-        <p:txBody>
-          <a:bodyPr wrap="square" rtlCol="0">
-            <a:spAutoFit/>
-          </a:bodyPr>
-          <a:lstStyle/>
-          <a:p>
-            <a:r>
-              <a:rPr lang="en-US" dirty="0"/>
-              <a:t>Back to our XSS problem, we try the following CSP policy: </a:t>
-            </a:r>
-            <a:r>
-              <a:rPr lang="en-US" b="1" i="1" dirty="0"/>
-              <a:t>default-</a:t>
-            </a:r>
-            <a:r>
-              <a:rPr lang="en-US" b="1" i="1" dirty="0" err="1"/>
-              <a:t>src</a:t>
-            </a:r>
-            <a:r>
-              <a:rPr lang="en-US" b="1" i="1" dirty="0"/>
-              <a:t> 'self'; script-</a:t>
-            </a:r>
-            <a:r>
-              <a:rPr lang="en-US" b="1" i="1" dirty="0" err="1"/>
-              <a:t>src</a:t>
-            </a:r>
-            <a:r>
-              <a:rPr lang="en-US" b="1" i="1" dirty="0"/>
-              <a:t> 'self' 'unsafe-inline'</a:t>
-            </a:r>
-          </a:p>
-        </p:txBody>
-      </p:sp>
-      <p:pic>
-        <p:nvPicPr>
-          <p:cNvPr id="11" name="Picture 10">
-            <a:extLst>
-              <a:ext uri="{FF2B5EF4-FFF2-40B4-BE49-F238E27FC236}">
-                <a16:creationId xmlns:a16="http://schemas.microsoft.com/office/drawing/2014/main" id="{5F71C8A5-D03B-A582-861E-DB0EF5BFEF43}"/>
-              </a:ext>
-            </a:extLst>
-          </p:cNvPr>
-          <p:cNvPicPr>
-            <a:picLocks noChangeAspect="1"/>
-          </p:cNvPicPr>
-          <p:nvPr/>
-        </p:nvPicPr>
-        <p:blipFill>
-          <a:blip r:embed="rId3"/>
-          <a:stretch>
-            <a:fillRect/>
-          </a:stretch>
-        </p:blipFill>
-        <p:spPr>
-          <a:xfrm>
-            <a:off x="446886" y="1987768"/>
-            <a:ext cx="11298227" cy="4420217"/>
-          </a:xfrm>
-          <a:prstGeom prst="rect">
-            <a:avLst/>
-          </a:prstGeom>
-        </p:spPr>
-      </p:pic>
-      <p:pic>
-        <p:nvPicPr>
-          <p:cNvPr id="15" name="Picture 14">
-            <a:extLst>
-              <a:ext uri="{FF2B5EF4-FFF2-40B4-BE49-F238E27FC236}">
-                <a16:creationId xmlns:a16="http://schemas.microsoft.com/office/drawing/2014/main" id="{B57772A6-1BF6-F045-6544-EFB91A03A1FB}"/>
-              </a:ext>
-            </a:extLst>
-          </p:cNvPr>
-          <p:cNvPicPr>
-            <a:picLocks noChangeAspect="1"/>
-          </p:cNvPicPr>
-          <p:nvPr/>
-        </p:nvPicPr>
-        <p:blipFill>
-          <a:blip r:embed="rId4"/>
-          <a:stretch>
-            <a:fillRect/>
-          </a:stretch>
-        </p:blipFill>
-        <p:spPr>
-          <a:xfrm>
-            <a:off x="547784" y="6517282"/>
-            <a:ext cx="11298227" cy="261257"/>
-          </a:xfrm>
-          <a:prstGeom prst="rect">
-            <a:avLst/>
-          </a:prstGeom>
-        </p:spPr>
-      </p:pic>
-      <p:sp>
-        <p:nvSpPr>
-          <p:cNvPr id="16" name="Rectangle: Rounded Corners 15">
-            <a:extLst>
-              <a:ext uri="{FF2B5EF4-FFF2-40B4-BE49-F238E27FC236}">
-                <a16:creationId xmlns:a16="http://schemas.microsoft.com/office/drawing/2014/main" id="{D40E963F-08A1-E46B-6878-660482F4692B}"/>
-              </a:ext>
-            </a:extLst>
-          </p:cNvPr>
-          <p:cNvSpPr/>
-          <p:nvPr/>
-        </p:nvSpPr>
-        <p:spPr>
-          <a:xfrm>
-            <a:off x="3781168" y="2907957"/>
-            <a:ext cx="5016843" cy="298622"/>
-          </a:xfrm>
-          <a:prstGeom prst="roundRect">
-            <a:avLst/>
-          </a:prstGeom>
-        </p:spPr>
-        <p:style>
-          <a:lnRef idx="2">
-            <a:schemeClr val="accent6">
-              <a:shade val="50000"/>
-            </a:schemeClr>
-          </a:lnRef>
-          <a:fillRef idx="1">
-            <a:schemeClr val="accent6"/>
-          </a:fillRef>
-          <a:effectRef idx="0">
-            <a:schemeClr val="accent6"/>
-          </a:effectRef>
-          <a:fontRef idx="minor">
-            <a:schemeClr val="lt1"/>
-          </a:fontRef>
-        </p:style>
-        <p:txBody>
-          <a:bodyPr rtlCol="0" anchor="ctr"/>
-          <a:lstStyle/>
-          <a:p>
-            <a:pPr algn="ctr"/>
-            <a:r>
-              <a:rPr lang="en-US" dirty="0"/>
-              <a:t>We successfully blocked the attack </a:t>
-            </a:r>
-            <a:r>
-              <a:rPr lang="en-US" dirty="0">
-                <a:sym typeface="Wingdings" panose="05000000000000000000" pitchFamily="2" charset="2"/>
-              </a:rPr>
-              <a:t></a:t>
-            </a:r>
-            <a:endParaRPr lang="en-US" dirty="0"/>
-          </a:p>
-        </p:txBody>
-      </p:sp>
-    </p:spTree>
-    <p:extLst>
-      <p:ext uri="{BB962C8B-B14F-4D97-AF65-F5344CB8AC3E}">
-        <p14:creationId xmlns:p14="http://schemas.microsoft.com/office/powerpoint/2010/main" val="2063821180"/>
-      </p:ext>
-    </p:extLst>
-  </p:cSld>
-  <p:clrMapOvr>
-    <a:masterClrMapping/>
-  </p:clrMapOvr>
-</p:sld>
-</file>
-
 <file path=ppt/slides/slide3.xml><?xml version="1.0" encoding="utf-8"?>
 <p:sld xmlns:a="http://schemas.openxmlformats.org/drawingml/2006/main" xmlns:r="http://schemas.openxmlformats.org/officeDocument/2006/relationships" xmlns:p="http://schemas.openxmlformats.org/presentationml/2006/main">
   <p:cSld>
@@ -21020,6 +21099,341 @@
         </p:nvSpPr>
         <p:spPr>
           <a:xfrm>
+            <a:off x="134636" y="1379122"/>
+            <a:ext cx="11922728" cy="369332"/>
+          </a:xfrm>
+          <a:prstGeom prst="rect">
+            <a:avLst/>
+          </a:prstGeom>
+          <a:noFill/>
+        </p:spPr>
+        <p:txBody>
+          <a:bodyPr wrap="square" rtlCol="0">
+            <a:spAutoFit/>
+          </a:bodyPr>
+          <a:lstStyle/>
+          <a:p>
+            <a:r>
+              <a:rPr lang="en-US" dirty="0"/>
+              <a:t>Back to our XSS problem, we try the following CSP policy: </a:t>
+            </a:r>
+            <a:r>
+              <a:rPr lang="en-US" b="1" i="1" dirty="0"/>
+              <a:t>default-</a:t>
+            </a:r>
+            <a:r>
+              <a:rPr lang="en-US" b="1" i="1" dirty="0" err="1"/>
+              <a:t>src</a:t>
+            </a:r>
+            <a:r>
+              <a:rPr lang="en-US" b="1" i="1" dirty="0"/>
+              <a:t> 'self'; script-</a:t>
+            </a:r>
+            <a:r>
+              <a:rPr lang="en-US" b="1" i="1" dirty="0" err="1"/>
+              <a:t>src</a:t>
+            </a:r>
+            <a:r>
+              <a:rPr lang="en-US" b="1" i="1" dirty="0"/>
+              <a:t> 'self' 'unsafe-inline'</a:t>
+            </a:r>
+          </a:p>
+        </p:txBody>
+      </p:sp>
+      <p:pic>
+        <p:nvPicPr>
+          <p:cNvPr id="11" name="Picture 10">
+            <a:extLst>
+              <a:ext uri="{FF2B5EF4-FFF2-40B4-BE49-F238E27FC236}">
+                <a16:creationId xmlns:a16="http://schemas.microsoft.com/office/drawing/2014/main" id="{5F71C8A5-D03B-A582-861E-DB0EF5BFEF43}"/>
+              </a:ext>
+            </a:extLst>
+          </p:cNvPr>
+          <p:cNvPicPr>
+            <a:picLocks noChangeAspect="1"/>
+          </p:cNvPicPr>
+          <p:nvPr/>
+        </p:nvPicPr>
+        <p:blipFill>
+          <a:blip r:embed="rId3"/>
+          <a:stretch>
+            <a:fillRect/>
+          </a:stretch>
+        </p:blipFill>
+        <p:spPr>
+          <a:xfrm>
+            <a:off x="446886" y="1987768"/>
+            <a:ext cx="11298227" cy="4420217"/>
+          </a:xfrm>
+          <a:prstGeom prst="rect">
+            <a:avLst/>
+          </a:prstGeom>
+        </p:spPr>
+      </p:pic>
+      <p:pic>
+        <p:nvPicPr>
+          <p:cNvPr id="15" name="Picture 14">
+            <a:extLst>
+              <a:ext uri="{FF2B5EF4-FFF2-40B4-BE49-F238E27FC236}">
+                <a16:creationId xmlns:a16="http://schemas.microsoft.com/office/drawing/2014/main" id="{B57772A6-1BF6-F045-6544-EFB91A03A1FB}"/>
+              </a:ext>
+            </a:extLst>
+          </p:cNvPr>
+          <p:cNvPicPr>
+            <a:picLocks noChangeAspect="1"/>
+          </p:cNvPicPr>
+          <p:nvPr/>
+        </p:nvPicPr>
+        <p:blipFill>
+          <a:blip r:embed="rId4"/>
+          <a:stretch>
+            <a:fillRect/>
+          </a:stretch>
+        </p:blipFill>
+        <p:spPr>
+          <a:xfrm>
+            <a:off x="547784" y="6517282"/>
+            <a:ext cx="11298227" cy="261257"/>
+          </a:xfrm>
+          <a:prstGeom prst="rect">
+            <a:avLst/>
+          </a:prstGeom>
+        </p:spPr>
+      </p:pic>
+      <p:sp>
+        <p:nvSpPr>
+          <p:cNvPr id="16" name="Rectangle: Rounded Corners 15">
+            <a:extLst>
+              <a:ext uri="{FF2B5EF4-FFF2-40B4-BE49-F238E27FC236}">
+                <a16:creationId xmlns:a16="http://schemas.microsoft.com/office/drawing/2014/main" id="{D40E963F-08A1-E46B-6878-660482F4692B}"/>
+              </a:ext>
+            </a:extLst>
+          </p:cNvPr>
+          <p:cNvSpPr/>
+          <p:nvPr/>
+        </p:nvSpPr>
+        <p:spPr>
+          <a:xfrm>
+            <a:off x="3781168" y="2907957"/>
+            <a:ext cx="5016843" cy="298622"/>
+          </a:xfrm>
+          <a:prstGeom prst="roundRect">
+            <a:avLst/>
+          </a:prstGeom>
+        </p:spPr>
+        <p:style>
+          <a:lnRef idx="2">
+            <a:schemeClr val="accent6">
+              <a:shade val="50000"/>
+            </a:schemeClr>
+          </a:lnRef>
+          <a:fillRef idx="1">
+            <a:schemeClr val="accent6"/>
+          </a:fillRef>
+          <a:effectRef idx="0">
+            <a:schemeClr val="accent6"/>
+          </a:effectRef>
+          <a:fontRef idx="minor">
+            <a:schemeClr val="lt1"/>
+          </a:fontRef>
+        </p:style>
+        <p:txBody>
+          <a:bodyPr rtlCol="0" anchor="ctr"/>
+          <a:lstStyle/>
+          <a:p>
+            <a:pPr algn="ctr"/>
+            <a:r>
+              <a:rPr lang="en-US" dirty="0"/>
+              <a:t>We successfully blocked the attack </a:t>
+            </a:r>
+            <a:r>
+              <a:rPr lang="en-US" dirty="0">
+                <a:sym typeface="Wingdings" panose="05000000000000000000" pitchFamily="2" charset="2"/>
+              </a:rPr>
+              <a:t></a:t>
+            </a:r>
+            <a:endParaRPr lang="en-US" dirty="0"/>
+          </a:p>
+        </p:txBody>
+      </p:sp>
+    </p:spTree>
+    <p:extLst>
+      <p:ext uri="{BB962C8B-B14F-4D97-AF65-F5344CB8AC3E}">
+        <p14:creationId xmlns:p14="http://schemas.microsoft.com/office/powerpoint/2010/main" val="2063821180"/>
+      </p:ext>
+    </p:extLst>
+  </p:cSld>
+  <p:clrMapOvr>
+    <a:masterClrMapping/>
+  </p:clrMapOvr>
+</p:sld>
+</file>
+
+<file path=ppt/slides/slide31.xml><?xml version="1.0" encoding="utf-8"?>
+<p:sld xmlns:a="http://schemas.openxmlformats.org/drawingml/2006/main" xmlns:r="http://schemas.openxmlformats.org/officeDocument/2006/relationships" xmlns:p="http://schemas.openxmlformats.org/presentationml/2006/main">
+  <p:cSld>
+    <p:spTree>
+      <p:nvGrpSpPr>
+        <p:cNvPr id="1" name=""/>
+        <p:cNvGrpSpPr/>
+        <p:nvPr/>
+      </p:nvGrpSpPr>
+      <p:grpSpPr>
+        <a:xfrm>
+          <a:off x="0" y="0"/>
+          <a:ext cx="0" cy="0"/>
+          <a:chOff x="0" y="0"/>
+          <a:chExt cx="0" cy="0"/>
+        </a:xfrm>
+      </p:grpSpPr>
+      <p:sp>
+        <p:nvSpPr>
+          <p:cNvPr id="2" name="Title 1">
+            <a:extLst>
+              <a:ext uri="{FF2B5EF4-FFF2-40B4-BE49-F238E27FC236}">
+                <a16:creationId xmlns:a16="http://schemas.microsoft.com/office/drawing/2014/main" id="{0A32731C-311B-46F7-A865-6C3AF6B09A47}"/>
+              </a:ext>
+            </a:extLst>
+          </p:cNvPr>
+          <p:cNvSpPr>
+            <a:spLocks noGrp="1"/>
+          </p:cNvSpPr>
+          <p:nvPr>
+            <p:ph type="title"/>
+          </p:nvPr>
+        </p:nvSpPr>
+        <p:spPr>
+          <a:xfrm>
+            <a:off x="134636" y="136525"/>
+            <a:ext cx="11711375" cy="1204912"/>
+          </a:xfrm>
+        </p:spPr>
+        <p:txBody>
+          <a:bodyPr/>
+          <a:lstStyle/>
+          <a:p>
+            <a:r>
+              <a:rPr lang="en-US" dirty="0"/>
+              <a:t>Part 4 - Focus on some situation</a:t>
+            </a:r>
+          </a:p>
+        </p:txBody>
+      </p:sp>
+      <p:sp>
+        <p:nvSpPr>
+          <p:cNvPr id="4" name="Date Placeholder 3">
+            <a:extLst>
+              <a:ext uri="{FF2B5EF4-FFF2-40B4-BE49-F238E27FC236}">
+                <a16:creationId xmlns:a16="http://schemas.microsoft.com/office/drawing/2014/main" id="{70E12647-CCB2-45E2-A9CB-A868F490497E}"/>
+              </a:ext>
+            </a:extLst>
+          </p:cNvPr>
+          <p:cNvSpPr>
+            <a:spLocks noGrp="1"/>
+          </p:cNvSpPr>
+          <p:nvPr>
+            <p:ph type="dt" sz="half" idx="10"/>
+          </p:nvPr>
+        </p:nvSpPr>
+        <p:spPr>
+          <a:xfrm>
+            <a:off x="838200" y="6356350"/>
+            <a:ext cx="1219200" cy="365125"/>
+          </a:xfrm>
+        </p:spPr>
+        <p:txBody>
+          <a:bodyPr/>
+          <a:lstStyle/>
+          <a:p>
+            <a:r>
+              <a:rPr lang="en-US" dirty="0"/>
+              <a:t>20XX</a:t>
+            </a:r>
+          </a:p>
+        </p:txBody>
+      </p:sp>
+      <p:sp>
+        <p:nvSpPr>
+          <p:cNvPr id="5" name="Footer Placeholder 4">
+            <a:extLst>
+              <a:ext uri="{FF2B5EF4-FFF2-40B4-BE49-F238E27FC236}">
+                <a16:creationId xmlns:a16="http://schemas.microsoft.com/office/drawing/2014/main" id="{8D51ED20-04D4-4894-B0C2-9C541A61A734}"/>
+              </a:ext>
+            </a:extLst>
+          </p:cNvPr>
+          <p:cNvSpPr>
+            <a:spLocks noGrp="1"/>
+          </p:cNvSpPr>
+          <p:nvPr>
+            <p:ph type="ftr" sz="quarter" idx="11"/>
+          </p:nvPr>
+        </p:nvSpPr>
+        <p:spPr>
+          <a:xfrm>
+            <a:off x="2463800" y="6356350"/>
+            <a:ext cx="3479800" cy="365125"/>
+          </a:xfrm>
+        </p:spPr>
+        <p:txBody>
+          <a:bodyPr/>
+          <a:lstStyle/>
+          <a:p>
+            <a:r>
+              <a:rPr lang="en-US" dirty="0"/>
+              <a:t>PRESENTATION TITLE</a:t>
+            </a:r>
+          </a:p>
+        </p:txBody>
+      </p:sp>
+      <p:sp>
+        <p:nvSpPr>
+          <p:cNvPr id="6" name="Slide Number Placeholder 5">
+            <a:extLst>
+              <a:ext uri="{FF2B5EF4-FFF2-40B4-BE49-F238E27FC236}">
+                <a16:creationId xmlns:a16="http://schemas.microsoft.com/office/drawing/2014/main" id="{7BC1787E-7110-4989-B0B8-DD4E0ACC09DF}"/>
+              </a:ext>
+            </a:extLst>
+          </p:cNvPr>
+          <p:cNvSpPr>
+            <a:spLocks noGrp="1"/>
+          </p:cNvSpPr>
+          <p:nvPr>
+            <p:ph type="sldNum" sz="quarter" idx="12"/>
+          </p:nvPr>
+        </p:nvSpPr>
+        <p:spPr>
+          <a:xfrm>
+            <a:off x="8610600" y="6356350"/>
+            <a:ext cx="2743200" cy="365125"/>
+          </a:xfrm>
+        </p:spPr>
+        <p:txBody>
+          <a:bodyPr/>
+          <a:lstStyle/>
+          <a:p>
+            <a:fld id="{A49DFD55-3C28-40EF-9E31-A92D2E4017FF}" type="slidenum">
+              <a:rPr lang="en-US" smtClean="0"/>
+              <a:pPr/>
+              <a:t>31</a:t>
+            </a:fld>
+            <a:endParaRPr lang="en-US" dirty="0"/>
+          </a:p>
+        </p:txBody>
+      </p:sp>
+      <p:sp>
+        <p:nvSpPr>
+          <p:cNvPr id="17" name="TextBox 16">
+            <a:extLst>
+              <a:ext uri="{FF2B5EF4-FFF2-40B4-BE49-F238E27FC236}">
+                <a16:creationId xmlns:a16="http://schemas.microsoft.com/office/drawing/2014/main" id="{A91CE4A8-464A-688F-4552-7720ED35763B}"/>
+              </a:ext>
+            </a:extLst>
+          </p:cNvPr>
+          <p:cNvSpPr txBox="1"/>
+          <p:nvPr/>
+        </p:nvSpPr>
+        <p:spPr>
+          <a:xfrm>
             <a:off x="134636" y="1341437"/>
             <a:ext cx="11711374" cy="369332"/>
           </a:xfrm>
@@ -21240,7 +21654,7 @@
 </p:sld>
 </file>
 
-<file path=ppt/slides/slide31.xml><?xml version="1.0" encoding="utf-8"?>
+<file path=ppt/slides/slide32.xml><?xml version="1.0" encoding="utf-8"?>
 <p:sld xmlns:a="http://schemas.openxmlformats.org/drawingml/2006/main" xmlns:r="http://schemas.openxmlformats.org/officeDocument/2006/relationships" xmlns:p="http://schemas.openxmlformats.org/presentationml/2006/main">
   <p:cSld>
     <p:spTree>
@@ -21415,7 +21829,7 @@
             <a:fld id="{A49DFD55-3C28-40EF-9E31-A92D2E4017FF}" type="slidenum">
               <a:rPr lang="en-US" smtClean="0"/>
               <a:pPr/>
-              <a:t>31</a:t>
+              <a:t>32</a:t>
             </a:fld>
             <a:endParaRPr lang="en-US" dirty="0"/>
           </a:p>
@@ -21557,241 +21971,6 @@
     <p:extLst>
       <p:ext uri="{BB962C8B-B14F-4D97-AF65-F5344CB8AC3E}">
         <p14:creationId xmlns:p14="http://schemas.microsoft.com/office/powerpoint/2010/main" val="4144179442"/>
-      </p:ext>
-    </p:extLst>
-  </p:cSld>
-  <p:clrMapOvr>
-    <a:masterClrMapping/>
-  </p:clrMapOvr>
-</p:sld>
-</file>
-
-<file path=ppt/slides/slide32.xml><?xml version="1.0" encoding="utf-8"?>
-<p:sld xmlns:a="http://schemas.openxmlformats.org/drawingml/2006/main" xmlns:r="http://schemas.openxmlformats.org/officeDocument/2006/relationships" xmlns:p="http://schemas.openxmlformats.org/presentationml/2006/main">
-  <p:cSld>
-    <p:spTree>
-      <p:nvGrpSpPr>
-        <p:cNvPr id="1" name=""/>
-        <p:cNvGrpSpPr/>
-        <p:nvPr/>
-      </p:nvGrpSpPr>
-      <p:grpSpPr>
-        <a:xfrm>
-          <a:off x="0" y="0"/>
-          <a:ext cx="0" cy="0"/>
-          <a:chOff x="0" y="0"/>
-          <a:chExt cx="0" cy="0"/>
-        </a:xfrm>
-      </p:grpSpPr>
-      <p:sp>
-        <p:nvSpPr>
-          <p:cNvPr id="2" name="Title 1">
-            <a:extLst>
-              <a:ext uri="{FF2B5EF4-FFF2-40B4-BE49-F238E27FC236}">
-                <a16:creationId xmlns:a16="http://schemas.microsoft.com/office/drawing/2014/main" id="{0A32731C-311B-46F7-A865-6C3AF6B09A47}"/>
-              </a:ext>
-            </a:extLst>
-          </p:cNvPr>
-          <p:cNvSpPr>
-            <a:spLocks noGrp="1"/>
-          </p:cNvSpPr>
-          <p:nvPr>
-            <p:ph type="title"/>
-          </p:nvPr>
-        </p:nvSpPr>
-        <p:spPr>
-          <a:xfrm>
-            <a:off x="134636" y="136525"/>
-            <a:ext cx="11711375" cy="1204912"/>
-          </a:xfrm>
-        </p:spPr>
-        <p:txBody>
-          <a:bodyPr/>
-          <a:lstStyle/>
-          <a:p>
-            <a:r>
-              <a:rPr lang="en-US" dirty="0"/>
-              <a:t>Part 4 - Focus on some situation</a:t>
-            </a:r>
-          </a:p>
-        </p:txBody>
-      </p:sp>
-      <p:sp>
-        <p:nvSpPr>
-          <p:cNvPr id="4" name="Date Placeholder 3">
-            <a:extLst>
-              <a:ext uri="{FF2B5EF4-FFF2-40B4-BE49-F238E27FC236}">
-                <a16:creationId xmlns:a16="http://schemas.microsoft.com/office/drawing/2014/main" id="{70E12647-CCB2-45E2-A9CB-A868F490497E}"/>
-              </a:ext>
-            </a:extLst>
-          </p:cNvPr>
-          <p:cNvSpPr>
-            <a:spLocks noGrp="1"/>
-          </p:cNvSpPr>
-          <p:nvPr>
-            <p:ph type="dt" sz="half" idx="10"/>
-          </p:nvPr>
-        </p:nvSpPr>
-        <p:spPr>
-          <a:xfrm>
-            <a:off x="838200" y="6356350"/>
-            <a:ext cx="1219200" cy="365125"/>
-          </a:xfrm>
-        </p:spPr>
-        <p:txBody>
-          <a:bodyPr/>
-          <a:lstStyle/>
-          <a:p>
-            <a:r>
-              <a:rPr lang="en-US" dirty="0"/>
-              <a:t>20XX</a:t>
-            </a:r>
-          </a:p>
-        </p:txBody>
-      </p:sp>
-      <p:sp>
-        <p:nvSpPr>
-          <p:cNvPr id="5" name="Footer Placeholder 4">
-            <a:extLst>
-              <a:ext uri="{FF2B5EF4-FFF2-40B4-BE49-F238E27FC236}">
-                <a16:creationId xmlns:a16="http://schemas.microsoft.com/office/drawing/2014/main" id="{8D51ED20-04D4-4894-B0C2-9C541A61A734}"/>
-              </a:ext>
-            </a:extLst>
-          </p:cNvPr>
-          <p:cNvSpPr>
-            <a:spLocks noGrp="1"/>
-          </p:cNvSpPr>
-          <p:nvPr>
-            <p:ph type="ftr" sz="quarter" idx="11"/>
-          </p:nvPr>
-        </p:nvSpPr>
-        <p:spPr>
-          <a:xfrm>
-            <a:off x="2463800" y="6356350"/>
-            <a:ext cx="3479800" cy="365125"/>
-          </a:xfrm>
-        </p:spPr>
-        <p:txBody>
-          <a:bodyPr/>
-          <a:lstStyle/>
-          <a:p>
-            <a:r>
-              <a:rPr lang="en-US" dirty="0"/>
-              <a:t>PRESENTATION TITLE</a:t>
-            </a:r>
-          </a:p>
-        </p:txBody>
-      </p:sp>
-      <p:sp>
-        <p:nvSpPr>
-          <p:cNvPr id="6" name="Slide Number Placeholder 5">
-            <a:extLst>
-              <a:ext uri="{FF2B5EF4-FFF2-40B4-BE49-F238E27FC236}">
-                <a16:creationId xmlns:a16="http://schemas.microsoft.com/office/drawing/2014/main" id="{7BC1787E-7110-4989-B0B8-DD4E0ACC09DF}"/>
-              </a:ext>
-            </a:extLst>
-          </p:cNvPr>
-          <p:cNvSpPr>
-            <a:spLocks noGrp="1"/>
-          </p:cNvSpPr>
-          <p:nvPr>
-            <p:ph type="sldNum" sz="quarter" idx="12"/>
-          </p:nvPr>
-        </p:nvSpPr>
-        <p:spPr>
-          <a:xfrm>
-            <a:off x="8610600" y="6356350"/>
-            <a:ext cx="2743200" cy="365125"/>
-          </a:xfrm>
-        </p:spPr>
-        <p:txBody>
-          <a:bodyPr/>
-          <a:lstStyle/>
-          <a:p>
-            <a:fld id="{A49DFD55-3C28-40EF-9E31-A92D2E4017FF}" type="slidenum">
-              <a:rPr lang="en-US" smtClean="0"/>
-              <a:pPr/>
-              <a:t>32</a:t>
-            </a:fld>
-            <a:endParaRPr lang="en-US" dirty="0"/>
-          </a:p>
-        </p:txBody>
-      </p:sp>
-      <p:pic>
-        <p:nvPicPr>
-          <p:cNvPr id="8" name="Picture 7">
-            <a:extLst>
-              <a:ext uri="{FF2B5EF4-FFF2-40B4-BE49-F238E27FC236}">
-                <a16:creationId xmlns:a16="http://schemas.microsoft.com/office/drawing/2014/main" id="{8268DC32-67F9-6CFC-4EB9-D958B69D4D16}"/>
-              </a:ext>
-            </a:extLst>
-          </p:cNvPr>
-          <p:cNvPicPr>
-            <a:picLocks noChangeAspect="1"/>
-          </p:cNvPicPr>
-          <p:nvPr/>
-        </p:nvPicPr>
-        <p:blipFill>
-          <a:blip r:embed="rId3"/>
-          <a:stretch>
-            <a:fillRect/>
-          </a:stretch>
-        </p:blipFill>
-        <p:spPr>
-          <a:xfrm>
-            <a:off x="420128" y="1402160"/>
-            <a:ext cx="7860635" cy="5233417"/>
-          </a:xfrm>
-          <a:prstGeom prst="rect">
-            <a:avLst/>
-          </a:prstGeom>
-        </p:spPr>
-      </p:pic>
-      <p:sp>
-        <p:nvSpPr>
-          <p:cNvPr id="9" name="TextBox 8">
-            <a:extLst>
-              <a:ext uri="{FF2B5EF4-FFF2-40B4-BE49-F238E27FC236}">
-                <a16:creationId xmlns:a16="http://schemas.microsoft.com/office/drawing/2014/main" id="{6AED409B-7B8D-28A2-CAD9-3CABA4F91B4D}"/>
-              </a:ext>
-            </a:extLst>
-          </p:cNvPr>
-          <p:cNvSpPr txBox="1"/>
-          <p:nvPr/>
-        </p:nvSpPr>
-        <p:spPr>
-          <a:xfrm>
-            <a:off x="8610600" y="5433020"/>
-            <a:ext cx="3367216" cy="923330"/>
-          </a:xfrm>
-          <a:prstGeom prst="rect">
-            <a:avLst/>
-          </a:prstGeom>
-          <a:noFill/>
-        </p:spPr>
-        <p:txBody>
-          <a:bodyPr wrap="square" rtlCol="0">
-            <a:spAutoFit/>
-          </a:bodyPr>
-          <a:lstStyle/>
-          <a:p>
-            <a:r>
-              <a:rPr lang="en-US" dirty="0">
-                <a:hlinkClick r:id="rId4"/>
-              </a:rPr>
-              <a:t>https://caniuse.com/mdn-http_headers_csp_content-security-policy</a:t>
-            </a:r>
-            <a:r>
-              <a:rPr lang="en-US" dirty="0"/>
-              <a:t> </a:t>
-            </a:r>
-          </a:p>
-        </p:txBody>
-      </p:sp>
-    </p:spTree>
-    <p:extLst>
-      <p:ext uri="{BB962C8B-B14F-4D97-AF65-F5344CB8AC3E}">
-        <p14:creationId xmlns:p14="http://schemas.microsoft.com/office/powerpoint/2010/main" val="815263422"/>
       </p:ext>
     </p:extLst>
   </p:cSld>
@@ -21846,7 +22025,7 @@
           <a:p>
             <a:r>
               <a:rPr lang="en-US" dirty="0"/>
-              <a:t>demonstration</a:t>
+              <a:t>Part 4 - Focus on some situation</a:t>
             </a:r>
           </a:p>
         </p:txBody>
@@ -21952,12 +22131,42 @@
           </a:p>
         </p:txBody>
       </p:sp>
-      <p:sp>
-        <p:nvSpPr>
-          <p:cNvPr id="17" name="TextBox 16">
-            <a:extLst>
-              <a:ext uri="{FF2B5EF4-FFF2-40B4-BE49-F238E27FC236}">
-                <a16:creationId xmlns:a16="http://schemas.microsoft.com/office/drawing/2014/main" id="{A91CE4A8-464A-688F-4552-7720ED35763B}"/>
+      <p:pic>
+        <p:nvPicPr>
+          <p:cNvPr id="8" name="Picture 7">
+            <a:extLst>
+              <a:ext uri="{FF2B5EF4-FFF2-40B4-BE49-F238E27FC236}">
+                <a16:creationId xmlns:a16="http://schemas.microsoft.com/office/drawing/2014/main" id="{8268DC32-67F9-6CFC-4EB9-D958B69D4D16}"/>
+              </a:ext>
+            </a:extLst>
+          </p:cNvPr>
+          <p:cNvPicPr>
+            <a:picLocks noChangeAspect="1"/>
+          </p:cNvPicPr>
+          <p:nvPr/>
+        </p:nvPicPr>
+        <p:blipFill>
+          <a:blip r:embed="rId3"/>
+          <a:stretch>
+            <a:fillRect/>
+          </a:stretch>
+        </p:blipFill>
+        <p:spPr>
+          <a:xfrm>
+            <a:off x="420128" y="1402160"/>
+            <a:ext cx="7860635" cy="5233417"/>
+          </a:xfrm>
+          <a:prstGeom prst="rect">
+            <a:avLst/>
+          </a:prstGeom>
+        </p:spPr>
+      </p:pic>
+      <p:sp>
+        <p:nvSpPr>
+          <p:cNvPr id="9" name="TextBox 8">
+            <a:extLst>
+              <a:ext uri="{FF2B5EF4-FFF2-40B4-BE49-F238E27FC236}">
+                <a16:creationId xmlns:a16="http://schemas.microsoft.com/office/drawing/2014/main" id="{6AED409B-7B8D-28A2-CAD9-3CABA4F91B4D}"/>
               </a:ext>
             </a:extLst>
           </p:cNvPr>
@@ -21966,8 +22175,8 @@
         </p:nvSpPr>
         <p:spPr>
           <a:xfrm>
-            <a:off x="134636" y="1341437"/>
-            <a:ext cx="10236802" cy="3693319"/>
+            <a:off x="8610600" y="5433020"/>
+            <a:ext cx="3367216" cy="923330"/>
           </a:xfrm>
           <a:prstGeom prst="rect">
             <a:avLst/>
@@ -21981,132 +22190,10 @@
           <a:lstStyle/>
           <a:p>
             <a:r>
-              <a:rPr lang="en-US" dirty="0"/>
-              <a:t>For each header presented, a demonstration video, is available bellow:</a:t>
-            </a:r>
-          </a:p>
-          <a:p>
-            <a:endParaRPr lang="en-US" dirty="0"/>
-          </a:p>
-          <a:p>
-            <a:pPr marL="285750" indent="-285750">
-              <a:buFontTx/>
-              <a:buChar char="-"/>
-            </a:pPr>
-            <a:r>
-              <a:rPr lang="en-US" b="1" dirty="0"/>
-              <a:t>Strict-Transport-Security</a:t>
-            </a:r>
-          </a:p>
-          <a:p>
-            <a:pPr marL="742950" lvl="1" indent="-285750">
-              <a:buFontTx/>
-              <a:buChar char="-"/>
-            </a:pPr>
-            <a:r>
-              <a:rPr lang="en-US" dirty="0">
-                <a:hlinkClick r:id="rId3"/>
-              </a:rPr>
-              <a:t>https://github.com/righettod/voxxeddays-lux-2022/blob/main/DemoSTS.mp4</a:t>
-            </a:r>
-            <a:r>
-              <a:rPr lang="en-US" dirty="0"/>
-              <a:t> </a:t>
-            </a:r>
-          </a:p>
-          <a:p>
-            <a:pPr marL="742950" lvl="1" indent="-285750">
-              <a:buFontTx/>
-              <a:buChar char="-"/>
-            </a:pPr>
-            <a:endParaRPr lang="en-US" dirty="0"/>
-          </a:p>
-          <a:p>
-            <a:pPr marL="285750" indent="-285750">
-              <a:buFontTx/>
-              <a:buChar char="-"/>
-            </a:pPr>
-            <a:r>
-              <a:rPr lang="en-US" b="1" dirty="0"/>
-              <a:t>Cross-Origin-Resource-Policy</a:t>
-            </a:r>
-          </a:p>
-          <a:p>
-            <a:pPr marL="742950" lvl="1" indent="-285750">
-              <a:buFontTx/>
-              <a:buChar char="-"/>
-            </a:pPr>
-            <a:r>
               <a:rPr lang="en-US" dirty="0">
                 <a:hlinkClick r:id="rId4"/>
               </a:rPr>
-              <a:t>https://github.com/righettod/voxxeddays-lux-2022/blob/main/DemoCORP.mp4</a:t>
-            </a:r>
-            <a:r>
-              <a:rPr lang="en-US" dirty="0"/>
-              <a:t> </a:t>
-            </a:r>
-          </a:p>
-          <a:p>
-            <a:pPr marL="742950" lvl="1" indent="-285750">
-              <a:buFontTx/>
-              <a:buChar char="-"/>
-            </a:pPr>
-            <a:endParaRPr lang="en-US" dirty="0"/>
-          </a:p>
-          <a:p>
-            <a:pPr marL="285750" indent="-285750">
-              <a:buFontTx/>
-              <a:buChar char="-"/>
-            </a:pPr>
-            <a:r>
-              <a:rPr lang="en-US" b="1" dirty="0"/>
-              <a:t>Clear-Site-Data</a:t>
-            </a:r>
-          </a:p>
-          <a:p>
-            <a:pPr marL="742950" lvl="1" indent="-285750">
-              <a:buFontTx/>
-              <a:buChar char="-"/>
-            </a:pPr>
-            <a:r>
-              <a:rPr lang="en-US" dirty="0">
-                <a:hlinkClick r:id="rId5"/>
-              </a:rPr>
-              <a:t>https://github.com/righettod/voxxeddays-lux-2022/blob/main/DemoCSD.mp4</a:t>
-            </a:r>
-            <a:r>
-              <a:rPr lang="en-US" dirty="0"/>
-              <a:t> </a:t>
-            </a:r>
-          </a:p>
-          <a:p>
-            <a:pPr marL="742950" lvl="1" indent="-285750">
-              <a:buFontTx/>
-              <a:buChar char="-"/>
-            </a:pPr>
-            <a:endParaRPr lang="en-US" dirty="0"/>
-          </a:p>
-          <a:p>
-            <a:pPr marL="285750" indent="-285750">
-              <a:buFontTx/>
-              <a:buChar char="-"/>
-            </a:pPr>
-            <a:r>
-              <a:rPr lang="en-US" b="1" dirty="0"/>
-              <a:t>Content-Security-Policy</a:t>
-            </a:r>
-          </a:p>
-          <a:p>
-            <a:pPr marL="742950" lvl="1" indent="-285750">
-              <a:buFontTx/>
-              <a:buChar char="-"/>
-            </a:pPr>
-            <a:r>
-              <a:rPr lang="en-US" dirty="0">
-                <a:hlinkClick r:id="rId6"/>
-              </a:rPr>
-              <a:t>https://github.com/righettod/voxxeddays-lux-2022/blob/main/DemoCSP.mp4</a:t>
+              <a:t>https://caniuse.com/mdn-http_headers_csp_content-security-policy</a:t>
             </a:r>
             <a:r>
               <a:rPr lang="en-US" dirty="0"/>
@@ -22118,7 +22205,7 @@
     </p:spTree>
     <p:extLst>
       <p:ext uri="{BB962C8B-B14F-4D97-AF65-F5344CB8AC3E}">
-        <p14:creationId xmlns:p14="http://schemas.microsoft.com/office/powerpoint/2010/main" val="2365769606"/>
+        <p14:creationId xmlns:p14="http://schemas.microsoft.com/office/powerpoint/2010/main" val="815263422"/>
       </p:ext>
     </p:extLst>
   </p:cSld>
@@ -22173,7 +22260,7 @@
           <a:p>
             <a:r>
               <a:rPr lang="en-US" dirty="0"/>
-              <a:t>FINAL PART - Key points</a:t>
+              <a:t>demonstration</a:t>
             </a:r>
           </a:p>
         </p:txBody>
@@ -22294,7 +22381,7 @@
         <p:spPr>
           <a:xfrm>
             <a:off x="134636" y="1341437"/>
-            <a:ext cx="10236802" cy="2862322"/>
+            <a:ext cx="10236802" cy="3693319"/>
           </a:xfrm>
           <a:prstGeom prst="rect">
             <a:avLst/>
@@ -22307,20 +22394,78 @@
           </a:bodyPr>
           <a:lstStyle/>
           <a:p>
+            <a:r>
+              <a:rPr lang="en-US" dirty="0"/>
+              <a:t>For each header presented, a demonstration video, is available bellow:</a:t>
+            </a:r>
+          </a:p>
+          <a:p>
+            <a:endParaRPr lang="en-US" dirty="0"/>
+          </a:p>
+          <a:p>
             <a:pPr marL="285750" indent="-285750">
               <a:buFontTx/>
               <a:buChar char="-"/>
             </a:pPr>
             <a:r>
-              <a:rPr lang="en-US" dirty="0"/>
-              <a:t>Modern browser provide a large panel of built-in protection that we can leverage.</a:t>
-            </a:r>
+              <a:rPr lang="en-US" b="1" dirty="0"/>
+              <a:t>Strict-Transport-Security</a:t>
+            </a:r>
+          </a:p>
+          <a:p>
+            <a:pPr marL="742950" lvl="1" indent="-285750">
+              <a:buFontTx/>
+              <a:buChar char="-"/>
+            </a:pPr>
+            <a:r>
+              <a:rPr lang="en-US" dirty="0">
+                <a:hlinkClick r:id="rId3"/>
+              </a:rPr>
+              <a:t>https://github.com/righettod/voxxeddays-lux-2022/blob/main/DemoSTS.mp4</a:t>
+            </a:r>
+            <a:r>
+              <a:rPr lang="en-US" dirty="0"/>
+              <a:t> </a:t>
+            </a:r>
+          </a:p>
+          <a:p>
+            <a:pPr marL="742950" lvl="1" indent="-285750">
+              <a:buFontTx/>
+              <a:buChar char="-"/>
+            </a:pPr>
+            <a:endParaRPr lang="en-US" dirty="0"/>
           </a:p>
           <a:p>
             <a:pPr marL="285750" indent="-285750">
               <a:buFontTx/>
               <a:buChar char="-"/>
             </a:pPr>
+            <a:r>
+              <a:rPr lang="en-US" b="1" dirty="0"/>
+              <a:t>Cross-Origin-Resource-Policy</a:t>
+            </a:r>
+          </a:p>
+          <a:p>
+            <a:pPr marL="742950" lvl="1" indent="-285750">
+              <a:buFontTx/>
+              <a:buChar char="-"/>
+            </a:pPr>
+            <a:r>
+              <a:rPr lang="en-US" dirty="0">
+                <a:hlinkClick r:id="rId4"/>
+              </a:rPr>
+              <a:t>https://github.com/righettod/voxxeddays-lux-2022/blob/main/DemoCORP.mp4</a:t>
+            </a:r>
+            <a:r>
+              <a:rPr lang="en-US" dirty="0"/>
+              <a:t> </a:t>
+            </a:r>
+          </a:p>
+          <a:p>
+            <a:pPr marL="742950" lvl="1" indent="-285750">
+              <a:buFontTx/>
+              <a:buChar char="-"/>
+            </a:pPr>
             <a:endParaRPr lang="en-US" dirty="0"/>
           </a:p>
           <a:p>
@@ -22329,129 +22474,65 @@
               <a:buChar char="-"/>
             </a:pPr>
             <a:r>
-              <a:rPr lang="en-US" dirty="0"/>
-              <a:t>HTTP security headers are not a “silver bullet” to make an application any attack proof BUT they significantly help reducing the exploitability of a client-side vulnerability.</a:t>
-            </a:r>
+              <a:rPr lang="en-US" b="1" dirty="0"/>
+              <a:t>Clear-Site-Data</a:t>
+            </a:r>
+          </a:p>
+          <a:p>
+            <a:pPr marL="742950" lvl="1" indent="-285750">
+              <a:buFontTx/>
+              <a:buChar char="-"/>
+            </a:pPr>
+            <a:r>
+              <a:rPr lang="en-US" dirty="0">
+                <a:hlinkClick r:id="rId5"/>
+              </a:rPr>
+              <a:t>https://github.com/righettod/voxxeddays-lux-2022/blob/main/DemoCSD.mp4</a:t>
+            </a:r>
+            <a:r>
+              <a:rPr lang="en-US" dirty="0"/>
+              <a:t> </a:t>
+            </a:r>
+          </a:p>
+          <a:p>
+            <a:pPr marL="742950" lvl="1" indent="-285750">
+              <a:buFontTx/>
+              <a:buChar char="-"/>
+            </a:pPr>
+            <a:endParaRPr lang="en-US" dirty="0"/>
           </a:p>
           <a:p>
             <a:pPr marL="285750" indent="-285750">
               <a:buFontTx/>
               <a:buChar char="-"/>
             </a:pPr>
-            <a:endParaRPr lang="en-US" dirty="0"/>
-          </a:p>
-          <a:p>
-            <a:pPr marL="285750" indent="-285750">
+            <a:r>
+              <a:rPr lang="en-US" b="1" dirty="0"/>
+              <a:t>Content-Security-Policy</a:t>
+            </a:r>
+          </a:p>
+          <a:p>
+            <a:pPr marL="742950" lvl="1" indent="-285750">
               <a:buFontTx/>
               <a:buChar char="-"/>
             </a:pPr>
             <a:r>
-              <a:rPr lang="en-US" dirty="0"/>
-              <a:t>HTTP security headers can help us to “buy time” when facing a client-side vulnerability in a context in which app code base cannot be updated during a timeframe.</a:t>
-            </a:r>
-          </a:p>
-          <a:p>
-            <a:pPr marL="285750" indent="-285750">
-              <a:buFontTx/>
-              <a:buChar char="-"/>
-            </a:pPr>
-            <a:endParaRPr lang="en-US" dirty="0"/>
-          </a:p>
-          <a:p>
-            <a:r>
-              <a:rPr lang="en-US" dirty="0"/>
-              <a:t>Other HTTP security headers can be added, look at the </a:t>
-            </a:r>
-            <a:r>
               <a:rPr lang="en-US" dirty="0">
-                <a:hlinkClick r:id="rId3"/>
+                <a:hlinkClick r:id="rId6"/>
               </a:rPr>
-              <a:t>OWASP Secure Headers Project</a:t>
-            </a:r>
-            <a:r>
-              <a:rPr lang="en-US" dirty="0"/>
-              <a:t> to get insights about them. C</a:t>
-            </a:r>
-            <a:r>
-              <a:rPr lang="en-US" dirty="0">
-                <a:sym typeface="Wingdings" panose="05000000000000000000" pitchFamily="2" charset="2"/>
-              </a:rPr>
-              <a:t>omment, feedback, suggestion as well as pull request are warmly welcome </a:t>
-            </a:r>
-            <a:endParaRPr lang="en-US" dirty="0"/>
-          </a:p>
-        </p:txBody>
-      </p:sp>
-      <p:pic>
-        <p:nvPicPr>
-          <p:cNvPr id="8" name="Picture 7" descr="Shape&#10;&#10;Description automatically generated with medium confidence">
-            <a:extLst>
-              <a:ext uri="{FF2B5EF4-FFF2-40B4-BE49-F238E27FC236}">
-                <a16:creationId xmlns:a16="http://schemas.microsoft.com/office/drawing/2014/main" id="{C2152464-0641-2FB6-560B-A57C164A5822}"/>
-              </a:ext>
-            </a:extLst>
-          </p:cNvPr>
-          <p:cNvPicPr>
-            <a:picLocks noChangeAspect="1"/>
-          </p:cNvPicPr>
-          <p:nvPr/>
-        </p:nvPicPr>
-        <p:blipFill>
-          <a:blip r:embed="rId4"/>
-          <a:stretch>
-            <a:fillRect/>
-          </a:stretch>
-        </p:blipFill>
-        <p:spPr>
-          <a:xfrm>
-            <a:off x="3358330" y="4203759"/>
-            <a:ext cx="3946141" cy="1373257"/>
-          </a:xfrm>
-          <a:prstGeom prst="rect">
-            <a:avLst/>
-          </a:prstGeom>
-        </p:spPr>
-      </p:pic>
-      <p:pic>
-        <p:nvPicPr>
-          <p:cNvPr id="10" name="Graphic 9" descr="Smiling with hearts face with solid fill with solid fill">
-            <a:extLst>
-              <a:ext uri="{FF2B5EF4-FFF2-40B4-BE49-F238E27FC236}">
-                <a16:creationId xmlns:a16="http://schemas.microsoft.com/office/drawing/2014/main" id="{8AE3D71D-62FB-363B-207B-C8D5B9F35498}"/>
-              </a:ext>
-            </a:extLst>
-          </p:cNvPr>
-          <p:cNvPicPr>
-            <a:picLocks noChangeAspect="1"/>
-          </p:cNvPicPr>
-          <p:nvPr/>
-        </p:nvPicPr>
-        <p:blipFill>
-          <a:blip r:embed="rId5">
-            <a:extLst>
-              <a:ext uri="{96DAC541-7B7A-43D3-8B79-37D633B846F1}">
-                <asvg:svgBlip xmlns:asvg="http://schemas.microsoft.com/office/drawing/2016/SVG/main" r:embed="rId6"/>
-              </a:ext>
-            </a:extLst>
-          </a:blip>
-          <a:stretch>
-            <a:fillRect/>
-          </a:stretch>
-        </p:blipFill>
-        <p:spPr>
-          <a:xfrm>
-            <a:off x="10194324" y="3426704"/>
-            <a:ext cx="914400" cy="914400"/>
-          </a:xfrm>
-          <a:prstGeom prst="rect">
-            <a:avLst/>
-          </a:prstGeom>
-        </p:spPr>
-      </p:pic>
+              <a:t>https://github.com/righettod/voxxeddays-lux-2022/blob/main/DemoCSP.mp4</a:t>
+            </a:r>
+            <a:r>
+              <a:rPr lang="en-US" dirty="0"/>
+              <a:t> </a:t>
+            </a:r>
+          </a:p>
+        </p:txBody>
+      </p:sp>
     </p:spTree>
     <p:extLst>
       <p:ext uri="{BB962C8B-B14F-4D97-AF65-F5344CB8AC3E}">
-        <p14:creationId xmlns:p14="http://schemas.microsoft.com/office/powerpoint/2010/main" val="1969356322"/>
+        <p14:creationId xmlns:p14="http://schemas.microsoft.com/office/powerpoint/2010/main" val="2365769606"/>
       </p:ext>
     </p:extLst>
   </p:cSld>
@@ -22506,7 +22587,7 @@
           <a:p>
             <a:r>
               <a:rPr lang="en-US" dirty="0"/>
-              <a:t>References</a:t>
+              <a:t>FINAL PART - Key points</a:t>
             </a:r>
           </a:p>
         </p:txBody>
@@ -22627,7 +22708,7 @@
         <p:spPr>
           <a:xfrm>
             <a:off x="134636" y="1341437"/>
-            <a:ext cx="11645472" cy="5078313"/>
+            <a:ext cx="10236802" cy="2862322"/>
           </a:xfrm>
           <a:prstGeom prst="rect">
             <a:avLst/>
@@ -22645,25 +22726,12 @@
               <a:buChar char="-"/>
             </a:pPr>
             <a:r>
-              <a:rPr lang="en-US" b="1" dirty="0"/>
-              <a:t>Strict-Transport-Security</a:t>
-            </a:r>
-          </a:p>
-          <a:p>
-            <a:pPr marL="742950" lvl="1" indent="-285750">
-              <a:buFontTx/>
-              <a:buChar char="-"/>
-            </a:pPr>
-            <a:r>
-              <a:rPr lang="en-US" dirty="0">
-                <a:hlinkClick r:id="rId3"/>
-              </a:rPr>
-              <a:t>https://owasp.org/www-project-secure-headers/#http-strict-transport-security</a:t>
-            </a:r>
-            <a:endParaRPr lang="en-US" dirty="0"/>
-          </a:p>
-          <a:p>
-            <a:pPr marL="742950" lvl="1" indent="-285750">
+              <a:rPr lang="en-US" dirty="0"/>
+              <a:t>Modern browser provide a large panel of built-in protection that we can leverage.</a:t>
+            </a:r>
+          </a:p>
+          <a:p>
+            <a:pPr marL="285750" indent="-285750">
               <a:buFontTx/>
               <a:buChar char="-"/>
             </a:pPr>
@@ -22675,25 +22743,12 @@
               <a:buChar char="-"/>
             </a:pPr>
             <a:r>
-              <a:rPr lang="en-US" b="1" dirty="0"/>
-              <a:t>Cross-Origin-Resource-Policy</a:t>
-            </a:r>
-          </a:p>
-          <a:p>
-            <a:pPr marL="742950" lvl="1" indent="-285750">
-              <a:buFontTx/>
-              <a:buChar char="-"/>
-            </a:pPr>
-            <a:r>
-              <a:rPr lang="en-US" dirty="0">
-                <a:hlinkClick r:id="rId4"/>
-              </a:rPr>
-              <a:t>https://owasp.org/www-project-secure-headers/#cross-origin-resource-policy</a:t>
-            </a:r>
-            <a:endParaRPr lang="en-US" dirty="0"/>
-          </a:p>
-          <a:p>
-            <a:pPr marL="742950" lvl="1" indent="-285750">
+              <a:rPr lang="en-US" dirty="0"/>
+              <a:t>HTTP security headers are not a “silver bullet” to make an application any attack proof BUT they significantly help reducing the exploitability of a client-side vulnerability.</a:t>
+            </a:r>
+          </a:p>
+          <a:p>
+            <a:pPr marL="285750" indent="-285750">
               <a:buFontTx/>
               <a:buChar char="-"/>
             </a:pPr>
@@ -22705,150 +22760,112 @@
               <a:buChar char="-"/>
             </a:pPr>
             <a:r>
-              <a:rPr lang="en-US" b="1" dirty="0"/>
-              <a:t>Clear-Site-Data</a:t>
-            </a:r>
-          </a:p>
-          <a:p>
-            <a:pPr marL="742950" lvl="1" indent="-285750">
-              <a:buFontTx/>
-              <a:buChar char="-"/>
-            </a:pPr>
-            <a:r>
-              <a:rPr lang="en-US" dirty="0">
-                <a:hlinkClick r:id="rId5"/>
-              </a:rPr>
-              <a:t>https://owasp.org/www-project-secure-headers/#clear-site-data</a:t>
-            </a:r>
-            <a:endParaRPr lang="en-US" dirty="0"/>
-          </a:p>
-          <a:p>
-            <a:pPr marL="742950" lvl="1" indent="-285750">
+              <a:rPr lang="en-US" dirty="0"/>
+              <a:t>HTTP security headers can help us to “buy time” when facing a client-side vulnerability in a context in which app code base cannot be updated during a timeframe.</a:t>
+            </a:r>
+          </a:p>
+          <a:p>
+            <a:pPr marL="285750" indent="-285750">
               <a:buFontTx/>
               <a:buChar char="-"/>
             </a:pPr>
             <a:endParaRPr lang="en-US" dirty="0"/>
           </a:p>
           <a:p>
-            <a:pPr marL="285750" indent="-285750">
-              <a:buFontTx/>
-              <a:buChar char="-"/>
-            </a:pPr>
-            <a:r>
-              <a:rPr lang="en-US" b="1" dirty="0"/>
-              <a:t>Content-Security-Policy</a:t>
-            </a:r>
-          </a:p>
-          <a:p>
-            <a:pPr marL="742950" lvl="1" indent="-285750">
-              <a:buFontTx/>
-              <a:buChar char="-"/>
-            </a:pPr>
+            <a:r>
+              <a:rPr lang="en-US" dirty="0"/>
+              <a:t>Other HTTP security headers can be added, look at the </a:t>
+            </a:r>
             <a:r>
               <a:rPr lang="en-US" dirty="0">
-                <a:hlinkClick r:id="rId6"/>
+                <a:hlinkClick r:id="rId3"/>
               </a:rPr>
-              <a:t>https://owasp.org/www-project-secure-headers/#content-security-policy</a:t>
+              <a:t>OWASP Secure Headers Project</a:t>
+            </a:r>
+            <a:r>
+              <a:rPr lang="en-US" dirty="0"/>
+              <a:t> to get insights about them. C</a:t>
+            </a:r>
+            <a:r>
+              <a:rPr lang="en-US" dirty="0">
+                <a:sym typeface="Wingdings" panose="05000000000000000000" pitchFamily="2" charset="2"/>
+              </a:rPr>
+              <a:t>omment, feedback, suggestion as well as pull request are warmly welcome </a:t>
             </a:r>
             <a:endParaRPr lang="en-US" dirty="0"/>
           </a:p>
-          <a:p>
-            <a:pPr marL="742950" lvl="1" indent="-285750">
-              <a:buFontTx/>
-              <a:buChar char="-"/>
-            </a:pPr>
-            <a:r>
-              <a:rPr lang="en-US" dirty="0">
-                <a:hlinkClick r:id="rId7"/>
-              </a:rPr>
-              <a:t>https://content-security-policy.com/</a:t>
-            </a:r>
-            <a:endParaRPr lang="en-US" dirty="0"/>
-          </a:p>
-          <a:p>
-            <a:pPr marL="742950" lvl="1" indent="-285750">
-              <a:buFontTx/>
-              <a:buChar char="-"/>
-            </a:pPr>
-            <a:r>
-              <a:rPr lang="en-US" dirty="0">
-                <a:hlinkClick r:id="rId8"/>
-              </a:rPr>
-              <a:t>https://cheatsheetseries.owasp.org/cheatsheets/Content_Security_Policy_Cheat_Sheet.html</a:t>
-            </a:r>
-            <a:r>
-              <a:rPr lang="en-US" dirty="0"/>
-              <a:t> </a:t>
-            </a:r>
-          </a:p>
-          <a:p>
-            <a:pPr marL="742950" lvl="1" indent="-285750">
-              <a:buFontTx/>
-              <a:buChar char="-"/>
-            </a:pPr>
-            <a:r>
-              <a:rPr lang="en-US" dirty="0">
-                <a:hlinkClick r:id="rId9"/>
-              </a:rPr>
-              <a:t>https://report-uri.com/home/generate</a:t>
-            </a:r>
-            <a:endParaRPr lang="en-US" dirty="0"/>
-          </a:p>
-          <a:p>
-            <a:pPr marL="742950" lvl="1" indent="-285750">
-              <a:buFontTx/>
-              <a:buChar char="-"/>
-            </a:pPr>
-            <a:r>
-              <a:rPr lang="en-US" dirty="0">
-                <a:hlinkClick r:id="rId10"/>
-              </a:rPr>
-              <a:t>https://csp-evaluator.withgoogle.com/</a:t>
-            </a:r>
-            <a:r>
-              <a:rPr lang="en-US" dirty="0"/>
-              <a:t> </a:t>
-            </a:r>
-          </a:p>
-          <a:p>
-            <a:pPr marL="742950" lvl="1" indent="-285750">
-              <a:buFontTx/>
-              <a:buChar char="-"/>
-            </a:pPr>
-            <a:endParaRPr lang="en-US" dirty="0"/>
-          </a:p>
-          <a:p>
-            <a:pPr marL="285750" indent="-285750">
-              <a:buFontTx/>
-              <a:buChar char="-"/>
-            </a:pPr>
-            <a:r>
-              <a:rPr lang="en-US" b="1" dirty="0"/>
-              <a:t>OWASP Luxemburg Chapter</a:t>
-            </a:r>
-          </a:p>
-          <a:p>
-            <a:pPr marL="742950" lvl="1" indent="-285750">
-              <a:buFontTx/>
-              <a:buChar char="-"/>
-            </a:pPr>
-            <a:r>
-              <a:rPr lang="en-US" dirty="0">
-                <a:hlinkClick r:id="rId11"/>
-              </a:rPr>
-              <a:t>https://owasp.org/www-chapter-luxembourg/</a:t>
-            </a:r>
-            <a:r>
-              <a:rPr lang="en-US" dirty="0"/>
-              <a:t> </a:t>
-            </a:r>
-          </a:p>
-        </p:txBody>
-      </p:sp>
+        </p:txBody>
+      </p:sp>
+      <p:pic>
+        <p:nvPicPr>
+          <p:cNvPr id="8" name="Picture 7" descr="Shape&#10;&#10;Description automatically generated with medium confidence">
+            <a:extLst>
+              <a:ext uri="{FF2B5EF4-FFF2-40B4-BE49-F238E27FC236}">
+                <a16:creationId xmlns:a16="http://schemas.microsoft.com/office/drawing/2014/main" id="{C2152464-0641-2FB6-560B-A57C164A5822}"/>
+              </a:ext>
+            </a:extLst>
+          </p:cNvPr>
+          <p:cNvPicPr>
+            <a:picLocks noChangeAspect="1"/>
+          </p:cNvPicPr>
+          <p:nvPr/>
+        </p:nvPicPr>
+        <p:blipFill>
+          <a:blip r:embed="rId4"/>
+          <a:stretch>
+            <a:fillRect/>
+          </a:stretch>
+        </p:blipFill>
+        <p:spPr>
+          <a:xfrm>
+            <a:off x="3358330" y="4203759"/>
+            <a:ext cx="3946141" cy="1373257"/>
+          </a:xfrm>
+          <a:prstGeom prst="rect">
+            <a:avLst/>
+          </a:prstGeom>
+        </p:spPr>
+      </p:pic>
+      <p:pic>
+        <p:nvPicPr>
+          <p:cNvPr id="10" name="Graphic 9" descr="Smiling with hearts face with solid fill with solid fill">
+            <a:extLst>
+              <a:ext uri="{FF2B5EF4-FFF2-40B4-BE49-F238E27FC236}">
+                <a16:creationId xmlns:a16="http://schemas.microsoft.com/office/drawing/2014/main" id="{8AE3D71D-62FB-363B-207B-C8D5B9F35498}"/>
+              </a:ext>
+            </a:extLst>
+          </p:cNvPr>
+          <p:cNvPicPr>
+            <a:picLocks noChangeAspect="1"/>
+          </p:cNvPicPr>
+          <p:nvPr/>
+        </p:nvPicPr>
+        <p:blipFill>
+          <a:blip r:embed="rId5">
+            <a:extLst>
+              <a:ext uri="{96DAC541-7B7A-43D3-8B79-37D633B846F1}">
+                <asvg:svgBlip xmlns:asvg="http://schemas.microsoft.com/office/drawing/2016/SVG/main" r:embed="rId6"/>
+              </a:ext>
+            </a:extLst>
+          </a:blip>
+          <a:stretch>
+            <a:fillRect/>
+          </a:stretch>
+        </p:blipFill>
+        <p:spPr>
+          <a:xfrm>
+            <a:off x="10194324" y="3426704"/>
+            <a:ext cx="914400" cy="914400"/>
+          </a:xfrm>
+          <a:prstGeom prst="rect">
+            <a:avLst/>
+          </a:prstGeom>
+        </p:spPr>
+      </p:pic>
     </p:spTree>
     <p:extLst>
       <p:ext uri="{BB962C8B-B14F-4D97-AF65-F5344CB8AC3E}">
-        <p14:creationId xmlns:p14="http://schemas.microsoft.com/office/powerpoint/2010/main" val="1219825491"/>
+        <p14:creationId xmlns:p14="http://schemas.microsoft.com/office/powerpoint/2010/main" val="1969356322"/>
       </p:ext>
     </p:extLst>
   </p:cSld>
@@ -22903,7 +22920,7 @@
           <a:p>
             <a:r>
               <a:rPr lang="en-US" dirty="0"/>
-              <a:t>Thank you !!!!</a:t>
+              <a:t>References</a:t>
             </a:r>
           </a:p>
         </p:txBody>
@@ -23004,6 +23021,403 @@
               <a:rPr lang="en-US" smtClean="0"/>
               <a:pPr/>
               <a:t>36</a:t>
+            </a:fld>
+            <a:endParaRPr lang="en-US" dirty="0"/>
+          </a:p>
+        </p:txBody>
+      </p:sp>
+      <p:sp>
+        <p:nvSpPr>
+          <p:cNvPr id="17" name="TextBox 16">
+            <a:extLst>
+              <a:ext uri="{FF2B5EF4-FFF2-40B4-BE49-F238E27FC236}">
+                <a16:creationId xmlns:a16="http://schemas.microsoft.com/office/drawing/2014/main" id="{A91CE4A8-464A-688F-4552-7720ED35763B}"/>
+              </a:ext>
+            </a:extLst>
+          </p:cNvPr>
+          <p:cNvSpPr txBox="1"/>
+          <p:nvPr/>
+        </p:nvSpPr>
+        <p:spPr>
+          <a:xfrm>
+            <a:off x="134636" y="1341437"/>
+            <a:ext cx="11645472" cy="5078313"/>
+          </a:xfrm>
+          <a:prstGeom prst="rect">
+            <a:avLst/>
+          </a:prstGeom>
+          <a:noFill/>
+        </p:spPr>
+        <p:txBody>
+          <a:bodyPr wrap="square" rtlCol="0">
+            <a:spAutoFit/>
+          </a:bodyPr>
+          <a:lstStyle/>
+          <a:p>
+            <a:pPr marL="285750" indent="-285750">
+              <a:buFontTx/>
+              <a:buChar char="-"/>
+            </a:pPr>
+            <a:r>
+              <a:rPr lang="en-US" b="1" dirty="0"/>
+              <a:t>Strict-Transport-Security</a:t>
+            </a:r>
+          </a:p>
+          <a:p>
+            <a:pPr marL="742950" lvl="1" indent="-285750">
+              <a:buFontTx/>
+              <a:buChar char="-"/>
+            </a:pPr>
+            <a:r>
+              <a:rPr lang="en-US" dirty="0">
+                <a:hlinkClick r:id="rId3"/>
+              </a:rPr>
+              <a:t>https://owasp.org/www-project-secure-headers/#http-strict-transport-security</a:t>
+            </a:r>
+            <a:endParaRPr lang="en-US" dirty="0"/>
+          </a:p>
+          <a:p>
+            <a:pPr marL="742950" lvl="1" indent="-285750">
+              <a:buFontTx/>
+              <a:buChar char="-"/>
+            </a:pPr>
+            <a:endParaRPr lang="en-US" dirty="0"/>
+          </a:p>
+          <a:p>
+            <a:pPr marL="285750" indent="-285750">
+              <a:buFontTx/>
+              <a:buChar char="-"/>
+            </a:pPr>
+            <a:r>
+              <a:rPr lang="en-US" b="1" dirty="0"/>
+              <a:t>Cross-Origin-Resource-Policy</a:t>
+            </a:r>
+          </a:p>
+          <a:p>
+            <a:pPr marL="742950" lvl="1" indent="-285750">
+              <a:buFontTx/>
+              <a:buChar char="-"/>
+            </a:pPr>
+            <a:r>
+              <a:rPr lang="en-US" dirty="0">
+                <a:hlinkClick r:id="rId4"/>
+              </a:rPr>
+              <a:t>https://owasp.org/www-project-secure-headers/#cross-origin-resource-policy</a:t>
+            </a:r>
+            <a:endParaRPr lang="en-US" dirty="0"/>
+          </a:p>
+          <a:p>
+            <a:pPr marL="742950" lvl="1" indent="-285750">
+              <a:buFontTx/>
+              <a:buChar char="-"/>
+            </a:pPr>
+            <a:endParaRPr lang="en-US" dirty="0"/>
+          </a:p>
+          <a:p>
+            <a:pPr marL="285750" indent="-285750">
+              <a:buFontTx/>
+              <a:buChar char="-"/>
+            </a:pPr>
+            <a:r>
+              <a:rPr lang="en-US" b="1" dirty="0"/>
+              <a:t>Clear-Site-Data</a:t>
+            </a:r>
+          </a:p>
+          <a:p>
+            <a:pPr marL="742950" lvl="1" indent="-285750">
+              <a:buFontTx/>
+              <a:buChar char="-"/>
+            </a:pPr>
+            <a:r>
+              <a:rPr lang="en-US" dirty="0">
+                <a:hlinkClick r:id="rId5"/>
+              </a:rPr>
+              <a:t>https://owasp.org/www-project-secure-headers/#clear-site-data</a:t>
+            </a:r>
+            <a:endParaRPr lang="en-US" dirty="0"/>
+          </a:p>
+          <a:p>
+            <a:pPr marL="742950" lvl="1" indent="-285750">
+              <a:buFontTx/>
+              <a:buChar char="-"/>
+            </a:pPr>
+            <a:endParaRPr lang="en-US" dirty="0"/>
+          </a:p>
+          <a:p>
+            <a:pPr marL="285750" indent="-285750">
+              <a:buFontTx/>
+              <a:buChar char="-"/>
+            </a:pPr>
+            <a:r>
+              <a:rPr lang="en-US" b="1" dirty="0"/>
+              <a:t>Content-Security-Policy</a:t>
+            </a:r>
+          </a:p>
+          <a:p>
+            <a:pPr marL="742950" lvl="1" indent="-285750">
+              <a:buFontTx/>
+              <a:buChar char="-"/>
+            </a:pPr>
+            <a:r>
+              <a:rPr lang="en-US" dirty="0">
+                <a:hlinkClick r:id="rId6"/>
+              </a:rPr>
+              <a:t>https://owasp.org/www-project-secure-headers/#content-security-policy</a:t>
+            </a:r>
+            <a:endParaRPr lang="en-US" dirty="0"/>
+          </a:p>
+          <a:p>
+            <a:pPr marL="742950" lvl="1" indent="-285750">
+              <a:buFontTx/>
+              <a:buChar char="-"/>
+            </a:pPr>
+            <a:r>
+              <a:rPr lang="en-US" dirty="0">
+                <a:hlinkClick r:id="rId7"/>
+              </a:rPr>
+              <a:t>https://content-security-policy.com/</a:t>
+            </a:r>
+            <a:endParaRPr lang="en-US" dirty="0"/>
+          </a:p>
+          <a:p>
+            <a:pPr marL="742950" lvl="1" indent="-285750">
+              <a:buFontTx/>
+              <a:buChar char="-"/>
+            </a:pPr>
+            <a:r>
+              <a:rPr lang="en-US" dirty="0">
+                <a:hlinkClick r:id="rId8"/>
+              </a:rPr>
+              <a:t>https://cheatsheetseries.owasp.org/cheatsheets/Content_Security_Policy_Cheat_Sheet.html</a:t>
+            </a:r>
+            <a:r>
+              <a:rPr lang="en-US" dirty="0"/>
+              <a:t> </a:t>
+            </a:r>
+          </a:p>
+          <a:p>
+            <a:pPr marL="742950" lvl="1" indent="-285750">
+              <a:buFontTx/>
+              <a:buChar char="-"/>
+            </a:pPr>
+            <a:r>
+              <a:rPr lang="en-US" dirty="0">
+                <a:hlinkClick r:id="rId9"/>
+              </a:rPr>
+              <a:t>https://report-uri.com/home/generate</a:t>
+            </a:r>
+            <a:endParaRPr lang="en-US" dirty="0"/>
+          </a:p>
+          <a:p>
+            <a:pPr marL="742950" lvl="1" indent="-285750">
+              <a:buFontTx/>
+              <a:buChar char="-"/>
+            </a:pPr>
+            <a:r>
+              <a:rPr lang="en-US" dirty="0">
+                <a:hlinkClick r:id="rId10"/>
+              </a:rPr>
+              <a:t>https://csp-evaluator.withgoogle.com/</a:t>
+            </a:r>
+            <a:r>
+              <a:rPr lang="en-US" dirty="0"/>
+              <a:t> </a:t>
+            </a:r>
+          </a:p>
+          <a:p>
+            <a:pPr marL="742950" lvl="1" indent="-285750">
+              <a:buFontTx/>
+              <a:buChar char="-"/>
+            </a:pPr>
+            <a:endParaRPr lang="en-US" dirty="0"/>
+          </a:p>
+          <a:p>
+            <a:pPr marL="285750" indent="-285750">
+              <a:buFontTx/>
+              <a:buChar char="-"/>
+            </a:pPr>
+            <a:r>
+              <a:rPr lang="en-US" b="1" dirty="0"/>
+              <a:t>OWASP Luxemburg Chapter</a:t>
+            </a:r>
+          </a:p>
+          <a:p>
+            <a:pPr marL="742950" lvl="1" indent="-285750">
+              <a:buFontTx/>
+              <a:buChar char="-"/>
+            </a:pPr>
+            <a:r>
+              <a:rPr lang="en-US" dirty="0">
+                <a:hlinkClick r:id="rId11"/>
+              </a:rPr>
+              <a:t>https://owasp.org/www-chapter-luxembourg/</a:t>
+            </a:r>
+            <a:r>
+              <a:rPr lang="en-US" dirty="0"/>
+              <a:t> </a:t>
+            </a:r>
+          </a:p>
+        </p:txBody>
+      </p:sp>
+    </p:spTree>
+    <p:extLst>
+      <p:ext uri="{BB962C8B-B14F-4D97-AF65-F5344CB8AC3E}">
+        <p14:creationId xmlns:p14="http://schemas.microsoft.com/office/powerpoint/2010/main" val="1219825491"/>
+      </p:ext>
+    </p:extLst>
+  </p:cSld>
+  <p:clrMapOvr>
+    <a:masterClrMapping/>
+  </p:clrMapOvr>
+</p:sld>
+</file>
+
+<file path=ppt/slides/slide37.xml><?xml version="1.0" encoding="utf-8"?>
+<p:sld xmlns:a="http://schemas.openxmlformats.org/drawingml/2006/main" xmlns:r="http://schemas.openxmlformats.org/officeDocument/2006/relationships" xmlns:p="http://schemas.openxmlformats.org/presentationml/2006/main">
+  <p:cSld>
+    <p:spTree>
+      <p:nvGrpSpPr>
+        <p:cNvPr id="1" name=""/>
+        <p:cNvGrpSpPr/>
+        <p:nvPr/>
+      </p:nvGrpSpPr>
+      <p:grpSpPr>
+        <a:xfrm>
+          <a:off x="0" y="0"/>
+          <a:ext cx="0" cy="0"/>
+          <a:chOff x="0" y="0"/>
+          <a:chExt cx="0" cy="0"/>
+        </a:xfrm>
+      </p:grpSpPr>
+      <p:sp>
+        <p:nvSpPr>
+          <p:cNvPr id="2" name="Title 1">
+            <a:extLst>
+              <a:ext uri="{FF2B5EF4-FFF2-40B4-BE49-F238E27FC236}">
+                <a16:creationId xmlns:a16="http://schemas.microsoft.com/office/drawing/2014/main" id="{0A32731C-311B-46F7-A865-6C3AF6B09A47}"/>
+              </a:ext>
+            </a:extLst>
+          </p:cNvPr>
+          <p:cNvSpPr>
+            <a:spLocks noGrp="1"/>
+          </p:cNvSpPr>
+          <p:nvPr>
+            <p:ph type="title"/>
+          </p:nvPr>
+        </p:nvSpPr>
+        <p:spPr>
+          <a:xfrm>
+            <a:off x="134636" y="136525"/>
+            <a:ext cx="11711375" cy="1204912"/>
+          </a:xfrm>
+        </p:spPr>
+        <p:txBody>
+          <a:bodyPr/>
+          <a:lstStyle/>
+          <a:p>
+            <a:r>
+              <a:rPr lang="en-US" dirty="0"/>
+              <a:t>Thank you !!!!</a:t>
+            </a:r>
+          </a:p>
+        </p:txBody>
+      </p:sp>
+      <p:sp>
+        <p:nvSpPr>
+          <p:cNvPr id="4" name="Date Placeholder 3">
+            <a:extLst>
+              <a:ext uri="{FF2B5EF4-FFF2-40B4-BE49-F238E27FC236}">
+                <a16:creationId xmlns:a16="http://schemas.microsoft.com/office/drawing/2014/main" id="{70E12647-CCB2-45E2-A9CB-A868F490497E}"/>
+              </a:ext>
+            </a:extLst>
+          </p:cNvPr>
+          <p:cNvSpPr>
+            <a:spLocks noGrp="1"/>
+          </p:cNvSpPr>
+          <p:nvPr>
+            <p:ph type="dt" sz="half" idx="10"/>
+          </p:nvPr>
+        </p:nvSpPr>
+        <p:spPr>
+          <a:xfrm>
+            <a:off x="838200" y="6356350"/>
+            <a:ext cx="1219200" cy="365125"/>
+          </a:xfrm>
+        </p:spPr>
+        <p:txBody>
+          <a:bodyPr/>
+          <a:lstStyle/>
+          <a:p>
+            <a:r>
+              <a:rPr lang="en-US" dirty="0"/>
+              <a:t>20XX</a:t>
+            </a:r>
+          </a:p>
+        </p:txBody>
+      </p:sp>
+      <p:sp>
+        <p:nvSpPr>
+          <p:cNvPr id="5" name="Footer Placeholder 4">
+            <a:extLst>
+              <a:ext uri="{FF2B5EF4-FFF2-40B4-BE49-F238E27FC236}">
+                <a16:creationId xmlns:a16="http://schemas.microsoft.com/office/drawing/2014/main" id="{8D51ED20-04D4-4894-B0C2-9C541A61A734}"/>
+              </a:ext>
+            </a:extLst>
+          </p:cNvPr>
+          <p:cNvSpPr>
+            <a:spLocks noGrp="1"/>
+          </p:cNvSpPr>
+          <p:nvPr>
+            <p:ph type="ftr" sz="quarter" idx="11"/>
+          </p:nvPr>
+        </p:nvSpPr>
+        <p:spPr>
+          <a:xfrm>
+            <a:off x="2463800" y="6356350"/>
+            <a:ext cx="3479800" cy="365125"/>
+          </a:xfrm>
+        </p:spPr>
+        <p:txBody>
+          <a:bodyPr/>
+          <a:lstStyle/>
+          <a:p>
+            <a:r>
+              <a:rPr lang="en-US" dirty="0"/>
+              <a:t>PRESENTATION TITLE</a:t>
+            </a:r>
+          </a:p>
+        </p:txBody>
+      </p:sp>
+      <p:sp>
+        <p:nvSpPr>
+          <p:cNvPr id="6" name="Slide Number Placeholder 5">
+            <a:extLst>
+              <a:ext uri="{FF2B5EF4-FFF2-40B4-BE49-F238E27FC236}">
+                <a16:creationId xmlns:a16="http://schemas.microsoft.com/office/drawing/2014/main" id="{7BC1787E-7110-4989-B0B8-DD4E0ACC09DF}"/>
+              </a:ext>
+            </a:extLst>
+          </p:cNvPr>
+          <p:cNvSpPr>
+            <a:spLocks noGrp="1"/>
+          </p:cNvSpPr>
+          <p:nvPr>
+            <p:ph type="sldNum" sz="quarter" idx="12"/>
+          </p:nvPr>
+        </p:nvSpPr>
+        <p:spPr>
+          <a:xfrm>
+            <a:off x="8610600" y="6356350"/>
+            <a:ext cx="2743200" cy="365125"/>
+          </a:xfrm>
+        </p:spPr>
+        <p:txBody>
+          <a:bodyPr/>
+          <a:lstStyle/>
+          <a:p>
+            <a:fld id="{A49DFD55-3C28-40EF-9E31-A92D2E4017FF}" type="slidenum">
+              <a:rPr lang="en-US" smtClean="0"/>
+              <a:pPr/>
+              <a:t>37</a:t>
             </a:fld>
             <a:endParaRPr lang="en-US" dirty="0"/>
           </a:p>
@@ -23673,52 +24087,11 @@
           <a:p>
             <a:r>
               <a:rPr lang="en-US" b="1" dirty="0"/>
-              <a:t>How can we tackle a vulnerability?</a:t>
-            </a:r>
-          </a:p>
-          <a:p>
-            <a:r>
-              <a:rPr lang="en-US" dirty="0"/>
-              <a:t>There is 2 options:</a:t>
-            </a:r>
-          </a:p>
-          <a:p>
-            <a:pPr marL="342900" indent="-342900">
-              <a:buAutoNum type="arabicParenR"/>
-            </a:pPr>
-            <a:r>
-              <a:rPr lang="en-US" dirty="0"/>
-              <a:t>We fix it so we remove the root cause of the problem and then the vulnerability disappear.</a:t>
-            </a:r>
-          </a:p>
-          <a:p>
-            <a:pPr marL="342900" indent="-342900">
-              <a:buAutoNum type="arabicParenR"/>
-            </a:pPr>
-            <a:r>
-              <a:rPr lang="en-US" dirty="0"/>
-              <a:t>We made it (</a:t>
-            </a:r>
-            <a:r>
-              <a:rPr lang="en-US" dirty="0" err="1"/>
-              <a:t>not|hardly</a:t>
-            </a:r>
-            <a:r>
-              <a:rPr lang="en-US" dirty="0"/>
-              <a:t>) exploitable.</a:t>
-            </a:r>
-          </a:p>
-          <a:p>
-            <a:pPr marL="342900" indent="-342900">
-              <a:buAutoNum type="arabicParenR"/>
-            </a:pPr>
+              <a:t>How can we tackle a vulnerability? We can fix it…</a:t>
+            </a:r>
+          </a:p>
+          <a:p>
             <a:endParaRPr lang="en-US" dirty="0"/>
-          </a:p>
-          <a:p>
-            <a:r>
-              <a:rPr lang="en-US" dirty="0"/>
-              <a:t>Option 1 is the recommended one but it’s not always possible…</a:t>
-            </a:r>
           </a:p>
           <a:p>
             <a:pPr marL="342900" indent="-342900">
@@ -23829,6 +24202,360 @@
           </a:p>
         </p:txBody>
       </p:sp>
+      <p:sp>
+        <p:nvSpPr>
+          <p:cNvPr id="7" name="Rectangle 6">
+            <a:extLst>
+              <a:ext uri="{FF2B5EF4-FFF2-40B4-BE49-F238E27FC236}">
+                <a16:creationId xmlns:a16="http://schemas.microsoft.com/office/drawing/2014/main" id="{AB249DC2-9601-FAF4-FCE6-44BA1384BF7B}"/>
+              </a:ext>
+            </a:extLst>
+          </p:cNvPr>
+          <p:cNvSpPr/>
+          <p:nvPr/>
+        </p:nvSpPr>
+        <p:spPr>
+          <a:xfrm>
+            <a:off x="411892" y="2051222"/>
+            <a:ext cx="4621427" cy="3748216"/>
+          </a:xfrm>
+          <a:prstGeom prst="rect">
+            <a:avLst/>
+          </a:prstGeom>
+        </p:spPr>
+        <p:style>
+          <a:lnRef idx="2">
+            <a:schemeClr val="accent6">
+              <a:shade val="50000"/>
+            </a:schemeClr>
+          </a:lnRef>
+          <a:fillRef idx="1">
+            <a:schemeClr val="accent6"/>
+          </a:fillRef>
+          <a:effectRef idx="0">
+            <a:schemeClr val="accent6"/>
+          </a:effectRef>
+          <a:fontRef idx="minor">
+            <a:schemeClr val="lt1"/>
+          </a:fontRef>
+        </p:style>
+        <p:txBody>
+          <a:bodyPr rtlCol="0" anchor="ctr"/>
+          <a:lstStyle/>
+          <a:p>
+            <a:pPr algn="ctr"/>
+            <a:r>
+              <a:rPr lang="en-US" b="1" dirty="0"/>
+              <a:t>Option 1: Definitively</a:t>
+            </a:r>
+          </a:p>
+          <a:p>
+            <a:pPr algn="ctr"/>
+            <a:r>
+              <a:rPr lang="en-US" dirty="0"/>
+              <a:t>(vulnerability disappear)</a:t>
+            </a:r>
+          </a:p>
+          <a:p>
+            <a:pPr algn="ctr"/>
+            <a:endParaRPr lang="en-US" dirty="0"/>
+          </a:p>
+          <a:p>
+            <a:pPr algn="ctr"/>
+            <a:endParaRPr lang="en-US" dirty="0"/>
+          </a:p>
+          <a:p>
+            <a:pPr algn="ctr"/>
+            <a:endParaRPr lang="en-US" dirty="0"/>
+          </a:p>
+          <a:p>
+            <a:pPr algn="ctr"/>
+            <a:endParaRPr lang="en-US" dirty="0"/>
+          </a:p>
+          <a:p>
+            <a:pPr algn="ctr"/>
+            <a:endParaRPr lang="en-US" dirty="0"/>
+          </a:p>
+          <a:p>
+            <a:pPr algn="ctr"/>
+            <a:endParaRPr lang="en-US" dirty="0"/>
+          </a:p>
+          <a:p>
+            <a:pPr algn="ctr"/>
+            <a:endParaRPr lang="en-US" dirty="0"/>
+          </a:p>
+          <a:p>
+            <a:pPr algn="ctr"/>
+            <a:endParaRPr lang="en-US" dirty="0"/>
+          </a:p>
+          <a:p>
+            <a:pPr algn="ctr"/>
+            <a:endParaRPr lang="en-US" dirty="0"/>
+          </a:p>
+          <a:p>
+            <a:pPr algn="ctr"/>
+            <a:endParaRPr lang="en-US" dirty="0"/>
+          </a:p>
+          <a:p>
+            <a:pPr algn="ctr"/>
+            <a:endParaRPr lang="en-US" dirty="0"/>
+          </a:p>
+        </p:txBody>
+      </p:sp>
+      <p:sp>
+        <p:nvSpPr>
+          <p:cNvPr id="8" name="Rectangle 7">
+            <a:extLst>
+              <a:ext uri="{FF2B5EF4-FFF2-40B4-BE49-F238E27FC236}">
+                <a16:creationId xmlns:a16="http://schemas.microsoft.com/office/drawing/2014/main" id="{62A8EF81-0F94-2FED-E9B2-C969C9820BB7}"/>
+              </a:ext>
+            </a:extLst>
+          </p:cNvPr>
+          <p:cNvSpPr/>
+          <p:nvPr/>
+        </p:nvSpPr>
+        <p:spPr>
+          <a:xfrm>
+            <a:off x="5554361" y="2051222"/>
+            <a:ext cx="4621427" cy="3748216"/>
+          </a:xfrm>
+          <a:prstGeom prst="rect">
+            <a:avLst/>
+          </a:prstGeom>
+        </p:spPr>
+        <p:style>
+          <a:lnRef idx="2">
+            <a:schemeClr val="accent4">
+              <a:shade val="50000"/>
+            </a:schemeClr>
+          </a:lnRef>
+          <a:fillRef idx="1">
+            <a:schemeClr val="accent4"/>
+          </a:fillRef>
+          <a:effectRef idx="0">
+            <a:schemeClr val="accent4"/>
+          </a:effectRef>
+          <a:fontRef idx="minor">
+            <a:schemeClr val="lt1"/>
+          </a:fontRef>
+        </p:style>
+        <p:txBody>
+          <a:bodyPr rtlCol="0" anchor="ctr"/>
+          <a:lstStyle/>
+          <a:p>
+            <a:pPr algn="ctr"/>
+            <a:r>
+              <a:rPr lang="en-US" b="1" dirty="0"/>
+              <a:t>Option2: Temporary</a:t>
+            </a:r>
+          </a:p>
+          <a:p>
+            <a:pPr algn="ctr"/>
+            <a:r>
+              <a:rPr lang="en-US" dirty="0"/>
+              <a:t>(we made it </a:t>
+            </a:r>
+            <a:r>
+              <a:rPr lang="en-US" dirty="0" err="1"/>
+              <a:t>not|hardly</a:t>
+            </a:r>
+            <a:r>
+              <a:rPr lang="en-US" dirty="0"/>
+              <a:t> exploitable)</a:t>
+            </a:r>
+          </a:p>
+          <a:p>
+            <a:pPr algn="ctr"/>
+            <a:endParaRPr lang="en-US" dirty="0"/>
+          </a:p>
+          <a:p>
+            <a:pPr algn="ctr"/>
+            <a:endParaRPr lang="en-US" dirty="0"/>
+          </a:p>
+          <a:p>
+            <a:pPr algn="ctr"/>
+            <a:endParaRPr lang="en-US" dirty="0"/>
+          </a:p>
+          <a:p>
+            <a:pPr algn="ctr"/>
+            <a:endParaRPr lang="en-US" dirty="0"/>
+          </a:p>
+          <a:p>
+            <a:pPr algn="ctr"/>
+            <a:endParaRPr lang="en-US" dirty="0"/>
+          </a:p>
+          <a:p>
+            <a:pPr algn="ctr"/>
+            <a:endParaRPr lang="en-US" dirty="0"/>
+          </a:p>
+          <a:p>
+            <a:pPr algn="ctr"/>
+            <a:endParaRPr lang="en-US" dirty="0"/>
+          </a:p>
+          <a:p>
+            <a:pPr algn="ctr"/>
+            <a:endParaRPr lang="en-US" dirty="0"/>
+          </a:p>
+          <a:p>
+            <a:pPr algn="ctr"/>
+            <a:endParaRPr lang="en-US" dirty="0"/>
+          </a:p>
+          <a:p>
+            <a:pPr algn="ctr"/>
+            <a:endParaRPr lang="en-US" dirty="0"/>
+          </a:p>
+          <a:p>
+            <a:pPr algn="ctr"/>
+            <a:endParaRPr lang="en-US" dirty="0"/>
+          </a:p>
+        </p:txBody>
+      </p:sp>
+      <p:sp>
+        <p:nvSpPr>
+          <p:cNvPr id="9" name="TextBox 8">
+            <a:extLst>
+              <a:ext uri="{FF2B5EF4-FFF2-40B4-BE49-F238E27FC236}">
+                <a16:creationId xmlns:a16="http://schemas.microsoft.com/office/drawing/2014/main" id="{358F5417-5287-A164-8330-9B3C5DCA6AA8}"/>
+              </a:ext>
+            </a:extLst>
+          </p:cNvPr>
+          <p:cNvSpPr txBox="1"/>
+          <p:nvPr/>
+        </p:nvSpPr>
+        <p:spPr>
+          <a:xfrm>
+            <a:off x="5600356" y="6038334"/>
+            <a:ext cx="6549081" cy="369332"/>
+          </a:xfrm>
+          <a:prstGeom prst="rect">
+            <a:avLst/>
+          </a:prstGeom>
+          <a:noFill/>
+        </p:spPr>
+        <p:txBody>
+          <a:bodyPr wrap="square" rtlCol="0">
+            <a:spAutoFit/>
+          </a:bodyPr>
+          <a:lstStyle/>
+          <a:p>
+            <a:r>
+              <a:rPr lang="en-US" dirty="0"/>
+              <a:t>Option 1 is the recommended one but it’s not always possible…</a:t>
+            </a:r>
+          </a:p>
+        </p:txBody>
+      </p:sp>
+      <p:pic>
+        <p:nvPicPr>
+          <p:cNvPr id="11" name="Picture 10" descr="Icon&#10;&#10;Description automatically generated">
+            <a:extLst>
+              <a:ext uri="{FF2B5EF4-FFF2-40B4-BE49-F238E27FC236}">
+                <a16:creationId xmlns:a16="http://schemas.microsoft.com/office/drawing/2014/main" id="{D3B9EB34-DFD5-F945-4C03-72A9EEC7C764}"/>
+              </a:ext>
+            </a:extLst>
+          </p:cNvPr>
+          <p:cNvPicPr>
+            <a:picLocks noChangeAspect="1"/>
+          </p:cNvPicPr>
+          <p:nvPr/>
+        </p:nvPicPr>
+        <p:blipFill>
+          <a:blip r:embed="rId2"/>
+          <a:stretch>
+            <a:fillRect/>
+          </a:stretch>
+        </p:blipFill>
+        <p:spPr>
+          <a:xfrm>
+            <a:off x="1219200" y="2776152"/>
+            <a:ext cx="2802924" cy="2802924"/>
+          </a:xfrm>
+          <a:prstGeom prst="rect">
+            <a:avLst/>
+          </a:prstGeom>
+        </p:spPr>
+      </p:pic>
+      <p:grpSp>
+        <p:nvGrpSpPr>
+          <p:cNvPr id="21" name="Group 20">
+            <a:extLst>
+              <a:ext uri="{FF2B5EF4-FFF2-40B4-BE49-F238E27FC236}">
+                <a16:creationId xmlns:a16="http://schemas.microsoft.com/office/drawing/2014/main" id="{64CC0F80-A987-7965-BA4A-0AF82D84A19E}"/>
+              </a:ext>
+            </a:extLst>
+          </p:cNvPr>
+          <p:cNvGrpSpPr/>
+          <p:nvPr/>
+        </p:nvGrpSpPr>
+        <p:grpSpPr>
+          <a:xfrm>
+            <a:off x="6463612" y="2776152"/>
+            <a:ext cx="2802924" cy="2802924"/>
+            <a:chOff x="6463612" y="2837936"/>
+            <a:chExt cx="2802924" cy="2802924"/>
+          </a:xfrm>
+        </p:grpSpPr>
+        <p:pic>
+          <p:nvPicPr>
+            <p:cNvPr id="12" name="Picture 11" descr="Icon&#10;&#10;Description automatically generated">
+              <a:extLst>
+                <a:ext uri="{FF2B5EF4-FFF2-40B4-BE49-F238E27FC236}">
+                  <a16:creationId xmlns:a16="http://schemas.microsoft.com/office/drawing/2014/main" id="{23BB4819-94D3-DFB4-0C53-82C2093F04E9}"/>
+                </a:ext>
+              </a:extLst>
+            </p:cNvPr>
+            <p:cNvPicPr>
+              <a:picLocks noChangeAspect="1"/>
+            </p:cNvPicPr>
+            <p:nvPr/>
+          </p:nvPicPr>
+          <p:blipFill>
+            <a:blip r:embed="rId2"/>
+            <a:stretch>
+              <a:fillRect/>
+            </a:stretch>
+          </p:blipFill>
+          <p:spPr>
+            <a:xfrm>
+              <a:off x="6463612" y="2837936"/>
+              <a:ext cx="2802924" cy="2802924"/>
+            </a:xfrm>
+            <a:prstGeom prst="rect">
+              <a:avLst/>
+            </a:prstGeom>
+          </p:spPr>
+        </p:pic>
+        <p:pic>
+          <p:nvPicPr>
+            <p:cNvPr id="20" name="Picture 19" descr="Icon&#10;&#10;Description automatically generated">
+              <a:extLst>
+                <a:ext uri="{FF2B5EF4-FFF2-40B4-BE49-F238E27FC236}">
+                  <a16:creationId xmlns:a16="http://schemas.microsoft.com/office/drawing/2014/main" id="{447ADBF5-1A2A-45F1-82F8-9CA045BE470C}"/>
+                </a:ext>
+              </a:extLst>
+            </p:cNvPr>
+            <p:cNvPicPr>
+              <a:picLocks noChangeAspect="1"/>
+            </p:cNvPicPr>
+            <p:nvPr/>
+          </p:nvPicPr>
+          <p:blipFill>
+            <a:blip r:embed="rId3"/>
+            <a:stretch>
+              <a:fillRect/>
+            </a:stretch>
+          </p:blipFill>
+          <p:spPr>
+            <a:xfrm>
+              <a:off x="8336919" y="3000631"/>
+              <a:ext cx="279744" cy="279744"/>
+            </a:xfrm>
+            <a:prstGeom prst="rect">
+              <a:avLst/>
+            </a:prstGeom>
+          </p:spPr>
+        </p:pic>
+      </p:grpSp>
     </p:spTree>
     <p:extLst>
       <p:ext uri="{BB962C8B-B14F-4D97-AF65-F5344CB8AC3E}">
@@ -23843,7 +24570,7 @@
 </file>
 
 <file path=ppt/slides/slide7.xml><?xml version="1.0" encoding="utf-8"?>
-<p:sld xmlns:a="http://schemas.openxmlformats.org/drawingml/2006/main" xmlns:r="http://schemas.openxmlformats.org/officeDocument/2006/relationships" xmlns:p="http://schemas.openxmlformats.org/presentationml/2006/main">
+<p:sld xmlns:a="http://schemas.openxmlformats.org/drawingml/2006/main" xmlns:r="http://schemas.openxmlformats.org/officeDocument/2006/relationships" xmlns:p="http://schemas.openxmlformats.org/presentationml/2006/main" show="0">
   <p:cSld>
     <p:spTree>
       <p:nvGrpSpPr>
@@ -23928,46 +24655,31 @@
           <a:p>
             <a:r>
               <a:rPr lang="en-US" b="1" dirty="0"/>
-              <a:t>Behind the scene of fixing a vulnerability…</a:t>
-            </a:r>
-          </a:p>
-          <a:p>
-            <a:pPr marL="285750" indent="-285750">
-              <a:buFontTx/>
-              <a:buChar char="-"/>
+              <a:t>How can we tackle a vulnerability?</a:t>
+            </a:r>
+          </a:p>
+          <a:p>
+            <a:r>
+              <a:rPr lang="en-US" dirty="0"/>
+              <a:t>There is 2 options:</a:t>
+            </a:r>
+          </a:p>
+          <a:p>
+            <a:pPr marL="342900" indent="-342900">
+              <a:buAutoNum type="arabicParenR"/>
             </a:pPr>
             <a:r>
               <a:rPr lang="en-US" dirty="0"/>
-              <a:t>Fixing a vulnerability require to analyze and understand it to identify which modification must be performed (sometimes it  require a deep refactoring because it affect the design itself).</a:t>
-            </a:r>
-          </a:p>
-          <a:p>
-            <a:pPr marL="285750" indent="-285750">
-              <a:buFontTx/>
-              <a:buChar char="-"/>
+              <a:t>We fix it so we remove the root cause of the problem and then the vulnerability disappear.</a:t>
+            </a:r>
+          </a:p>
+          <a:p>
+            <a:pPr marL="342900" indent="-342900">
+              <a:buAutoNum type="arabicParenR"/>
             </a:pPr>
             <a:r>
               <a:rPr lang="en-US" dirty="0"/>
-              <a:t>Require to modify a feature so it imply to test the update to prevent any regression or new functional bug (side effect).</a:t>
-            </a:r>
-          </a:p>
-          <a:p>
-            <a:pPr marL="285750" indent="-285750">
-              <a:buFontTx/>
-              <a:buChar char="-"/>
-            </a:pPr>
-            <a:r>
-              <a:rPr lang="en-US" dirty="0"/>
-              <a:t>The two step above need time but sometimes we do not have this time immediately: Example of a sales online site needed to be up in the Christmas period.</a:t>
-            </a:r>
-          </a:p>
-          <a:p>
-            <a:endParaRPr lang="en-US" dirty="0"/>
-          </a:p>
-          <a:p>
-            <a:r>
-              <a:rPr lang="en-US" dirty="0"/>
-              <a:t>It’s here that come HTTP security headers, they can allow us to “buy this time” by made the vulnerability (</a:t>
+              <a:t>We made it (</a:t>
             </a:r>
             <a:r>
               <a:rPr lang="en-US" dirty="0" err="1"/>
@@ -23975,8 +24687,29 @@
             </a:r>
             <a:r>
               <a:rPr lang="en-US" dirty="0"/>
-              <a:t>) exploitable…</a:t>
-            </a:r>
+              <a:t>) exploitable.</a:t>
+            </a:r>
+          </a:p>
+          <a:p>
+            <a:pPr marL="342900" indent="-342900">
+              <a:buAutoNum type="arabicParenR"/>
+            </a:pPr>
+            <a:endParaRPr lang="en-US" dirty="0"/>
+          </a:p>
+          <a:p>
+            <a:r>
+              <a:rPr lang="en-US" dirty="0"/>
+              <a:t>Option 1 is the recommended one but it’s not always possible…</a:t>
+            </a:r>
+          </a:p>
+          <a:p>
+            <a:endParaRPr lang="en-US" dirty="0"/>
+          </a:p>
+          <a:p>
+            <a:pPr marL="342900" indent="-342900">
+              <a:buAutoNum type="arabicParenR"/>
+            </a:pPr>
+            <a:endParaRPr lang="en-US" dirty="0"/>
           </a:p>
         </p:txBody>
       </p:sp>
@@ -24084,7 +24817,7 @@
     </p:spTree>
     <p:extLst>
       <p:ext uri="{BB962C8B-B14F-4D97-AF65-F5344CB8AC3E}">
-        <p14:creationId xmlns:p14="http://schemas.microsoft.com/office/powerpoint/2010/main" val="2249700122"/>
+        <p14:creationId xmlns:p14="http://schemas.microsoft.com/office/powerpoint/2010/main" val="927322962"/>
       </p:ext>
     </p:extLst>
   </p:cSld>
@@ -24130,7 +24863,7 @@
         <p:spPr>
           <a:xfrm>
             <a:off x="134636" y="136525"/>
-            <a:ext cx="11711375" cy="1204912"/>
+            <a:ext cx="8828131" cy="1204912"/>
           </a:xfrm>
         </p:spPr>
         <p:txBody>
@@ -24139,7 +24872,15 @@
           <a:p>
             <a:r>
               <a:rPr lang="en-US" dirty="0"/>
-              <a:t>Part 3 - The browser, this ally From a security perspective</a:t>
+              <a:t>Part 2 - </a:t>
+            </a:r>
+            <a:r>
+              <a:rPr lang="en-US" dirty="0" err="1"/>
+              <a:t>Vulnerabilty</a:t>
+            </a:r>
+            <a:r>
+              <a:rPr lang="en-US" dirty="0"/>
+              <a:t> common context</a:t>
             </a:r>
           </a:p>
         </p:txBody>
@@ -24163,7 +24904,7 @@
         <p:spPr>
           <a:xfrm>
             <a:off x="134636" y="1494221"/>
-            <a:ext cx="4264369" cy="4544113"/>
+            <a:ext cx="10409795" cy="4544113"/>
           </a:xfrm>
         </p:spPr>
         <p:txBody>
@@ -24171,8 +24912,8 @@
           <a:lstStyle/>
           <a:p>
             <a:r>
-              <a:rPr lang="en-US" dirty="0"/>
-              <a:t>Nowadays, browsers embed a bundle of powerful security features: </a:t>
+              <a:rPr lang="en-US" b="1" dirty="0"/>
+              <a:t>Behind the scene of fixing a vulnerability…</a:t>
             </a:r>
           </a:p>
           <a:p>
@@ -24182,37 +24923,7 @@
             </a:pPr>
             <a:r>
               <a:rPr lang="en-US" dirty="0"/>
-              <a:t>Cookies attributes dedicated to security (</a:t>
-            </a:r>
-            <a:r>
-              <a:rPr lang="en-US" dirty="0">
-                <a:hlinkClick r:id="rId2"/>
-              </a:rPr>
-              <a:t>HttpOnly</a:t>
-            </a:r>
-            <a:r>
-              <a:rPr lang="en-US" dirty="0"/>
-              <a:t>, </a:t>
-            </a:r>
-            <a:r>
-              <a:rPr lang="en-US" dirty="0">
-                <a:hlinkClick r:id="rId2"/>
-              </a:rPr>
-              <a:t>Secure</a:t>
-            </a:r>
-            <a:r>
-              <a:rPr lang="en-US" dirty="0"/>
-              <a:t>, </a:t>
-            </a:r>
-            <a:r>
-              <a:rPr lang="en-US" dirty="0">
-                <a:hlinkClick r:id="rId3"/>
-              </a:rPr>
-              <a:t>SameSite</a:t>
-            </a:r>
-            <a:r>
-              <a:rPr lang="en-US" dirty="0"/>
-              <a:t>), </a:t>
+              <a:t>Fixing a vulnerability require to analyze and understand it to identify which modification must be performed (sometimes it  require a deep refactoring because it affect the design itself).</a:t>
             </a:r>
           </a:p>
           <a:p>
@@ -24222,7 +24933,7 @@
             </a:pPr>
             <a:r>
               <a:rPr lang="en-US" dirty="0"/>
-              <a:t>Page execution sandbox, </a:t>
+              <a:t>Require to modify a feature so it imply to test the update to prevent any regression or new functional bug (side effect).</a:t>
             </a:r>
           </a:p>
           <a:p>
@@ -24232,74 +24943,25 @@
             </a:pPr>
             <a:r>
               <a:rPr lang="en-US" dirty="0"/>
-              <a:t>Plugins execution sandbox,</a:t>
-            </a:r>
-          </a:p>
-          <a:p>
-            <a:pPr marL="285750" indent="-285750">
-              <a:buFontTx/>
-              <a:buChar char="-"/>
-            </a:pPr>
-            <a:r>
-              <a:rPr lang="en-US" dirty="0"/>
-              <a:t>System process isolation,</a:t>
-            </a:r>
-          </a:p>
-          <a:p>
-            <a:pPr marL="285750" indent="-285750">
-              <a:buFontTx/>
-              <a:buChar char="-"/>
-            </a:pPr>
-            <a:r>
-              <a:rPr lang="en-US" dirty="0"/>
-              <a:t>Cryptographic </a:t>
-            </a:r>
-            <a:r>
-              <a:rPr lang="en-US" dirty="0">
-                <a:hlinkClick r:id="rId4"/>
-              </a:rPr>
-              <a:t>JavaScript native API</a:t>
-            </a:r>
-            <a:r>
-              <a:rPr lang="en-US" dirty="0"/>
-              <a:t>,</a:t>
-            </a:r>
-          </a:p>
-          <a:p>
-            <a:pPr marL="285750" indent="-285750">
-              <a:buFontTx/>
-              <a:buChar char="-"/>
-            </a:pPr>
-            <a:r>
-              <a:rPr lang="en-US" dirty="0"/>
-              <a:t>Auto-update of the browser itself and installed plugins,</a:t>
-            </a:r>
-          </a:p>
-          <a:p>
-            <a:pPr marL="285750" indent="-285750">
-              <a:buFontTx/>
-              <a:buChar char="-"/>
-            </a:pPr>
-            <a:r>
-              <a:rPr lang="en-US" dirty="0"/>
-              <a:t>…</a:t>
-            </a:r>
-          </a:p>
-          <a:p>
-            <a:pPr marL="285750" indent="-285750">
-              <a:buFontTx/>
-              <a:buChar char="-"/>
-            </a:pPr>
-            <a:r>
-              <a:rPr lang="en-US" b="1" dirty="0"/>
-              <a:t>HTTP headers.</a:t>
+              <a:t>The two step above need time but sometimes we do not have this time immediately: Example of a sales online site needed to be up in the Christmas period.</a:t>
             </a:r>
           </a:p>
           <a:p>
             <a:endParaRPr lang="en-US" dirty="0"/>
           </a:p>
           <a:p>
-            <a:endParaRPr lang="en-US" dirty="0"/>
+            <a:r>
+              <a:rPr lang="en-US" dirty="0"/>
+              <a:t>It’s here that come HTTP security headers, they can allow us to “buy this time” by made the vulnerability (</a:t>
+            </a:r>
+            <a:r>
+              <a:rPr lang="en-US" dirty="0" err="1"/>
+              <a:t>not|hardly</a:t>
+            </a:r>
+            <a:r>
+              <a:rPr lang="en-US" dirty="0"/>
+              <a:t>) exploitable…</a:t>
+            </a:r>
           </a:p>
         </p:txBody>
       </p:sp>
@@ -24404,40 +25066,10 @@
           </a:p>
         </p:txBody>
       </p:sp>
-      <p:pic>
-        <p:nvPicPr>
-          <p:cNvPr id="8" name="Picture 7">
-            <a:extLst>
-              <a:ext uri="{FF2B5EF4-FFF2-40B4-BE49-F238E27FC236}">
-                <a16:creationId xmlns:a16="http://schemas.microsoft.com/office/drawing/2014/main" id="{7032A922-F15D-B110-49D9-66BB8083BA32}"/>
-              </a:ext>
-            </a:extLst>
-          </p:cNvPr>
-          <p:cNvPicPr>
-            <a:picLocks noChangeAspect="1"/>
-          </p:cNvPicPr>
-          <p:nvPr/>
-        </p:nvPicPr>
-        <p:blipFill>
-          <a:blip r:embed="rId5"/>
-          <a:stretch>
-            <a:fillRect/>
-          </a:stretch>
-        </p:blipFill>
-        <p:spPr>
-          <a:xfrm>
-            <a:off x="4641009" y="1931772"/>
-            <a:ext cx="7270634" cy="4106562"/>
-          </a:xfrm>
-          <a:prstGeom prst="rect">
-            <a:avLst/>
-          </a:prstGeom>
-        </p:spPr>
-      </p:pic>
     </p:spTree>
     <p:extLst>
       <p:ext uri="{BB962C8B-B14F-4D97-AF65-F5344CB8AC3E}">
-        <p14:creationId xmlns:p14="http://schemas.microsoft.com/office/powerpoint/2010/main" val="1802634430"/>
+        <p14:creationId xmlns:p14="http://schemas.microsoft.com/office/powerpoint/2010/main" val="2249700122"/>
       </p:ext>
     </p:extLst>
   </p:cSld>
@@ -24492,7 +25124,7 @@
           <a:p>
             <a:r>
               <a:rPr lang="en-US" dirty="0"/>
-              <a:t>Part 3 - The browser, this ally from a security perspective</a:t>
+              <a:t>Part 3 - The browser, this ally From a security perspective</a:t>
             </a:r>
           </a:p>
         </p:txBody>
@@ -24516,7 +25148,7 @@
         <p:spPr>
           <a:xfrm>
             <a:off x="134636" y="1494221"/>
-            <a:ext cx="11777278" cy="4544113"/>
+            <a:ext cx="4264369" cy="4544113"/>
           </a:xfrm>
         </p:spPr>
         <p:txBody>
@@ -24525,8 +25157,134 @@
           <a:p>
             <a:r>
               <a:rPr lang="en-US" dirty="0"/>
-              <a:t>However, browsers and their web features are moving fast…</a:t>
-            </a:r>
+              <a:t>Nowadays, browsers embed a bundle of powerful security features: </a:t>
+            </a:r>
+          </a:p>
+          <a:p>
+            <a:pPr marL="285750" indent="-285750">
+              <a:buFontTx/>
+              <a:buChar char="-"/>
+            </a:pPr>
+            <a:r>
+              <a:rPr lang="en-US" dirty="0"/>
+              <a:t>Cookies attributes dedicated to security (</a:t>
+            </a:r>
+            <a:r>
+              <a:rPr lang="en-US" dirty="0">
+                <a:hlinkClick r:id="rId2"/>
+              </a:rPr>
+              <a:t>HttpOnly</a:t>
+            </a:r>
+            <a:r>
+              <a:rPr lang="en-US" dirty="0"/>
+              <a:t>, </a:t>
+            </a:r>
+            <a:r>
+              <a:rPr lang="en-US" dirty="0">
+                <a:hlinkClick r:id="rId2"/>
+              </a:rPr>
+              <a:t>Secure</a:t>
+            </a:r>
+            <a:r>
+              <a:rPr lang="en-US" dirty="0"/>
+              <a:t>, </a:t>
+            </a:r>
+            <a:r>
+              <a:rPr lang="en-US" dirty="0">
+                <a:hlinkClick r:id="rId3"/>
+              </a:rPr>
+              <a:t>SameSite</a:t>
+            </a:r>
+            <a:r>
+              <a:rPr lang="en-US" dirty="0"/>
+              <a:t>), </a:t>
+            </a:r>
+          </a:p>
+          <a:p>
+            <a:pPr marL="285750" indent="-285750">
+              <a:buFontTx/>
+              <a:buChar char="-"/>
+            </a:pPr>
+            <a:r>
+              <a:rPr lang="en-US" dirty="0"/>
+              <a:t>Page execution sandbox, </a:t>
+            </a:r>
+          </a:p>
+          <a:p>
+            <a:pPr marL="285750" indent="-285750">
+              <a:buFontTx/>
+              <a:buChar char="-"/>
+            </a:pPr>
+            <a:r>
+              <a:rPr lang="en-US" dirty="0"/>
+              <a:t>Plugins execution sandbox,</a:t>
+            </a:r>
+          </a:p>
+          <a:p>
+            <a:pPr marL="285750" indent="-285750">
+              <a:buFontTx/>
+              <a:buChar char="-"/>
+            </a:pPr>
+            <a:r>
+              <a:rPr lang="en-US" dirty="0"/>
+              <a:t>System process isolation,</a:t>
+            </a:r>
+          </a:p>
+          <a:p>
+            <a:pPr marL="285750" indent="-285750">
+              <a:buFontTx/>
+              <a:buChar char="-"/>
+            </a:pPr>
+            <a:r>
+              <a:rPr lang="en-US" dirty="0"/>
+              <a:t>Cryptographic </a:t>
+            </a:r>
+            <a:r>
+              <a:rPr lang="en-US" dirty="0">
+                <a:hlinkClick r:id="rId4"/>
+              </a:rPr>
+              <a:t>JavaScript native API</a:t>
+            </a:r>
+            <a:r>
+              <a:rPr lang="en-US" dirty="0"/>
+              <a:t>,</a:t>
+            </a:r>
+          </a:p>
+          <a:p>
+            <a:pPr marL="285750" indent="-285750">
+              <a:buFontTx/>
+              <a:buChar char="-"/>
+            </a:pPr>
+            <a:r>
+              <a:rPr lang="en-US" dirty="0"/>
+              <a:t>Auto-update of the browser itself and installed plugins,</a:t>
+            </a:r>
+          </a:p>
+          <a:p>
+            <a:pPr marL="285750" indent="-285750">
+              <a:buFontTx/>
+              <a:buChar char="-"/>
+            </a:pPr>
+            <a:r>
+              <a:rPr lang="en-US" dirty="0"/>
+              <a:t>…</a:t>
+            </a:r>
+          </a:p>
+          <a:p>
+            <a:pPr marL="285750" indent="-285750">
+              <a:buFontTx/>
+              <a:buChar char="-"/>
+            </a:pPr>
+            <a:r>
+              <a:rPr lang="en-US" b="1" dirty="0"/>
+              <a:t>HTTP headers.</a:t>
+            </a:r>
+          </a:p>
+          <a:p>
+            <a:endParaRPr lang="en-US" dirty="0"/>
+          </a:p>
+          <a:p>
+            <a:endParaRPr lang="en-US" dirty="0"/>
           </a:p>
         </p:txBody>
       </p:sp>
@@ -24631,53 +25389,12 @@
           </a:p>
         </p:txBody>
       </p:sp>
-      <p:sp>
-        <p:nvSpPr>
-          <p:cNvPr id="9" name="TextBox 8">
-            <a:extLst>
-              <a:ext uri="{FF2B5EF4-FFF2-40B4-BE49-F238E27FC236}">
-                <a16:creationId xmlns:a16="http://schemas.microsoft.com/office/drawing/2014/main" id="{0A3065DB-3237-1C15-9AAD-C6E28BC2B531}"/>
-              </a:ext>
-            </a:extLst>
-          </p:cNvPr>
-          <p:cNvSpPr txBox="1"/>
-          <p:nvPr/>
-        </p:nvSpPr>
-        <p:spPr>
-          <a:xfrm>
-            <a:off x="7323438" y="6199355"/>
-            <a:ext cx="4934465" cy="369332"/>
-          </a:xfrm>
-          <a:prstGeom prst="rect">
-            <a:avLst/>
-          </a:prstGeom>
-          <a:noFill/>
-        </p:spPr>
-        <p:txBody>
-          <a:bodyPr wrap="square" rtlCol="0">
-            <a:spAutoFit/>
-          </a:bodyPr>
-          <a:lstStyle/>
-          <a:p>
-            <a:r>
-              <a:rPr lang="en-US" dirty="0">
-                <a:hlinkClick r:id="rId2"/>
-              </a:rPr>
-              <a:t>https://chromiumdash.appspot.com/schedule</a:t>
-            </a:r>
-            <a:r>
-              <a:rPr lang="en-US" dirty="0"/>
-              <a:t> </a:t>
-            </a:r>
-          </a:p>
-        </p:txBody>
-      </p:sp>
       <p:pic>
         <p:nvPicPr>
-          <p:cNvPr id="11" name="Picture 10">
-            <a:extLst>
-              <a:ext uri="{FF2B5EF4-FFF2-40B4-BE49-F238E27FC236}">
-                <a16:creationId xmlns:a16="http://schemas.microsoft.com/office/drawing/2014/main" id="{FD43BC2D-7F6E-D859-2C3A-A3EDBD3315F6}"/>
+          <p:cNvPr id="8" name="Picture 7">
+            <a:extLst>
+              <a:ext uri="{FF2B5EF4-FFF2-40B4-BE49-F238E27FC236}">
+                <a16:creationId xmlns:a16="http://schemas.microsoft.com/office/drawing/2014/main" id="{7032A922-F15D-B110-49D9-66BB8083BA32}"/>
               </a:ext>
             </a:extLst>
           </p:cNvPr>
@@ -24687,15 +25404,15 @@
           <p:nvPr/>
         </p:nvPicPr>
         <p:blipFill>
-          <a:blip r:embed="rId3"/>
+          <a:blip r:embed="rId5"/>
           <a:stretch>
             <a:fillRect/>
           </a:stretch>
         </p:blipFill>
         <p:spPr>
           <a:xfrm>
-            <a:off x="280086" y="1870147"/>
-            <a:ext cx="6565557" cy="4848410"/>
+            <a:off x="4641009" y="1931772"/>
+            <a:ext cx="7270634" cy="4106562"/>
           </a:xfrm>
           <a:prstGeom prst="rect">
             <a:avLst/>
@@ -24705,7 +25422,7 @@
     </p:spTree>
     <p:extLst>
       <p:ext uri="{BB962C8B-B14F-4D97-AF65-F5344CB8AC3E}">
-        <p14:creationId xmlns:p14="http://schemas.microsoft.com/office/powerpoint/2010/main" val="811712510"/>
+        <p14:creationId xmlns:p14="http://schemas.microsoft.com/office/powerpoint/2010/main" val="1802634430"/>
       </p:ext>
     </p:extLst>
   </p:cSld>
@@ -25507,15 +26224,6 @@
 </file>
 
 <file path=customXml/item1.xml><?xml version="1.0" encoding="utf-8"?>
-<?mso-contentType ?>
-<FormTemplates xmlns="http://schemas.microsoft.com/sharepoint/v3/contenttype/forms">
-  <Display>DocumentLibraryForm</Display>
-  <Edit>DocumentLibraryForm</Edit>
-  <New>DocumentLibraryForm</New>
-</FormTemplates>
-</file>
-
-<file path=customXml/item2.xml><?xml version="1.0" encoding="utf-8"?>
 <p:properties xmlns:p="http://schemas.microsoft.com/office/2006/metadata/properties" xmlns:xsi="http://www.w3.org/2001/XMLSchema-instance" xmlns:pc="http://schemas.microsoft.com/office/infopath/2007/PartnerControls">
   <documentManagement>
     <_ip_UnifiedCompliancePolicyUIAction xmlns="http://schemas.microsoft.com/sharepoint/v3" xsi:nil="true"/>
@@ -25532,6 +26240,15 @@
     <MediaServiceKeyPoints xmlns="71af3243-3dd4-4a8d-8c0d-dd76da1f02a5" xsi:nil="true"/>
   </documentManagement>
 </p:properties>
+</file>
+
+<file path=customXml/item2.xml><?xml version="1.0" encoding="utf-8"?>
+<?mso-contentType ?>
+<FormTemplates xmlns="http://schemas.microsoft.com/sharepoint/v3/contenttype/forms">
+  <Display>DocumentLibraryForm</Display>
+  <Edit>DocumentLibraryForm</Edit>
+  <New>DocumentLibraryForm</New>
+</FormTemplates>
 </file>
 
 <file path=customXml/item3.xml><?xml version="1.0" encoding="utf-8"?>
@@ -25811,14 +26528,6 @@
 </file>
 
 <file path=customXml/itemProps1.xml><?xml version="1.0" encoding="utf-8"?>
-<ds:datastoreItem xmlns:ds="http://schemas.openxmlformats.org/officeDocument/2006/customXml" ds:itemID="{0FD6FE22-81A0-4500-AFD0-342D21BB9A2C}">
-  <ds:schemaRefs>
-    <ds:schemaRef ds:uri="http://schemas.microsoft.com/sharepoint/v3/contenttype/forms"/>
-  </ds:schemaRefs>
-</ds:datastoreItem>
-</file>
-
-<file path=customXml/itemProps2.xml><?xml version="1.0" encoding="utf-8"?>
 <ds:datastoreItem xmlns:ds="http://schemas.openxmlformats.org/officeDocument/2006/customXml" ds:itemID="{29C43685-694E-4579-B109-3C418D49DA65}">
   <ds:schemaRefs>
     <ds:schemaRef ds:uri="http://schemas.microsoft.com/office/2006/metadata/properties"/>
@@ -25826,6 +26535,14 @@
     <ds:schemaRef ds:uri="http://schemas.microsoft.com/sharepoint/v3"/>
     <ds:schemaRef ds:uri="71af3243-3dd4-4a8d-8c0d-dd76da1f02a5"/>
     <ds:schemaRef ds:uri="230e9df3-be65-4c73-a93b-d1236ebd677e"/>
+  </ds:schemaRefs>
+</ds:datastoreItem>
+</file>
+
+<file path=customXml/itemProps2.xml><?xml version="1.0" encoding="utf-8"?>
+<ds:datastoreItem xmlns:ds="http://schemas.openxmlformats.org/officeDocument/2006/customXml" ds:itemID="{0FD6FE22-81A0-4500-AFD0-342D21BB9A2C}">
+  <ds:schemaRefs>
+    <ds:schemaRef ds:uri="http://schemas.microsoft.com/sharepoint/v3/contenttype/forms"/>
   </ds:schemaRefs>
 </ds:datastoreItem>
 </file>
